--- a/data/analysis/figures-paper/Figure_6.pptx
+++ b/data/analysis/figures-paper/Figure_6.pptx
@@ -7,7 +7,7 @@
   <p:sldIdLst>
     <p:sldId id="257" r:id="rId2"/>
   </p:sldIdLst>
-  <p:sldSz cx="9144000" cy="6858000" type="screen4x3"/>
+  <p:sldSz cx="6858000" cy="9906000" type="A4"/>
   <p:notesSz cx="6858000" cy="9144000"/>
   <p:defaultTextStyle>
     <a:defPPr>
@@ -104,6 +104,22 @@
       </a:defRPr>
     </a:lvl9pPr>
   </p:defaultTextStyle>
+  <p:extLst>
+    <p:ext uri="{EFAFB233-063F-42B5-8137-9DF3F51BA10A}">
+      <p15:sldGuideLst xmlns:p15="http://schemas.microsoft.com/office/powerpoint/2012/main">
+        <p15:guide id="1" orient="horz" pos="3120" userDrawn="1">
+          <p15:clr>
+            <a:srgbClr val="A4A3A4"/>
+          </p15:clr>
+        </p15:guide>
+        <p15:guide id="2" pos="2160" userDrawn="1">
+          <p15:clr>
+            <a:srgbClr val="A4A3A4"/>
+          </p15:clr>
+        </p15:guide>
+      </p15:sldGuideLst>
+    </p:ext>
+  </p:extLst>
 </p:presentation>
 </file>
 
@@ -136,8 +152,8 @@
         </p:nvSpPr>
         <p:spPr>
           <a:xfrm>
-            <a:off x="685800" y="2130425"/>
-            <a:ext cx="7772400" cy="1470025"/>
+            <a:off x="514350" y="3077282"/>
+            <a:ext cx="5829300" cy="2123369"/>
           </a:xfrm>
         </p:spPr>
         <p:txBody>
@@ -164,8 +180,8 @@
         </p:nvSpPr>
         <p:spPr>
           <a:xfrm>
-            <a:off x="1371600" y="3886200"/>
-            <a:ext cx="6400800" cy="1752600"/>
+            <a:off x="1028700" y="5613400"/>
+            <a:ext cx="4800600" cy="2531533"/>
           </a:xfrm>
         </p:spPr>
         <p:txBody>
@@ -181,7 +197,7 @@
                 </a:solidFill>
               </a:defRPr>
             </a:lvl1pPr>
-            <a:lvl2pPr marL="457200" indent="0" algn="ctr">
+            <a:lvl2pPr marL="342900" indent="0" algn="ctr">
               <a:buNone/>
               <a:defRPr>
                 <a:solidFill>
@@ -191,7 +207,7 @@
                 </a:solidFill>
               </a:defRPr>
             </a:lvl2pPr>
-            <a:lvl3pPr marL="914400" indent="0" algn="ctr">
+            <a:lvl3pPr marL="685800" indent="0" algn="ctr">
               <a:buNone/>
               <a:defRPr>
                 <a:solidFill>
@@ -201,7 +217,7 @@
                 </a:solidFill>
               </a:defRPr>
             </a:lvl3pPr>
-            <a:lvl4pPr marL="1371600" indent="0" algn="ctr">
+            <a:lvl4pPr marL="1028700" indent="0" algn="ctr">
               <a:buNone/>
               <a:defRPr>
                 <a:solidFill>
@@ -211,7 +227,7 @@
                 </a:solidFill>
               </a:defRPr>
             </a:lvl4pPr>
-            <a:lvl5pPr marL="1828800" indent="0" algn="ctr">
+            <a:lvl5pPr marL="1371600" indent="0" algn="ctr">
               <a:buNone/>
               <a:defRPr>
                 <a:solidFill>
@@ -221,7 +237,7 @@
                 </a:solidFill>
               </a:defRPr>
             </a:lvl5pPr>
-            <a:lvl6pPr marL="2286000" indent="0" algn="ctr">
+            <a:lvl6pPr marL="1714500" indent="0" algn="ctr">
               <a:buNone/>
               <a:defRPr>
                 <a:solidFill>
@@ -231,7 +247,7 @@
                 </a:solidFill>
               </a:defRPr>
             </a:lvl6pPr>
-            <a:lvl7pPr marL="2743200" indent="0" algn="ctr">
+            <a:lvl7pPr marL="2057400" indent="0" algn="ctr">
               <a:buNone/>
               <a:defRPr>
                 <a:solidFill>
@@ -241,7 +257,7 @@
                 </a:solidFill>
               </a:defRPr>
             </a:lvl7pPr>
-            <a:lvl8pPr marL="3200400" indent="0" algn="ctr">
+            <a:lvl8pPr marL="2400300" indent="0" algn="ctr">
               <a:buNone/>
               <a:defRPr>
                 <a:solidFill>
@@ -251,7 +267,7 @@
                 </a:solidFill>
               </a:defRPr>
             </a:lvl8pPr>
-            <a:lvl9pPr marL="3657600" indent="0" algn="ctr">
+            <a:lvl9pPr marL="2743200" indent="0" algn="ctr">
               <a:buNone/>
               <a:defRPr>
                 <a:solidFill>
@@ -288,7 +304,7 @@
           <a:p>
             <a:fld id="{03116C29-372C-4CAE-9655-21C2AD9073A4}" type="datetimeFigureOut">
               <a:rPr lang="en-US" smtClean="0"/>
-              <a:t>6/3/2013</a:t>
+              <a:t>8/20/2013</a:t>
             </a:fld>
             <a:endParaRPr lang="en-US"/>
           </a:p>
@@ -458,7 +474,7 @@
           <a:p>
             <a:fld id="{03116C29-372C-4CAE-9655-21C2AD9073A4}" type="datetimeFigureOut">
               <a:rPr lang="en-US" smtClean="0"/>
-              <a:t>6/3/2013</a:t>
+              <a:t>8/20/2013</a:t>
             </a:fld>
             <a:endParaRPr lang="en-US"/>
           </a:p>
@@ -548,8 +564,8 @@
         </p:nvSpPr>
         <p:spPr>
           <a:xfrm>
-            <a:off x="6629400" y="274638"/>
-            <a:ext cx="2057400" cy="5851525"/>
+            <a:off x="4972050" y="396700"/>
+            <a:ext cx="1543050" cy="8452203"/>
           </a:xfrm>
         </p:spPr>
         <p:txBody>
@@ -576,8 +592,8 @@
         </p:nvSpPr>
         <p:spPr>
           <a:xfrm>
-            <a:off x="457200" y="274638"/>
-            <a:ext cx="6019800" cy="5851525"/>
+            <a:off x="342900" y="396700"/>
+            <a:ext cx="4514850" cy="8452203"/>
           </a:xfrm>
         </p:spPr>
         <p:txBody>
@@ -638,7 +654,7 @@
           <a:p>
             <a:fld id="{03116C29-372C-4CAE-9655-21C2AD9073A4}" type="datetimeFigureOut">
               <a:rPr lang="en-US" smtClean="0"/>
-              <a:t>6/3/2013</a:t>
+              <a:t>8/20/2013</a:t>
             </a:fld>
             <a:endParaRPr lang="en-US"/>
           </a:p>
@@ -808,7 +824,7 @@
           <a:p>
             <a:fld id="{03116C29-372C-4CAE-9655-21C2AD9073A4}" type="datetimeFigureOut">
               <a:rPr lang="en-US" smtClean="0"/>
-              <a:t>6/3/2013</a:t>
+              <a:t>8/20/2013</a:t>
             </a:fld>
             <a:endParaRPr lang="en-US"/>
           </a:p>
@@ -898,15 +914,15 @@
         </p:nvSpPr>
         <p:spPr>
           <a:xfrm>
-            <a:off x="722313" y="4406900"/>
-            <a:ext cx="7772400" cy="1362075"/>
+            <a:off x="541735" y="6365523"/>
+            <a:ext cx="5829300" cy="1967442"/>
           </a:xfrm>
         </p:spPr>
         <p:txBody>
           <a:bodyPr anchor="t"/>
           <a:lstStyle>
             <a:lvl1pPr algn="l">
-              <a:defRPr sz="4000" b="1" cap="all"/>
+              <a:defRPr sz="3000" b="1" cap="all"/>
             </a:lvl1pPr>
           </a:lstStyle>
           <a:p>
@@ -930,8 +946,8 @@
         </p:nvSpPr>
         <p:spPr>
           <a:xfrm>
-            <a:off x="722313" y="2906713"/>
-            <a:ext cx="7772400" cy="1500187"/>
+            <a:off x="541735" y="4198586"/>
+            <a:ext cx="5829300" cy="2166937"/>
           </a:xfrm>
         </p:spPr>
         <p:txBody>
@@ -939,7 +955,7 @@
           <a:lstStyle>
             <a:lvl1pPr marL="0" indent="0">
               <a:buNone/>
-              <a:defRPr sz="2000">
+              <a:defRPr sz="1500">
                 <a:solidFill>
                   <a:schemeClr val="tx1">
                     <a:tint val="75000"/>
@@ -947,9 +963,9 @@
                 </a:solidFill>
               </a:defRPr>
             </a:lvl1pPr>
-            <a:lvl2pPr marL="457200" indent="0">
-              <a:buNone/>
-              <a:defRPr sz="1800">
+            <a:lvl2pPr marL="342900" indent="0">
+              <a:buNone/>
+              <a:defRPr sz="1350">
                 <a:solidFill>
                   <a:schemeClr val="tx1">
                     <a:tint val="75000"/>
@@ -957,9 +973,9 @@
                 </a:solidFill>
               </a:defRPr>
             </a:lvl2pPr>
-            <a:lvl3pPr marL="914400" indent="0">
-              <a:buNone/>
-              <a:defRPr sz="1600">
+            <a:lvl3pPr marL="685800" indent="0">
+              <a:buNone/>
+              <a:defRPr sz="1200">
                 <a:solidFill>
                   <a:schemeClr val="tx1">
                     <a:tint val="75000"/>
@@ -967,9 +983,9 @@
                 </a:solidFill>
               </a:defRPr>
             </a:lvl3pPr>
-            <a:lvl4pPr marL="1371600" indent="0">
-              <a:buNone/>
-              <a:defRPr sz="1400">
+            <a:lvl4pPr marL="1028700" indent="0">
+              <a:buNone/>
+              <a:defRPr sz="1050">
                 <a:solidFill>
                   <a:schemeClr val="tx1">
                     <a:tint val="75000"/>
@@ -977,9 +993,9 @@
                 </a:solidFill>
               </a:defRPr>
             </a:lvl4pPr>
-            <a:lvl5pPr marL="1828800" indent="0">
-              <a:buNone/>
-              <a:defRPr sz="1400">
+            <a:lvl5pPr marL="1371600" indent="0">
+              <a:buNone/>
+              <a:defRPr sz="1050">
                 <a:solidFill>
                   <a:schemeClr val="tx1">
                     <a:tint val="75000"/>
@@ -987,9 +1003,9 @@
                 </a:solidFill>
               </a:defRPr>
             </a:lvl5pPr>
-            <a:lvl6pPr marL="2286000" indent="0">
-              <a:buNone/>
-              <a:defRPr sz="1400">
+            <a:lvl6pPr marL="1714500" indent="0">
+              <a:buNone/>
+              <a:defRPr sz="1050">
                 <a:solidFill>
                   <a:schemeClr val="tx1">
                     <a:tint val="75000"/>
@@ -997,9 +1013,9 @@
                 </a:solidFill>
               </a:defRPr>
             </a:lvl6pPr>
-            <a:lvl7pPr marL="2743200" indent="0">
-              <a:buNone/>
-              <a:defRPr sz="1400">
+            <a:lvl7pPr marL="2057400" indent="0">
+              <a:buNone/>
+              <a:defRPr sz="1050">
                 <a:solidFill>
                   <a:schemeClr val="tx1">
                     <a:tint val="75000"/>
@@ -1007,9 +1023,9 @@
                 </a:solidFill>
               </a:defRPr>
             </a:lvl7pPr>
-            <a:lvl8pPr marL="3200400" indent="0">
-              <a:buNone/>
-              <a:defRPr sz="1400">
+            <a:lvl8pPr marL="2400300" indent="0">
+              <a:buNone/>
+              <a:defRPr sz="1050">
                 <a:solidFill>
                   <a:schemeClr val="tx1">
                     <a:tint val="75000"/>
@@ -1017,9 +1033,9 @@
                 </a:solidFill>
               </a:defRPr>
             </a:lvl8pPr>
-            <a:lvl9pPr marL="3657600" indent="0">
-              <a:buNone/>
-              <a:defRPr sz="1400">
+            <a:lvl9pPr marL="2743200" indent="0">
+              <a:buNone/>
+              <a:defRPr sz="1050">
                 <a:solidFill>
                   <a:schemeClr val="tx1">
                     <a:tint val="75000"/>
@@ -1054,7 +1070,7 @@
           <a:p>
             <a:fld id="{03116C29-372C-4CAE-9655-21C2AD9073A4}" type="datetimeFigureOut">
               <a:rPr lang="en-US" smtClean="0"/>
-              <a:t>6/3/2013</a:t>
+              <a:t>8/20/2013</a:t>
             </a:fld>
             <a:endParaRPr lang="en-US"/>
           </a:p>
@@ -1167,39 +1183,39 @@
         </p:nvSpPr>
         <p:spPr>
           <a:xfrm>
-            <a:off x="457200" y="1600200"/>
-            <a:ext cx="4038600" cy="4525963"/>
+            <a:off x="342900" y="2311401"/>
+            <a:ext cx="3028950" cy="6537502"/>
           </a:xfrm>
         </p:spPr>
         <p:txBody>
           <a:bodyPr/>
           <a:lstStyle>
             <a:lvl1pPr>
-              <a:defRPr sz="2800"/>
+              <a:defRPr sz="2100"/>
             </a:lvl1pPr>
             <a:lvl2pPr>
-              <a:defRPr sz="2400"/>
+              <a:defRPr sz="1800"/>
             </a:lvl2pPr>
             <a:lvl3pPr>
-              <a:defRPr sz="2000"/>
+              <a:defRPr sz="1500"/>
             </a:lvl3pPr>
             <a:lvl4pPr>
-              <a:defRPr sz="1800"/>
+              <a:defRPr sz="1350"/>
             </a:lvl4pPr>
             <a:lvl5pPr>
-              <a:defRPr sz="1800"/>
+              <a:defRPr sz="1350"/>
             </a:lvl5pPr>
             <a:lvl6pPr>
-              <a:defRPr sz="1800"/>
+              <a:defRPr sz="1350"/>
             </a:lvl6pPr>
             <a:lvl7pPr>
-              <a:defRPr sz="1800"/>
+              <a:defRPr sz="1350"/>
             </a:lvl7pPr>
             <a:lvl8pPr>
-              <a:defRPr sz="1800"/>
+              <a:defRPr sz="1350"/>
             </a:lvl8pPr>
             <a:lvl9pPr>
-              <a:defRPr sz="1800"/>
+              <a:defRPr sz="1350"/>
             </a:lvl9pPr>
           </a:lstStyle>
           <a:p>
@@ -1252,39 +1268,39 @@
         </p:nvSpPr>
         <p:spPr>
           <a:xfrm>
-            <a:off x="4648200" y="1600200"/>
-            <a:ext cx="4038600" cy="4525963"/>
+            <a:off x="3486150" y="2311401"/>
+            <a:ext cx="3028950" cy="6537502"/>
           </a:xfrm>
         </p:spPr>
         <p:txBody>
           <a:bodyPr/>
           <a:lstStyle>
             <a:lvl1pPr>
-              <a:defRPr sz="2800"/>
+              <a:defRPr sz="2100"/>
             </a:lvl1pPr>
             <a:lvl2pPr>
-              <a:defRPr sz="2400"/>
+              <a:defRPr sz="1800"/>
             </a:lvl2pPr>
             <a:lvl3pPr>
-              <a:defRPr sz="2000"/>
+              <a:defRPr sz="1500"/>
             </a:lvl3pPr>
             <a:lvl4pPr>
-              <a:defRPr sz="1800"/>
+              <a:defRPr sz="1350"/>
             </a:lvl4pPr>
             <a:lvl5pPr>
-              <a:defRPr sz="1800"/>
+              <a:defRPr sz="1350"/>
             </a:lvl5pPr>
             <a:lvl6pPr>
-              <a:defRPr sz="1800"/>
+              <a:defRPr sz="1350"/>
             </a:lvl6pPr>
             <a:lvl7pPr>
-              <a:defRPr sz="1800"/>
+              <a:defRPr sz="1350"/>
             </a:lvl7pPr>
             <a:lvl8pPr>
-              <a:defRPr sz="1800"/>
+              <a:defRPr sz="1350"/>
             </a:lvl8pPr>
             <a:lvl9pPr>
-              <a:defRPr sz="1800"/>
+              <a:defRPr sz="1350"/>
             </a:lvl9pPr>
           </a:lstStyle>
           <a:p>
@@ -1342,7 +1358,7 @@
           <a:p>
             <a:fld id="{03116C29-372C-4CAE-9655-21C2AD9073A4}" type="datetimeFigureOut">
               <a:rPr lang="en-US" smtClean="0"/>
-              <a:t>6/3/2013</a:t>
+              <a:t>8/20/2013</a:t>
             </a:fld>
             <a:endParaRPr lang="en-US"/>
           </a:p>
@@ -1459,8 +1475,8 @@
         </p:nvSpPr>
         <p:spPr>
           <a:xfrm>
-            <a:off x="457200" y="1535113"/>
-            <a:ext cx="4040188" cy="639762"/>
+            <a:off x="342900" y="2217385"/>
+            <a:ext cx="3030141" cy="924101"/>
           </a:xfrm>
         </p:spPr>
         <p:txBody>
@@ -1468,39 +1484,39 @@
           <a:lstStyle>
             <a:lvl1pPr marL="0" indent="0">
               <a:buNone/>
-              <a:defRPr sz="2400" b="1"/>
+              <a:defRPr sz="1800" b="1"/>
             </a:lvl1pPr>
-            <a:lvl2pPr marL="457200" indent="0">
-              <a:buNone/>
-              <a:defRPr sz="2000" b="1"/>
+            <a:lvl2pPr marL="342900" indent="0">
+              <a:buNone/>
+              <a:defRPr sz="1500" b="1"/>
             </a:lvl2pPr>
-            <a:lvl3pPr marL="914400" indent="0">
-              <a:buNone/>
-              <a:defRPr sz="1800" b="1"/>
+            <a:lvl3pPr marL="685800" indent="0">
+              <a:buNone/>
+              <a:defRPr sz="1350" b="1"/>
             </a:lvl3pPr>
-            <a:lvl4pPr marL="1371600" indent="0">
-              <a:buNone/>
-              <a:defRPr sz="1600" b="1"/>
+            <a:lvl4pPr marL="1028700" indent="0">
+              <a:buNone/>
+              <a:defRPr sz="1200" b="1"/>
             </a:lvl4pPr>
-            <a:lvl5pPr marL="1828800" indent="0">
-              <a:buNone/>
-              <a:defRPr sz="1600" b="1"/>
+            <a:lvl5pPr marL="1371600" indent="0">
+              <a:buNone/>
+              <a:defRPr sz="1200" b="1"/>
             </a:lvl5pPr>
-            <a:lvl6pPr marL="2286000" indent="0">
-              <a:buNone/>
-              <a:defRPr sz="1600" b="1"/>
+            <a:lvl6pPr marL="1714500" indent="0">
+              <a:buNone/>
+              <a:defRPr sz="1200" b="1"/>
             </a:lvl6pPr>
-            <a:lvl7pPr marL="2743200" indent="0">
-              <a:buNone/>
-              <a:defRPr sz="1600" b="1"/>
+            <a:lvl7pPr marL="2057400" indent="0">
+              <a:buNone/>
+              <a:defRPr sz="1200" b="1"/>
             </a:lvl7pPr>
-            <a:lvl8pPr marL="3200400" indent="0">
-              <a:buNone/>
-              <a:defRPr sz="1600" b="1"/>
+            <a:lvl8pPr marL="2400300" indent="0">
+              <a:buNone/>
+              <a:defRPr sz="1200" b="1"/>
             </a:lvl8pPr>
-            <a:lvl9pPr marL="3657600" indent="0">
-              <a:buNone/>
-              <a:defRPr sz="1600" b="1"/>
+            <a:lvl9pPr marL="2743200" indent="0">
+              <a:buNone/>
+              <a:defRPr sz="1200" b="1"/>
             </a:lvl9pPr>
           </a:lstStyle>
           <a:p>
@@ -1524,39 +1540,39 @@
         </p:nvSpPr>
         <p:spPr>
           <a:xfrm>
-            <a:off x="457200" y="2174875"/>
-            <a:ext cx="4040188" cy="3951288"/>
+            <a:off x="342900" y="3141486"/>
+            <a:ext cx="3030141" cy="5707416"/>
           </a:xfrm>
         </p:spPr>
         <p:txBody>
           <a:bodyPr/>
           <a:lstStyle>
             <a:lvl1pPr>
-              <a:defRPr sz="2400"/>
+              <a:defRPr sz="1800"/>
             </a:lvl1pPr>
             <a:lvl2pPr>
-              <a:defRPr sz="2000"/>
+              <a:defRPr sz="1500"/>
             </a:lvl2pPr>
             <a:lvl3pPr>
-              <a:defRPr sz="1800"/>
+              <a:defRPr sz="1350"/>
             </a:lvl3pPr>
             <a:lvl4pPr>
-              <a:defRPr sz="1600"/>
+              <a:defRPr sz="1200"/>
             </a:lvl4pPr>
             <a:lvl5pPr>
-              <a:defRPr sz="1600"/>
+              <a:defRPr sz="1200"/>
             </a:lvl5pPr>
             <a:lvl6pPr>
-              <a:defRPr sz="1600"/>
+              <a:defRPr sz="1200"/>
             </a:lvl6pPr>
             <a:lvl7pPr>
-              <a:defRPr sz="1600"/>
+              <a:defRPr sz="1200"/>
             </a:lvl7pPr>
             <a:lvl8pPr>
-              <a:defRPr sz="1600"/>
+              <a:defRPr sz="1200"/>
             </a:lvl8pPr>
             <a:lvl9pPr>
-              <a:defRPr sz="1600"/>
+              <a:defRPr sz="1200"/>
             </a:lvl9pPr>
           </a:lstStyle>
           <a:p>
@@ -1609,8 +1625,8 @@
         </p:nvSpPr>
         <p:spPr>
           <a:xfrm>
-            <a:off x="4645025" y="1535113"/>
-            <a:ext cx="4041775" cy="639762"/>
+            <a:off x="3483769" y="2217385"/>
+            <a:ext cx="3031331" cy="924101"/>
           </a:xfrm>
         </p:spPr>
         <p:txBody>
@@ -1618,39 +1634,39 @@
           <a:lstStyle>
             <a:lvl1pPr marL="0" indent="0">
               <a:buNone/>
-              <a:defRPr sz="2400" b="1"/>
+              <a:defRPr sz="1800" b="1"/>
             </a:lvl1pPr>
-            <a:lvl2pPr marL="457200" indent="0">
-              <a:buNone/>
-              <a:defRPr sz="2000" b="1"/>
+            <a:lvl2pPr marL="342900" indent="0">
+              <a:buNone/>
+              <a:defRPr sz="1500" b="1"/>
             </a:lvl2pPr>
-            <a:lvl3pPr marL="914400" indent="0">
-              <a:buNone/>
-              <a:defRPr sz="1800" b="1"/>
+            <a:lvl3pPr marL="685800" indent="0">
+              <a:buNone/>
+              <a:defRPr sz="1350" b="1"/>
             </a:lvl3pPr>
-            <a:lvl4pPr marL="1371600" indent="0">
-              <a:buNone/>
-              <a:defRPr sz="1600" b="1"/>
+            <a:lvl4pPr marL="1028700" indent="0">
+              <a:buNone/>
+              <a:defRPr sz="1200" b="1"/>
             </a:lvl4pPr>
-            <a:lvl5pPr marL="1828800" indent="0">
-              <a:buNone/>
-              <a:defRPr sz="1600" b="1"/>
+            <a:lvl5pPr marL="1371600" indent="0">
+              <a:buNone/>
+              <a:defRPr sz="1200" b="1"/>
             </a:lvl5pPr>
-            <a:lvl6pPr marL="2286000" indent="0">
-              <a:buNone/>
-              <a:defRPr sz="1600" b="1"/>
+            <a:lvl6pPr marL="1714500" indent="0">
+              <a:buNone/>
+              <a:defRPr sz="1200" b="1"/>
             </a:lvl6pPr>
-            <a:lvl7pPr marL="2743200" indent="0">
-              <a:buNone/>
-              <a:defRPr sz="1600" b="1"/>
+            <a:lvl7pPr marL="2057400" indent="0">
+              <a:buNone/>
+              <a:defRPr sz="1200" b="1"/>
             </a:lvl7pPr>
-            <a:lvl8pPr marL="3200400" indent="0">
-              <a:buNone/>
-              <a:defRPr sz="1600" b="1"/>
+            <a:lvl8pPr marL="2400300" indent="0">
+              <a:buNone/>
+              <a:defRPr sz="1200" b="1"/>
             </a:lvl8pPr>
-            <a:lvl9pPr marL="3657600" indent="0">
-              <a:buNone/>
-              <a:defRPr sz="1600" b="1"/>
+            <a:lvl9pPr marL="2743200" indent="0">
+              <a:buNone/>
+              <a:defRPr sz="1200" b="1"/>
             </a:lvl9pPr>
           </a:lstStyle>
           <a:p>
@@ -1674,39 +1690,39 @@
         </p:nvSpPr>
         <p:spPr>
           <a:xfrm>
-            <a:off x="4645025" y="2174875"/>
-            <a:ext cx="4041775" cy="3951288"/>
+            <a:off x="3483769" y="3141486"/>
+            <a:ext cx="3031331" cy="5707416"/>
           </a:xfrm>
         </p:spPr>
         <p:txBody>
           <a:bodyPr/>
           <a:lstStyle>
             <a:lvl1pPr>
-              <a:defRPr sz="2400"/>
+              <a:defRPr sz="1800"/>
             </a:lvl1pPr>
             <a:lvl2pPr>
-              <a:defRPr sz="2000"/>
+              <a:defRPr sz="1500"/>
             </a:lvl2pPr>
             <a:lvl3pPr>
-              <a:defRPr sz="1800"/>
+              <a:defRPr sz="1350"/>
             </a:lvl3pPr>
             <a:lvl4pPr>
-              <a:defRPr sz="1600"/>
+              <a:defRPr sz="1200"/>
             </a:lvl4pPr>
             <a:lvl5pPr>
-              <a:defRPr sz="1600"/>
+              <a:defRPr sz="1200"/>
             </a:lvl5pPr>
             <a:lvl6pPr>
-              <a:defRPr sz="1600"/>
+              <a:defRPr sz="1200"/>
             </a:lvl6pPr>
             <a:lvl7pPr>
-              <a:defRPr sz="1600"/>
+              <a:defRPr sz="1200"/>
             </a:lvl7pPr>
             <a:lvl8pPr>
-              <a:defRPr sz="1600"/>
+              <a:defRPr sz="1200"/>
             </a:lvl8pPr>
             <a:lvl9pPr>
-              <a:defRPr sz="1600"/>
+              <a:defRPr sz="1200"/>
             </a:lvl9pPr>
           </a:lstStyle>
           <a:p>
@@ -1764,7 +1780,7 @@
           <a:p>
             <a:fld id="{03116C29-372C-4CAE-9655-21C2AD9073A4}" type="datetimeFigureOut">
               <a:rPr lang="en-US" smtClean="0"/>
-              <a:t>6/3/2013</a:t>
+              <a:t>8/20/2013</a:t>
             </a:fld>
             <a:endParaRPr lang="en-US"/>
           </a:p>
@@ -1882,7 +1898,7 @@
           <a:p>
             <a:fld id="{03116C29-372C-4CAE-9655-21C2AD9073A4}" type="datetimeFigureOut">
               <a:rPr lang="en-US" smtClean="0"/>
-              <a:t>6/3/2013</a:t>
+              <a:t>8/20/2013</a:t>
             </a:fld>
             <a:endParaRPr lang="en-US"/>
           </a:p>
@@ -1977,7 +1993,7 @@
           <a:p>
             <a:fld id="{03116C29-372C-4CAE-9655-21C2AD9073A4}" type="datetimeFigureOut">
               <a:rPr lang="en-US" smtClean="0"/>
-              <a:t>6/3/2013</a:t>
+              <a:t>8/20/2013</a:t>
             </a:fld>
             <a:endParaRPr lang="en-US"/>
           </a:p>
@@ -2067,15 +2083,15 @@
         </p:nvSpPr>
         <p:spPr>
           <a:xfrm>
-            <a:off x="457200" y="273050"/>
-            <a:ext cx="3008313" cy="1162050"/>
+            <a:off x="342900" y="394405"/>
+            <a:ext cx="2256235" cy="1678517"/>
           </a:xfrm>
         </p:spPr>
         <p:txBody>
           <a:bodyPr anchor="b"/>
           <a:lstStyle>
             <a:lvl1pPr algn="l">
-              <a:defRPr sz="2000" b="1"/>
+              <a:defRPr sz="1500" b="1"/>
             </a:lvl1pPr>
           </a:lstStyle>
           <a:p>
@@ -2099,39 +2115,39 @@
         </p:nvSpPr>
         <p:spPr>
           <a:xfrm>
-            <a:off x="3575050" y="273050"/>
-            <a:ext cx="5111750" cy="5853113"/>
+            <a:off x="2681287" y="394406"/>
+            <a:ext cx="3833813" cy="8454497"/>
           </a:xfrm>
         </p:spPr>
         <p:txBody>
           <a:bodyPr/>
           <a:lstStyle>
             <a:lvl1pPr>
-              <a:defRPr sz="3200"/>
+              <a:defRPr sz="2400"/>
             </a:lvl1pPr>
             <a:lvl2pPr>
-              <a:defRPr sz="2800"/>
+              <a:defRPr sz="2100"/>
             </a:lvl2pPr>
             <a:lvl3pPr>
-              <a:defRPr sz="2400"/>
+              <a:defRPr sz="1800"/>
             </a:lvl3pPr>
             <a:lvl4pPr>
-              <a:defRPr sz="2000"/>
+              <a:defRPr sz="1500"/>
             </a:lvl4pPr>
             <a:lvl5pPr>
-              <a:defRPr sz="2000"/>
+              <a:defRPr sz="1500"/>
             </a:lvl5pPr>
             <a:lvl6pPr>
-              <a:defRPr sz="2000"/>
+              <a:defRPr sz="1500"/>
             </a:lvl6pPr>
             <a:lvl7pPr>
-              <a:defRPr sz="2000"/>
+              <a:defRPr sz="1500"/>
             </a:lvl7pPr>
             <a:lvl8pPr>
-              <a:defRPr sz="2000"/>
+              <a:defRPr sz="1500"/>
             </a:lvl8pPr>
             <a:lvl9pPr>
-              <a:defRPr sz="2000"/>
+              <a:defRPr sz="1500"/>
             </a:lvl9pPr>
           </a:lstStyle>
           <a:p>
@@ -2184,8 +2200,8 @@
         </p:nvSpPr>
         <p:spPr>
           <a:xfrm>
-            <a:off x="457200" y="1435100"/>
-            <a:ext cx="3008313" cy="4691063"/>
+            <a:off x="342900" y="2072923"/>
+            <a:ext cx="2256235" cy="6775980"/>
           </a:xfrm>
         </p:spPr>
         <p:txBody>
@@ -2193,39 +2209,39 @@
           <a:lstStyle>
             <a:lvl1pPr marL="0" indent="0">
               <a:buNone/>
-              <a:defRPr sz="1400"/>
+              <a:defRPr sz="1050"/>
             </a:lvl1pPr>
-            <a:lvl2pPr marL="457200" indent="0">
-              <a:buNone/>
-              <a:defRPr sz="1200"/>
+            <a:lvl2pPr marL="342900" indent="0">
+              <a:buNone/>
+              <a:defRPr sz="900"/>
             </a:lvl2pPr>
-            <a:lvl3pPr marL="914400" indent="0">
-              <a:buNone/>
-              <a:defRPr sz="1000"/>
+            <a:lvl3pPr marL="685800" indent="0">
+              <a:buNone/>
+              <a:defRPr sz="750"/>
             </a:lvl3pPr>
-            <a:lvl4pPr marL="1371600" indent="0">
-              <a:buNone/>
-              <a:defRPr sz="900"/>
+            <a:lvl4pPr marL="1028700" indent="0">
+              <a:buNone/>
+              <a:defRPr sz="675"/>
             </a:lvl4pPr>
-            <a:lvl5pPr marL="1828800" indent="0">
-              <a:buNone/>
-              <a:defRPr sz="900"/>
+            <a:lvl5pPr marL="1371600" indent="0">
+              <a:buNone/>
+              <a:defRPr sz="675"/>
             </a:lvl5pPr>
-            <a:lvl6pPr marL="2286000" indent="0">
-              <a:buNone/>
-              <a:defRPr sz="900"/>
+            <a:lvl6pPr marL="1714500" indent="0">
+              <a:buNone/>
+              <a:defRPr sz="675"/>
             </a:lvl6pPr>
-            <a:lvl7pPr marL="2743200" indent="0">
-              <a:buNone/>
-              <a:defRPr sz="900"/>
+            <a:lvl7pPr marL="2057400" indent="0">
+              <a:buNone/>
+              <a:defRPr sz="675"/>
             </a:lvl7pPr>
-            <a:lvl8pPr marL="3200400" indent="0">
-              <a:buNone/>
-              <a:defRPr sz="900"/>
+            <a:lvl8pPr marL="2400300" indent="0">
+              <a:buNone/>
+              <a:defRPr sz="675"/>
             </a:lvl8pPr>
-            <a:lvl9pPr marL="3657600" indent="0">
-              <a:buNone/>
-              <a:defRPr sz="900"/>
+            <a:lvl9pPr marL="2743200" indent="0">
+              <a:buNone/>
+              <a:defRPr sz="675"/>
             </a:lvl9pPr>
           </a:lstStyle>
           <a:p>
@@ -2254,7 +2270,7 @@
           <a:p>
             <a:fld id="{03116C29-372C-4CAE-9655-21C2AD9073A4}" type="datetimeFigureOut">
               <a:rPr lang="en-US" smtClean="0"/>
-              <a:t>6/3/2013</a:t>
+              <a:t>8/20/2013</a:t>
             </a:fld>
             <a:endParaRPr lang="en-US"/>
           </a:p>
@@ -2344,15 +2360,15 @@
         </p:nvSpPr>
         <p:spPr>
           <a:xfrm>
-            <a:off x="1792288" y="4800600"/>
-            <a:ext cx="5486400" cy="566738"/>
+            <a:off x="1344216" y="6934200"/>
+            <a:ext cx="4114800" cy="818622"/>
           </a:xfrm>
         </p:spPr>
         <p:txBody>
           <a:bodyPr anchor="b"/>
           <a:lstStyle>
             <a:lvl1pPr algn="l">
-              <a:defRPr sz="2000" b="1"/>
+              <a:defRPr sz="1500" b="1"/>
             </a:lvl1pPr>
           </a:lstStyle>
           <a:p>
@@ -2376,8 +2392,8 @@
         </p:nvSpPr>
         <p:spPr>
           <a:xfrm>
-            <a:off x="1792288" y="612775"/>
-            <a:ext cx="5486400" cy="4114800"/>
+            <a:off x="1344216" y="885119"/>
+            <a:ext cx="4114800" cy="5943600"/>
           </a:xfrm>
         </p:spPr>
         <p:txBody>
@@ -2385,39 +2401,39 @@
           <a:lstStyle>
             <a:lvl1pPr marL="0" indent="0">
               <a:buNone/>
-              <a:defRPr sz="3200"/>
+              <a:defRPr sz="2400"/>
             </a:lvl1pPr>
-            <a:lvl2pPr marL="457200" indent="0">
-              <a:buNone/>
-              <a:defRPr sz="2800"/>
+            <a:lvl2pPr marL="342900" indent="0">
+              <a:buNone/>
+              <a:defRPr sz="2100"/>
             </a:lvl2pPr>
-            <a:lvl3pPr marL="914400" indent="0">
-              <a:buNone/>
-              <a:defRPr sz="2400"/>
+            <a:lvl3pPr marL="685800" indent="0">
+              <a:buNone/>
+              <a:defRPr sz="1800"/>
             </a:lvl3pPr>
-            <a:lvl4pPr marL="1371600" indent="0">
-              <a:buNone/>
-              <a:defRPr sz="2000"/>
+            <a:lvl4pPr marL="1028700" indent="0">
+              <a:buNone/>
+              <a:defRPr sz="1500"/>
             </a:lvl4pPr>
-            <a:lvl5pPr marL="1828800" indent="0">
-              <a:buNone/>
-              <a:defRPr sz="2000"/>
+            <a:lvl5pPr marL="1371600" indent="0">
+              <a:buNone/>
+              <a:defRPr sz="1500"/>
             </a:lvl5pPr>
-            <a:lvl6pPr marL="2286000" indent="0">
-              <a:buNone/>
-              <a:defRPr sz="2000"/>
+            <a:lvl6pPr marL="1714500" indent="0">
+              <a:buNone/>
+              <a:defRPr sz="1500"/>
             </a:lvl6pPr>
-            <a:lvl7pPr marL="2743200" indent="0">
-              <a:buNone/>
-              <a:defRPr sz="2000"/>
+            <a:lvl7pPr marL="2057400" indent="0">
+              <a:buNone/>
+              <a:defRPr sz="1500"/>
             </a:lvl7pPr>
-            <a:lvl8pPr marL="3200400" indent="0">
-              <a:buNone/>
-              <a:defRPr sz="2000"/>
+            <a:lvl8pPr marL="2400300" indent="0">
+              <a:buNone/>
+              <a:defRPr sz="1500"/>
             </a:lvl8pPr>
-            <a:lvl9pPr marL="3657600" indent="0">
-              <a:buNone/>
-              <a:defRPr sz="2000"/>
+            <a:lvl9pPr marL="2743200" indent="0">
+              <a:buNone/>
+              <a:defRPr sz="1500"/>
             </a:lvl9pPr>
           </a:lstStyle>
           <a:p>
@@ -2437,8 +2453,8 @@
         </p:nvSpPr>
         <p:spPr>
           <a:xfrm>
-            <a:off x="1792288" y="5367338"/>
-            <a:ext cx="5486400" cy="804862"/>
+            <a:off x="1344216" y="7752822"/>
+            <a:ext cx="4114800" cy="1162578"/>
           </a:xfrm>
         </p:spPr>
         <p:txBody>
@@ -2446,39 +2462,39 @@
           <a:lstStyle>
             <a:lvl1pPr marL="0" indent="0">
               <a:buNone/>
-              <a:defRPr sz="1400"/>
+              <a:defRPr sz="1050"/>
             </a:lvl1pPr>
-            <a:lvl2pPr marL="457200" indent="0">
-              <a:buNone/>
-              <a:defRPr sz="1200"/>
+            <a:lvl2pPr marL="342900" indent="0">
+              <a:buNone/>
+              <a:defRPr sz="900"/>
             </a:lvl2pPr>
-            <a:lvl3pPr marL="914400" indent="0">
-              <a:buNone/>
-              <a:defRPr sz="1000"/>
+            <a:lvl3pPr marL="685800" indent="0">
+              <a:buNone/>
+              <a:defRPr sz="750"/>
             </a:lvl3pPr>
-            <a:lvl4pPr marL="1371600" indent="0">
-              <a:buNone/>
-              <a:defRPr sz="900"/>
+            <a:lvl4pPr marL="1028700" indent="0">
+              <a:buNone/>
+              <a:defRPr sz="675"/>
             </a:lvl4pPr>
-            <a:lvl5pPr marL="1828800" indent="0">
-              <a:buNone/>
-              <a:defRPr sz="900"/>
+            <a:lvl5pPr marL="1371600" indent="0">
+              <a:buNone/>
+              <a:defRPr sz="675"/>
             </a:lvl5pPr>
-            <a:lvl6pPr marL="2286000" indent="0">
-              <a:buNone/>
-              <a:defRPr sz="900"/>
+            <a:lvl6pPr marL="1714500" indent="0">
+              <a:buNone/>
+              <a:defRPr sz="675"/>
             </a:lvl6pPr>
-            <a:lvl7pPr marL="2743200" indent="0">
-              <a:buNone/>
-              <a:defRPr sz="900"/>
+            <a:lvl7pPr marL="2057400" indent="0">
+              <a:buNone/>
+              <a:defRPr sz="675"/>
             </a:lvl7pPr>
-            <a:lvl8pPr marL="3200400" indent="0">
-              <a:buNone/>
-              <a:defRPr sz="900"/>
+            <a:lvl8pPr marL="2400300" indent="0">
+              <a:buNone/>
+              <a:defRPr sz="675"/>
             </a:lvl8pPr>
-            <a:lvl9pPr marL="3657600" indent="0">
-              <a:buNone/>
-              <a:defRPr sz="900"/>
+            <a:lvl9pPr marL="2743200" indent="0">
+              <a:buNone/>
+              <a:defRPr sz="675"/>
             </a:lvl9pPr>
           </a:lstStyle>
           <a:p>
@@ -2507,7 +2523,7 @@
           <a:p>
             <a:fld id="{03116C29-372C-4CAE-9655-21C2AD9073A4}" type="datetimeFigureOut">
               <a:rPr lang="en-US" smtClean="0"/>
-              <a:t>6/3/2013</a:t>
+              <a:t>8/20/2013</a:t>
             </a:fld>
             <a:endParaRPr lang="en-US"/>
           </a:p>
@@ -2602,8 +2618,8 @@
         </p:nvSpPr>
         <p:spPr>
           <a:xfrm>
-            <a:off x="457200" y="274638"/>
-            <a:ext cx="8229600" cy="1143000"/>
+            <a:off x="342900" y="396699"/>
+            <a:ext cx="6172200" cy="1651000"/>
           </a:xfrm>
           <a:prstGeom prst="rect">
             <a:avLst/>
@@ -2635,8 +2651,8 @@
         </p:nvSpPr>
         <p:spPr>
           <a:xfrm>
-            <a:off x="457200" y="1600200"/>
-            <a:ext cx="8229600" cy="4525963"/>
+            <a:off x="342900" y="2311401"/>
+            <a:ext cx="6172200" cy="6537502"/>
           </a:xfrm>
           <a:prstGeom prst="rect">
             <a:avLst/>
@@ -2697,8 +2713,8 @@
         </p:nvSpPr>
         <p:spPr>
           <a:xfrm>
-            <a:off x="457200" y="6356350"/>
-            <a:ext cx="2133600" cy="365125"/>
+            <a:off x="342900" y="9181395"/>
+            <a:ext cx="1600200" cy="527403"/>
           </a:xfrm>
           <a:prstGeom prst="rect">
             <a:avLst/>
@@ -2708,7 +2724,7 @@
           <a:bodyPr vert="horz" lIns="91440" tIns="45720" rIns="91440" bIns="45720" rtlCol="0" anchor="ctr"/>
           <a:lstStyle>
             <a:lvl1pPr algn="l">
-              <a:defRPr sz="1200">
+              <a:defRPr sz="900">
                 <a:solidFill>
                   <a:schemeClr val="tx1">
                     <a:tint val="75000"/>
@@ -2720,7 +2736,7 @@
           <a:p>
             <a:fld id="{03116C29-372C-4CAE-9655-21C2AD9073A4}" type="datetimeFigureOut">
               <a:rPr lang="en-US" smtClean="0"/>
-              <a:t>6/3/2013</a:t>
+              <a:t>8/20/2013</a:t>
             </a:fld>
             <a:endParaRPr lang="en-US"/>
           </a:p>
@@ -2738,8 +2754,8 @@
         </p:nvSpPr>
         <p:spPr>
           <a:xfrm>
-            <a:off x="3124200" y="6356350"/>
-            <a:ext cx="2895600" cy="365125"/>
+            <a:off x="2343150" y="9181395"/>
+            <a:ext cx="2171700" cy="527403"/>
           </a:xfrm>
           <a:prstGeom prst="rect">
             <a:avLst/>
@@ -2749,7 +2765,7 @@
           <a:bodyPr vert="horz" lIns="91440" tIns="45720" rIns="91440" bIns="45720" rtlCol="0" anchor="ctr"/>
           <a:lstStyle>
             <a:lvl1pPr algn="ctr">
-              <a:defRPr sz="1200">
+              <a:defRPr sz="900">
                 <a:solidFill>
                   <a:schemeClr val="tx1">
                     <a:tint val="75000"/>
@@ -2775,8 +2791,8 @@
         </p:nvSpPr>
         <p:spPr>
           <a:xfrm>
-            <a:off x="6553200" y="6356350"/>
-            <a:ext cx="2133600" cy="365125"/>
+            <a:off x="4914900" y="9181395"/>
+            <a:ext cx="1600200" cy="527403"/>
           </a:xfrm>
           <a:prstGeom prst="rect">
             <a:avLst/>
@@ -2786,7 +2802,7 @@
           <a:bodyPr vert="horz" lIns="91440" tIns="45720" rIns="91440" bIns="45720" rtlCol="0" anchor="ctr"/>
           <a:lstStyle>
             <a:lvl1pPr algn="r">
-              <a:defRPr sz="1200">
+              <a:defRPr sz="900">
                 <a:solidFill>
                   <a:schemeClr val="tx1">
                     <a:tint val="75000"/>
@@ -2827,12 +2843,12 @@
   </p:sldLayoutIdLst>
   <p:txStyles>
     <p:titleStyle>
-      <a:lvl1pPr algn="ctr" defTabSz="914400" rtl="0" eaLnBrk="1" latinLnBrk="0" hangingPunct="1">
+      <a:lvl1pPr algn="ctr" defTabSz="685800" rtl="0" eaLnBrk="1" latinLnBrk="0" hangingPunct="1">
         <a:spcBef>
           <a:spcPct val="0"/>
         </a:spcBef>
         <a:buNone/>
-        <a:defRPr sz="4400" kern="1200">
+        <a:defRPr sz="3300" kern="1200">
           <a:solidFill>
             <a:schemeClr val="tx1"/>
           </a:solidFill>
@@ -2843,37 +2859,7 @@
       </a:lvl1pPr>
     </p:titleStyle>
     <p:bodyStyle>
-      <a:lvl1pPr marL="342900" indent="-342900" algn="l" defTabSz="914400" rtl="0" eaLnBrk="1" latinLnBrk="0" hangingPunct="1">
-        <a:spcBef>
-          <a:spcPct val="20000"/>
-        </a:spcBef>
-        <a:buFont typeface="Arial" pitchFamily="34" charset="0"/>
-        <a:buChar char="•"/>
-        <a:defRPr sz="3200" kern="1200">
-          <a:solidFill>
-            <a:schemeClr val="tx1"/>
-          </a:solidFill>
-          <a:latin typeface="+mn-lt"/>
-          <a:ea typeface="+mn-ea"/>
-          <a:cs typeface="+mn-cs"/>
-        </a:defRPr>
-      </a:lvl1pPr>
-      <a:lvl2pPr marL="742950" indent="-285750" algn="l" defTabSz="914400" rtl="0" eaLnBrk="1" latinLnBrk="0" hangingPunct="1">
-        <a:spcBef>
-          <a:spcPct val="20000"/>
-        </a:spcBef>
-        <a:buFont typeface="Arial" pitchFamily="34" charset="0"/>
-        <a:buChar char="–"/>
-        <a:defRPr sz="2800" kern="1200">
-          <a:solidFill>
-            <a:schemeClr val="tx1"/>
-          </a:solidFill>
-          <a:latin typeface="+mn-lt"/>
-          <a:ea typeface="+mn-ea"/>
-          <a:cs typeface="+mn-cs"/>
-        </a:defRPr>
-      </a:lvl2pPr>
-      <a:lvl3pPr marL="1143000" indent="-228600" algn="l" defTabSz="914400" rtl="0" eaLnBrk="1" latinLnBrk="0" hangingPunct="1">
+      <a:lvl1pPr marL="257175" indent="-257175" algn="l" defTabSz="685800" rtl="0" eaLnBrk="1" latinLnBrk="0" hangingPunct="1">
         <a:spcBef>
           <a:spcPct val="20000"/>
         </a:spcBef>
@@ -2887,14 +2873,44 @@
           <a:ea typeface="+mn-ea"/>
           <a:cs typeface="+mn-cs"/>
         </a:defRPr>
-      </a:lvl3pPr>
-      <a:lvl4pPr marL="1600200" indent="-228600" algn="l" defTabSz="914400" rtl="0" eaLnBrk="1" latinLnBrk="0" hangingPunct="1">
+      </a:lvl1pPr>
+      <a:lvl2pPr marL="557213" indent="-214313" algn="l" defTabSz="685800" rtl="0" eaLnBrk="1" latinLnBrk="0" hangingPunct="1">
         <a:spcBef>
           <a:spcPct val="20000"/>
         </a:spcBef>
         <a:buFont typeface="Arial" pitchFamily="34" charset="0"/>
         <a:buChar char="–"/>
-        <a:defRPr sz="2000" kern="1200">
+        <a:defRPr sz="2100" kern="1200">
+          <a:solidFill>
+            <a:schemeClr val="tx1"/>
+          </a:solidFill>
+          <a:latin typeface="+mn-lt"/>
+          <a:ea typeface="+mn-ea"/>
+          <a:cs typeface="+mn-cs"/>
+        </a:defRPr>
+      </a:lvl2pPr>
+      <a:lvl3pPr marL="857250" indent="-171450" algn="l" defTabSz="685800" rtl="0" eaLnBrk="1" latinLnBrk="0" hangingPunct="1">
+        <a:spcBef>
+          <a:spcPct val="20000"/>
+        </a:spcBef>
+        <a:buFont typeface="Arial" pitchFamily="34" charset="0"/>
+        <a:buChar char="•"/>
+        <a:defRPr sz="1800" kern="1200">
+          <a:solidFill>
+            <a:schemeClr val="tx1"/>
+          </a:solidFill>
+          <a:latin typeface="+mn-lt"/>
+          <a:ea typeface="+mn-ea"/>
+          <a:cs typeface="+mn-cs"/>
+        </a:defRPr>
+      </a:lvl3pPr>
+      <a:lvl4pPr marL="1200150" indent="-171450" algn="l" defTabSz="685800" rtl="0" eaLnBrk="1" latinLnBrk="0" hangingPunct="1">
+        <a:spcBef>
+          <a:spcPct val="20000"/>
+        </a:spcBef>
+        <a:buFont typeface="Arial" pitchFamily="34" charset="0"/>
+        <a:buChar char="–"/>
+        <a:defRPr sz="1500" kern="1200">
           <a:solidFill>
             <a:schemeClr val="tx1"/>
           </a:solidFill>
@@ -2903,13 +2919,13 @@
           <a:cs typeface="+mn-cs"/>
         </a:defRPr>
       </a:lvl4pPr>
-      <a:lvl5pPr marL="2057400" indent="-228600" algn="l" defTabSz="914400" rtl="0" eaLnBrk="1" latinLnBrk="0" hangingPunct="1">
+      <a:lvl5pPr marL="1543050" indent="-171450" algn="l" defTabSz="685800" rtl="0" eaLnBrk="1" latinLnBrk="0" hangingPunct="1">
         <a:spcBef>
           <a:spcPct val="20000"/>
         </a:spcBef>
         <a:buFont typeface="Arial" pitchFamily="34" charset="0"/>
         <a:buChar char="»"/>
-        <a:defRPr sz="2000" kern="1200">
+        <a:defRPr sz="1500" kern="1200">
           <a:solidFill>
             <a:schemeClr val="tx1"/>
           </a:solidFill>
@@ -2918,13 +2934,13 @@
           <a:cs typeface="+mn-cs"/>
         </a:defRPr>
       </a:lvl5pPr>
-      <a:lvl6pPr marL="2514600" indent="-228600" algn="l" defTabSz="914400" rtl="0" eaLnBrk="1" latinLnBrk="0" hangingPunct="1">
+      <a:lvl6pPr marL="1885950" indent="-171450" algn="l" defTabSz="685800" rtl="0" eaLnBrk="1" latinLnBrk="0" hangingPunct="1">
         <a:spcBef>
           <a:spcPct val="20000"/>
         </a:spcBef>
         <a:buFont typeface="Arial" pitchFamily="34" charset="0"/>
         <a:buChar char="•"/>
-        <a:defRPr sz="2000" kern="1200">
+        <a:defRPr sz="1500" kern="1200">
           <a:solidFill>
             <a:schemeClr val="tx1"/>
           </a:solidFill>
@@ -2933,13 +2949,13 @@
           <a:cs typeface="+mn-cs"/>
         </a:defRPr>
       </a:lvl6pPr>
-      <a:lvl7pPr marL="2971800" indent="-228600" algn="l" defTabSz="914400" rtl="0" eaLnBrk="1" latinLnBrk="0" hangingPunct="1">
+      <a:lvl7pPr marL="2228850" indent="-171450" algn="l" defTabSz="685800" rtl="0" eaLnBrk="1" latinLnBrk="0" hangingPunct="1">
         <a:spcBef>
           <a:spcPct val="20000"/>
         </a:spcBef>
         <a:buFont typeface="Arial" pitchFamily="34" charset="0"/>
         <a:buChar char="•"/>
-        <a:defRPr sz="2000" kern="1200">
+        <a:defRPr sz="1500" kern="1200">
           <a:solidFill>
             <a:schemeClr val="tx1"/>
           </a:solidFill>
@@ -2948,13 +2964,13 @@
           <a:cs typeface="+mn-cs"/>
         </a:defRPr>
       </a:lvl7pPr>
-      <a:lvl8pPr marL="3429000" indent="-228600" algn="l" defTabSz="914400" rtl="0" eaLnBrk="1" latinLnBrk="0" hangingPunct="1">
+      <a:lvl8pPr marL="2571750" indent="-171450" algn="l" defTabSz="685800" rtl="0" eaLnBrk="1" latinLnBrk="0" hangingPunct="1">
         <a:spcBef>
           <a:spcPct val="20000"/>
         </a:spcBef>
         <a:buFont typeface="Arial" pitchFamily="34" charset="0"/>
         <a:buChar char="•"/>
-        <a:defRPr sz="2000" kern="1200">
+        <a:defRPr sz="1500" kern="1200">
           <a:solidFill>
             <a:schemeClr val="tx1"/>
           </a:solidFill>
@@ -2963,13 +2979,13 @@
           <a:cs typeface="+mn-cs"/>
         </a:defRPr>
       </a:lvl8pPr>
-      <a:lvl9pPr marL="3886200" indent="-228600" algn="l" defTabSz="914400" rtl="0" eaLnBrk="1" latinLnBrk="0" hangingPunct="1">
+      <a:lvl9pPr marL="2914650" indent="-171450" algn="l" defTabSz="685800" rtl="0" eaLnBrk="1" latinLnBrk="0" hangingPunct="1">
         <a:spcBef>
           <a:spcPct val="20000"/>
         </a:spcBef>
         <a:buFont typeface="Arial" pitchFamily="34" charset="0"/>
         <a:buChar char="•"/>
-        <a:defRPr sz="2000" kern="1200">
+        <a:defRPr sz="1500" kern="1200">
           <a:solidFill>
             <a:schemeClr val="tx1"/>
           </a:solidFill>
@@ -2983,8 +2999,8 @@
       <a:defPPr>
         <a:defRPr lang="en-US"/>
       </a:defPPr>
-      <a:lvl1pPr marL="0" algn="l" defTabSz="914400" rtl="0" eaLnBrk="1" latinLnBrk="0" hangingPunct="1">
-        <a:defRPr sz="1800" kern="1200">
+      <a:lvl1pPr marL="0" algn="l" defTabSz="685800" rtl="0" eaLnBrk="1" latinLnBrk="0" hangingPunct="1">
+        <a:defRPr sz="1350" kern="1200">
           <a:solidFill>
             <a:schemeClr val="tx1"/>
           </a:solidFill>
@@ -2993,8 +3009,8 @@
           <a:cs typeface="+mn-cs"/>
         </a:defRPr>
       </a:lvl1pPr>
-      <a:lvl2pPr marL="457200" algn="l" defTabSz="914400" rtl="0" eaLnBrk="1" latinLnBrk="0" hangingPunct="1">
-        <a:defRPr sz="1800" kern="1200">
+      <a:lvl2pPr marL="342900" algn="l" defTabSz="685800" rtl="0" eaLnBrk="1" latinLnBrk="0" hangingPunct="1">
+        <a:defRPr sz="1350" kern="1200">
           <a:solidFill>
             <a:schemeClr val="tx1"/>
           </a:solidFill>
@@ -3003,8 +3019,8 @@
           <a:cs typeface="+mn-cs"/>
         </a:defRPr>
       </a:lvl2pPr>
-      <a:lvl3pPr marL="914400" algn="l" defTabSz="914400" rtl="0" eaLnBrk="1" latinLnBrk="0" hangingPunct="1">
-        <a:defRPr sz="1800" kern="1200">
+      <a:lvl3pPr marL="685800" algn="l" defTabSz="685800" rtl="0" eaLnBrk="1" latinLnBrk="0" hangingPunct="1">
+        <a:defRPr sz="1350" kern="1200">
           <a:solidFill>
             <a:schemeClr val="tx1"/>
           </a:solidFill>
@@ -3013,8 +3029,8 @@
           <a:cs typeface="+mn-cs"/>
         </a:defRPr>
       </a:lvl3pPr>
-      <a:lvl4pPr marL="1371600" algn="l" defTabSz="914400" rtl="0" eaLnBrk="1" latinLnBrk="0" hangingPunct="1">
-        <a:defRPr sz="1800" kern="1200">
+      <a:lvl4pPr marL="1028700" algn="l" defTabSz="685800" rtl="0" eaLnBrk="1" latinLnBrk="0" hangingPunct="1">
+        <a:defRPr sz="1350" kern="1200">
           <a:solidFill>
             <a:schemeClr val="tx1"/>
           </a:solidFill>
@@ -3023,8 +3039,8 @@
           <a:cs typeface="+mn-cs"/>
         </a:defRPr>
       </a:lvl4pPr>
-      <a:lvl5pPr marL="1828800" algn="l" defTabSz="914400" rtl="0" eaLnBrk="1" latinLnBrk="0" hangingPunct="1">
-        <a:defRPr sz="1800" kern="1200">
+      <a:lvl5pPr marL="1371600" algn="l" defTabSz="685800" rtl="0" eaLnBrk="1" latinLnBrk="0" hangingPunct="1">
+        <a:defRPr sz="1350" kern="1200">
           <a:solidFill>
             <a:schemeClr val="tx1"/>
           </a:solidFill>
@@ -3033,8 +3049,8 @@
           <a:cs typeface="+mn-cs"/>
         </a:defRPr>
       </a:lvl5pPr>
-      <a:lvl6pPr marL="2286000" algn="l" defTabSz="914400" rtl="0" eaLnBrk="1" latinLnBrk="0" hangingPunct="1">
-        <a:defRPr sz="1800" kern="1200">
+      <a:lvl6pPr marL="1714500" algn="l" defTabSz="685800" rtl="0" eaLnBrk="1" latinLnBrk="0" hangingPunct="1">
+        <a:defRPr sz="1350" kern="1200">
           <a:solidFill>
             <a:schemeClr val="tx1"/>
           </a:solidFill>
@@ -3043,8 +3059,8 @@
           <a:cs typeface="+mn-cs"/>
         </a:defRPr>
       </a:lvl6pPr>
-      <a:lvl7pPr marL="2743200" algn="l" defTabSz="914400" rtl="0" eaLnBrk="1" latinLnBrk="0" hangingPunct="1">
-        <a:defRPr sz="1800" kern="1200">
+      <a:lvl7pPr marL="2057400" algn="l" defTabSz="685800" rtl="0" eaLnBrk="1" latinLnBrk="0" hangingPunct="1">
+        <a:defRPr sz="1350" kern="1200">
           <a:solidFill>
             <a:schemeClr val="tx1"/>
           </a:solidFill>
@@ -3053,8 +3069,8 @@
           <a:cs typeface="+mn-cs"/>
         </a:defRPr>
       </a:lvl7pPr>
-      <a:lvl8pPr marL="3200400" algn="l" defTabSz="914400" rtl="0" eaLnBrk="1" latinLnBrk="0" hangingPunct="1">
-        <a:defRPr sz="1800" kern="1200">
+      <a:lvl8pPr marL="2400300" algn="l" defTabSz="685800" rtl="0" eaLnBrk="1" latinLnBrk="0" hangingPunct="1">
+        <a:defRPr sz="1350" kern="1200">
           <a:solidFill>
             <a:schemeClr val="tx1"/>
           </a:solidFill>
@@ -3063,8 +3079,8 @@
           <a:cs typeface="+mn-cs"/>
         </a:defRPr>
       </a:lvl8pPr>
-      <a:lvl9pPr marL="3657600" algn="l" defTabSz="914400" rtl="0" eaLnBrk="1" latinLnBrk="0" hangingPunct="1">
-        <a:defRPr sz="1800" kern="1200">
+      <a:lvl9pPr marL="2743200" algn="l" defTabSz="685800" rtl="0" eaLnBrk="1" latinLnBrk="0" hangingPunct="1">
+        <a:defRPr sz="1350" kern="1200">
           <a:solidFill>
             <a:schemeClr val="tx1"/>
           </a:solidFill>
@@ -3103,8 +3119,8 @@
         </p:nvSpPr>
         <p:spPr>
           <a:xfrm>
-            <a:off x="4114800" y="236643"/>
-            <a:ext cx="2522900" cy="1453658"/>
+            <a:off x="3043112" y="318793"/>
+            <a:ext cx="1892175" cy="683949"/>
           </a:xfrm>
           <a:prstGeom prst="roundRect">
             <a:avLst>
@@ -3112,12 +3128,11 @@
             </a:avLst>
           </a:prstGeom>
           <a:solidFill>
-            <a:schemeClr val="accent5">
-              <a:lumMod val="20000"/>
-              <a:lumOff val="80000"/>
+            <a:schemeClr val="bg1">
+              <a:lumMod val="85000"/>
             </a:schemeClr>
           </a:solidFill>
-          <a:ln>
+          <a:ln w="12700">
             <a:solidFill>
               <a:schemeClr val="tx1"/>
             </a:solidFill>
@@ -3144,9 +3159,9 @@
           <a:lstStyle/>
           <a:p>
             <a:pPr algn="ctr"/>
-            <a:endParaRPr lang="en-US">
-              <a:latin typeface="Arial" pitchFamily="34" charset="0"/>
-              <a:cs typeface="Arial" pitchFamily="34" charset="0"/>
+            <a:endParaRPr lang="en-US" sz="1350">
+              <a:latin typeface="Times New Roman" panose="02020603050405020304" pitchFamily="18" charset="0"/>
+              <a:cs typeface="Times New Roman" panose="02020603050405020304" pitchFamily="18" charset="0"/>
             </a:endParaRPr>
           </a:p>
         </p:txBody>
@@ -3159,19 +3174,18 @@
         </p:nvSpPr>
         <p:spPr>
           <a:xfrm>
-            <a:off x="4447355" y="879900"/>
-            <a:ext cx="1809345" cy="496433"/>
+            <a:off x="3916197" y="570688"/>
+            <a:ext cx="922835" cy="318252"/>
           </a:xfrm>
           <a:prstGeom prst="roundRect">
             <a:avLst/>
           </a:prstGeom>
           <a:solidFill>
-            <a:schemeClr val="accent5">
-              <a:lumMod val="40000"/>
-              <a:lumOff val="60000"/>
+            <a:schemeClr val="bg1">
+              <a:lumMod val="95000"/>
             </a:schemeClr>
           </a:solidFill>
-          <a:ln>
+          <a:ln w="12700">
             <a:solidFill>
               <a:schemeClr val="tx1"/>
             </a:solidFill>
@@ -3198,9 +3212,9 @@
           <a:lstStyle/>
           <a:p>
             <a:pPr algn="ctr"/>
-            <a:endParaRPr lang="en-US">
-              <a:latin typeface="Arial" pitchFamily="34" charset="0"/>
-              <a:cs typeface="Arial" pitchFamily="34" charset="0"/>
+            <a:endParaRPr lang="en-US" sz="1350">
+              <a:latin typeface="Times New Roman" panose="02020603050405020304" pitchFamily="18" charset="0"/>
+              <a:cs typeface="Times New Roman" panose="02020603050405020304" pitchFamily="18" charset="0"/>
             </a:endParaRPr>
           </a:p>
         </p:txBody>
@@ -3213,8 +3227,8 @@
         </p:nvSpPr>
         <p:spPr>
           <a:xfrm>
-            <a:off x="108560" y="228600"/>
-            <a:ext cx="3886200" cy="5029200"/>
+            <a:off x="194306" y="288583"/>
+            <a:ext cx="2741823" cy="3064217"/>
           </a:xfrm>
           <a:prstGeom prst="roundRect">
             <a:avLst>
@@ -3222,12 +3236,11 @@
             </a:avLst>
           </a:prstGeom>
           <a:solidFill>
-            <a:schemeClr val="accent5">
-              <a:lumMod val="20000"/>
-              <a:lumOff val="80000"/>
+            <a:schemeClr val="bg1">
+              <a:lumMod val="85000"/>
             </a:schemeClr>
           </a:solidFill>
-          <a:ln>
+          <a:ln w="12700">
             <a:solidFill>
               <a:schemeClr val="tx1"/>
             </a:solidFill>
@@ -3254,34 +3267,218 @@
           <a:lstStyle/>
           <a:p>
             <a:pPr algn="ctr"/>
-            <a:endParaRPr lang="en-US" sz="1200" dirty="0">
-              <a:latin typeface="Arial" pitchFamily="34" charset="0"/>
-              <a:cs typeface="Arial" pitchFamily="34" charset="0"/>
+            <a:endParaRPr lang="en-US" sz="900" dirty="0">
+              <a:latin typeface="Times New Roman" panose="02020603050405020304" pitchFamily="18" charset="0"/>
+              <a:cs typeface="Times New Roman" panose="02020603050405020304" pitchFamily="18" charset="0"/>
             </a:endParaRPr>
           </a:p>
         </p:txBody>
       </p:sp>
       <p:sp>
         <p:nvSpPr>
-          <p:cNvPr id="17" name="Rounded Rectangle 16"/>
+          <p:cNvPr id="5" name="Rectangle 4"/>
           <p:cNvSpPr/>
           <p:nvPr/>
         </p:nvSpPr>
         <p:spPr>
           <a:xfrm>
-            <a:off x="1772054" y="685800"/>
-            <a:ext cx="1809345" cy="815975"/>
+            <a:off x="438625" y="290570"/>
+            <a:ext cx="1794081" cy="230832"/>
+          </a:xfrm>
+          <a:prstGeom prst="rect">
+            <a:avLst/>
+          </a:prstGeom>
+        </p:spPr>
+        <p:txBody>
+          <a:bodyPr wrap="none">
+            <a:spAutoFit/>
+          </a:bodyPr>
+          <a:lstStyle/>
+          <a:p>
+            <a:r>
+              <a:rPr lang="en-US" sz="900" b="1" dirty="0">
+                <a:latin typeface="Times New Roman" panose="02020603050405020304" pitchFamily="18" charset="0"/>
+                <a:cs typeface="Times New Roman" panose="02020603050405020304" pitchFamily="18" charset="0"/>
+              </a:rPr>
+              <a:t>Anti-beta-amyloid binding agent</a:t>
+            </a:r>
+          </a:p>
+        </p:txBody>
+      </p:sp>
+      <p:grpSp>
+        <p:nvGrpSpPr>
+          <p:cNvPr id="2" name="Group 1"/>
+          <p:cNvGrpSpPr/>
+          <p:nvPr/>
+        </p:nvGrpSpPr>
+        <p:grpSpPr>
+          <a:xfrm>
+            <a:off x="1551589" y="713187"/>
+            <a:ext cx="1303918" cy="382084"/>
+            <a:chOff x="1476222" y="634483"/>
+            <a:chExt cx="1303918" cy="382084"/>
+          </a:xfrm>
+        </p:grpSpPr>
+        <p:sp>
+          <p:nvSpPr>
+            <p:cNvPr id="17" name="Rounded Rectangle 16"/>
+            <p:cNvSpPr/>
+            <p:nvPr/>
+          </p:nvSpPr>
+          <p:spPr>
+            <a:xfrm>
+              <a:off x="1476222" y="647702"/>
+              <a:ext cx="1288364" cy="361114"/>
+            </a:xfrm>
+            <a:prstGeom prst="roundRect">
+              <a:avLst/>
+            </a:prstGeom>
+            <a:solidFill>
+              <a:schemeClr val="bg1">
+                <a:lumMod val="95000"/>
+              </a:schemeClr>
+            </a:solidFill>
+            <a:ln w="12700">
+              <a:solidFill>
+                <a:schemeClr val="tx1"/>
+              </a:solidFill>
+            </a:ln>
+          </p:spPr>
+          <p:style>
+            <a:lnRef idx="2">
+              <a:schemeClr val="accent1">
+                <a:shade val="50000"/>
+              </a:schemeClr>
+            </a:lnRef>
+            <a:fillRef idx="1">
+              <a:schemeClr val="accent1"/>
+            </a:fillRef>
+            <a:effectRef idx="0">
+              <a:schemeClr val="accent1"/>
+            </a:effectRef>
+            <a:fontRef idx="minor">
+              <a:schemeClr val="lt1"/>
+            </a:fontRef>
+          </p:style>
+          <p:txBody>
+            <a:bodyPr rtlCol="0" anchor="ctr"/>
+            <a:lstStyle/>
+            <a:p>
+              <a:pPr algn="ctr"/>
+              <a:endParaRPr lang="en-US" sz="1350">
+                <a:latin typeface="Times New Roman" panose="02020603050405020304" pitchFamily="18" charset="0"/>
+                <a:cs typeface="Times New Roman" panose="02020603050405020304" pitchFamily="18" charset="0"/>
+              </a:endParaRPr>
+            </a:p>
+          </p:txBody>
+        </p:sp>
+        <p:sp>
+          <p:nvSpPr>
+            <p:cNvPr id="15" name="Rectangle 14"/>
+            <p:cNvSpPr/>
+            <p:nvPr/>
+          </p:nvSpPr>
+          <p:spPr>
+            <a:xfrm>
+              <a:off x="1682554" y="634483"/>
+              <a:ext cx="806631" cy="230832"/>
+            </a:xfrm>
+            <a:prstGeom prst="rect">
+              <a:avLst/>
+            </a:prstGeom>
+          </p:spPr>
+          <p:txBody>
+            <a:bodyPr wrap="none">
+              <a:spAutoFit/>
+            </a:bodyPr>
+            <a:lstStyle/>
+            <a:p>
+              <a:r>
+                <a:rPr lang="en-US" sz="900" dirty="0" err="1">
+                  <a:latin typeface="Times New Roman" panose="02020603050405020304" pitchFamily="18" charset="0"/>
+                  <a:cs typeface="Times New Roman" panose="02020603050405020304" pitchFamily="18" charset="0"/>
+                </a:rPr>
+                <a:t>Tubocurarine</a:t>
+              </a:r>
+              <a:endParaRPr lang="en-US" sz="900" dirty="0">
+                <a:latin typeface="Times New Roman" panose="02020603050405020304" pitchFamily="18" charset="0"/>
+                <a:cs typeface="Times New Roman" panose="02020603050405020304" pitchFamily="18" charset="0"/>
+              </a:endParaRPr>
+            </a:p>
+          </p:txBody>
+        </p:sp>
+        <p:sp>
+          <p:nvSpPr>
+            <p:cNvPr id="16" name="Rectangle 15"/>
+            <p:cNvSpPr/>
+            <p:nvPr/>
+          </p:nvSpPr>
+          <p:spPr>
+            <a:xfrm>
+              <a:off x="1515050" y="785735"/>
+              <a:ext cx="1265090" cy="230832"/>
+            </a:xfrm>
+            <a:prstGeom prst="rect">
+              <a:avLst/>
+            </a:prstGeom>
+          </p:spPr>
+          <p:txBody>
+            <a:bodyPr wrap="none">
+              <a:spAutoFit/>
+            </a:bodyPr>
+            <a:lstStyle/>
+            <a:p>
+              <a:r>
+                <a:rPr lang="en-US" sz="900" dirty="0" err="1">
+                  <a:latin typeface="Times New Roman" panose="02020603050405020304" pitchFamily="18" charset="0"/>
+                  <a:cs typeface="Times New Roman" panose="02020603050405020304" pitchFamily="18" charset="0"/>
+                </a:rPr>
+                <a:t>Gallamine</a:t>
+              </a:r>
+              <a:r>
+                <a:rPr lang="en-US" sz="900" dirty="0">
+                  <a:latin typeface="Times New Roman" panose="02020603050405020304" pitchFamily="18" charset="0"/>
+                  <a:cs typeface="Times New Roman" panose="02020603050405020304" pitchFamily="18" charset="0"/>
+                </a:rPr>
+                <a:t> </a:t>
+              </a:r>
+              <a:r>
+                <a:rPr lang="en-US" sz="900" dirty="0" err="1">
+                  <a:latin typeface="Times New Roman" panose="02020603050405020304" pitchFamily="18" charset="0"/>
+                  <a:cs typeface="Times New Roman" panose="02020603050405020304" pitchFamily="18" charset="0"/>
+                </a:rPr>
+                <a:t>Triethiodide</a:t>
+              </a:r>
+              <a:endParaRPr lang="en-US" sz="900" dirty="0">
+                <a:latin typeface="Times New Roman" panose="02020603050405020304" pitchFamily="18" charset="0"/>
+                <a:cs typeface="Times New Roman" panose="02020603050405020304" pitchFamily="18" charset="0"/>
+              </a:endParaRPr>
+            </a:p>
+          </p:txBody>
+        </p:sp>
+      </p:grpSp>
+      <p:sp>
+        <p:nvSpPr>
+          <p:cNvPr id="46" name="Rounded Rectangle 45"/>
+          <p:cNvSpPr/>
+          <p:nvPr/>
+        </p:nvSpPr>
+        <p:spPr>
+          <a:xfrm>
+            <a:off x="3041160" y="2758781"/>
+            <a:ext cx="1892174" cy="600049"/>
           </a:xfrm>
           <a:prstGeom prst="roundRect">
-            <a:avLst/>
+            <a:avLst>
+              <a:gd name="adj" fmla="val 8538"/>
+            </a:avLst>
           </a:prstGeom>
           <a:solidFill>
-            <a:schemeClr val="accent5">
-              <a:lumMod val="40000"/>
-              <a:lumOff val="60000"/>
+            <a:schemeClr val="bg1">
+              <a:lumMod val="85000"/>
             </a:schemeClr>
           </a:solidFill>
-          <a:ln>
+          <a:ln w="12700">
             <a:solidFill>
               <a:schemeClr val="tx1"/>
             </a:solidFill>
@@ -3308,36 +3505,305 @@
           <a:lstStyle/>
           <a:p>
             <a:pPr algn="ctr"/>
-            <a:endParaRPr lang="en-US">
-              <a:latin typeface="Arial" pitchFamily="34" charset="0"/>
-              <a:cs typeface="Arial" pitchFamily="34" charset="0"/>
+            <a:endParaRPr lang="en-US" sz="1350">
+              <a:latin typeface="Times New Roman" panose="02020603050405020304" pitchFamily="18" charset="0"/>
+              <a:cs typeface="Times New Roman" panose="02020603050405020304" pitchFamily="18" charset="0"/>
             </a:endParaRPr>
           </a:p>
         </p:txBody>
       </p:sp>
       <p:sp>
         <p:nvSpPr>
-          <p:cNvPr id="29" name="Rounded Rectangle 28"/>
+          <p:cNvPr id="47" name="Rectangle 46"/>
           <p:cNvSpPr/>
           <p:nvPr/>
         </p:nvSpPr>
         <p:spPr>
           <a:xfrm>
-            <a:off x="295621" y="1678745"/>
-            <a:ext cx="3493720" cy="1445455"/>
+            <a:off x="3170976" y="2746042"/>
+            <a:ext cx="1789318" cy="369332"/>
+          </a:xfrm>
+          <a:prstGeom prst="rect">
+            <a:avLst/>
+          </a:prstGeom>
+        </p:spPr>
+        <p:txBody>
+          <a:bodyPr wrap="square">
+            <a:spAutoFit/>
+          </a:bodyPr>
+          <a:lstStyle/>
+          <a:p>
+            <a:pPr algn="ctr"/>
+            <a:r>
+              <a:rPr lang="en-US" sz="900" b="1" dirty="0">
+                <a:latin typeface="Times New Roman" panose="02020603050405020304" pitchFamily="18" charset="0"/>
+                <a:cs typeface="Times New Roman" panose="02020603050405020304" pitchFamily="18" charset="0"/>
+              </a:rPr>
+              <a:t>Anti-amyloid precursor protein biosynthetic process agent</a:t>
+            </a:r>
+          </a:p>
+        </p:txBody>
+      </p:sp>
+      <p:sp>
+        <p:nvSpPr>
+          <p:cNvPr id="3" name="Rectangle 2"/>
+          <p:cNvSpPr/>
+          <p:nvPr/>
+        </p:nvSpPr>
+        <p:spPr>
+          <a:xfrm>
+            <a:off x="3292963" y="3118497"/>
+            <a:ext cx="652743" cy="230832"/>
+          </a:xfrm>
+          <a:prstGeom prst="rect">
+            <a:avLst/>
+          </a:prstGeom>
+        </p:spPr>
+        <p:txBody>
+          <a:bodyPr wrap="none">
+            <a:spAutoFit/>
+          </a:bodyPr>
+          <a:lstStyle/>
+          <a:p>
+            <a:r>
+              <a:rPr lang="en-US" sz="900" dirty="0" err="1">
+                <a:latin typeface="Times New Roman" panose="02020603050405020304" pitchFamily="18" charset="0"/>
+                <a:cs typeface="Times New Roman" panose="02020603050405020304" pitchFamily="18" charset="0"/>
+              </a:rPr>
+              <a:t>Ezetimibe</a:t>
+            </a:r>
+            <a:endParaRPr lang="en-US" sz="900" dirty="0">
+              <a:latin typeface="Times New Roman" panose="02020603050405020304" pitchFamily="18" charset="0"/>
+              <a:cs typeface="Times New Roman" panose="02020603050405020304" pitchFamily="18" charset="0"/>
+            </a:endParaRPr>
+          </a:p>
+        </p:txBody>
+      </p:sp>
+      <p:sp>
+        <p:nvSpPr>
+          <p:cNvPr id="9" name="Rectangle 8"/>
+          <p:cNvSpPr/>
+          <p:nvPr/>
+        </p:nvSpPr>
+        <p:spPr>
+          <a:xfrm>
+            <a:off x="4012362" y="3111488"/>
+            <a:ext cx="684803" cy="230832"/>
+          </a:xfrm>
+          <a:prstGeom prst="rect">
+            <a:avLst/>
+          </a:prstGeom>
+        </p:spPr>
+        <p:txBody>
+          <a:bodyPr wrap="none">
+            <a:spAutoFit/>
+          </a:bodyPr>
+          <a:lstStyle/>
+          <a:p>
+            <a:r>
+              <a:rPr lang="en-US" sz="900" dirty="0" err="1">
+                <a:latin typeface="Times New Roman" panose="02020603050405020304" pitchFamily="18" charset="0"/>
+                <a:cs typeface="Times New Roman" panose="02020603050405020304" pitchFamily="18" charset="0"/>
+              </a:rPr>
+              <a:t>Hesperetin</a:t>
+            </a:r>
+            <a:endParaRPr lang="en-US" sz="900" dirty="0">
+              <a:latin typeface="Times New Roman" panose="02020603050405020304" pitchFamily="18" charset="0"/>
+              <a:cs typeface="Times New Roman" panose="02020603050405020304" pitchFamily="18" charset="0"/>
+            </a:endParaRPr>
+          </a:p>
+        </p:txBody>
+      </p:sp>
+      <p:sp>
+        <p:nvSpPr>
+          <p:cNvPr id="49" name="Rectangle 48"/>
+          <p:cNvSpPr/>
+          <p:nvPr/>
+        </p:nvSpPr>
+        <p:spPr>
+          <a:xfrm>
+            <a:off x="3189467" y="304670"/>
+            <a:ext cx="1789694" cy="230832"/>
+          </a:xfrm>
+          <a:prstGeom prst="rect">
+            <a:avLst/>
+          </a:prstGeom>
+        </p:spPr>
+        <p:txBody>
+          <a:bodyPr wrap="square">
+            <a:spAutoFit/>
+          </a:bodyPr>
+          <a:lstStyle/>
+          <a:p>
+            <a:pPr algn="ctr"/>
+            <a:r>
+              <a:rPr lang="en-US" sz="900" b="1" dirty="0">
+                <a:latin typeface="Times New Roman" panose="02020603050405020304" pitchFamily="18" charset="0"/>
+                <a:cs typeface="Times New Roman" panose="02020603050405020304" pitchFamily="18" charset="0"/>
+              </a:rPr>
+              <a:t>Pro-beta-amyloid binding agent</a:t>
+            </a:r>
+          </a:p>
+        </p:txBody>
+      </p:sp>
+      <p:sp>
+        <p:nvSpPr>
+          <p:cNvPr id="10" name="Rectangle 9"/>
+          <p:cNvSpPr/>
+          <p:nvPr/>
+        </p:nvSpPr>
+        <p:spPr>
+          <a:xfrm>
+            <a:off x="4184915" y="681358"/>
+            <a:ext cx="601447" cy="230832"/>
+          </a:xfrm>
+          <a:prstGeom prst="rect">
+            <a:avLst/>
+          </a:prstGeom>
+        </p:spPr>
+        <p:txBody>
+          <a:bodyPr wrap="none">
+            <a:spAutoFit/>
+          </a:bodyPr>
+          <a:lstStyle/>
+          <a:p>
+            <a:r>
+              <a:rPr lang="en-US" sz="900" dirty="0">
+                <a:latin typeface="Times New Roman" panose="02020603050405020304" pitchFamily="18" charset="0"/>
+                <a:cs typeface="Times New Roman" panose="02020603050405020304" pitchFamily="18" charset="0"/>
+              </a:rPr>
+              <a:t>Nicotine</a:t>
+            </a:r>
+          </a:p>
+        </p:txBody>
+      </p:sp>
+      <p:sp>
+        <p:nvSpPr>
+          <p:cNvPr id="11" name="Rectangle 10"/>
+          <p:cNvSpPr/>
+          <p:nvPr/>
+        </p:nvSpPr>
+        <p:spPr>
+          <a:xfrm>
+            <a:off x="3181124" y="703936"/>
+            <a:ext cx="665567" cy="230832"/>
+          </a:xfrm>
+          <a:prstGeom prst="rect">
+            <a:avLst/>
+          </a:prstGeom>
+        </p:spPr>
+        <p:txBody>
+          <a:bodyPr wrap="none">
+            <a:spAutoFit/>
+          </a:bodyPr>
+          <a:lstStyle/>
+          <a:p>
+            <a:r>
+              <a:rPr lang="en-US" sz="900" dirty="0" err="1">
+                <a:latin typeface="Times New Roman" panose="02020603050405020304" pitchFamily="18" charset="0"/>
+                <a:cs typeface="Times New Roman" panose="02020603050405020304" pitchFamily="18" charset="0"/>
+              </a:rPr>
+              <a:t>Dipivefrin</a:t>
+            </a:r>
+            <a:endParaRPr lang="en-US" sz="900" dirty="0">
+              <a:latin typeface="Times New Roman" panose="02020603050405020304" pitchFamily="18" charset="0"/>
+              <a:cs typeface="Times New Roman" panose="02020603050405020304" pitchFamily="18" charset="0"/>
+            </a:endParaRPr>
+          </a:p>
+        </p:txBody>
+      </p:sp>
+      <p:sp>
+        <p:nvSpPr>
+          <p:cNvPr id="13" name="Rectangle 12"/>
+          <p:cNvSpPr/>
+          <p:nvPr/>
+        </p:nvSpPr>
+        <p:spPr>
+          <a:xfrm>
+            <a:off x="3145810" y="515840"/>
+            <a:ext cx="748923" cy="230832"/>
+          </a:xfrm>
+          <a:prstGeom prst="rect">
+            <a:avLst/>
+          </a:prstGeom>
+        </p:spPr>
+        <p:txBody>
+          <a:bodyPr wrap="none">
+            <a:spAutoFit/>
+          </a:bodyPr>
+          <a:lstStyle/>
+          <a:p>
+            <a:r>
+              <a:rPr lang="en-US" sz="900" dirty="0" err="1">
+                <a:latin typeface="Times New Roman" panose="02020603050405020304" pitchFamily="18" charset="0"/>
+                <a:cs typeface="Times New Roman" panose="02020603050405020304" pitchFamily="18" charset="0"/>
+              </a:rPr>
+              <a:t>Pralidoxime</a:t>
+            </a:r>
+            <a:endParaRPr lang="en-US" sz="900" dirty="0">
+              <a:latin typeface="Times New Roman" panose="02020603050405020304" pitchFamily="18" charset="0"/>
+              <a:cs typeface="Times New Roman" panose="02020603050405020304" pitchFamily="18" charset="0"/>
+            </a:endParaRPr>
+          </a:p>
+        </p:txBody>
+      </p:sp>
+      <p:sp>
+        <p:nvSpPr>
+          <p:cNvPr id="52" name="Rectangle 51"/>
+          <p:cNvSpPr/>
+          <p:nvPr/>
+        </p:nvSpPr>
+        <p:spPr>
+          <a:xfrm>
+            <a:off x="4115757" y="550824"/>
+            <a:ext cx="723275" cy="230832"/>
+          </a:xfrm>
+          <a:prstGeom prst="rect">
+            <a:avLst/>
+          </a:prstGeom>
+        </p:spPr>
+        <p:txBody>
+          <a:bodyPr wrap="none">
+            <a:spAutoFit/>
+          </a:bodyPr>
+          <a:lstStyle/>
+          <a:p>
+            <a:r>
+              <a:rPr lang="en-US" sz="900" dirty="0" err="1">
+                <a:latin typeface="Times New Roman" panose="02020603050405020304" pitchFamily="18" charset="0"/>
+                <a:cs typeface="Times New Roman" panose="02020603050405020304" pitchFamily="18" charset="0"/>
+              </a:rPr>
+              <a:t>Varenicline</a:t>
+            </a:r>
+            <a:endParaRPr lang="en-US" sz="900" dirty="0">
+              <a:latin typeface="Times New Roman" panose="02020603050405020304" pitchFamily="18" charset="0"/>
+              <a:cs typeface="Times New Roman" panose="02020603050405020304" pitchFamily="18" charset="0"/>
+            </a:endParaRPr>
+          </a:p>
+        </p:txBody>
+      </p:sp>
+      <p:sp>
+        <p:nvSpPr>
+          <p:cNvPr id="54" name="Rounded Rectangle 53"/>
+          <p:cNvSpPr/>
+          <p:nvPr/>
+        </p:nvSpPr>
+        <p:spPr>
+          <a:xfrm>
+            <a:off x="3054346" y="1243202"/>
+            <a:ext cx="1892174" cy="404631"/>
           </a:xfrm>
           <a:prstGeom prst="roundRect">
             <a:avLst>
-              <a:gd name="adj" fmla="val 11252"/>
+              <a:gd name="adj" fmla="val 8538"/>
             </a:avLst>
           </a:prstGeom>
           <a:solidFill>
-            <a:schemeClr val="accent5">
-              <a:lumMod val="40000"/>
-              <a:lumOff val="60000"/>
+            <a:schemeClr val="bg1">
+              <a:lumMod val="85000"/>
             </a:schemeClr>
           </a:solidFill>
-          <a:ln>
+          <a:ln w="12700">
             <a:solidFill>
               <a:schemeClr val="tx1"/>
             </a:solidFill>
@@ -3364,36 +3830,102 @@
           <a:lstStyle/>
           <a:p>
             <a:pPr algn="ctr"/>
-            <a:endParaRPr lang="en-US">
-              <a:latin typeface="Arial" pitchFamily="34" charset="0"/>
-              <a:cs typeface="Arial" pitchFamily="34" charset="0"/>
+            <a:endParaRPr lang="en-US" sz="1350">
+              <a:latin typeface="Times New Roman" panose="02020603050405020304" pitchFamily="18" charset="0"/>
+              <a:cs typeface="Times New Roman" panose="02020603050405020304" pitchFamily="18" charset="0"/>
             </a:endParaRPr>
           </a:p>
         </p:txBody>
       </p:sp>
       <p:sp>
         <p:nvSpPr>
-          <p:cNvPr id="45" name="Rounded Rectangle 44"/>
+          <p:cNvPr id="55" name="Rectangle 54"/>
           <p:cNvSpPr/>
           <p:nvPr/>
         </p:nvSpPr>
         <p:spPr>
           <a:xfrm>
-            <a:off x="249671" y="3290735"/>
-            <a:ext cx="3616431" cy="1814665"/>
+            <a:off x="3156016" y="1246741"/>
+            <a:ext cx="1828800" cy="230832"/>
+          </a:xfrm>
+          <a:prstGeom prst="rect">
+            <a:avLst/>
+          </a:prstGeom>
+        </p:spPr>
+        <p:txBody>
+          <a:bodyPr wrap="square">
+            <a:spAutoFit/>
+          </a:bodyPr>
+          <a:lstStyle/>
+          <a:p>
+            <a:pPr algn="ctr"/>
+            <a:r>
+              <a:rPr lang="en-US" sz="900" b="1" dirty="0">
+                <a:latin typeface="Times New Roman" panose="02020603050405020304" pitchFamily="18" charset="0"/>
+                <a:cs typeface="Times New Roman" panose="02020603050405020304" pitchFamily="18" charset="0"/>
+              </a:rPr>
+              <a:t>Anti-tau protein binding agent</a:t>
+            </a:r>
+          </a:p>
+        </p:txBody>
+      </p:sp>
+      <p:sp>
+        <p:nvSpPr>
+          <p:cNvPr id="56" name="Rectangle 55"/>
+          <p:cNvSpPr/>
+          <p:nvPr/>
+        </p:nvSpPr>
+        <p:spPr>
+          <a:xfrm>
+            <a:off x="3669876" y="1411063"/>
+            <a:ext cx="671979" cy="230832"/>
+          </a:xfrm>
+          <a:prstGeom prst="rect">
+            <a:avLst/>
+          </a:prstGeom>
+        </p:spPr>
+        <p:txBody>
+          <a:bodyPr wrap="none">
+            <a:spAutoFit/>
+          </a:bodyPr>
+          <a:lstStyle/>
+          <a:p>
+            <a:r>
+              <a:rPr lang="en-US" sz="900" dirty="0" err="1">
+                <a:latin typeface="Times New Roman" panose="02020603050405020304" pitchFamily="18" charset="0"/>
+                <a:cs typeface="Times New Roman" panose="02020603050405020304" pitchFamily="18" charset="0"/>
+              </a:rPr>
+              <a:t>Vorinostat</a:t>
+            </a:r>
+            <a:endParaRPr lang="en-US" sz="900" dirty="0">
+              <a:latin typeface="Times New Roman" panose="02020603050405020304" pitchFamily="18" charset="0"/>
+              <a:cs typeface="Times New Roman" panose="02020603050405020304" pitchFamily="18" charset="0"/>
+            </a:endParaRPr>
+          </a:p>
+        </p:txBody>
+      </p:sp>
+      <p:sp>
+        <p:nvSpPr>
+          <p:cNvPr id="58" name="Rounded Rectangle 57"/>
+          <p:cNvSpPr/>
+          <p:nvPr/>
+        </p:nvSpPr>
+        <p:spPr>
+          <a:xfrm>
+            <a:off x="3049715" y="1924509"/>
+            <a:ext cx="1892174" cy="533309"/>
           </a:xfrm>
           <a:prstGeom prst="roundRect">
             <a:avLst>
-              <a:gd name="adj" fmla="val 8714"/>
+              <a:gd name="adj" fmla="val 8538"/>
             </a:avLst>
           </a:prstGeom>
           <a:solidFill>
-            <a:schemeClr val="accent5">
-              <a:lumMod val="40000"/>
-              <a:lumOff val="60000"/>
+            <a:schemeClr val="bg1">
+              <a:lumMod val="85000"/>
             </a:schemeClr>
           </a:solidFill>
-          <a:ln>
+          <a:ln w="12700">
             <a:solidFill>
               <a:schemeClr val="tx1"/>
             </a:solidFill>
@@ -3420,108 +3952,55 @@
           <a:lstStyle/>
           <a:p>
             <a:pPr algn="ctr"/>
-            <a:endParaRPr lang="en-US">
-              <a:latin typeface="Arial" pitchFamily="34" charset="0"/>
-              <a:cs typeface="Arial" pitchFamily="34" charset="0"/>
+            <a:endParaRPr lang="en-US" sz="1350">
+              <a:latin typeface="Times New Roman" panose="02020603050405020304" pitchFamily="18" charset="0"/>
+              <a:cs typeface="Times New Roman" panose="02020603050405020304" pitchFamily="18" charset="0"/>
             </a:endParaRPr>
           </a:p>
         </p:txBody>
       </p:sp>
       <p:sp>
         <p:nvSpPr>
-          <p:cNvPr id="5" name="Rectangle 4"/>
+          <p:cNvPr id="59" name="Rectangle 58"/>
           <p:cNvSpPr/>
           <p:nvPr/>
         </p:nvSpPr>
         <p:spPr>
           <a:xfrm>
-            <a:off x="1421320" y="256401"/>
-            <a:ext cx="2541080" cy="276999"/>
+            <a:off x="3255437" y="1908697"/>
+            <a:ext cx="1443576" cy="369332"/>
           </a:xfrm>
           <a:prstGeom prst="rect">
             <a:avLst/>
           </a:prstGeom>
         </p:spPr>
         <p:txBody>
-          <a:bodyPr wrap="none">
+          <a:bodyPr wrap="square">
             <a:spAutoFit/>
           </a:bodyPr>
           <a:lstStyle/>
           <a:p>
-            <a:r>
-              <a:rPr lang="en-US" sz="1200" b="1" dirty="0">
-                <a:latin typeface="Arial" pitchFamily="34" charset="0"/>
-                <a:cs typeface="Arial" pitchFamily="34" charset="0"/>
+            <a:pPr algn="ctr"/>
+            <a:r>
+              <a:rPr lang="en-US" sz="900" b="1" dirty="0">
+                <a:latin typeface="Times New Roman" panose="02020603050405020304" pitchFamily="18" charset="0"/>
+                <a:cs typeface="Times New Roman" panose="02020603050405020304" pitchFamily="18" charset="0"/>
               </a:rPr>
-              <a:t>Anti-beta-amyloid binding agent</a:t>
-            </a:r>
-          </a:p>
-        </p:txBody>
-      </p:sp>
-      <p:sp>
-        <p:nvSpPr>
-          <p:cNvPr id="6" name="Rounded Rectangle 5"/>
+              <a:t>Anti-tau-protein kinase activity agent</a:t>
+            </a:r>
+          </a:p>
+        </p:txBody>
+      </p:sp>
+      <p:sp>
+        <p:nvSpPr>
+          <p:cNvPr id="62" name="Rectangle 61"/>
           <p:cNvSpPr/>
           <p:nvPr/>
         </p:nvSpPr>
         <p:spPr>
           <a:xfrm>
-            <a:off x="304800" y="559859"/>
-            <a:ext cx="1124098" cy="1040341"/>
-          </a:xfrm>
-          <a:prstGeom prst="roundRect">
-            <a:avLst/>
-          </a:prstGeom>
-          <a:solidFill>
-            <a:schemeClr val="accent5">
-              <a:lumMod val="40000"/>
-              <a:lumOff val="60000"/>
-            </a:schemeClr>
-          </a:solidFill>
-          <a:ln>
-            <a:solidFill>
-              <a:schemeClr val="tx1"/>
-            </a:solidFill>
-          </a:ln>
-        </p:spPr>
-        <p:style>
-          <a:lnRef idx="2">
-            <a:schemeClr val="accent1">
-              <a:shade val="50000"/>
-            </a:schemeClr>
-          </a:lnRef>
-          <a:fillRef idx="1">
-            <a:schemeClr val="accent1"/>
-          </a:fillRef>
-          <a:effectRef idx="0">
-            <a:schemeClr val="accent1"/>
-          </a:effectRef>
-          <a:fontRef idx="minor">
-            <a:schemeClr val="lt1"/>
-          </a:fontRef>
-        </p:style>
-        <p:txBody>
-          <a:bodyPr rtlCol="0" anchor="ctr"/>
-          <a:lstStyle/>
-          <a:p>
-            <a:pPr algn="ctr"/>
-            <a:endParaRPr lang="en-US">
-              <a:latin typeface="Arial" pitchFamily="34" charset="0"/>
-              <a:cs typeface="Arial" pitchFamily="34" charset="0"/>
-            </a:endParaRPr>
-          </a:p>
-        </p:txBody>
-      </p:sp>
-      <p:sp>
-        <p:nvSpPr>
-          <p:cNvPr id="8" name="Rectangle 7"/>
-          <p:cNvSpPr/>
-          <p:nvPr/>
-        </p:nvSpPr>
-        <p:spPr>
-          <a:xfrm>
-            <a:off x="415394" y="996460"/>
-            <a:ext cx="848309" cy="276999"/>
+            <a:off x="3698944" y="2254244"/>
+            <a:ext cx="556563" cy="230832"/>
           </a:xfrm>
           <a:prstGeom prst="rect">
             <a:avLst/>
@@ -3534,29 +4013,25 @@
           <a:lstStyle/>
           <a:p>
             <a:r>
-              <a:rPr lang="en-US" sz="1200" dirty="0" err="1">
-                <a:latin typeface="Arial" pitchFamily="34" charset="0"/>
-                <a:cs typeface="Arial" pitchFamily="34" charset="0"/>
+              <a:rPr lang="en-US" sz="900" dirty="0">
+                <a:latin typeface="Times New Roman" panose="02020603050405020304" pitchFamily="18" charset="0"/>
+                <a:cs typeface="Times New Roman" panose="02020603050405020304" pitchFamily="18" charset="0"/>
               </a:rPr>
-              <a:t>Malathion</a:t>
-            </a:r>
-            <a:endParaRPr lang="en-US" sz="1200" dirty="0">
-              <a:latin typeface="Arial" pitchFamily="34" charset="0"/>
-              <a:cs typeface="Arial" pitchFamily="34" charset="0"/>
-            </a:endParaRPr>
-          </a:p>
-        </p:txBody>
-      </p:sp>
-      <p:sp>
-        <p:nvSpPr>
-          <p:cNvPr id="12" name="Rectangle 11"/>
+              <a:t>Lithium</a:t>
+            </a:r>
+          </a:p>
+        </p:txBody>
+      </p:sp>
+      <p:sp>
+        <p:nvSpPr>
+          <p:cNvPr id="57" name="Rectangle 56"/>
           <p:cNvSpPr/>
           <p:nvPr/>
         </p:nvSpPr>
         <p:spPr>
           <a:xfrm>
-            <a:off x="339505" y="767860"/>
-            <a:ext cx="1172116" cy="276999"/>
+            <a:off x="221800" y="288794"/>
+            <a:ext cx="344966" cy="230832"/>
           </a:xfrm>
           <a:prstGeom prst="rect">
             <a:avLst/>
@@ -3569,29 +4044,29 @@
           <a:lstStyle/>
           <a:p>
             <a:r>
-              <a:rPr lang="en-US" sz="1200" dirty="0" err="1" smtClean="0">
-                <a:latin typeface="Arial" pitchFamily="34" charset="0"/>
-                <a:cs typeface="Arial" pitchFamily="34" charset="0"/>
+              <a:rPr lang="en-US" sz="900" b="1" dirty="0" smtClean="0">
+                <a:latin typeface="Times New Roman" panose="02020603050405020304" pitchFamily="18" charset="0"/>
+                <a:cs typeface="Times New Roman" panose="02020603050405020304" pitchFamily="18" charset="0"/>
               </a:rPr>
-              <a:t>Hexafluronium</a:t>
-            </a:r>
-            <a:endParaRPr lang="en-US" sz="1200" dirty="0">
-              <a:latin typeface="Arial" pitchFamily="34" charset="0"/>
-              <a:cs typeface="Arial" pitchFamily="34" charset="0"/>
+              <a:t>(A)</a:t>
+            </a:r>
+            <a:endParaRPr lang="en-US" sz="900" b="1" dirty="0">
+              <a:latin typeface="Times New Roman" panose="02020603050405020304" pitchFamily="18" charset="0"/>
+              <a:cs typeface="Times New Roman" panose="02020603050405020304" pitchFamily="18" charset="0"/>
             </a:endParaRPr>
           </a:p>
         </p:txBody>
       </p:sp>
       <p:sp>
         <p:nvSpPr>
-          <p:cNvPr id="14" name="Rectangle 13"/>
+          <p:cNvPr id="60" name="Rectangle 59"/>
           <p:cNvSpPr/>
           <p:nvPr/>
         </p:nvSpPr>
         <p:spPr>
           <a:xfrm>
-            <a:off x="327067" y="1225060"/>
-            <a:ext cx="1164101" cy="276999"/>
+            <a:off x="1537922" y="696774"/>
+            <a:ext cx="319318" cy="230832"/>
           </a:xfrm>
           <a:prstGeom prst="rect">
             <a:avLst/>
@@ -3604,29 +4079,1136 @@
           <a:lstStyle/>
           <a:p>
             <a:r>
-              <a:rPr lang="en-US" sz="1200" dirty="0" err="1" smtClean="0">
-                <a:latin typeface="Arial" pitchFamily="34" charset="0"/>
-                <a:cs typeface="Arial" pitchFamily="34" charset="0"/>
+              <a:rPr lang="en-US" sz="900" b="1" dirty="0" smtClean="0">
+                <a:latin typeface="Times New Roman" panose="02020603050405020304" pitchFamily="18" charset="0"/>
+                <a:cs typeface="Times New Roman" panose="02020603050405020304" pitchFamily="18" charset="0"/>
               </a:rPr>
-              <a:t>Echothiophate</a:t>
-            </a:r>
-            <a:endParaRPr lang="en-US" sz="1200" dirty="0">
-              <a:latin typeface="Arial" pitchFamily="34" charset="0"/>
-              <a:cs typeface="Arial" pitchFamily="34" charset="0"/>
+              <a:t>(1)</a:t>
+            </a:r>
+            <a:endParaRPr lang="en-US" sz="900" b="1" dirty="0">
+              <a:latin typeface="Times New Roman" panose="02020603050405020304" pitchFamily="18" charset="0"/>
+              <a:cs typeface="Times New Roman" panose="02020603050405020304" pitchFamily="18" charset="0"/>
             </a:endParaRPr>
           </a:p>
         </p:txBody>
       </p:sp>
-      <p:sp>
-        <p:nvSpPr>
-          <p:cNvPr id="15" name="Rectangle 14"/>
+      <p:grpSp>
+        <p:nvGrpSpPr>
+          <p:cNvPr id="50" name="Group 49"/>
+          <p:cNvGrpSpPr/>
+          <p:nvPr/>
+        </p:nvGrpSpPr>
+        <p:grpSpPr>
+          <a:xfrm>
+            <a:off x="257269" y="1260742"/>
+            <a:ext cx="2592473" cy="838659"/>
+            <a:chOff x="357615" y="1375359"/>
+            <a:chExt cx="2592473" cy="838659"/>
+          </a:xfrm>
+        </p:grpSpPr>
+        <p:sp>
+          <p:nvSpPr>
+            <p:cNvPr id="29" name="Rounded Rectangle 28"/>
+            <p:cNvSpPr/>
+            <p:nvPr/>
+          </p:nvSpPr>
+          <p:spPr>
+            <a:xfrm>
+              <a:off x="368896" y="1392410"/>
+              <a:ext cx="2581192" cy="821608"/>
+            </a:xfrm>
+            <a:prstGeom prst="roundRect">
+              <a:avLst>
+                <a:gd name="adj" fmla="val 11252"/>
+              </a:avLst>
+            </a:prstGeom>
+            <a:solidFill>
+              <a:schemeClr val="bg1">
+                <a:lumMod val="95000"/>
+              </a:schemeClr>
+            </a:solidFill>
+            <a:ln w="12700">
+              <a:solidFill>
+                <a:schemeClr val="tx1"/>
+              </a:solidFill>
+            </a:ln>
+          </p:spPr>
+          <p:style>
+            <a:lnRef idx="2">
+              <a:schemeClr val="accent1">
+                <a:shade val="50000"/>
+              </a:schemeClr>
+            </a:lnRef>
+            <a:fillRef idx="1">
+              <a:schemeClr val="accent1"/>
+            </a:fillRef>
+            <a:effectRef idx="0">
+              <a:schemeClr val="accent1"/>
+            </a:effectRef>
+            <a:fontRef idx="minor">
+              <a:schemeClr val="lt1"/>
+            </a:fontRef>
+          </p:style>
+          <p:txBody>
+            <a:bodyPr rtlCol="0" anchor="ctr"/>
+            <a:lstStyle/>
+            <a:p>
+              <a:pPr algn="ctr"/>
+              <a:endParaRPr lang="en-US" sz="1350">
+                <a:latin typeface="Times New Roman" panose="02020603050405020304" pitchFamily="18" charset="0"/>
+                <a:cs typeface="Times New Roman" panose="02020603050405020304" pitchFamily="18" charset="0"/>
+              </a:endParaRPr>
+            </a:p>
+          </p:txBody>
+        </p:sp>
+        <p:sp>
+          <p:nvSpPr>
+            <p:cNvPr id="18" name="Rectangle 17"/>
+            <p:cNvSpPr/>
+            <p:nvPr/>
+          </p:nvSpPr>
+          <p:spPr>
+            <a:xfrm>
+              <a:off x="1389846" y="1779747"/>
+              <a:ext cx="537327" cy="230832"/>
+            </a:xfrm>
+            <a:prstGeom prst="rect">
+              <a:avLst/>
+            </a:prstGeom>
+          </p:spPr>
+          <p:txBody>
+            <a:bodyPr wrap="none">
+              <a:spAutoFit/>
+            </a:bodyPr>
+            <a:lstStyle/>
+            <a:p>
+              <a:r>
+                <a:rPr lang="en-US" sz="900" dirty="0" err="1">
+                  <a:latin typeface="Times New Roman" panose="02020603050405020304" pitchFamily="18" charset="0"/>
+                  <a:cs typeface="Times New Roman" panose="02020603050405020304" pitchFamily="18" charset="0"/>
+                </a:rPr>
+                <a:t>Tacrine</a:t>
+              </a:r>
+              <a:endParaRPr lang="en-US" sz="900" dirty="0">
+                <a:latin typeface="Times New Roman" panose="02020603050405020304" pitchFamily="18" charset="0"/>
+                <a:cs typeface="Times New Roman" panose="02020603050405020304" pitchFamily="18" charset="0"/>
+              </a:endParaRPr>
+            </a:p>
+          </p:txBody>
+        </p:sp>
+        <p:sp>
+          <p:nvSpPr>
+            <p:cNvPr id="19" name="Rectangle 18"/>
+            <p:cNvSpPr/>
+            <p:nvPr/>
+          </p:nvSpPr>
+          <p:spPr>
+            <a:xfrm>
+              <a:off x="1658509" y="1973661"/>
+              <a:ext cx="659155" cy="230832"/>
+            </a:xfrm>
+            <a:prstGeom prst="rect">
+              <a:avLst/>
+            </a:prstGeom>
+          </p:spPr>
+          <p:txBody>
+            <a:bodyPr wrap="none">
+              <a:spAutoFit/>
+            </a:bodyPr>
+            <a:lstStyle/>
+            <a:p>
+              <a:r>
+                <a:rPr lang="en-US" sz="900" dirty="0">
+                  <a:latin typeface="Times New Roman" panose="02020603050405020304" pitchFamily="18" charset="0"/>
+                  <a:cs typeface="Times New Roman" panose="02020603050405020304" pitchFamily="18" charset="0"/>
+                </a:rPr>
+                <a:t>Donepezil</a:t>
+              </a:r>
+            </a:p>
+          </p:txBody>
+        </p:sp>
+        <p:sp>
+          <p:nvSpPr>
+            <p:cNvPr id="20" name="Rectangle 19"/>
+            <p:cNvSpPr/>
+            <p:nvPr/>
+          </p:nvSpPr>
+          <p:spPr>
+            <a:xfrm>
+              <a:off x="1287062" y="1397966"/>
+              <a:ext cx="889987" cy="230832"/>
+            </a:xfrm>
+            <a:prstGeom prst="rect">
+              <a:avLst/>
+            </a:prstGeom>
+          </p:spPr>
+          <p:txBody>
+            <a:bodyPr wrap="none">
+              <a:spAutoFit/>
+            </a:bodyPr>
+            <a:lstStyle/>
+            <a:p>
+              <a:r>
+                <a:rPr lang="en-US" sz="900" dirty="0" err="1">
+                  <a:latin typeface="Times New Roman" panose="02020603050405020304" pitchFamily="18" charset="0"/>
+                  <a:cs typeface="Times New Roman" panose="02020603050405020304" pitchFamily="18" charset="0"/>
+                </a:rPr>
+                <a:t>Pyridostigmine</a:t>
+              </a:r>
+              <a:endParaRPr lang="en-US" sz="900" dirty="0">
+                <a:latin typeface="Times New Roman" panose="02020603050405020304" pitchFamily="18" charset="0"/>
+                <a:cs typeface="Times New Roman" panose="02020603050405020304" pitchFamily="18" charset="0"/>
+              </a:endParaRPr>
+            </a:p>
+          </p:txBody>
+        </p:sp>
+        <p:sp>
+          <p:nvSpPr>
+            <p:cNvPr id="21" name="Rectangle 20"/>
+            <p:cNvSpPr/>
+            <p:nvPr/>
+          </p:nvSpPr>
+          <p:spPr>
+            <a:xfrm>
+              <a:off x="593958" y="1389461"/>
+              <a:ext cx="800219" cy="230832"/>
+            </a:xfrm>
+            <a:prstGeom prst="rect">
+              <a:avLst/>
+            </a:prstGeom>
+          </p:spPr>
+          <p:txBody>
+            <a:bodyPr wrap="none">
+              <a:spAutoFit/>
+            </a:bodyPr>
+            <a:lstStyle/>
+            <a:p>
+              <a:r>
+                <a:rPr lang="en-US" sz="900" dirty="0" err="1">
+                  <a:latin typeface="Times New Roman" panose="02020603050405020304" pitchFamily="18" charset="0"/>
+                  <a:cs typeface="Times New Roman" panose="02020603050405020304" pitchFamily="18" charset="0"/>
+                </a:rPr>
+                <a:t>Isoflurophate</a:t>
+              </a:r>
+              <a:endParaRPr lang="en-US" sz="900" dirty="0">
+                <a:latin typeface="Times New Roman" panose="02020603050405020304" pitchFamily="18" charset="0"/>
+                <a:cs typeface="Times New Roman" panose="02020603050405020304" pitchFamily="18" charset="0"/>
+              </a:endParaRPr>
+            </a:p>
+          </p:txBody>
+        </p:sp>
+        <p:sp>
+          <p:nvSpPr>
+            <p:cNvPr id="22" name="Rectangle 21"/>
+            <p:cNvSpPr/>
+            <p:nvPr/>
+          </p:nvSpPr>
+          <p:spPr>
+            <a:xfrm>
+              <a:off x="577431" y="1586312"/>
+              <a:ext cx="819455" cy="230832"/>
+            </a:xfrm>
+            <a:prstGeom prst="rect">
+              <a:avLst/>
+            </a:prstGeom>
+          </p:spPr>
+          <p:txBody>
+            <a:bodyPr wrap="none">
+              <a:spAutoFit/>
+            </a:bodyPr>
+            <a:lstStyle/>
+            <a:p>
+              <a:r>
+                <a:rPr lang="en-US" sz="900" dirty="0" err="1">
+                  <a:latin typeface="Times New Roman" panose="02020603050405020304" pitchFamily="18" charset="0"/>
+                  <a:cs typeface="Times New Roman" panose="02020603050405020304" pitchFamily="18" charset="0"/>
+                </a:rPr>
+                <a:t>Edrophonium</a:t>
+              </a:r>
+              <a:endParaRPr lang="en-US" sz="900" dirty="0">
+                <a:latin typeface="Times New Roman" panose="02020603050405020304" pitchFamily="18" charset="0"/>
+                <a:cs typeface="Times New Roman" panose="02020603050405020304" pitchFamily="18" charset="0"/>
+              </a:endParaRPr>
+            </a:p>
+          </p:txBody>
+        </p:sp>
+        <p:sp>
+          <p:nvSpPr>
+            <p:cNvPr id="23" name="Rectangle 22"/>
+            <p:cNvSpPr/>
+            <p:nvPr/>
+          </p:nvSpPr>
+          <p:spPr>
+            <a:xfrm>
+              <a:off x="2113098" y="1600963"/>
+              <a:ext cx="774571" cy="230832"/>
+            </a:xfrm>
+            <a:prstGeom prst="rect">
+              <a:avLst/>
+            </a:prstGeom>
+          </p:spPr>
+          <p:txBody>
+            <a:bodyPr wrap="none">
+              <a:spAutoFit/>
+            </a:bodyPr>
+            <a:lstStyle/>
+            <a:p>
+              <a:r>
+                <a:rPr lang="en-US" sz="900" dirty="0">
+                  <a:latin typeface="Times New Roman" panose="02020603050405020304" pitchFamily="18" charset="0"/>
+                  <a:cs typeface="Times New Roman" panose="02020603050405020304" pitchFamily="18" charset="0"/>
+                </a:rPr>
+                <a:t>Neostigmine</a:t>
+              </a:r>
+            </a:p>
+          </p:txBody>
+        </p:sp>
+        <p:sp>
+          <p:nvSpPr>
+            <p:cNvPr id="24" name="Rectangle 23"/>
+            <p:cNvSpPr/>
+            <p:nvPr/>
+          </p:nvSpPr>
+          <p:spPr>
+            <a:xfrm>
+              <a:off x="584339" y="1784390"/>
+              <a:ext cx="819455" cy="230832"/>
+            </a:xfrm>
+            <a:prstGeom prst="rect">
+              <a:avLst/>
+            </a:prstGeom>
+          </p:spPr>
+          <p:txBody>
+            <a:bodyPr wrap="none">
+              <a:spAutoFit/>
+            </a:bodyPr>
+            <a:lstStyle/>
+            <a:p>
+              <a:r>
+                <a:rPr lang="en-US" sz="900" dirty="0" err="1">
+                  <a:latin typeface="Times New Roman" panose="02020603050405020304" pitchFamily="18" charset="0"/>
+                  <a:cs typeface="Times New Roman" panose="02020603050405020304" pitchFamily="18" charset="0"/>
+                </a:rPr>
+                <a:t>Ambenonium</a:t>
+              </a:r>
+              <a:endParaRPr lang="en-US" sz="900" dirty="0">
+                <a:latin typeface="Times New Roman" panose="02020603050405020304" pitchFamily="18" charset="0"/>
+                <a:cs typeface="Times New Roman" panose="02020603050405020304" pitchFamily="18" charset="0"/>
+              </a:endParaRPr>
+            </a:p>
+          </p:txBody>
+        </p:sp>
+        <p:sp>
+          <p:nvSpPr>
+            <p:cNvPr id="25" name="Rectangle 24"/>
+            <p:cNvSpPr/>
+            <p:nvPr/>
+          </p:nvSpPr>
+          <p:spPr>
+            <a:xfrm>
+              <a:off x="2095530" y="1784390"/>
+              <a:ext cx="800219" cy="230832"/>
+            </a:xfrm>
+            <a:prstGeom prst="rect">
+              <a:avLst/>
+            </a:prstGeom>
+          </p:spPr>
+          <p:txBody>
+            <a:bodyPr wrap="none">
+              <a:spAutoFit/>
+            </a:bodyPr>
+            <a:lstStyle/>
+            <a:p>
+              <a:r>
+                <a:rPr lang="en-US" sz="900" dirty="0" err="1">
+                  <a:latin typeface="Times New Roman" panose="02020603050405020304" pitchFamily="18" charset="0"/>
+                  <a:cs typeface="Times New Roman" panose="02020603050405020304" pitchFamily="18" charset="0"/>
+                </a:rPr>
+                <a:t>Rivastigmine</a:t>
+              </a:r>
+              <a:endParaRPr lang="en-US" sz="900" dirty="0">
+                <a:latin typeface="Times New Roman" panose="02020603050405020304" pitchFamily="18" charset="0"/>
+                <a:cs typeface="Times New Roman" panose="02020603050405020304" pitchFamily="18" charset="0"/>
+              </a:endParaRPr>
+            </a:p>
+          </p:txBody>
+        </p:sp>
+        <p:sp>
+          <p:nvSpPr>
+            <p:cNvPr id="26" name="Rectangle 25"/>
+            <p:cNvSpPr/>
+            <p:nvPr/>
+          </p:nvSpPr>
+          <p:spPr>
+            <a:xfrm>
+              <a:off x="2085749" y="1397176"/>
+              <a:ext cx="864339" cy="230832"/>
+            </a:xfrm>
+            <a:prstGeom prst="rect">
+              <a:avLst/>
+            </a:prstGeom>
+          </p:spPr>
+          <p:txBody>
+            <a:bodyPr wrap="none">
+              <a:spAutoFit/>
+            </a:bodyPr>
+            <a:lstStyle/>
+            <a:p>
+              <a:r>
+                <a:rPr lang="en-US" sz="900" dirty="0" err="1">
+                  <a:latin typeface="Times New Roman" panose="02020603050405020304" pitchFamily="18" charset="0"/>
+                  <a:cs typeface="Times New Roman" panose="02020603050405020304" pitchFamily="18" charset="0"/>
+                </a:rPr>
+                <a:t>Physostigmine</a:t>
+              </a:r>
+              <a:endParaRPr lang="en-US" sz="900" dirty="0">
+                <a:latin typeface="Times New Roman" panose="02020603050405020304" pitchFamily="18" charset="0"/>
+                <a:cs typeface="Times New Roman" panose="02020603050405020304" pitchFamily="18" charset="0"/>
+              </a:endParaRPr>
+            </a:p>
+          </p:txBody>
+        </p:sp>
+        <p:sp>
+          <p:nvSpPr>
+            <p:cNvPr id="27" name="Rectangle 26"/>
+            <p:cNvSpPr/>
+            <p:nvPr/>
+          </p:nvSpPr>
+          <p:spPr>
+            <a:xfrm>
+              <a:off x="1311178" y="1578067"/>
+              <a:ext cx="774571" cy="230832"/>
+            </a:xfrm>
+            <a:prstGeom prst="rect">
+              <a:avLst/>
+            </a:prstGeom>
+          </p:spPr>
+          <p:txBody>
+            <a:bodyPr wrap="none">
+              <a:spAutoFit/>
+            </a:bodyPr>
+            <a:lstStyle/>
+            <a:p>
+              <a:r>
+                <a:rPr lang="en-US" sz="900" dirty="0" err="1">
+                  <a:latin typeface="Times New Roman" panose="02020603050405020304" pitchFamily="18" charset="0"/>
+                  <a:cs typeface="Times New Roman" panose="02020603050405020304" pitchFamily="18" charset="0"/>
+                </a:rPr>
+                <a:t>Galantamine</a:t>
+              </a:r>
+              <a:endParaRPr lang="en-US" sz="900" dirty="0">
+                <a:latin typeface="Times New Roman" panose="02020603050405020304" pitchFamily="18" charset="0"/>
+                <a:cs typeface="Times New Roman" panose="02020603050405020304" pitchFamily="18" charset="0"/>
+              </a:endParaRPr>
+            </a:p>
+          </p:txBody>
+        </p:sp>
+        <p:sp>
+          <p:nvSpPr>
+            <p:cNvPr id="28" name="Rectangle 27"/>
+            <p:cNvSpPr/>
+            <p:nvPr/>
+          </p:nvSpPr>
+          <p:spPr>
+            <a:xfrm>
+              <a:off x="907231" y="1983185"/>
+              <a:ext cx="780983" cy="230832"/>
+            </a:xfrm>
+            <a:prstGeom prst="rect">
+              <a:avLst/>
+            </a:prstGeom>
+          </p:spPr>
+          <p:txBody>
+            <a:bodyPr wrap="none">
+              <a:spAutoFit/>
+            </a:bodyPr>
+            <a:lstStyle/>
+            <a:p>
+              <a:r>
+                <a:rPr lang="en-US" sz="900" dirty="0" err="1">
+                  <a:latin typeface="Times New Roman" panose="02020603050405020304" pitchFamily="18" charset="0"/>
+                  <a:cs typeface="Times New Roman" panose="02020603050405020304" pitchFamily="18" charset="0"/>
+                </a:rPr>
+                <a:t>Demecarium</a:t>
+              </a:r>
+              <a:endParaRPr lang="en-US" sz="900" dirty="0">
+                <a:latin typeface="Times New Roman" panose="02020603050405020304" pitchFamily="18" charset="0"/>
+                <a:cs typeface="Times New Roman" panose="02020603050405020304" pitchFamily="18" charset="0"/>
+              </a:endParaRPr>
+            </a:p>
+          </p:txBody>
+        </p:sp>
+        <p:sp>
+          <p:nvSpPr>
+            <p:cNvPr id="61" name="Rectangle 60"/>
+            <p:cNvSpPr/>
+            <p:nvPr/>
+          </p:nvSpPr>
+          <p:spPr>
+            <a:xfrm>
+              <a:off x="357615" y="1375359"/>
+              <a:ext cx="319318" cy="230832"/>
+            </a:xfrm>
+            <a:prstGeom prst="rect">
+              <a:avLst/>
+            </a:prstGeom>
+          </p:spPr>
+          <p:txBody>
+            <a:bodyPr wrap="none">
+              <a:spAutoFit/>
+            </a:bodyPr>
+            <a:lstStyle/>
+            <a:p>
+              <a:r>
+                <a:rPr lang="en-US" sz="900" b="1" dirty="0" smtClean="0">
+                  <a:latin typeface="Times New Roman" panose="02020603050405020304" pitchFamily="18" charset="0"/>
+                  <a:cs typeface="Times New Roman" panose="02020603050405020304" pitchFamily="18" charset="0"/>
+                </a:rPr>
+                <a:t>(3</a:t>
+              </a:r>
+              <a:r>
+                <a:rPr lang="en-US" sz="900" b="1" dirty="0" smtClean="0">
+                  <a:latin typeface="Times New Roman" panose="02020603050405020304" pitchFamily="18" charset="0"/>
+                  <a:cs typeface="Times New Roman" panose="02020603050405020304" pitchFamily="18" charset="0"/>
+                </a:rPr>
+                <a:t>)</a:t>
+              </a:r>
+              <a:endParaRPr lang="en-US" sz="900" b="1" dirty="0">
+                <a:latin typeface="Times New Roman" panose="02020603050405020304" pitchFamily="18" charset="0"/>
+                <a:cs typeface="Times New Roman" panose="02020603050405020304" pitchFamily="18" charset="0"/>
+              </a:endParaRPr>
+            </a:p>
+          </p:txBody>
+        </p:sp>
+      </p:grpSp>
+      <p:grpSp>
+        <p:nvGrpSpPr>
+          <p:cNvPr id="51" name="Group 50"/>
+          <p:cNvGrpSpPr/>
+          <p:nvPr/>
+        </p:nvGrpSpPr>
+        <p:grpSpPr>
+          <a:xfrm>
+            <a:off x="268550" y="2176060"/>
+            <a:ext cx="2615654" cy="1089091"/>
+            <a:chOff x="334434" y="2601403"/>
+            <a:chExt cx="2615654" cy="1089091"/>
+          </a:xfrm>
+        </p:grpSpPr>
+        <p:sp>
+          <p:nvSpPr>
+            <p:cNvPr id="45" name="Rounded Rectangle 44"/>
+            <p:cNvSpPr/>
+            <p:nvPr/>
+          </p:nvSpPr>
+          <p:spPr>
+            <a:xfrm>
+              <a:off x="334434" y="2601403"/>
+              <a:ext cx="2572671" cy="1079286"/>
+            </a:xfrm>
+            <a:prstGeom prst="roundRect">
+              <a:avLst>
+                <a:gd name="adj" fmla="val 8714"/>
+              </a:avLst>
+            </a:prstGeom>
+            <a:solidFill>
+              <a:schemeClr val="bg1">
+                <a:lumMod val="95000"/>
+              </a:schemeClr>
+            </a:solidFill>
+            <a:ln w="12700">
+              <a:solidFill>
+                <a:schemeClr val="tx1"/>
+              </a:solidFill>
+            </a:ln>
+          </p:spPr>
+          <p:style>
+            <a:lnRef idx="2">
+              <a:schemeClr val="accent1">
+                <a:shade val="50000"/>
+              </a:schemeClr>
+            </a:lnRef>
+            <a:fillRef idx="1">
+              <a:schemeClr val="accent1"/>
+            </a:fillRef>
+            <a:effectRef idx="0">
+              <a:schemeClr val="accent1"/>
+            </a:effectRef>
+            <a:fontRef idx="minor">
+              <a:schemeClr val="lt1"/>
+            </a:fontRef>
+          </p:style>
+          <p:txBody>
+            <a:bodyPr rtlCol="0" anchor="ctr"/>
+            <a:lstStyle/>
+            <a:p>
+              <a:pPr algn="ctr"/>
+              <a:endParaRPr lang="en-US" sz="1350">
+                <a:latin typeface="Times New Roman" panose="02020603050405020304" pitchFamily="18" charset="0"/>
+                <a:cs typeface="Times New Roman" panose="02020603050405020304" pitchFamily="18" charset="0"/>
+              </a:endParaRPr>
+            </a:p>
+          </p:txBody>
+        </p:sp>
+        <p:sp>
+          <p:nvSpPr>
+            <p:cNvPr id="30" name="Rectangle 29"/>
+            <p:cNvSpPr/>
+            <p:nvPr/>
+          </p:nvSpPr>
+          <p:spPr>
+            <a:xfrm>
+              <a:off x="509799" y="2798008"/>
+              <a:ext cx="825867" cy="230832"/>
+            </a:xfrm>
+            <a:prstGeom prst="rect">
+              <a:avLst/>
+            </a:prstGeom>
+          </p:spPr>
+          <p:txBody>
+            <a:bodyPr wrap="none">
+              <a:spAutoFit/>
+            </a:bodyPr>
+            <a:lstStyle/>
+            <a:p>
+              <a:r>
+                <a:rPr lang="en-US" sz="900" dirty="0">
+                  <a:latin typeface="Times New Roman" panose="02020603050405020304" pitchFamily="18" charset="0"/>
+                  <a:cs typeface="Times New Roman" panose="02020603050405020304" pitchFamily="18" charset="0"/>
+                </a:rPr>
+                <a:t>Phenobarbital</a:t>
+              </a:r>
+            </a:p>
+          </p:txBody>
+        </p:sp>
+        <p:sp>
+          <p:nvSpPr>
+            <p:cNvPr id="31" name="Rectangle 30"/>
+            <p:cNvSpPr/>
+            <p:nvPr/>
+          </p:nvSpPr>
+          <p:spPr>
+            <a:xfrm>
+              <a:off x="541393" y="3000525"/>
+              <a:ext cx="755335" cy="230832"/>
+            </a:xfrm>
+            <a:prstGeom prst="rect">
+              <a:avLst/>
+            </a:prstGeom>
+          </p:spPr>
+          <p:txBody>
+            <a:bodyPr wrap="none">
+              <a:spAutoFit/>
+            </a:bodyPr>
+            <a:lstStyle/>
+            <a:p>
+              <a:r>
+                <a:rPr lang="en-US" sz="900" dirty="0" err="1">
+                  <a:latin typeface="Times New Roman" panose="02020603050405020304" pitchFamily="18" charset="0"/>
+                  <a:cs typeface="Times New Roman" panose="02020603050405020304" pitchFamily="18" charset="0"/>
+                </a:rPr>
+                <a:t>Butabarbital</a:t>
+              </a:r>
+              <a:endParaRPr lang="en-US" sz="900" dirty="0">
+                <a:latin typeface="Times New Roman" panose="02020603050405020304" pitchFamily="18" charset="0"/>
+                <a:cs typeface="Times New Roman" panose="02020603050405020304" pitchFamily="18" charset="0"/>
+              </a:endParaRPr>
+            </a:p>
+          </p:txBody>
+        </p:sp>
+        <p:sp>
+          <p:nvSpPr>
+            <p:cNvPr id="32" name="Rectangle 31"/>
+            <p:cNvSpPr/>
+            <p:nvPr/>
+          </p:nvSpPr>
+          <p:spPr>
+            <a:xfrm>
+              <a:off x="1289822" y="2993882"/>
+              <a:ext cx="569387" cy="230832"/>
+            </a:xfrm>
+            <a:prstGeom prst="rect">
+              <a:avLst/>
+            </a:prstGeom>
+          </p:spPr>
+          <p:txBody>
+            <a:bodyPr wrap="none">
+              <a:spAutoFit/>
+            </a:bodyPr>
+            <a:lstStyle/>
+            <a:p>
+              <a:r>
+                <a:rPr lang="en-US" sz="900" dirty="0" err="1">
+                  <a:latin typeface="Times New Roman" panose="02020603050405020304" pitchFamily="18" charset="0"/>
+                  <a:cs typeface="Times New Roman" panose="02020603050405020304" pitchFamily="18" charset="0"/>
+                </a:rPr>
+                <a:t>Talbutal</a:t>
+              </a:r>
+              <a:endParaRPr lang="en-US" sz="900" dirty="0">
+                <a:latin typeface="Times New Roman" panose="02020603050405020304" pitchFamily="18" charset="0"/>
+                <a:cs typeface="Times New Roman" panose="02020603050405020304" pitchFamily="18" charset="0"/>
+              </a:endParaRPr>
+            </a:p>
+          </p:txBody>
+        </p:sp>
+        <p:sp>
+          <p:nvSpPr>
+            <p:cNvPr id="33" name="Rectangle 32"/>
+            <p:cNvSpPr/>
+            <p:nvPr/>
+          </p:nvSpPr>
+          <p:spPr>
+            <a:xfrm>
+              <a:off x="2038859" y="3449856"/>
+              <a:ext cx="659155" cy="230832"/>
+            </a:xfrm>
+            <a:prstGeom prst="rect">
+              <a:avLst/>
+            </a:prstGeom>
+          </p:spPr>
+          <p:txBody>
+            <a:bodyPr wrap="none">
+              <a:spAutoFit/>
+            </a:bodyPr>
+            <a:lstStyle/>
+            <a:p>
+              <a:r>
+                <a:rPr lang="en-US" sz="900" dirty="0" err="1">
+                  <a:latin typeface="Times New Roman" panose="02020603050405020304" pitchFamily="18" charset="0"/>
+                  <a:cs typeface="Times New Roman" panose="02020603050405020304" pitchFamily="18" charset="0"/>
+                </a:rPr>
+                <a:t>Butalbital</a:t>
+              </a:r>
+              <a:endParaRPr lang="en-US" sz="900" dirty="0">
+                <a:latin typeface="Times New Roman" panose="02020603050405020304" pitchFamily="18" charset="0"/>
+                <a:cs typeface="Times New Roman" panose="02020603050405020304" pitchFamily="18" charset="0"/>
+              </a:endParaRPr>
+            </a:p>
+          </p:txBody>
+        </p:sp>
+        <p:sp>
+          <p:nvSpPr>
+            <p:cNvPr id="34" name="Rectangle 33"/>
+            <p:cNvSpPr/>
+            <p:nvPr/>
+          </p:nvSpPr>
+          <p:spPr>
+            <a:xfrm>
+              <a:off x="1200844" y="2623260"/>
+              <a:ext cx="800219" cy="230832"/>
+            </a:xfrm>
+            <a:prstGeom prst="rect">
+              <a:avLst/>
+            </a:prstGeom>
+          </p:spPr>
+          <p:txBody>
+            <a:bodyPr wrap="none">
+              <a:spAutoFit/>
+            </a:bodyPr>
+            <a:lstStyle/>
+            <a:p>
+              <a:r>
+                <a:rPr lang="en-US" sz="900" dirty="0">
+                  <a:latin typeface="Times New Roman" panose="02020603050405020304" pitchFamily="18" charset="0"/>
+                  <a:cs typeface="Times New Roman" panose="02020603050405020304" pitchFamily="18" charset="0"/>
+                </a:rPr>
+                <a:t>Pentobarbital</a:t>
+              </a:r>
+            </a:p>
+          </p:txBody>
+        </p:sp>
+        <p:sp>
+          <p:nvSpPr>
+            <p:cNvPr id="35" name="Rectangle 34"/>
+            <p:cNvSpPr/>
+            <p:nvPr/>
+          </p:nvSpPr>
+          <p:spPr>
+            <a:xfrm>
+              <a:off x="1254519" y="2802421"/>
+              <a:ext cx="684803" cy="230832"/>
+            </a:xfrm>
+            <a:prstGeom prst="rect">
+              <a:avLst/>
+            </a:prstGeom>
+          </p:spPr>
+          <p:txBody>
+            <a:bodyPr wrap="none">
+              <a:spAutoFit/>
+            </a:bodyPr>
+            <a:lstStyle/>
+            <a:p>
+              <a:r>
+                <a:rPr lang="en-US" sz="900" dirty="0">
+                  <a:latin typeface="Times New Roman" panose="02020603050405020304" pitchFamily="18" charset="0"/>
+                  <a:cs typeface="Times New Roman" panose="02020603050405020304" pitchFamily="18" charset="0"/>
+                </a:rPr>
+                <a:t>Thiopental</a:t>
+              </a:r>
+            </a:p>
+          </p:txBody>
+        </p:sp>
+        <p:sp>
+          <p:nvSpPr>
+            <p:cNvPr id="36" name="Rectangle 35"/>
+            <p:cNvSpPr/>
+            <p:nvPr/>
+          </p:nvSpPr>
+          <p:spPr>
+            <a:xfrm>
+              <a:off x="1923966" y="2612330"/>
+              <a:ext cx="787395" cy="230832"/>
+            </a:xfrm>
+            <a:prstGeom prst="rect">
+              <a:avLst/>
+            </a:prstGeom>
+          </p:spPr>
+          <p:txBody>
+            <a:bodyPr wrap="none">
+              <a:spAutoFit/>
+            </a:bodyPr>
+            <a:lstStyle/>
+            <a:p>
+              <a:r>
+                <a:rPr lang="en-US" sz="900" dirty="0" err="1">
+                  <a:latin typeface="Times New Roman" panose="02020603050405020304" pitchFamily="18" charset="0"/>
+                  <a:cs typeface="Times New Roman" panose="02020603050405020304" pitchFamily="18" charset="0"/>
+                </a:rPr>
+                <a:t>Hexobarbital</a:t>
+              </a:r>
+              <a:endParaRPr lang="en-US" sz="900" dirty="0">
+                <a:latin typeface="Times New Roman" panose="02020603050405020304" pitchFamily="18" charset="0"/>
+                <a:cs typeface="Times New Roman" panose="02020603050405020304" pitchFamily="18" charset="0"/>
+              </a:endParaRPr>
+            </a:p>
+          </p:txBody>
+        </p:sp>
+        <p:sp>
+          <p:nvSpPr>
+            <p:cNvPr id="37" name="Rectangle 36"/>
+            <p:cNvSpPr/>
+            <p:nvPr/>
+          </p:nvSpPr>
+          <p:spPr>
+            <a:xfrm>
+              <a:off x="509799" y="3238027"/>
+              <a:ext cx="813043" cy="230832"/>
+            </a:xfrm>
+            <a:prstGeom prst="rect">
+              <a:avLst/>
+            </a:prstGeom>
+          </p:spPr>
+          <p:txBody>
+            <a:bodyPr wrap="none">
+              <a:spAutoFit/>
+            </a:bodyPr>
+            <a:lstStyle/>
+            <a:p>
+              <a:r>
+                <a:rPr lang="en-US" sz="900" dirty="0" err="1">
+                  <a:latin typeface="Times New Roman" panose="02020603050405020304" pitchFamily="18" charset="0"/>
+                  <a:cs typeface="Times New Roman" panose="02020603050405020304" pitchFamily="18" charset="0"/>
+                </a:rPr>
+                <a:t>Heptabarbital</a:t>
+              </a:r>
+              <a:endParaRPr lang="en-US" sz="900" dirty="0">
+                <a:latin typeface="Times New Roman" panose="02020603050405020304" pitchFamily="18" charset="0"/>
+                <a:cs typeface="Times New Roman" panose="02020603050405020304" pitchFamily="18" charset="0"/>
+              </a:endParaRPr>
+            </a:p>
+          </p:txBody>
+        </p:sp>
+        <p:sp>
+          <p:nvSpPr>
+            <p:cNvPr id="38" name="Rectangle 37"/>
+            <p:cNvSpPr/>
+            <p:nvPr/>
+          </p:nvSpPr>
+          <p:spPr>
+            <a:xfrm>
+              <a:off x="1992774" y="3228595"/>
+              <a:ext cx="761747" cy="230832"/>
+            </a:xfrm>
+            <a:prstGeom prst="rect">
+              <a:avLst/>
+            </a:prstGeom>
+          </p:spPr>
+          <p:txBody>
+            <a:bodyPr wrap="none">
+              <a:spAutoFit/>
+            </a:bodyPr>
+            <a:lstStyle/>
+            <a:p>
+              <a:r>
+                <a:rPr lang="en-US" sz="900" dirty="0" err="1">
+                  <a:latin typeface="Times New Roman" panose="02020603050405020304" pitchFamily="18" charset="0"/>
+                  <a:cs typeface="Times New Roman" panose="02020603050405020304" pitchFamily="18" charset="0"/>
+                </a:rPr>
+                <a:t>Secobarbital</a:t>
+              </a:r>
+              <a:endParaRPr lang="en-US" sz="900" dirty="0">
+                <a:latin typeface="Times New Roman" panose="02020603050405020304" pitchFamily="18" charset="0"/>
+                <a:cs typeface="Times New Roman" panose="02020603050405020304" pitchFamily="18" charset="0"/>
+              </a:endParaRPr>
+            </a:p>
+          </p:txBody>
+        </p:sp>
+        <p:sp>
+          <p:nvSpPr>
+            <p:cNvPr id="39" name="Rectangle 38"/>
+            <p:cNvSpPr/>
+            <p:nvPr/>
+          </p:nvSpPr>
+          <p:spPr>
+            <a:xfrm>
+              <a:off x="2029763" y="2805747"/>
+              <a:ext cx="575799" cy="230832"/>
+            </a:xfrm>
+            <a:prstGeom prst="rect">
+              <a:avLst/>
+            </a:prstGeom>
+          </p:spPr>
+          <p:txBody>
+            <a:bodyPr wrap="none">
+              <a:spAutoFit/>
+            </a:bodyPr>
+            <a:lstStyle/>
+            <a:p>
+              <a:r>
+                <a:rPr lang="en-US" sz="900" dirty="0" err="1">
+                  <a:latin typeface="Times New Roman" panose="02020603050405020304" pitchFamily="18" charset="0"/>
+                  <a:cs typeface="Times New Roman" panose="02020603050405020304" pitchFamily="18" charset="0"/>
+                </a:rPr>
+                <a:t>Butethal</a:t>
+              </a:r>
+              <a:endParaRPr lang="en-US" sz="900" dirty="0">
+                <a:latin typeface="Times New Roman" panose="02020603050405020304" pitchFamily="18" charset="0"/>
+                <a:cs typeface="Times New Roman" panose="02020603050405020304" pitchFamily="18" charset="0"/>
+              </a:endParaRPr>
+            </a:p>
+          </p:txBody>
+        </p:sp>
+        <p:sp>
+          <p:nvSpPr>
+            <p:cNvPr id="40" name="Rectangle 39"/>
+            <p:cNvSpPr/>
+            <p:nvPr/>
+          </p:nvSpPr>
+          <p:spPr>
+            <a:xfrm>
+              <a:off x="1797208" y="2999503"/>
+              <a:ext cx="1152880" cy="230832"/>
+            </a:xfrm>
+            <a:prstGeom prst="rect">
+              <a:avLst/>
+            </a:prstGeom>
+          </p:spPr>
+          <p:txBody>
+            <a:bodyPr wrap="none">
+              <a:spAutoFit/>
+            </a:bodyPr>
+            <a:lstStyle/>
+            <a:p>
+              <a:r>
+                <a:rPr lang="en-US" sz="900" dirty="0" err="1">
+                  <a:latin typeface="Times New Roman" panose="02020603050405020304" pitchFamily="18" charset="0"/>
+                  <a:cs typeface="Times New Roman" panose="02020603050405020304" pitchFamily="18" charset="0"/>
+                </a:rPr>
+                <a:t>Methylphenobarbital</a:t>
+              </a:r>
+              <a:endParaRPr lang="en-US" sz="900" dirty="0">
+                <a:latin typeface="Times New Roman" panose="02020603050405020304" pitchFamily="18" charset="0"/>
+                <a:cs typeface="Times New Roman" panose="02020603050405020304" pitchFamily="18" charset="0"/>
+              </a:endParaRPr>
+            </a:p>
+          </p:txBody>
+        </p:sp>
+        <p:sp>
+          <p:nvSpPr>
+            <p:cNvPr id="41" name="Rectangle 40"/>
+            <p:cNvSpPr/>
+            <p:nvPr/>
+          </p:nvSpPr>
+          <p:spPr>
+            <a:xfrm>
+              <a:off x="510974" y="3455771"/>
+              <a:ext cx="774571" cy="230832"/>
+            </a:xfrm>
+            <a:prstGeom prst="rect">
+              <a:avLst/>
+            </a:prstGeom>
+          </p:spPr>
+          <p:txBody>
+            <a:bodyPr wrap="none">
+              <a:spAutoFit/>
+            </a:bodyPr>
+            <a:lstStyle/>
+            <a:p>
+              <a:r>
+                <a:rPr lang="en-US" sz="900" dirty="0" err="1">
+                  <a:latin typeface="Times New Roman" panose="02020603050405020304" pitchFamily="18" charset="0"/>
+                  <a:cs typeface="Times New Roman" panose="02020603050405020304" pitchFamily="18" charset="0"/>
+                </a:rPr>
+                <a:t>Aprobarbital</a:t>
+              </a:r>
+              <a:endParaRPr lang="en-US" sz="900" dirty="0">
+                <a:latin typeface="Times New Roman" panose="02020603050405020304" pitchFamily="18" charset="0"/>
+                <a:cs typeface="Times New Roman" panose="02020603050405020304" pitchFamily="18" charset="0"/>
+              </a:endParaRPr>
+            </a:p>
+          </p:txBody>
+        </p:sp>
+        <p:sp>
+          <p:nvSpPr>
+            <p:cNvPr id="42" name="Rectangle 41"/>
+            <p:cNvSpPr/>
+            <p:nvPr/>
+          </p:nvSpPr>
+          <p:spPr>
+            <a:xfrm>
+              <a:off x="1236892" y="3459662"/>
+              <a:ext cx="665567" cy="230832"/>
+            </a:xfrm>
+            <a:prstGeom prst="rect">
+              <a:avLst/>
+            </a:prstGeom>
+          </p:spPr>
+          <p:txBody>
+            <a:bodyPr wrap="none">
+              <a:spAutoFit/>
+            </a:bodyPr>
+            <a:lstStyle/>
+            <a:p>
+              <a:r>
+                <a:rPr lang="en-US" sz="900" dirty="0" err="1">
+                  <a:latin typeface="Times New Roman" panose="02020603050405020304" pitchFamily="18" charset="0"/>
+                  <a:cs typeface="Times New Roman" panose="02020603050405020304" pitchFamily="18" charset="0"/>
+                </a:rPr>
+                <a:t>Primidone</a:t>
+              </a:r>
+              <a:endParaRPr lang="en-US" sz="900" dirty="0">
+                <a:latin typeface="Times New Roman" panose="02020603050405020304" pitchFamily="18" charset="0"/>
+                <a:cs typeface="Times New Roman" panose="02020603050405020304" pitchFamily="18" charset="0"/>
+              </a:endParaRPr>
+            </a:p>
+          </p:txBody>
+        </p:sp>
+        <p:sp>
+          <p:nvSpPr>
+            <p:cNvPr id="43" name="Rectangle 42"/>
+            <p:cNvSpPr/>
+            <p:nvPr/>
+          </p:nvSpPr>
+          <p:spPr>
+            <a:xfrm>
+              <a:off x="529563" y="2617639"/>
+              <a:ext cx="768159" cy="230832"/>
+            </a:xfrm>
+            <a:prstGeom prst="rect">
+              <a:avLst/>
+            </a:prstGeom>
+          </p:spPr>
+          <p:txBody>
+            <a:bodyPr wrap="none">
+              <a:spAutoFit/>
+            </a:bodyPr>
+            <a:lstStyle/>
+            <a:p>
+              <a:r>
+                <a:rPr lang="en-US" sz="900" dirty="0" err="1">
+                  <a:latin typeface="Times New Roman" panose="02020603050405020304" pitchFamily="18" charset="0"/>
+                  <a:cs typeface="Times New Roman" panose="02020603050405020304" pitchFamily="18" charset="0"/>
+                </a:rPr>
+                <a:t>Amobarbital</a:t>
+              </a:r>
+              <a:endParaRPr lang="en-US" sz="900" dirty="0">
+                <a:latin typeface="Times New Roman" panose="02020603050405020304" pitchFamily="18" charset="0"/>
+                <a:cs typeface="Times New Roman" panose="02020603050405020304" pitchFamily="18" charset="0"/>
+              </a:endParaRPr>
+            </a:p>
+          </p:txBody>
+        </p:sp>
+        <p:sp>
+          <p:nvSpPr>
+            <p:cNvPr id="44" name="Rectangle 43"/>
+            <p:cNvSpPr/>
+            <p:nvPr/>
+          </p:nvSpPr>
+          <p:spPr>
+            <a:xfrm>
+              <a:off x="1226991" y="3228830"/>
+              <a:ext cx="723275" cy="230832"/>
+            </a:xfrm>
+            <a:prstGeom prst="rect">
+              <a:avLst/>
+            </a:prstGeom>
+          </p:spPr>
+          <p:txBody>
+            <a:bodyPr wrap="none">
+              <a:spAutoFit/>
+            </a:bodyPr>
+            <a:lstStyle/>
+            <a:p>
+              <a:r>
+                <a:rPr lang="en-US" sz="900" dirty="0" err="1">
+                  <a:latin typeface="Times New Roman" panose="02020603050405020304" pitchFamily="18" charset="0"/>
+                  <a:cs typeface="Times New Roman" panose="02020603050405020304" pitchFamily="18" charset="0"/>
+                </a:rPr>
+                <a:t>Metharbital</a:t>
+              </a:r>
+              <a:endParaRPr lang="en-US" sz="900" dirty="0">
+                <a:latin typeface="Times New Roman" panose="02020603050405020304" pitchFamily="18" charset="0"/>
+                <a:cs typeface="Times New Roman" panose="02020603050405020304" pitchFamily="18" charset="0"/>
+              </a:endParaRPr>
+            </a:p>
+          </p:txBody>
+        </p:sp>
+        <p:sp>
+          <p:nvSpPr>
+            <p:cNvPr id="63" name="Rectangle 62"/>
+            <p:cNvSpPr/>
+            <p:nvPr/>
+          </p:nvSpPr>
+          <p:spPr>
+            <a:xfrm>
+              <a:off x="337390" y="2609227"/>
+              <a:ext cx="319318" cy="230832"/>
+            </a:xfrm>
+            <a:prstGeom prst="rect">
+              <a:avLst/>
+            </a:prstGeom>
+          </p:spPr>
+          <p:txBody>
+            <a:bodyPr wrap="none">
+              <a:spAutoFit/>
+            </a:bodyPr>
+            <a:lstStyle/>
+            <a:p>
+              <a:r>
+                <a:rPr lang="en-US" sz="900" b="1" dirty="0" smtClean="0">
+                  <a:latin typeface="Times New Roman" panose="02020603050405020304" pitchFamily="18" charset="0"/>
+                  <a:cs typeface="Times New Roman" panose="02020603050405020304" pitchFamily="18" charset="0"/>
+                </a:rPr>
+                <a:t>(4)</a:t>
+              </a:r>
+              <a:endParaRPr lang="en-US" sz="900" b="1" dirty="0">
+                <a:latin typeface="Times New Roman" panose="02020603050405020304" pitchFamily="18" charset="0"/>
+                <a:cs typeface="Times New Roman" panose="02020603050405020304" pitchFamily="18" charset="0"/>
+              </a:endParaRPr>
+            </a:p>
+          </p:txBody>
+        </p:sp>
+      </p:grpSp>
+      <p:sp>
+        <p:nvSpPr>
+          <p:cNvPr id="64" name="Rectangle 63"/>
           <p:cNvSpPr/>
           <p:nvPr/>
         </p:nvSpPr>
         <p:spPr>
           <a:xfrm>
-            <a:off x="2162877" y="911387"/>
-            <a:ext cx="1081450" cy="276999"/>
+            <a:off x="3014200" y="2748342"/>
+            <a:ext cx="338554" cy="230832"/>
           </a:xfrm>
           <a:prstGeom prst="rect">
             <a:avLst/>
@@ -3639,29 +5221,36 @@
           <a:lstStyle/>
           <a:p>
             <a:r>
-              <a:rPr lang="en-US" sz="1200" dirty="0" err="1" smtClean="0">
-                <a:latin typeface="Arial" pitchFamily="34" charset="0"/>
-                <a:cs typeface="Arial" pitchFamily="34" charset="0"/>
+              <a:rPr lang="en-US" sz="900" b="1" dirty="0" smtClean="0">
+                <a:latin typeface="Times New Roman" panose="02020603050405020304" pitchFamily="18" charset="0"/>
+                <a:cs typeface="Times New Roman" panose="02020603050405020304" pitchFamily="18" charset="0"/>
               </a:rPr>
-              <a:t>Tubocurarine</a:t>
-            </a:r>
-            <a:endParaRPr lang="en-US" sz="1200" dirty="0">
-              <a:latin typeface="Arial" pitchFamily="34" charset="0"/>
-              <a:cs typeface="Arial" pitchFamily="34" charset="0"/>
+              <a:t>(E</a:t>
+            </a:r>
+            <a:r>
+              <a:rPr lang="en-US" sz="900" b="1" dirty="0" smtClean="0">
+                <a:latin typeface="Times New Roman" panose="02020603050405020304" pitchFamily="18" charset="0"/>
+                <a:cs typeface="Times New Roman" panose="02020603050405020304" pitchFamily="18" charset="0"/>
+              </a:rPr>
+              <a:t>)</a:t>
+            </a:r>
+            <a:endParaRPr lang="en-US" sz="900" b="1" dirty="0">
+              <a:latin typeface="Times New Roman" panose="02020603050405020304" pitchFamily="18" charset="0"/>
+              <a:cs typeface="Times New Roman" panose="02020603050405020304" pitchFamily="18" charset="0"/>
             </a:endParaRPr>
           </a:p>
         </p:txBody>
       </p:sp>
       <p:sp>
         <p:nvSpPr>
-          <p:cNvPr id="16" name="Rectangle 15"/>
+          <p:cNvPr id="65" name="Rectangle 64"/>
           <p:cNvSpPr/>
           <p:nvPr/>
         </p:nvSpPr>
         <p:spPr>
           <a:xfrm>
-            <a:off x="1872727" y="1148575"/>
-            <a:ext cx="1708673" cy="276999"/>
+            <a:off x="3025654" y="296755"/>
+            <a:ext cx="338554" cy="230832"/>
           </a:xfrm>
           <a:prstGeom prst="rect">
             <a:avLst/>
@@ -3674,43 +5263,36 @@
           <a:lstStyle/>
           <a:p>
             <a:r>
-              <a:rPr lang="en-US" sz="1200" dirty="0" err="1">
-                <a:latin typeface="Arial" pitchFamily="34" charset="0"/>
-                <a:cs typeface="Arial" pitchFamily="34" charset="0"/>
+              <a:rPr lang="en-US" sz="900" b="1" dirty="0" smtClean="0">
+                <a:latin typeface="Times New Roman" panose="02020603050405020304" pitchFamily="18" charset="0"/>
+                <a:cs typeface="Times New Roman" panose="02020603050405020304" pitchFamily="18" charset="0"/>
               </a:rPr>
-              <a:t>Gallamine</a:t>
-            </a:r>
-            <a:r>
-              <a:rPr lang="en-US" sz="1200" dirty="0">
-                <a:latin typeface="Arial" pitchFamily="34" charset="0"/>
-                <a:cs typeface="Arial" pitchFamily="34" charset="0"/>
+              <a:t>(B</a:t>
+            </a:r>
+            <a:r>
+              <a:rPr lang="en-US" sz="900" b="1" dirty="0" smtClean="0">
+                <a:latin typeface="Times New Roman" panose="02020603050405020304" pitchFamily="18" charset="0"/>
+                <a:cs typeface="Times New Roman" panose="02020603050405020304" pitchFamily="18" charset="0"/>
               </a:rPr>
-              <a:t> </a:t>
-            </a:r>
-            <a:r>
-              <a:rPr lang="en-US" sz="1200" dirty="0" err="1">
-                <a:latin typeface="Arial" pitchFamily="34" charset="0"/>
-                <a:cs typeface="Arial" pitchFamily="34" charset="0"/>
-              </a:rPr>
-              <a:t>Triethiodide</a:t>
-            </a:r>
-            <a:endParaRPr lang="en-US" sz="1200" dirty="0">
-              <a:latin typeface="Arial" pitchFamily="34" charset="0"/>
-              <a:cs typeface="Arial" pitchFamily="34" charset="0"/>
+              <a:t>)</a:t>
+            </a:r>
+            <a:endParaRPr lang="en-US" sz="900" b="1" dirty="0">
+              <a:latin typeface="Times New Roman" panose="02020603050405020304" pitchFamily="18" charset="0"/>
+              <a:cs typeface="Times New Roman" panose="02020603050405020304" pitchFamily="18" charset="0"/>
             </a:endParaRPr>
           </a:p>
         </p:txBody>
       </p:sp>
       <p:sp>
         <p:nvSpPr>
-          <p:cNvPr id="18" name="Rectangle 17"/>
+          <p:cNvPr id="66" name="Rectangle 65"/>
           <p:cNvSpPr/>
           <p:nvPr/>
         </p:nvSpPr>
         <p:spPr>
           <a:xfrm>
-            <a:off x="531053" y="2542400"/>
-            <a:ext cx="678968" cy="276999"/>
+            <a:off x="3890565" y="541361"/>
+            <a:ext cx="319318" cy="230832"/>
           </a:xfrm>
           <a:prstGeom prst="rect">
             <a:avLst/>
@@ -3723,29 +5305,36 @@
           <a:lstStyle/>
           <a:p>
             <a:r>
-              <a:rPr lang="en-US" sz="1200" dirty="0" err="1">
-                <a:latin typeface="Arial" pitchFamily="34" charset="0"/>
-                <a:cs typeface="Arial" pitchFamily="34" charset="0"/>
+              <a:rPr lang="en-US" sz="900" b="1" dirty="0" smtClean="0">
+                <a:latin typeface="Times New Roman" panose="02020603050405020304" pitchFamily="18" charset="0"/>
+                <a:cs typeface="Times New Roman" panose="02020603050405020304" pitchFamily="18" charset="0"/>
               </a:rPr>
-              <a:t>Tacrine</a:t>
-            </a:r>
-            <a:endParaRPr lang="en-US" sz="1200" dirty="0">
-              <a:latin typeface="Arial" pitchFamily="34" charset="0"/>
-              <a:cs typeface="Arial" pitchFamily="34" charset="0"/>
+              <a:t>(5</a:t>
+            </a:r>
+            <a:r>
+              <a:rPr lang="en-US" sz="900" b="1" dirty="0" smtClean="0">
+                <a:latin typeface="Times New Roman" panose="02020603050405020304" pitchFamily="18" charset="0"/>
+                <a:cs typeface="Times New Roman" panose="02020603050405020304" pitchFamily="18" charset="0"/>
+              </a:rPr>
+              <a:t>)</a:t>
+            </a:r>
+            <a:endParaRPr lang="en-US" sz="900" b="1" dirty="0">
+              <a:latin typeface="Times New Roman" panose="02020603050405020304" pitchFamily="18" charset="0"/>
+              <a:cs typeface="Times New Roman" panose="02020603050405020304" pitchFamily="18" charset="0"/>
             </a:endParaRPr>
           </a:p>
         </p:txBody>
       </p:sp>
       <p:sp>
         <p:nvSpPr>
-          <p:cNvPr id="19" name="Rectangle 18"/>
+          <p:cNvPr id="67" name="Rectangle 66"/>
           <p:cNvSpPr/>
           <p:nvPr/>
         </p:nvSpPr>
         <p:spPr>
           <a:xfrm>
-            <a:off x="371110" y="2847201"/>
-            <a:ext cx="864339" cy="276999"/>
+            <a:off x="3039872" y="1244215"/>
+            <a:ext cx="344966" cy="230832"/>
           </a:xfrm>
           <a:prstGeom prst="rect">
             <a:avLst/>
@@ -3758,25 +5347,29 @@
           <a:lstStyle/>
           <a:p>
             <a:r>
-              <a:rPr lang="en-US" sz="1200" dirty="0">
-                <a:latin typeface="Arial" pitchFamily="34" charset="0"/>
-                <a:cs typeface="Arial" pitchFamily="34" charset="0"/>
+              <a:rPr lang="en-US" sz="900" b="1" dirty="0" smtClean="0">
+                <a:latin typeface="Times New Roman" panose="02020603050405020304" pitchFamily="18" charset="0"/>
+                <a:cs typeface="Times New Roman" panose="02020603050405020304" pitchFamily="18" charset="0"/>
               </a:rPr>
-              <a:t>Donepezil</a:t>
-            </a:r>
-          </a:p>
-        </p:txBody>
-      </p:sp>
-      <p:sp>
-        <p:nvSpPr>
-          <p:cNvPr id="20" name="Rectangle 19"/>
+              <a:t>(C)</a:t>
+            </a:r>
+            <a:endParaRPr lang="en-US" sz="900" b="1" dirty="0">
+              <a:latin typeface="Times New Roman" panose="02020603050405020304" pitchFamily="18" charset="0"/>
+              <a:cs typeface="Times New Roman" panose="02020603050405020304" pitchFamily="18" charset="0"/>
+            </a:endParaRPr>
+          </a:p>
+        </p:txBody>
+      </p:sp>
+      <p:sp>
+        <p:nvSpPr>
+          <p:cNvPr id="68" name="Rectangle 67"/>
           <p:cNvSpPr/>
           <p:nvPr/>
         </p:nvSpPr>
         <p:spPr>
           <a:xfrm>
-            <a:off x="1419367" y="1970894"/>
-            <a:ext cx="1189749" cy="276999"/>
+            <a:off x="3040677" y="1916310"/>
+            <a:ext cx="344966" cy="230832"/>
           </a:xfrm>
           <a:prstGeom prst="rect">
             <a:avLst/>
@@ -3789,1744 +5382,234 @@
           <a:lstStyle/>
           <a:p>
             <a:r>
-              <a:rPr lang="en-US" sz="1200" dirty="0" err="1">
-                <a:latin typeface="Arial" pitchFamily="34" charset="0"/>
-                <a:cs typeface="Arial" pitchFamily="34" charset="0"/>
+              <a:rPr lang="en-US" sz="900" b="1" dirty="0" smtClean="0">
+                <a:latin typeface="Times New Roman" panose="02020603050405020304" pitchFamily="18" charset="0"/>
+                <a:cs typeface="Times New Roman" panose="02020603050405020304" pitchFamily="18" charset="0"/>
               </a:rPr>
-              <a:t>Pyridostigmine</a:t>
-            </a:r>
-            <a:endParaRPr lang="en-US" sz="1200" dirty="0">
-              <a:latin typeface="Arial" pitchFamily="34" charset="0"/>
-              <a:cs typeface="Arial" pitchFamily="34" charset="0"/>
+              <a:t>(D</a:t>
+            </a:r>
+            <a:r>
+              <a:rPr lang="en-US" sz="900" b="1" dirty="0" smtClean="0">
+                <a:latin typeface="Times New Roman" panose="02020603050405020304" pitchFamily="18" charset="0"/>
+                <a:cs typeface="Times New Roman" panose="02020603050405020304" pitchFamily="18" charset="0"/>
+              </a:rPr>
+              <a:t>)</a:t>
+            </a:r>
+            <a:endParaRPr lang="en-US" sz="900" b="1" dirty="0">
+              <a:latin typeface="Times New Roman" panose="02020603050405020304" pitchFamily="18" charset="0"/>
+              <a:cs typeface="Times New Roman" panose="02020603050405020304" pitchFamily="18" charset="0"/>
             </a:endParaRPr>
           </a:p>
         </p:txBody>
       </p:sp>
-      <p:sp>
-        <p:nvSpPr>
-          <p:cNvPr id="21" name="Rectangle 20"/>
-          <p:cNvSpPr/>
+      <p:grpSp>
+        <p:nvGrpSpPr>
+          <p:cNvPr id="7" name="Group 6"/>
+          <p:cNvGrpSpPr/>
           <p:nvPr/>
-        </p:nvSpPr>
-        <p:spPr>
+        </p:nvGrpSpPr>
+        <p:grpSpPr>
           <a:xfrm>
-            <a:off x="295621" y="1964161"/>
-            <a:ext cx="1071127" cy="276999"/>
+            <a:off x="421503" y="605467"/>
+            <a:ext cx="1076060" cy="574537"/>
+            <a:chOff x="373279" y="542100"/>
+            <a:chExt cx="1076060" cy="574537"/>
           </a:xfrm>
-          <a:prstGeom prst="rect">
-            <a:avLst/>
-          </a:prstGeom>
-        </p:spPr>
-        <p:txBody>
-          <a:bodyPr wrap="none">
-            <a:spAutoFit/>
-          </a:bodyPr>
-          <a:lstStyle/>
-          <a:p>
-            <a:r>
-              <a:rPr lang="en-US" sz="1200" dirty="0" err="1">
-                <a:latin typeface="Arial" pitchFamily="34" charset="0"/>
-                <a:cs typeface="Arial" pitchFamily="34" charset="0"/>
-              </a:rPr>
-              <a:t>Isoflurophate</a:t>
-            </a:r>
-            <a:endParaRPr lang="en-US" sz="1200" dirty="0">
-              <a:latin typeface="Arial" pitchFamily="34" charset="0"/>
-              <a:cs typeface="Arial" pitchFamily="34" charset="0"/>
-            </a:endParaRPr>
-          </a:p>
-        </p:txBody>
-      </p:sp>
-      <p:sp>
-        <p:nvSpPr>
-          <p:cNvPr id="22" name="Rectangle 21"/>
-          <p:cNvSpPr/>
-          <p:nvPr/>
-        </p:nvSpPr>
-        <p:spPr>
-          <a:xfrm>
-            <a:off x="310622" y="2241160"/>
-            <a:ext cx="1095172" cy="276999"/>
-          </a:xfrm>
-          <a:prstGeom prst="rect">
-            <a:avLst/>
-          </a:prstGeom>
-        </p:spPr>
-        <p:txBody>
-          <a:bodyPr wrap="none">
-            <a:spAutoFit/>
-          </a:bodyPr>
-          <a:lstStyle/>
-          <a:p>
-            <a:r>
-              <a:rPr lang="en-US" sz="1200" dirty="0" err="1">
-                <a:latin typeface="Arial" pitchFamily="34" charset="0"/>
-                <a:cs typeface="Arial" pitchFamily="34" charset="0"/>
-              </a:rPr>
-              <a:t>Edrophonium</a:t>
-            </a:r>
-            <a:endParaRPr lang="en-US" sz="1200" dirty="0">
-              <a:latin typeface="Arial" pitchFamily="34" charset="0"/>
-              <a:cs typeface="Arial" pitchFamily="34" charset="0"/>
-            </a:endParaRPr>
-          </a:p>
-        </p:txBody>
-      </p:sp>
-      <p:sp>
-        <p:nvSpPr>
-          <p:cNvPr id="23" name="Rectangle 22"/>
-          <p:cNvSpPr/>
-          <p:nvPr/>
-        </p:nvSpPr>
-        <p:spPr>
-          <a:xfrm>
-            <a:off x="1510584" y="2262032"/>
-            <a:ext cx="1035861" cy="276999"/>
-          </a:xfrm>
-          <a:prstGeom prst="rect">
-            <a:avLst/>
-          </a:prstGeom>
-        </p:spPr>
-        <p:txBody>
-          <a:bodyPr wrap="none">
-            <a:spAutoFit/>
-          </a:bodyPr>
-          <a:lstStyle/>
-          <a:p>
-            <a:r>
-              <a:rPr lang="en-US" sz="1200" dirty="0">
-                <a:latin typeface="Arial" pitchFamily="34" charset="0"/>
-                <a:cs typeface="Arial" pitchFamily="34" charset="0"/>
-              </a:rPr>
-              <a:t>Neostigmine</a:t>
-            </a:r>
-          </a:p>
-        </p:txBody>
-      </p:sp>
-      <p:sp>
-        <p:nvSpPr>
-          <p:cNvPr id="24" name="Rectangle 23"/>
-          <p:cNvSpPr/>
-          <p:nvPr/>
-        </p:nvSpPr>
-        <p:spPr>
-          <a:xfrm>
-            <a:off x="1366748" y="2533234"/>
-            <a:ext cx="1087157" cy="276999"/>
-          </a:xfrm>
-          <a:prstGeom prst="rect">
-            <a:avLst/>
-          </a:prstGeom>
-        </p:spPr>
-        <p:txBody>
-          <a:bodyPr wrap="none">
-            <a:spAutoFit/>
-          </a:bodyPr>
-          <a:lstStyle/>
-          <a:p>
-            <a:r>
-              <a:rPr lang="en-US" sz="1200" dirty="0" err="1">
-                <a:latin typeface="Arial" pitchFamily="34" charset="0"/>
-                <a:cs typeface="Arial" pitchFamily="34" charset="0"/>
-              </a:rPr>
-              <a:t>Ambenonium</a:t>
-            </a:r>
-            <a:endParaRPr lang="en-US" sz="1200" dirty="0">
-              <a:latin typeface="Arial" pitchFamily="34" charset="0"/>
-              <a:cs typeface="Arial" pitchFamily="34" charset="0"/>
-            </a:endParaRPr>
-          </a:p>
-        </p:txBody>
-      </p:sp>
-      <p:sp>
-        <p:nvSpPr>
-          <p:cNvPr id="25" name="Rectangle 24"/>
-          <p:cNvSpPr/>
-          <p:nvPr/>
-        </p:nvSpPr>
-        <p:spPr>
-          <a:xfrm>
-            <a:off x="1399755" y="2810233"/>
-            <a:ext cx="1061509" cy="276999"/>
-          </a:xfrm>
-          <a:prstGeom prst="rect">
-            <a:avLst/>
-          </a:prstGeom>
-        </p:spPr>
-        <p:txBody>
-          <a:bodyPr wrap="none">
-            <a:spAutoFit/>
-          </a:bodyPr>
-          <a:lstStyle/>
-          <a:p>
-            <a:r>
-              <a:rPr lang="en-US" sz="1200" dirty="0" err="1">
-                <a:latin typeface="Arial" pitchFamily="34" charset="0"/>
-                <a:cs typeface="Arial" pitchFamily="34" charset="0"/>
-              </a:rPr>
-              <a:t>Rivastigmine</a:t>
-            </a:r>
-            <a:endParaRPr lang="en-US" sz="1200" dirty="0">
-              <a:latin typeface="Arial" pitchFamily="34" charset="0"/>
-              <a:cs typeface="Arial" pitchFamily="34" charset="0"/>
-            </a:endParaRPr>
-          </a:p>
-        </p:txBody>
-      </p:sp>
-      <p:sp>
-        <p:nvSpPr>
-          <p:cNvPr id="26" name="Rectangle 25"/>
-          <p:cNvSpPr/>
-          <p:nvPr/>
-        </p:nvSpPr>
-        <p:spPr>
-          <a:xfrm>
-            <a:off x="2581621" y="2036801"/>
-            <a:ext cx="1181734" cy="276999"/>
-          </a:xfrm>
-          <a:prstGeom prst="rect">
-            <a:avLst/>
-          </a:prstGeom>
-        </p:spPr>
-        <p:txBody>
-          <a:bodyPr wrap="none">
-            <a:spAutoFit/>
-          </a:bodyPr>
-          <a:lstStyle/>
-          <a:p>
-            <a:r>
-              <a:rPr lang="en-US" sz="1200" dirty="0" err="1">
-                <a:latin typeface="Arial" pitchFamily="34" charset="0"/>
-                <a:cs typeface="Arial" pitchFamily="34" charset="0"/>
-              </a:rPr>
-              <a:t>Physostigmine</a:t>
-            </a:r>
-            <a:endParaRPr lang="en-US" sz="1200" dirty="0">
-              <a:latin typeface="Arial" pitchFamily="34" charset="0"/>
-              <a:cs typeface="Arial" pitchFamily="34" charset="0"/>
-            </a:endParaRPr>
-          </a:p>
-        </p:txBody>
-      </p:sp>
-      <p:sp>
-        <p:nvSpPr>
-          <p:cNvPr id="27" name="Rectangle 26"/>
-          <p:cNvSpPr/>
-          <p:nvPr/>
-        </p:nvSpPr>
-        <p:spPr>
-          <a:xfrm>
-            <a:off x="2629486" y="2372575"/>
-            <a:ext cx="1053494" cy="276999"/>
-          </a:xfrm>
-          <a:prstGeom prst="rect">
-            <a:avLst/>
-          </a:prstGeom>
-        </p:spPr>
-        <p:txBody>
-          <a:bodyPr wrap="none">
-            <a:spAutoFit/>
-          </a:bodyPr>
-          <a:lstStyle/>
-          <a:p>
-            <a:r>
-              <a:rPr lang="en-US" sz="1200" dirty="0" err="1">
-                <a:latin typeface="Arial" pitchFamily="34" charset="0"/>
-                <a:cs typeface="Arial" pitchFamily="34" charset="0"/>
-              </a:rPr>
-              <a:t>Galantamine</a:t>
-            </a:r>
-            <a:endParaRPr lang="en-US" sz="1200" dirty="0">
-              <a:latin typeface="Arial" pitchFamily="34" charset="0"/>
-              <a:cs typeface="Arial" pitchFamily="34" charset="0"/>
-            </a:endParaRPr>
-          </a:p>
-        </p:txBody>
-      </p:sp>
-      <p:sp>
-        <p:nvSpPr>
-          <p:cNvPr id="28" name="Rectangle 27"/>
-          <p:cNvSpPr/>
-          <p:nvPr/>
-        </p:nvSpPr>
-        <p:spPr>
-          <a:xfrm>
-            <a:off x="2610625" y="2708702"/>
-            <a:ext cx="1053494" cy="276999"/>
-          </a:xfrm>
-          <a:prstGeom prst="rect">
-            <a:avLst/>
-          </a:prstGeom>
-        </p:spPr>
-        <p:txBody>
-          <a:bodyPr wrap="none">
-            <a:spAutoFit/>
-          </a:bodyPr>
-          <a:lstStyle/>
-          <a:p>
-            <a:r>
-              <a:rPr lang="en-US" sz="1200" dirty="0" err="1">
-                <a:latin typeface="Arial" pitchFamily="34" charset="0"/>
-                <a:cs typeface="Arial" pitchFamily="34" charset="0"/>
-              </a:rPr>
-              <a:t>Demecarium</a:t>
-            </a:r>
-            <a:endParaRPr lang="en-US" sz="1200" dirty="0">
-              <a:latin typeface="Arial" pitchFamily="34" charset="0"/>
-              <a:cs typeface="Arial" pitchFamily="34" charset="0"/>
-            </a:endParaRPr>
-          </a:p>
-        </p:txBody>
-      </p:sp>
-      <p:sp>
-        <p:nvSpPr>
-          <p:cNvPr id="30" name="Rectangle 29"/>
-          <p:cNvSpPr/>
-          <p:nvPr/>
-        </p:nvSpPr>
-        <p:spPr>
-          <a:xfrm>
-            <a:off x="259620" y="3867514"/>
-            <a:ext cx="1128835" cy="276999"/>
-          </a:xfrm>
-          <a:prstGeom prst="rect">
-            <a:avLst/>
-          </a:prstGeom>
-        </p:spPr>
-        <p:txBody>
-          <a:bodyPr wrap="none">
-            <a:spAutoFit/>
-          </a:bodyPr>
-          <a:lstStyle/>
-          <a:p>
-            <a:r>
-              <a:rPr lang="en-US" sz="1200" dirty="0">
-                <a:latin typeface="Arial" pitchFamily="34" charset="0"/>
-                <a:cs typeface="Arial" pitchFamily="34" charset="0"/>
-              </a:rPr>
-              <a:t>Phenobarbital</a:t>
-            </a:r>
-          </a:p>
-        </p:txBody>
-      </p:sp>
-      <p:sp>
-        <p:nvSpPr>
-          <p:cNvPr id="31" name="Rectangle 30"/>
-          <p:cNvSpPr/>
-          <p:nvPr/>
-        </p:nvSpPr>
-        <p:spPr>
-          <a:xfrm>
-            <a:off x="327067" y="4169410"/>
-            <a:ext cx="1002197" cy="276999"/>
-          </a:xfrm>
-          <a:prstGeom prst="rect">
-            <a:avLst/>
-          </a:prstGeom>
-        </p:spPr>
-        <p:txBody>
-          <a:bodyPr wrap="none">
-            <a:spAutoFit/>
-          </a:bodyPr>
-          <a:lstStyle/>
-          <a:p>
-            <a:r>
-              <a:rPr lang="en-US" sz="1200" dirty="0" err="1">
-                <a:latin typeface="Arial" pitchFamily="34" charset="0"/>
-                <a:cs typeface="Arial" pitchFamily="34" charset="0"/>
-              </a:rPr>
-              <a:t>Butabarbital</a:t>
-            </a:r>
-            <a:endParaRPr lang="en-US" sz="1200" dirty="0">
-              <a:latin typeface="Arial" pitchFamily="34" charset="0"/>
-              <a:cs typeface="Arial" pitchFamily="34" charset="0"/>
-            </a:endParaRPr>
-          </a:p>
-        </p:txBody>
-      </p:sp>
-      <p:sp>
-        <p:nvSpPr>
-          <p:cNvPr id="32" name="Rectangle 31"/>
-          <p:cNvSpPr/>
-          <p:nvPr/>
-        </p:nvSpPr>
-        <p:spPr>
-          <a:xfrm>
-            <a:off x="1495296" y="4173937"/>
-            <a:ext cx="712631" cy="276999"/>
-          </a:xfrm>
-          <a:prstGeom prst="rect">
-            <a:avLst/>
-          </a:prstGeom>
-        </p:spPr>
-        <p:txBody>
-          <a:bodyPr wrap="none">
-            <a:spAutoFit/>
-          </a:bodyPr>
-          <a:lstStyle/>
-          <a:p>
-            <a:r>
-              <a:rPr lang="en-US" sz="1200" dirty="0" err="1">
-                <a:latin typeface="Arial" pitchFamily="34" charset="0"/>
-                <a:cs typeface="Arial" pitchFamily="34" charset="0"/>
-              </a:rPr>
-              <a:t>Talbutal</a:t>
-            </a:r>
-            <a:endParaRPr lang="en-US" sz="1200" dirty="0">
-              <a:latin typeface="Arial" pitchFamily="34" charset="0"/>
-              <a:cs typeface="Arial" pitchFamily="34" charset="0"/>
-            </a:endParaRPr>
-          </a:p>
-        </p:txBody>
-      </p:sp>
-      <p:sp>
-        <p:nvSpPr>
-          <p:cNvPr id="33" name="Rectangle 32"/>
-          <p:cNvSpPr/>
-          <p:nvPr/>
-        </p:nvSpPr>
-        <p:spPr>
-          <a:xfrm>
-            <a:off x="2677155" y="4790819"/>
-            <a:ext cx="814647" cy="276999"/>
-          </a:xfrm>
-          <a:prstGeom prst="rect">
-            <a:avLst/>
-          </a:prstGeom>
-        </p:spPr>
-        <p:txBody>
-          <a:bodyPr wrap="none">
-            <a:spAutoFit/>
-          </a:bodyPr>
-          <a:lstStyle/>
-          <a:p>
-            <a:r>
-              <a:rPr lang="en-US" sz="1200" dirty="0" err="1">
-                <a:latin typeface="Arial" pitchFamily="34" charset="0"/>
-                <a:cs typeface="Arial" pitchFamily="34" charset="0"/>
-              </a:rPr>
-              <a:t>Butalbital</a:t>
-            </a:r>
-            <a:endParaRPr lang="en-US" sz="1200" dirty="0">
-              <a:latin typeface="Arial" pitchFamily="34" charset="0"/>
-              <a:cs typeface="Arial" pitchFamily="34" charset="0"/>
-            </a:endParaRPr>
-          </a:p>
-        </p:txBody>
-      </p:sp>
-      <p:sp>
-        <p:nvSpPr>
-          <p:cNvPr id="34" name="Rectangle 33"/>
-          <p:cNvSpPr/>
-          <p:nvPr/>
-        </p:nvSpPr>
-        <p:spPr>
-          <a:xfrm>
-            <a:off x="1308034" y="3598060"/>
-            <a:ext cx="1087157" cy="276999"/>
-          </a:xfrm>
-          <a:prstGeom prst="rect">
-            <a:avLst/>
-          </a:prstGeom>
-        </p:spPr>
-        <p:txBody>
-          <a:bodyPr wrap="none">
-            <a:spAutoFit/>
-          </a:bodyPr>
-          <a:lstStyle/>
-          <a:p>
-            <a:r>
-              <a:rPr lang="en-US" sz="1200" dirty="0">
-                <a:latin typeface="Arial" pitchFamily="34" charset="0"/>
-                <a:cs typeface="Arial" pitchFamily="34" charset="0"/>
-              </a:rPr>
-              <a:t>Pentobarbital</a:t>
-            </a:r>
-          </a:p>
-        </p:txBody>
-      </p:sp>
-      <p:sp>
-        <p:nvSpPr>
-          <p:cNvPr id="35" name="Rectangle 34"/>
-          <p:cNvSpPr/>
-          <p:nvPr/>
-        </p:nvSpPr>
-        <p:spPr>
-          <a:xfrm>
-            <a:off x="1393568" y="3883678"/>
-            <a:ext cx="899605" cy="276999"/>
-          </a:xfrm>
-          <a:prstGeom prst="rect">
-            <a:avLst/>
-          </a:prstGeom>
-        </p:spPr>
-        <p:txBody>
-          <a:bodyPr wrap="none">
-            <a:spAutoFit/>
-          </a:bodyPr>
-          <a:lstStyle/>
-          <a:p>
-            <a:r>
-              <a:rPr lang="en-US" sz="1200" dirty="0">
-                <a:latin typeface="Arial" pitchFamily="34" charset="0"/>
-                <a:cs typeface="Arial" pitchFamily="34" charset="0"/>
-              </a:rPr>
-              <a:t>Thiopental</a:t>
-            </a:r>
-          </a:p>
-        </p:txBody>
-      </p:sp>
-      <p:sp>
-        <p:nvSpPr>
-          <p:cNvPr id="36" name="Rectangle 35"/>
-          <p:cNvSpPr/>
-          <p:nvPr/>
-        </p:nvSpPr>
-        <p:spPr>
-          <a:xfrm>
-            <a:off x="2469983" y="3606679"/>
-            <a:ext cx="1043876" cy="276999"/>
-          </a:xfrm>
-          <a:prstGeom prst="rect">
-            <a:avLst/>
-          </a:prstGeom>
-        </p:spPr>
-        <p:txBody>
-          <a:bodyPr wrap="none">
-            <a:spAutoFit/>
-          </a:bodyPr>
-          <a:lstStyle/>
-          <a:p>
-            <a:r>
-              <a:rPr lang="en-US" sz="1200" dirty="0" err="1">
-                <a:latin typeface="Arial" pitchFamily="34" charset="0"/>
-                <a:cs typeface="Arial" pitchFamily="34" charset="0"/>
-              </a:rPr>
-              <a:t>Hexobarbital</a:t>
-            </a:r>
-            <a:endParaRPr lang="en-US" sz="1200" dirty="0">
-              <a:latin typeface="Arial" pitchFamily="34" charset="0"/>
-              <a:cs typeface="Arial" pitchFamily="34" charset="0"/>
-            </a:endParaRPr>
-          </a:p>
-        </p:txBody>
-      </p:sp>
-      <p:sp>
-        <p:nvSpPr>
-          <p:cNvPr id="37" name="Rectangle 36"/>
-          <p:cNvSpPr/>
-          <p:nvPr/>
-        </p:nvSpPr>
-        <p:spPr>
-          <a:xfrm>
-            <a:off x="280579" y="4493481"/>
-            <a:ext cx="1095172" cy="276999"/>
-          </a:xfrm>
-          <a:prstGeom prst="rect">
-            <a:avLst/>
-          </a:prstGeom>
-        </p:spPr>
-        <p:txBody>
-          <a:bodyPr wrap="none">
-            <a:spAutoFit/>
-          </a:bodyPr>
-          <a:lstStyle/>
-          <a:p>
-            <a:r>
-              <a:rPr lang="en-US" sz="1200" dirty="0" err="1">
-                <a:latin typeface="Arial" pitchFamily="34" charset="0"/>
-                <a:cs typeface="Arial" pitchFamily="34" charset="0"/>
-              </a:rPr>
-              <a:t>Heptabarbital</a:t>
-            </a:r>
-            <a:endParaRPr lang="en-US" sz="1200" dirty="0">
-              <a:latin typeface="Arial" pitchFamily="34" charset="0"/>
-              <a:cs typeface="Arial" pitchFamily="34" charset="0"/>
-            </a:endParaRPr>
-          </a:p>
-        </p:txBody>
-      </p:sp>
-      <p:sp>
-        <p:nvSpPr>
-          <p:cNvPr id="38" name="Rectangle 37"/>
-          <p:cNvSpPr/>
-          <p:nvPr/>
-        </p:nvSpPr>
-        <p:spPr>
-          <a:xfrm>
-            <a:off x="2575548" y="4485149"/>
-            <a:ext cx="1035861" cy="276999"/>
-          </a:xfrm>
-          <a:prstGeom prst="rect">
-            <a:avLst/>
-          </a:prstGeom>
-        </p:spPr>
-        <p:txBody>
-          <a:bodyPr wrap="none">
-            <a:spAutoFit/>
-          </a:bodyPr>
-          <a:lstStyle/>
-          <a:p>
-            <a:r>
-              <a:rPr lang="en-US" sz="1200" dirty="0" err="1">
-                <a:latin typeface="Arial" pitchFamily="34" charset="0"/>
-                <a:cs typeface="Arial" pitchFamily="34" charset="0"/>
-              </a:rPr>
-              <a:t>Secobarbital</a:t>
-            </a:r>
-            <a:endParaRPr lang="en-US" sz="1200" dirty="0">
-              <a:latin typeface="Arial" pitchFamily="34" charset="0"/>
-              <a:cs typeface="Arial" pitchFamily="34" charset="0"/>
-            </a:endParaRPr>
-          </a:p>
-        </p:txBody>
-      </p:sp>
-      <p:sp>
-        <p:nvSpPr>
-          <p:cNvPr id="39" name="Rectangle 38"/>
-          <p:cNvSpPr/>
-          <p:nvPr/>
-        </p:nvSpPr>
-        <p:spPr>
-          <a:xfrm>
-            <a:off x="2575548" y="3894499"/>
-            <a:ext cx="747320" cy="276999"/>
-          </a:xfrm>
-          <a:prstGeom prst="rect">
-            <a:avLst/>
-          </a:prstGeom>
-        </p:spPr>
-        <p:txBody>
-          <a:bodyPr wrap="none">
-            <a:spAutoFit/>
-          </a:bodyPr>
-          <a:lstStyle/>
-          <a:p>
-            <a:r>
-              <a:rPr lang="en-US" sz="1200" dirty="0" err="1">
-                <a:latin typeface="Arial" pitchFamily="34" charset="0"/>
-                <a:cs typeface="Arial" pitchFamily="34" charset="0"/>
-              </a:rPr>
-              <a:t>Butethal</a:t>
-            </a:r>
-            <a:endParaRPr lang="en-US" sz="1200" dirty="0">
-              <a:latin typeface="Arial" pitchFamily="34" charset="0"/>
-              <a:cs typeface="Arial" pitchFamily="34" charset="0"/>
-            </a:endParaRPr>
-          </a:p>
-        </p:txBody>
-      </p:sp>
-      <p:sp>
-        <p:nvSpPr>
-          <p:cNvPr id="40" name="Rectangle 39"/>
-          <p:cNvSpPr/>
-          <p:nvPr/>
-        </p:nvSpPr>
-        <p:spPr>
-          <a:xfrm>
-            <a:off x="2302855" y="4173007"/>
-            <a:ext cx="1563248" cy="276999"/>
-          </a:xfrm>
-          <a:prstGeom prst="rect">
-            <a:avLst/>
-          </a:prstGeom>
-        </p:spPr>
-        <p:txBody>
-          <a:bodyPr wrap="none">
-            <a:spAutoFit/>
-          </a:bodyPr>
-          <a:lstStyle/>
-          <a:p>
-            <a:r>
-              <a:rPr lang="en-US" sz="1200" dirty="0" err="1">
-                <a:latin typeface="Arial" pitchFamily="34" charset="0"/>
-                <a:cs typeface="Arial" pitchFamily="34" charset="0"/>
-              </a:rPr>
-              <a:t>Methylphenobarbital</a:t>
-            </a:r>
-            <a:endParaRPr lang="en-US" sz="1200" dirty="0">
-              <a:latin typeface="Arial" pitchFamily="34" charset="0"/>
-              <a:cs typeface="Arial" pitchFamily="34" charset="0"/>
-            </a:endParaRPr>
-          </a:p>
-        </p:txBody>
-      </p:sp>
-      <p:sp>
-        <p:nvSpPr>
-          <p:cNvPr id="41" name="Rectangle 40"/>
-          <p:cNvSpPr/>
-          <p:nvPr/>
-        </p:nvSpPr>
-        <p:spPr>
-          <a:xfrm>
-            <a:off x="323058" y="4774600"/>
-            <a:ext cx="1010213" cy="276999"/>
-          </a:xfrm>
-          <a:prstGeom prst="rect">
-            <a:avLst/>
-          </a:prstGeom>
-        </p:spPr>
-        <p:txBody>
-          <a:bodyPr wrap="none">
-            <a:spAutoFit/>
-          </a:bodyPr>
-          <a:lstStyle/>
-          <a:p>
-            <a:r>
-              <a:rPr lang="en-US" sz="1200" dirty="0" err="1">
-                <a:latin typeface="Arial" pitchFamily="34" charset="0"/>
-                <a:cs typeface="Arial" pitchFamily="34" charset="0"/>
-              </a:rPr>
-              <a:t>Aprobarbital</a:t>
-            </a:r>
-            <a:endParaRPr lang="en-US" sz="1200" dirty="0">
-              <a:latin typeface="Arial" pitchFamily="34" charset="0"/>
-              <a:cs typeface="Arial" pitchFamily="34" charset="0"/>
-            </a:endParaRPr>
-          </a:p>
-        </p:txBody>
-      </p:sp>
-      <p:sp>
-        <p:nvSpPr>
-          <p:cNvPr id="42" name="Rectangle 41"/>
-          <p:cNvSpPr/>
-          <p:nvPr/>
-        </p:nvSpPr>
-        <p:spPr>
-          <a:xfrm>
-            <a:off x="1428898" y="4759302"/>
-            <a:ext cx="873957" cy="276999"/>
-          </a:xfrm>
-          <a:prstGeom prst="rect">
-            <a:avLst/>
-          </a:prstGeom>
-        </p:spPr>
-        <p:txBody>
-          <a:bodyPr wrap="none">
-            <a:spAutoFit/>
-          </a:bodyPr>
-          <a:lstStyle/>
-          <a:p>
-            <a:r>
-              <a:rPr lang="en-US" sz="1200" dirty="0" err="1">
-                <a:latin typeface="Arial" pitchFamily="34" charset="0"/>
-                <a:cs typeface="Arial" pitchFamily="34" charset="0"/>
-              </a:rPr>
-              <a:t>Primidone</a:t>
-            </a:r>
-            <a:endParaRPr lang="en-US" sz="1200" dirty="0">
-              <a:latin typeface="Arial" pitchFamily="34" charset="0"/>
-              <a:cs typeface="Arial" pitchFamily="34" charset="0"/>
-            </a:endParaRPr>
-          </a:p>
-        </p:txBody>
-      </p:sp>
-      <p:sp>
-        <p:nvSpPr>
-          <p:cNvPr id="43" name="Rectangle 42"/>
-          <p:cNvSpPr/>
-          <p:nvPr/>
-        </p:nvSpPr>
-        <p:spPr>
-          <a:xfrm>
-            <a:off x="259620" y="3576211"/>
-            <a:ext cx="1002197" cy="276999"/>
-          </a:xfrm>
-          <a:prstGeom prst="rect">
-            <a:avLst/>
-          </a:prstGeom>
-        </p:spPr>
-        <p:txBody>
-          <a:bodyPr wrap="none">
-            <a:spAutoFit/>
-          </a:bodyPr>
-          <a:lstStyle/>
-          <a:p>
-            <a:r>
-              <a:rPr lang="en-US" sz="1200" dirty="0" err="1" smtClean="0">
-                <a:latin typeface="Arial" pitchFamily="34" charset="0"/>
-                <a:cs typeface="Arial" pitchFamily="34" charset="0"/>
-              </a:rPr>
-              <a:t>Amobarbital</a:t>
-            </a:r>
-            <a:endParaRPr lang="en-US" sz="1200" dirty="0">
-              <a:latin typeface="Arial" pitchFamily="34" charset="0"/>
-              <a:cs typeface="Arial" pitchFamily="34" charset="0"/>
-            </a:endParaRPr>
-          </a:p>
-        </p:txBody>
-      </p:sp>
-      <p:sp>
-        <p:nvSpPr>
-          <p:cNvPr id="44" name="Rectangle 43"/>
-          <p:cNvSpPr/>
-          <p:nvPr/>
-        </p:nvSpPr>
-        <p:spPr>
-          <a:xfrm>
-            <a:off x="1404885" y="4493481"/>
-            <a:ext cx="942887" cy="276999"/>
-          </a:xfrm>
-          <a:prstGeom prst="rect">
-            <a:avLst/>
-          </a:prstGeom>
-        </p:spPr>
-        <p:txBody>
-          <a:bodyPr wrap="none">
-            <a:spAutoFit/>
-          </a:bodyPr>
-          <a:lstStyle/>
-          <a:p>
-            <a:r>
-              <a:rPr lang="en-US" sz="1200" dirty="0" err="1">
-                <a:latin typeface="Arial" pitchFamily="34" charset="0"/>
-                <a:cs typeface="Arial" pitchFamily="34" charset="0"/>
-              </a:rPr>
-              <a:t>Metharbital</a:t>
-            </a:r>
-            <a:endParaRPr lang="en-US" sz="1200" dirty="0">
-              <a:latin typeface="Arial" pitchFamily="34" charset="0"/>
-              <a:cs typeface="Arial" pitchFamily="34" charset="0"/>
-            </a:endParaRPr>
-          </a:p>
-        </p:txBody>
-      </p:sp>
-      <p:sp>
-        <p:nvSpPr>
-          <p:cNvPr id="46" name="Rounded Rectangle 45"/>
-          <p:cNvSpPr/>
-          <p:nvPr/>
-        </p:nvSpPr>
-        <p:spPr>
-          <a:xfrm>
-            <a:off x="4098152" y="4114801"/>
-            <a:ext cx="2522899" cy="1142999"/>
-          </a:xfrm>
-          <a:prstGeom prst="roundRect">
-            <a:avLst>
-              <a:gd name="adj" fmla="val 8538"/>
-            </a:avLst>
-          </a:prstGeom>
-          <a:solidFill>
-            <a:schemeClr val="accent5">
-              <a:lumMod val="20000"/>
-              <a:lumOff val="80000"/>
-            </a:schemeClr>
-          </a:solidFill>
-          <a:ln>
+        </p:grpSpPr>
+        <p:sp>
+          <p:nvSpPr>
+            <p:cNvPr id="6" name="Rounded Rectangle 5"/>
+            <p:cNvSpPr/>
+            <p:nvPr/>
+          </p:nvSpPr>
+          <p:spPr>
+            <a:xfrm>
+              <a:off x="375780" y="553245"/>
+              <a:ext cx="1056568" cy="563392"/>
+            </a:xfrm>
+            <a:prstGeom prst="roundRect">
+              <a:avLst/>
+            </a:prstGeom>
             <a:solidFill>
-              <a:schemeClr val="tx1"/>
+              <a:schemeClr val="bg1">
+                <a:lumMod val="95000"/>
+              </a:schemeClr>
             </a:solidFill>
-          </a:ln>
-        </p:spPr>
-        <p:style>
-          <a:lnRef idx="2">
-            <a:schemeClr val="accent1">
-              <a:shade val="50000"/>
-            </a:schemeClr>
-          </a:lnRef>
-          <a:fillRef idx="1">
-            <a:schemeClr val="accent1"/>
-          </a:fillRef>
-          <a:effectRef idx="0">
-            <a:schemeClr val="accent1"/>
-          </a:effectRef>
-          <a:fontRef idx="minor">
-            <a:schemeClr val="lt1"/>
-          </a:fontRef>
-        </p:style>
-        <p:txBody>
-          <a:bodyPr rtlCol="0" anchor="ctr"/>
-          <a:lstStyle/>
-          <a:p>
-            <a:pPr algn="ctr"/>
-            <a:endParaRPr lang="en-US">
-              <a:latin typeface="Arial" pitchFamily="34" charset="0"/>
-              <a:cs typeface="Arial" pitchFamily="34" charset="0"/>
-            </a:endParaRPr>
-          </a:p>
-        </p:txBody>
-      </p:sp>
-      <p:sp>
-        <p:nvSpPr>
-          <p:cNvPr id="47" name="Rectangle 46"/>
-          <p:cNvSpPr/>
-          <p:nvPr/>
-        </p:nvSpPr>
-        <p:spPr>
-          <a:xfrm>
-            <a:off x="4182651" y="4455727"/>
-            <a:ext cx="2438400" cy="461665"/>
-          </a:xfrm>
-          <a:prstGeom prst="rect">
-            <a:avLst/>
-          </a:prstGeom>
-        </p:spPr>
-        <p:txBody>
-          <a:bodyPr wrap="square">
-            <a:spAutoFit/>
-          </a:bodyPr>
-          <a:lstStyle/>
-          <a:p>
-            <a:pPr algn="ctr"/>
-            <a:r>
-              <a:rPr lang="en-US" sz="1200" b="1" dirty="0" smtClean="0">
-                <a:latin typeface="Arial" pitchFamily="34" charset="0"/>
-                <a:cs typeface="Arial" pitchFamily="34" charset="0"/>
-              </a:rPr>
-              <a:t>Anti-amyloid </a:t>
-            </a:r>
-            <a:r>
-              <a:rPr lang="en-US" sz="1200" b="1" dirty="0">
-                <a:latin typeface="Arial" pitchFamily="34" charset="0"/>
-                <a:cs typeface="Arial" pitchFamily="34" charset="0"/>
-              </a:rPr>
-              <a:t>precursor protein biosynthetic process </a:t>
-            </a:r>
-            <a:r>
-              <a:rPr lang="en-US" sz="1200" b="1" dirty="0" smtClean="0">
-                <a:latin typeface="Arial" pitchFamily="34" charset="0"/>
-                <a:cs typeface="Arial" pitchFamily="34" charset="0"/>
-              </a:rPr>
-              <a:t>agent</a:t>
-            </a:r>
-            <a:endParaRPr lang="en-US" sz="1200" b="1" dirty="0">
-              <a:latin typeface="Arial" pitchFamily="34" charset="0"/>
-              <a:cs typeface="Arial" pitchFamily="34" charset="0"/>
-            </a:endParaRPr>
-          </a:p>
-        </p:txBody>
-      </p:sp>
-      <p:sp>
-        <p:nvSpPr>
-          <p:cNvPr id="3" name="Rectangle 2"/>
-          <p:cNvSpPr/>
-          <p:nvPr/>
-        </p:nvSpPr>
-        <p:spPr>
-          <a:xfrm>
-            <a:off x="4326752" y="4953000"/>
-            <a:ext cx="857927" cy="276999"/>
-          </a:xfrm>
-          <a:prstGeom prst="rect">
-            <a:avLst/>
-          </a:prstGeom>
-        </p:spPr>
-        <p:txBody>
-          <a:bodyPr wrap="none">
-            <a:spAutoFit/>
-          </a:bodyPr>
-          <a:lstStyle/>
-          <a:p>
-            <a:r>
-              <a:rPr lang="en-US" sz="1200" dirty="0" err="1">
-                <a:latin typeface="Arial" pitchFamily="34" charset="0"/>
-                <a:cs typeface="Arial" pitchFamily="34" charset="0"/>
-              </a:rPr>
-              <a:t>Ezetimibe</a:t>
-            </a:r>
-            <a:endParaRPr lang="en-US" sz="1200" dirty="0">
-              <a:latin typeface="Arial" pitchFamily="34" charset="0"/>
-              <a:cs typeface="Arial" pitchFamily="34" charset="0"/>
-            </a:endParaRPr>
-          </a:p>
-        </p:txBody>
-      </p:sp>
-      <p:sp>
-        <p:nvSpPr>
-          <p:cNvPr id="9" name="Rectangle 8"/>
-          <p:cNvSpPr/>
-          <p:nvPr/>
-        </p:nvSpPr>
-        <p:spPr>
-          <a:xfrm>
-            <a:off x="5317352" y="4953000"/>
-            <a:ext cx="925253" cy="276999"/>
-          </a:xfrm>
-          <a:prstGeom prst="rect">
-            <a:avLst/>
-          </a:prstGeom>
-        </p:spPr>
-        <p:txBody>
-          <a:bodyPr wrap="none">
-            <a:spAutoFit/>
-          </a:bodyPr>
-          <a:lstStyle/>
-          <a:p>
-            <a:r>
-              <a:rPr lang="en-US" sz="1200" dirty="0" err="1">
-                <a:latin typeface="Arial" pitchFamily="34" charset="0"/>
-                <a:cs typeface="Arial" pitchFamily="34" charset="0"/>
-              </a:rPr>
-              <a:t>Hesperetin</a:t>
-            </a:r>
-            <a:endParaRPr lang="en-US" sz="1200" dirty="0">
-              <a:latin typeface="Arial" pitchFamily="34" charset="0"/>
-              <a:cs typeface="Arial" pitchFamily="34" charset="0"/>
-            </a:endParaRPr>
-          </a:p>
-        </p:txBody>
-      </p:sp>
-      <p:sp>
-        <p:nvSpPr>
-          <p:cNvPr id="49" name="Rectangle 48"/>
-          <p:cNvSpPr/>
-          <p:nvPr/>
-        </p:nvSpPr>
-        <p:spPr>
-          <a:xfrm>
-            <a:off x="4123100" y="485001"/>
-            <a:ext cx="2514599" cy="276999"/>
-          </a:xfrm>
-          <a:prstGeom prst="rect">
-            <a:avLst/>
-          </a:prstGeom>
-        </p:spPr>
-        <p:txBody>
-          <a:bodyPr wrap="square">
-            <a:spAutoFit/>
-          </a:bodyPr>
-          <a:lstStyle/>
-          <a:p>
-            <a:pPr algn="ctr"/>
-            <a:r>
-              <a:rPr lang="en-US" sz="1200" b="1" dirty="0">
-                <a:latin typeface="Arial" pitchFamily="34" charset="0"/>
-                <a:cs typeface="Arial" pitchFamily="34" charset="0"/>
-              </a:rPr>
-              <a:t>Pro-beta-amyloid binding agent</a:t>
-            </a:r>
-          </a:p>
-        </p:txBody>
-      </p:sp>
-      <p:sp>
-        <p:nvSpPr>
-          <p:cNvPr id="10" name="Rectangle 9"/>
-          <p:cNvSpPr/>
-          <p:nvPr/>
-        </p:nvSpPr>
-        <p:spPr>
-          <a:xfrm>
-            <a:off x="5425782" y="1066800"/>
-            <a:ext cx="737702" cy="276999"/>
-          </a:xfrm>
-          <a:prstGeom prst="rect">
-            <a:avLst/>
-          </a:prstGeom>
-        </p:spPr>
-        <p:txBody>
-          <a:bodyPr wrap="none">
-            <a:spAutoFit/>
-          </a:bodyPr>
-          <a:lstStyle/>
-          <a:p>
-            <a:r>
-              <a:rPr lang="en-US" sz="1200" dirty="0">
-                <a:latin typeface="Arial" pitchFamily="34" charset="0"/>
-                <a:cs typeface="Arial" pitchFamily="34" charset="0"/>
-              </a:rPr>
-              <a:t>Nicotine</a:t>
-            </a:r>
-          </a:p>
-        </p:txBody>
-      </p:sp>
-      <p:sp>
-        <p:nvSpPr>
-          <p:cNvPr id="11" name="Rectangle 10"/>
-          <p:cNvSpPr/>
-          <p:nvPr/>
-        </p:nvSpPr>
-        <p:spPr>
-          <a:xfrm>
-            <a:off x="4460371" y="1399401"/>
-            <a:ext cx="822661" cy="276999"/>
-          </a:xfrm>
-          <a:prstGeom prst="rect">
-            <a:avLst/>
-          </a:prstGeom>
-        </p:spPr>
-        <p:txBody>
-          <a:bodyPr wrap="none">
-            <a:spAutoFit/>
-          </a:bodyPr>
-          <a:lstStyle/>
-          <a:p>
-            <a:r>
-              <a:rPr lang="en-US" sz="1200" dirty="0" err="1" smtClean="0">
-                <a:latin typeface="Arial" pitchFamily="34" charset="0"/>
-                <a:cs typeface="Arial" pitchFamily="34" charset="0"/>
-              </a:rPr>
-              <a:t>Dipivefrin</a:t>
-            </a:r>
-            <a:endParaRPr lang="en-US" sz="1200" dirty="0">
-              <a:latin typeface="Arial" pitchFamily="34" charset="0"/>
-              <a:cs typeface="Arial" pitchFamily="34" charset="0"/>
-            </a:endParaRPr>
-          </a:p>
-        </p:txBody>
-      </p:sp>
-      <p:sp>
-        <p:nvSpPr>
-          <p:cNvPr id="13" name="Rectangle 12"/>
-          <p:cNvSpPr/>
-          <p:nvPr/>
-        </p:nvSpPr>
-        <p:spPr>
-          <a:xfrm>
-            <a:off x="5263835" y="1394683"/>
-            <a:ext cx="984565" cy="276999"/>
-          </a:xfrm>
-          <a:prstGeom prst="rect">
-            <a:avLst/>
-          </a:prstGeom>
-        </p:spPr>
-        <p:txBody>
-          <a:bodyPr wrap="none">
-            <a:spAutoFit/>
-          </a:bodyPr>
-          <a:lstStyle/>
-          <a:p>
-            <a:r>
-              <a:rPr lang="en-US" sz="1200" dirty="0" err="1">
-                <a:latin typeface="Arial" pitchFamily="34" charset="0"/>
-                <a:cs typeface="Arial" pitchFamily="34" charset="0"/>
-              </a:rPr>
-              <a:t>Pralidoxime</a:t>
-            </a:r>
-            <a:endParaRPr lang="en-US" sz="1200" dirty="0">
-              <a:latin typeface="Arial" pitchFamily="34" charset="0"/>
-              <a:cs typeface="Arial" pitchFamily="34" charset="0"/>
-            </a:endParaRPr>
-          </a:p>
-        </p:txBody>
-      </p:sp>
-      <p:sp>
-        <p:nvSpPr>
-          <p:cNvPr id="52" name="Rectangle 51"/>
-          <p:cNvSpPr/>
-          <p:nvPr/>
-        </p:nvSpPr>
-        <p:spPr>
-          <a:xfrm>
-            <a:off x="4531883" y="1066800"/>
-            <a:ext cx="929870" cy="276999"/>
-          </a:xfrm>
-          <a:prstGeom prst="rect">
-            <a:avLst/>
-          </a:prstGeom>
-        </p:spPr>
-        <p:txBody>
-          <a:bodyPr wrap="none">
-            <a:spAutoFit/>
-          </a:bodyPr>
-          <a:lstStyle/>
-          <a:p>
-            <a:r>
-              <a:rPr lang="en-US" sz="1200" dirty="0" err="1">
-                <a:latin typeface="Arial" pitchFamily="34" charset="0"/>
-                <a:cs typeface="Arial" pitchFamily="34" charset="0"/>
-              </a:rPr>
-              <a:t>Varenicline</a:t>
-            </a:r>
-            <a:endParaRPr lang="en-US" sz="1200" dirty="0">
-              <a:latin typeface="Arial" pitchFamily="34" charset="0"/>
-              <a:cs typeface="Arial" pitchFamily="34" charset="0"/>
-            </a:endParaRPr>
-          </a:p>
-        </p:txBody>
-      </p:sp>
-      <p:sp>
-        <p:nvSpPr>
-          <p:cNvPr id="54" name="Rounded Rectangle 53"/>
-          <p:cNvSpPr/>
-          <p:nvPr/>
-        </p:nvSpPr>
-        <p:spPr>
-          <a:xfrm>
-            <a:off x="4114800" y="1828800"/>
-            <a:ext cx="2522899" cy="960827"/>
-          </a:xfrm>
-          <a:prstGeom prst="roundRect">
-            <a:avLst>
-              <a:gd name="adj" fmla="val 8538"/>
-            </a:avLst>
-          </a:prstGeom>
-          <a:solidFill>
-            <a:schemeClr val="accent5">
-              <a:lumMod val="20000"/>
-              <a:lumOff val="80000"/>
-            </a:schemeClr>
-          </a:solidFill>
-          <a:ln>
-            <a:solidFill>
-              <a:schemeClr val="tx1"/>
-            </a:solidFill>
-          </a:ln>
-        </p:spPr>
-        <p:style>
-          <a:lnRef idx="2">
-            <a:schemeClr val="accent1">
-              <a:shade val="50000"/>
-            </a:schemeClr>
-          </a:lnRef>
-          <a:fillRef idx="1">
-            <a:schemeClr val="accent1"/>
-          </a:fillRef>
-          <a:effectRef idx="0">
-            <a:schemeClr val="accent1"/>
-          </a:effectRef>
-          <a:fontRef idx="minor">
-            <a:schemeClr val="lt1"/>
-          </a:fontRef>
-        </p:style>
-        <p:txBody>
-          <a:bodyPr rtlCol="0" anchor="ctr"/>
-          <a:lstStyle/>
-          <a:p>
-            <a:pPr algn="ctr"/>
-            <a:endParaRPr lang="en-US">
-              <a:latin typeface="Arial" pitchFamily="34" charset="0"/>
-              <a:cs typeface="Arial" pitchFamily="34" charset="0"/>
-            </a:endParaRPr>
-          </a:p>
-        </p:txBody>
-      </p:sp>
-      <p:sp>
-        <p:nvSpPr>
-          <p:cNvPr id="55" name="Rectangle 54"/>
-          <p:cNvSpPr/>
-          <p:nvPr/>
-        </p:nvSpPr>
-        <p:spPr>
-          <a:xfrm>
-            <a:off x="4199299" y="2127316"/>
-            <a:ext cx="2438400" cy="276999"/>
-          </a:xfrm>
-          <a:prstGeom prst="rect">
-            <a:avLst/>
-          </a:prstGeom>
-        </p:spPr>
-        <p:txBody>
-          <a:bodyPr wrap="square">
-            <a:spAutoFit/>
-          </a:bodyPr>
-          <a:lstStyle/>
-          <a:p>
-            <a:pPr algn="ctr"/>
-            <a:r>
-              <a:rPr lang="en-US" sz="1200" b="1" dirty="0">
-                <a:latin typeface="Arial" pitchFamily="34" charset="0"/>
-                <a:cs typeface="Arial" pitchFamily="34" charset="0"/>
-              </a:rPr>
-              <a:t>Anti-tau protein binding agent</a:t>
-            </a:r>
-          </a:p>
-        </p:txBody>
-      </p:sp>
-      <p:sp>
-        <p:nvSpPr>
-          <p:cNvPr id="56" name="Rectangle 55"/>
-          <p:cNvSpPr/>
-          <p:nvPr/>
-        </p:nvSpPr>
-        <p:spPr>
-          <a:xfrm>
-            <a:off x="4972139" y="2432115"/>
-            <a:ext cx="867097" cy="276999"/>
-          </a:xfrm>
-          <a:prstGeom prst="rect">
-            <a:avLst/>
-          </a:prstGeom>
-        </p:spPr>
-        <p:txBody>
-          <a:bodyPr wrap="none">
-            <a:spAutoFit/>
-          </a:bodyPr>
-          <a:lstStyle/>
-          <a:p>
-            <a:r>
-              <a:rPr lang="en-US" sz="1200" dirty="0" err="1">
-                <a:latin typeface="Arial" pitchFamily="34" charset="0"/>
-                <a:cs typeface="Arial" pitchFamily="34" charset="0"/>
-              </a:rPr>
-              <a:t>Vorinostat</a:t>
-            </a:r>
-            <a:endParaRPr lang="en-US" sz="1200" dirty="0">
-              <a:latin typeface="Arial" pitchFamily="34" charset="0"/>
-              <a:cs typeface="Arial" pitchFamily="34" charset="0"/>
-            </a:endParaRPr>
-          </a:p>
-        </p:txBody>
-      </p:sp>
-      <p:sp>
-        <p:nvSpPr>
-          <p:cNvPr id="58" name="Rounded Rectangle 57"/>
-          <p:cNvSpPr/>
-          <p:nvPr/>
-        </p:nvSpPr>
-        <p:spPr>
-          <a:xfrm>
-            <a:off x="4106501" y="2895600"/>
-            <a:ext cx="2522899" cy="1066800"/>
-          </a:xfrm>
-          <a:prstGeom prst="roundRect">
-            <a:avLst>
-              <a:gd name="adj" fmla="val 8538"/>
-            </a:avLst>
-          </a:prstGeom>
-          <a:solidFill>
-            <a:schemeClr val="accent5">
-              <a:lumMod val="20000"/>
-              <a:lumOff val="80000"/>
-            </a:schemeClr>
-          </a:solidFill>
-          <a:ln>
-            <a:solidFill>
-              <a:schemeClr val="tx1"/>
-            </a:solidFill>
-          </a:ln>
-        </p:spPr>
-        <p:style>
-          <a:lnRef idx="2">
-            <a:schemeClr val="accent1">
-              <a:shade val="50000"/>
-            </a:schemeClr>
-          </a:lnRef>
-          <a:fillRef idx="1">
-            <a:schemeClr val="accent1"/>
-          </a:fillRef>
-          <a:effectRef idx="0">
-            <a:schemeClr val="accent1"/>
-          </a:effectRef>
-          <a:fontRef idx="minor">
-            <a:schemeClr val="lt1"/>
-          </a:fontRef>
-        </p:style>
-        <p:txBody>
-          <a:bodyPr rtlCol="0" anchor="ctr"/>
-          <a:lstStyle/>
-          <a:p>
-            <a:pPr algn="ctr"/>
-            <a:endParaRPr lang="en-US">
-              <a:latin typeface="Arial" pitchFamily="34" charset="0"/>
-              <a:cs typeface="Arial" pitchFamily="34" charset="0"/>
-            </a:endParaRPr>
-          </a:p>
-        </p:txBody>
-      </p:sp>
-      <p:sp>
-        <p:nvSpPr>
-          <p:cNvPr id="59" name="Rectangle 58"/>
-          <p:cNvSpPr/>
-          <p:nvPr/>
-        </p:nvSpPr>
-        <p:spPr>
-          <a:xfrm>
-            <a:off x="4191000" y="3124007"/>
-            <a:ext cx="2438400" cy="461665"/>
-          </a:xfrm>
-          <a:prstGeom prst="rect">
-            <a:avLst/>
-          </a:prstGeom>
-        </p:spPr>
-        <p:txBody>
-          <a:bodyPr wrap="square">
-            <a:spAutoFit/>
-          </a:bodyPr>
-          <a:lstStyle/>
-          <a:p>
-            <a:pPr algn="ctr"/>
-            <a:r>
-              <a:rPr lang="en-US" sz="1200" b="1" dirty="0">
-                <a:latin typeface="Arial" pitchFamily="34" charset="0"/>
-                <a:cs typeface="Arial" pitchFamily="34" charset="0"/>
-              </a:rPr>
-              <a:t>Anti-tau-protein kinase activity agent</a:t>
-            </a:r>
-          </a:p>
-        </p:txBody>
-      </p:sp>
-      <p:sp>
-        <p:nvSpPr>
-          <p:cNvPr id="62" name="Rectangle 61"/>
-          <p:cNvSpPr/>
-          <p:nvPr/>
-        </p:nvSpPr>
-        <p:spPr>
-          <a:xfrm>
-            <a:off x="5071005" y="3601726"/>
-            <a:ext cx="678391" cy="276999"/>
-          </a:xfrm>
-          <a:prstGeom prst="rect">
-            <a:avLst/>
-          </a:prstGeom>
-        </p:spPr>
-        <p:txBody>
-          <a:bodyPr wrap="none">
-            <a:spAutoFit/>
-          </a:bodyPr>
-          <a:lstStyle/>
-          <a:p>
-            <a:r>
-              <a:rPr lang="en-US" sz="1200" dirty="0">
-                <a:latin typeface="Arial" pitchFamily="34" charset="0"/>
-                <a:cs typeface="Arial" pitchFamily="34" charset="0"/>
-              </a:rPr>
-              <a:t>Lithium</a:t>
-            </a:r>
-          </a:p>
-        </p:txBody>
-      </p:sp>
-      <p:sp>
-        <p:nvSpPr>
-          <p:cNvPr id="57" name="Rectangle 56"/>
-          <p:cNvSpPr/>
-          <p:nvPr/>
-        </p:nvSpPr>
-        <p:spPr>
-          <a:xfrm>
-            <a:off x="228600" y="256401"/>
-            <a:ext cx="295274" cy="276999"/>
-          </a:xfrm>
-          <a:prstGeom prst="rect">
-            <a:avLst/>
-          </a:prstGeom>
-        </p:spPr>
-        <p:txBody>
-          <a:bodyPr wrap="none">
-            <a:spAutoFit/>
-          </a:bodyPr>
-          <a:lstStyle/>
-          <a:p>
-            <a:r>
-              <a:rPr lang="en-US" sz="1200" b="1" dirty="0" smtClean="0">
-                <a:latin typeface="Arial" pitchFamily="34" charset="0"/>
-                <a:cs typeface="Arial" pitchFamily="34" charset="0"/>
-              </a:rPr>
-              <a:t>A</a:t>
-            </a:r>
-            <a:endParaRPr lang="en-US" sz="1200" b="1" dirty="0">
-              <a:latin typeface="Arial" pitchFamily="34" charset="0"/>
-              <a:cs typeface="Arial" pitchFamily="34" charset="0"/>
-            </a:endParaRPr>
-          </a:p>
-        </p:txBody>
-      </p:sp>
-      <p:sp>
-        <p:nvSpPr>
-          <p:cNvPr id="60" name="Rectangle 59"/>
-          <p:cNvSpPr/>
-          <p:nvPr/>
-        </p:nvSpPr>
-        <p:spPr>
-          <a:xfrm>
-            <a:off x="2521286" y="685800"/>
-            <a:ext cx="295274" cy="276999"/>
-          </a:xfrm>
-          <a:prstGeom prst="rect">
-            <a:avLst/>
-          </a:prstGeom>
-        </p:spPr>
-        <p:txBody>
-          <a:bodyPr wrap="none">
-            <a:spAutoFit/>
-          </a:bodyPr>
-          <a:lstStyle/>
-          <a:p>
-            <a:r>
-              <a:rPr lang="en-US" sz="1200" b="1" dirty="0">
-                <a:latin typeface="Arial" pitchFamily="34" charset="0"/>
-                <a:cs typeface="Arial" pitchFamily="34" charset="0"/>
-              </a:rPr>
-              <a:t>C</a:t>
-            </a:r>
-            <a:endParaRPr lang="en-US" sz="1200" b="1" dirty="0">
-              <a:latin typeface="Arial" pitchFamily="34" charset="0"/>
-              <a:cs typeface="Arial" pitchFamily="34" charset="0"/>
-            </a:endParaRPr>
-          </a:p>
-        </p:txBody>
-      </p:sp>
-      <p:sp>
-        <p:nvSpPr>
-          <p:cNvPr id="61" name="Rectangle 60"/>
-          <p:cNvSpPr/>
-          <p:nvPr/>
-        </p:nvSpPr>
-        <p:spPr>
-          <a:xfrm>
-            <a:off x="1930509" y="1719937"/>
-            <a:ext cx="295274" cy="276999"/>
-          </a:xfrm>
-          <a:prstGeom prst="rect">
-            <a:avLst/>
-          </a:prstGeom>
-        </p:spPr>
-        <p:txBody>
-          <a:bodyPr wrap="none">
-            <a:spAutoFit/>
-          </a:bodyPr>
-          <a:lstStyle/>
-          <a:p>
-            <a:r>
-              <a:rPr lang="en-US" sz="1200" b="1" dirty="0" smtClean="0">
-                <a:latin typeface="Arial" pitchFamily="34" charset="0"/>
-                <a:cs typeface="Arial" pitchFamily="34" charset="0"/>
-              </a:rPr>
-              <a:t>D</a:t>
-            </a:r>
-            <a:endParaRPr lang="en-US" sz="1200" b="1" dirty="0">
-              <a:latin typeface="Arial" pitchFamily="34" charset="0"/>
-              <a:cs typeface="Arial" pitchFamily="34" charset="0"/>
-            </a:endParaRPr>
-          </a:p>
-        </p:txBody>
-      </p:sp>
-      <p:sp>
-        <p:nvSpPr>
-          <p:cNvPr id="63" name="Rectangle 62"/>
-          <p:cNvSpPr/>
-          <p:nvPr/>
-        </p:nvSpPr>
-        <p:spPr>
-          <a:xfrm>
-            <a:off x="1914526" y="3317113"/>
-            <a:ext cx="287258" cy="276999"/>
-          </a:xfrm>
-          <a:prstGeom prst="rect">
-            <a:avLst/>
-          </a:prstGeom>
-        </p:spPr>
-        <p:txBody>
-          <a:bodyPr wrap="none">
-            <a:spAutoFit/>
-          </a:bodyPr>
-          <a:lstStyle/>
-          <a:p>
-            <a:r>
-              <a:rPr lang="en-US" sz="1200" b="1" dirty="0" smtClean="0">
-                <a:latin typeface="Arial" pitchFamily="34" charset="0"/>
-                <a:cs typeface="Arial" pitchFamily="34" charset="0"/>
-              </a:rPr>
-              <a:t>E</a:t>
-            </a:r>
-            <a:endParaRPr lang="en-US" sz="1200" b="1" dirty="0">
-              <a:latin typeface="Arial" pitchFamily="34" charset="0"/>
-              <a:cs typeface="Arial" pitchFamily="34" charset="0"/>
-            </a:endParaRPr>
-          </a:p>
-        </p:txBody>
-      </p:sp>
-      <p:sp>
-        <p:nvSpPr>
-          <p:cNvPr id="64" name="Rectangle 63"/>
-          <p:cNvSpPr/>
-          <p:nvPr/>
-        </p:nvSpPr>
-        <p:spPr>
-          <a:xfrm>
-            <a:off x="5182311" y="4196166"/>
-            <a:ext cx="269626" cy="276999"/>
-          </a:xfrm>
-          <a:prstGeom prst="rect">
-            <a:avLst/>
-          </a:prstGeom>
-        </p:spPr>
-        <p:txBody>
-          <a:bodyPr wrap="none">
-            <a:spAutoFit/>
-          </a:bodyPr>
-          <a:lstStyle/>
-          <a:p>
-            <a:r>
-              <a:rPr lang="en-US" sz="1200" b="1" dirty="0">
-                <a:latin typeface="Arial" pitchFamily="34" charset="0"/>
-                <a:cs typeface="Arial" pitchFamily="34" charset="0"/>
-              </a:rPr>
-              <a:t>J</a:t>
-            </a:r>
-            <a:endParaRPr lang="en-US" sz="1200" b="1" dirty="0">
-              <a:latin typeface="Arial" pitchFamily="34" charset="0"/>
-              <a:cs typeface="Arial" pitchFamily="34" charset="0"/>
-            </a:endParaRPr>
-          </a:p>
-        </p:txBody>
-      </p:sp>
-      <p:sp>
-        <p:nvSpPr>
-          <p:cNvPr id="65" name="Rectangle 64"/>
-          <p:cNvSpPr/>
-          <p:nvPr/>
-        </p:nvSpPr>
-        <p:spPr>
-          <a:xfrm>
-            <a:off x="5181600" y="256401"/>
-            <a:ext cx="279244" cy="276999"/>
-          </a:xfrm>
-          <a:prstGeom prst="rect">
-            <a:avLst/>
-          </a:prstGeom>
-        </p:spPr>
-        <p:txBody>
-          <a:bodyPr wrap="none">
-            <a:spAutoFit/>
-          </a:bodyPr>
-          <a:lstStyle/>
-          <a:p>
-            <a:r>
-              <a:rPr lang="en-US" sz="1200" b="1" dirty="0" smtClean="0">
-                <a:latin typeface="Arial" pitchFamily="34" charset="0"/>
-                <a:cs typeface="Arial" pitchFamily="34" charset="0"/>
-              </a:rPr>
-              <a:t>F</a:t>
-            </a:r>
-            <a:endParaRPr lang="en-US" sz="1200" b="1" dirty="0">
-              <a:latin typeface="Arial" pitchFamily="34" charset="0"/>
-              <a:cs typeface="Arial" pitchFamily="34" charset="0"/>
-            </a:endParaRPr>
-          </a:p>
-        </p:txBody>
-      </p:sp>
-      <p:sp>
-        <p:nvSpPr>
-          <p:cNvPr id="66" name="Rectangle 65"/>
-          <p:cNvSpPr/>
-          <p:nvPr/>
-        </p:nvSpPr>
-        <p:spPr>
-          <a:xfrm>
-            <a:off x="5207156" y="866001"/>
-            <a:ext cx="304892" cy="276999"/>
-          </a:xfrm>
-          <a:prstGeom prst="rect">
-            <a:avLst/>
-          </a:prstGeom>
-        </p:spPr>
-        <p:txBody>
-          <a:bodyPr wrap="none">
-            <a:spAutoFit/>
-          </a:bodyPr>
-          <a:lstStyle/>
-          <a:p>
-            <a:r>
-              <a:rPr lang="en-US" sz="1200" b="1" dirty="0">
-                <a:latin typeface="Arial" pitchFamily="34" charset="0"/>
-                <a:cs typeface="Arial" pitchFamily="34" charset="0"/>
-              </a:rPr>
-              <a:t>G</a:t>
-            </a:r>
-            <a:endParaRPr lang="en-US" sz="1200" b="1" dirty="0">
-              <a:latin typeface="Arial" pitchFamily="34" charset="0"/>
-              <a:cs typeface="Arial" pitchFamily="34" charset="0"/>
-            </a:endParaRPr>
-          </a:p>
-        </p:txBody>
-      </p:sp>
-      <p:sp>
-        <p:nvSpPr>
-          <p:cNvPr id="67" name="Rectangle 66"/>
-          <p:cNvSpPr/>
-          <p:nvPr/>
-        </p:nvSpPr>
-        <p:spPr>
-          <a:xfrm>
-            <a:off x="5258314" y="1878388"/>
-            <a:ext cx="295274" cy="276999"/>
-          </a:xfrm>
-          <a:prstGeom prst="rect">
-            <a:avLst/>
-          </a:prstGeom>
-        </p:spPr>
-        <p:txBody>
-          <a:bodyPr wrap="none">
-            <a:spAutoFit/>
-          </a:bodyPr>
-          <a:lstStyle/>
-          <a:p>
-            <a:r>
-              <a:rPr lang="en-US" sz="1200" b="1" dirty="0">
-                <a:latin typeface="Arial" pitchFamily="34" charset="0"/>
-                <a:cs typeface="Arial" pitchFamily="34" charset="0"/>
-              </a:rPr>
-              <a:t>H</a:t>
-            </a:r>
-            <a:endParaRPr lang="en-US" sz="1200" b="1" dirty="0">
-              <a:latin typeface="Arial" pitchFamily="34" charset="0"/>
-              <a:cs typeface="Arial" pitchFamily="34" charset="0"/>
-            </a:endParaRPr>
-          </a:p>
-        </p:txBody>
-      </p:sp>
-      <p:sp>
-        <p:nvSpPr>
-          <p:cNvPr id="68" name="Rectangle 67"/>
-          <p:cNvSpPr/>
-          <p:nvPr/>
-        </p:nvSpPr>
-        <p:spPr>
-          <a:xfrm>
-            <a:off x="5224460" y="2923400"/>
-            <a:ext cx="227948" cy="276999"/>
-          </a:xfrm>
-          <a:prstGeom prst="rect">
-            <a:avLst/>
-          </a:prstGeom>
-        </p:spPr>
-        <p:txBody>
-          <a:bodyPr wrap="none">
-            <a:spAutoFit/>
-          </a:bodyPr>
-          <a:lstStyle/>
-          <a:p>
-            <a:r>
-              <a:rPr lang="en-US" sz="1200" b="1" dirty="0" smtClean="0">
-                <a:latin typeface="Arial" pitchFamily="34" charset="0"/>
-                <a:cs typeface="Arial" pitchFamily="34" charset="0"/>
-              </a:rPr>
-              <a:t>I</a:t>
-            </a:r>
-            <a:endParaRPr lang="en-US" sz="1200" b="1" dirty="0">
-              <a:latin typeface="Arial" pitchFamily="34" charset="0"/>
-              <a:cs typeface="Arial" pitchFamily="34" charset="0"/>
-            </a:endParaRPr>
-          </a:p>
-        </p:txBody>
-      </p:sp>
-      <p:sp>
-        <p:nvSpPr>
-          <p:cNvPr id="69" name="Rectangle 68"/>
-          <p:cNvSpPr/>
-          <p:nvPr/>
-        </p:nvSpPr>
-        <p:spPr>
-          <a:xfrm>
-            <a:off x="723220" y="578924"/>
-            <a:ext cx="295274" cy="276999"/>
-          </a:xfrm>
-          <a:prstGeom prst="rect">
-            <a:avLst/>
-          </a:prstGeom>
-        </p:spPr>
-        <p:txBody>
-          <a:bodyPr wrap="none">
-            <a:spAutoFit/>
-          </a:bodyPr>
-          <a:lstStyle/>
-          <a:p>
-            <a:r>
-              <a:rPr lang="en-US" sz="1200" b="1" dirty="0" smtClean="0">
-                <a:latin typeface="Arial" pitchFamily="34" charset="0"/>
-                <a:cs typeface="Arial" pitchFamily="34" charset="0"/>
-              </a:rPr>
-              <a:t>B</a:t>
-            </a:r>
-            <a:endParaRPr lang="en-US" sz="1200" b="1" dirty="0">
-              <a:latin typeface="Arial" pitchFamily="34" charset="0"/>
-              <a:cs typeface="Arial" pitchFamily="34" charset="0"/>
-            </a:endParaRPr>
-          </a:p>
-        </p:txBody>
-      </p:sp>
+            <a:ln w="12700">
+              <a:solidFill>
+                <a:schemeClr val="tx1"/>
+              </a:solidFill>
+            </a:ln>
+          </p:spPr>
+          <p:style>
+            <a:lnRef idx="2">
+              <a:schemeClr val="accent1">
+                <a:shade val="50000"/>
+              </a:schemeClr>
+            </a:lnRef>
+            <a:fillRef idx="1">
+              <a:schemeClr val="accent1"/>
+            </a:fillRef>
+            <a:effectRef idx="0">
+              <a:schemeClr val="accent1"/>
+            </a:effectRef>
+            <a:fontRef idx="minor">
+              <a:schemeClr val="lt1"/>
+            </a:fontRef>
+          </p:style>
+          <p:txBody>
+            <a:bodyPr rtlCol="0" anchor="ctr"/>
+            <a:lstStyle/>
+            <a:p>
+              <a:pPr algn="ctr"/>
+              <a:endParaRPr lang="en-US" sz="1350">
+                <a:latin typeface="Times New Roman" panose="02020603050405020304" pitchFamily="18" charset="0"/>
+                <a:cs typeface="Times New Roman" panose="02020603050405020304" pitchFamily="18" charset="0"/>
+              </a:endParaRPr>
+            </a:p>
+          </p:txBody>
+        </p:sp>
+        <p:sp>
+          <p:nvSpPr>
+            <p:cNvPr id="8" name="Rectangle 7"/>
+            <p:cNvSpPr/>
+            <p:nvPr/>
+          </p:nvSpPr>
+          <p:spPr>
+            <a:xfrm>
+              <a:off x="593958" y="708678"/>
+              <a:ext cx="684803" cy="230832"/>
+            </a:xfrm>
+            <a:prstGeom prst="rect">
+              <a:avLst/>
+            </a:prstGeom>
+          </p:spPr>
+          <p:txBody>
+            <a:bodyPr wrap="none">
+              <a:spAutoFit/>
+            </a:bodyPr>
+            <a:lstStyle/>
+            <a:p>
+              <a:r>
+                <a:rPr lang="en-US" sz="900" dirty="0" err="1">
+                  <a:latin typeface="Times New Roman" panose="02020603050405020304" pitchFamily="18" charset="0"/>
+                  <a:cs typeface="Times New Roman" panose="02020603050405020304" pitchFamily="18" charset="0"/>
+                </a:rPr>
+                <a:t>Malathion</a:t>
+              </a:r>
+              <a:endParaRPr lang="en-US" sz="900" dirty="0">
+                <a:latin typeface="Times New Roman" panose="02020603050405020304" pitchFamily="18" charset="0"/>
+                <a:cs typeface="Times New Roman" panose="02020603050405020304" pitchFamily="18" charset="0"/>
+              </a:endParaRPr>
+            </a:p>
+          </p:txBody>
+        </p:sp>
+        <p:sp>
+          <p:nvSpPr>
+            <p:cNvPr id="12" name="Rectangle 11"/>
+            <p:cNvSpPr/>
+            <p:nvPr/>
+          </p:nvSpPr>
+          <p:spPr>
+            <a:xfrm>
+              <a:off x="559352" y="545989"/>
+              <a:ext cx="889987" cy="230832"/>
+            </a:xfrm>
+            <a:prstGeom prst="rect">
+              <a:avLst/>
+            </a:prstGeom>
+          </p:spPr>
+          <p:txBody>
+            <a:bodyPr wrap="none">
+              <a:spAutoFit/>
+            </a:bodyPr>
+            <a:lstStyle/>
+            <a:p>
+              <a:r>
+                <a:rPr lang="en-US" sz="900" dirty="0" err="1">
+                  <a:latin typeface="Times New Roman" panose="02020603050405020304" pitchFamily="18" charset="0"/>
+                  <a:cs typeface="Times New Roman" panose="02020603050405020304" pitchFamily="18" charset="0"/>
+                </a:rPr>
+                <a:t>Hexafluronium</a:t>
+              </a:r>
+              <a:endParaRPr lang="en-US" sz="900" dirty="0">
+                <a:latin typeface="Times New Roman" panose="02020603050405020304" pitchFamily="18" charset="0"/>
+                <a:cs typeface="Times New Roman" panose="02020603050405020304" pitchFamily="18" charset="0"/>
+              </a:endParaRPr>
+            </a:p>
+          </p:txBody>
+        </p:sp>
+        <p:sp>
+          <p:nvSpPr>
+            <p:cNvPr id="14" name="Rectangle 13"/>
+            <p:cNvSpPr/>
+            <p:nvPr/>
+          </p:nvSpPr>
+          <p:spPr>
+            <a:xfrm>
+              <a:off x="509799" y="871622"/>
+              <a:ext cx="851515" cy="230832"/>
+            </a:xfrm>
+            <a:prstGeom prst="rect">
+              <a:avLst/>
+            </a:prstGeom>
+          </p:spPr>
+          <p:txBody>
+            <a:bodyPr wrap="none">
+              <a:spAutoFit/>
+            </a:bodyPr>
+            <a:lstStyle/>
+            <a:p>
+              <a:r>
+                <a:rPr lang="en-US" sz="900" dirty="0" err="1">
+                  <a:latin typeface="Times New Roman" panose="02020603050405020304" pitchFamily="18" charset="0"/>
+                  <a:cs typeface="Times New Roman" panose="02020603050405020304" pitchFamily="18" charset="0"/>
+                </a:rPr>
+                <a:t>Echothiophate</a:t>
+              </a:r>
+              <a:endParaRPr lang="en-US" sz="900" dirty="0">
+                <a:latin typeface="Times New Roman" panose="02020603050405020304" pitchFamily="18" charset="0"/>
+                <a:cs typeface="Times New Roman" panose="02020603050405020304" pitchFamily="18" charset="0"/>
+              </a:endParaRPr>
+            </a:p>
+          </p:txBody>
+        </p:sp>
+        <p:sp>
+          <p:nvSpPr>
+            <p:cNvPr id="69" name="Rectangle 68"/>
+            <p:cNvSpPr/>
+            <p:nvPr/>
+          </p:nvSpPr>
+          <p:spPr>
+            <a:xfrm>
+              <a:off x="373279" y="542100"/>
+              <a:ext cx="319318" cy="230832"/>
+            </a:xfrm>
+            <a:prstGeom prst="rect">
+              <a:avLst/>
+            </a:prstGeom>
+          </p:spPr>
+          <p:txBody>
+            <a:bodyPr wrap="none">
+              <a:spAutoFit/>
+            </a:bodyPr>
+            <a:lstStyle/>
+            <a:p>
+              <a:r>
+                <a:rPr lang="en-US" sz="900" b="1" dirty="0" smtClean="0">
+                  <a:latin typeface="Times New Roman" panose="02020603050405020304" pitchFamily="18" charset="0"/>
+                  <a:cs typeface="Times New Roman" panose="02020603050405020304" pitchFamily="18" charset="0"/>
+                </a:rPr>
+                <a:t>(2)</a:t>
+              </a:r>
+              <a:endParaRPr lang="en-US" sz="900" b="1" dirty="0">
+                <a:latin typeface="Times New Roman" panose="02020603050405020304" pitchFamily="18" charset="0"/>
+                <a:cs typeface="Times New Roman" panose="02020603050405020304" pitchFamily="18" charset="0"/>
+              </a:endParaRPr>
+            </a:p>
+          </p:txBody>
+        </p:sp>
+      </p:grpSp>
     </p:spTree>
     <p:extLst>
       <p:ext uri="{BB962C8B-B14F-4D97-AF65-F5344CB8AC3E}">

--- a/data/analysis/figures-paper/Figure_6.pptx
+++ b/data/analysis/figures-paper/Figure_6.pptx
@@ -3119,8 +3119,8 @@
         </p:nvSpPr>
         <p:spPr>
           <a:xfrm>
-            <a:off x="3043112" y="318793"/>
-            <a:ext cx="1892175" cy="683949"/>
+            <a:off x="2085051" y="301040"/>
+            <a:ext cx="1085926" cy="1219357"/>
           </a:xfrm>
           <a:prstGeom prst="roundRect">
             <a:avLst>
@@ -3132,7 +3132,7 @@
               <a:lumMod val="85000"/>
             </a:schemeClr>
           </a:solidFill>
-          <a:ln w="12700">
+          <a:ln w="6350">
             <a:solidFill>
               <a:schemeClr val="tx1"/>
             </a:solidFill>
@@ -3159,7 +3159,7 @@
           <a:lstStyle/>
           <a:p>
             <a:pPr algn="ctr"/>
-            <a:endParaRPr lang="en-US" sz="1350">
+            <a:endParaRPr lang="en-US" sz="900">
               <a:latin typeface="Times New Roman" panose="02020603050405020304" pitchFamily="18" charset="0"/>
               <a:cs typeface="Times New Roman" panose="02020603050405020304" pitchFamily="18" charset="0"/>
             </a:endParaRPr>
@@ -3168,24 +3168,26 @@
       </p:sp>
       <p:sp>
         <p:nvSpPr>
-          <p:cNvPr id="53" name="Rounded Rectangle 52"/>
+          <p:cNvPr id="4" name="Rounded Rectangle 3"/>
           <p:cNvSpPr/>
           <p:nvPr/>
         </p:nvSpPr>
         <p:spPr>
           <a:xfrm>
-            <a:off x="3916197" y="570688"/>
-            <a:ext cx="922835" cy="318252"/>
+            <a:off x="256929" y="288794"/>
+            <a:ext cx="1728171" cy="3826007"/>
           </a:xfrm>
           <a:prstGeom prst="roundRect">
-            <a:avLst/>
+            <a:avLst>
+              <a:gd name="adj" fmla="val 2714"/>
+            </a:avLst>
           </a:prstGeom>
           <a:solidFill>
             <a:schemeClr val="bg1">
-              <a:lumMod val="95000"/>
+              <a:lumMod val="85000"/>
             </a:schemeClr>
           </a:solidFill>
-          <a:ln w="12700">
+          <a:ln w="6350">
             <a:solidFill>
               <a:schemeClr val="tx1"/>
             </a:solidFill>
@@ -3212,7 +3214,7 @@
           <a:lstStyle/>
           <a:p>
             <a:pPr algn="ctr"/>
-            <a:endParaRPr lang="en-US" sz="1350">
+            <a:endParaRPr lang="en-US" sz="900" dirty="0">
               <a:latin typeface="Times New Roman" panose="02020603050405020304" pitchFamily="18" charset="0"/>
               <a:cs typeface="Times New Roman" panose="02020603050405020304" pitchFamily="18" charset="0"/>
             </a:endParaRPr>
@@ -3221,26 +3223,55 @@
       </p:sp>
       <p:sp>
         <p:nvSpPr>
-          <p:cNvPr id="4" name="Rounded Rectangle 3"/>
+          <p:cNvPr id="5" name="Rectangle 4"/>
           <p:cNvSpPr/>
           <p:nvPr/>
         </p:nvSpPr>
         <p:spPr>
           <a:xfrm>
-            <a:off x="194306" y="288583"/>
-            <a:ext cx="2741823" cy="3064217"/>
+            <a:off x="433201" y="266904"/>
+            <a:ext cx="1448709" cy="369332"/>
+          </a:xfrm>
+          <a:prstGeom prst="rect">
+            <a:avLst/>
+          </a:prstGeom>
+        </p:spPr>
+        <p:txBody>
+          <a:bodyPr wrap="square">
+            <a:spAutoFit/>
+          </a:bodyPr>
+          <a:lstStyle/>
+          <a:p>
+            <a:r>
+              <a:rPr lang="en-US" sz="900" b="1" dirty="0">
+                <a:latin typeface="Times New Roman" panose="02020603050405020304" pitchFamily="18" charset="0"/>
+                <a:cs typeface="Times New Roman" panose="02020603050405020304" pitchFamily="18" charset="0"/>
+              </a:rPr>
+              <a:t>Anti-beta-amyloid binding agent</a:t>
+            </a:r>
+          </a:p>
+        </p:txBody>
+      </p:sp>
+      <p:sp>
+        <p:nvSpPr>
+          <p:cNvPr id="17" name="Rounded Rectangle 16"/>
+          <p:cNvSpPr/>
+          <p:nvPr/>
+        </p:nvSpPr>
+        <p:spPr>
+          <a:xfrm>
+            <a:off x="315992" y="1176406"/>
+            <a:ext cx="1235814" cy="347594"/>
           </a:xfrm>
           <a:prstGeom prst="roundRect">
-            <a:avLst>
-              <a:gd name="adj" fmla="val 2714"/>
-            </a:avLst>
+            <a:avLst/>
           </a:prstGeom>
           <a:solidFill>
             <a:schemeClr val="bg1">
-              <a:lumMod val="85000"/>
+              <a:lumMod val="95000"/>
             </a:schemeClr>
           </a:solidFill>
-          <a:ln w="12700">
+          <a:ln w="6350">
             <a:solidFill>
               <a:schemeClr val="tx1"/>
             </a:solidFill>
@@ -3267,7 +3298,7 @@
           <a:lstStyle/>
           <a:p>
             <a:pPr algn="ctr"/>
-            <a:endParaRPr lang="en-US" sz="900" dirty="0">
+            <a:endParaRPr lang="en-US" sz="900">
               <a:latin typeface="Times New Roman" panose="02020603050405020304" pitchFamily="18" charset="0"/>
               <a:cs typeface="Times New Roman" panose="02020603050405020304" pitchFamily="18" charset="0"/>
             </a:endParaRPr>
@@ -3276,14 +3307,14 @@
       </p:sp>
       <p:sp>
         <p:nvSpPr>
-          <p:cNvPr id="5" name="Rectangle 4"/>
+          <p:cNvPr id="15" name="Rectangle 14"/>
           <p:cNvSpPr/>
           <p:nvPr/>
         </p:nvSpPr>
         <p:spPr>
           <a:xfrm>
-            <a:off x="438625" y="290570"/>
-            <a:ext cx="1794081" cy="230832"/>
+            <a:off x="483496" y="1138313"/>
+            <a:ext cx="806631" cy="230832"/>
           </a:xfrm>
           <a:prstGeom prst="rect">
             <a:avLst/>
@@ -3296,49 +3327,673 @@
           <a:lstStyle/>
           <a:p>
             <a:r>
+              <a:rPr lang="en-US" sz="900" dirty="0" err="1">
+                <a:latin typeface="Times New Roman" panose="02020603050405020304" pitchFamily="18" charset="0"/>
+                <a:cs typeface="Times New Roman" panose="02020603050405020304" pitchFamily="18" charset="0"/>
+              </a:rPr>
+              <a:t>Tubocurarine</a:t>
+            </a:r>
+            <a:endParaRPr lang="en-US" sz="900" dirty="0">
+              <a:latin typeface="Times New Roman" panose="02020603050405020304" pitchFamily="18" charset="0"/>
+              <a:cs typeface="Times New Roman" panose="02020603050405020304" pitchFamily="18" charset="0"/>
+            </a:endParaRPr>
+          </a:p>
+        </p:txBody>
+      </p:sp>
+      <p:sp>
+        <p:nvSpPr>
+          <p:cNvPr id="16" name="Rectangle 15"/>
+          <p:cNvSpPr/>
+          <p:nvPr/>
+        </p:nvSpPr>
+        <p:spPr>
+          <a:xfrm>
+            <a:off x="315992" y="1289565"/>
+            <a:ext cx="1265090" cy="230832"/>
+          </a:xfrm>
+          <a:prstGeom prst="rect">
+            <a:avLst/>
+          </a:prstGeom>
+        </p:spPr>
+        <p:txBody>
+          <a:bodyPr wrap="none">
+            <a:spAutoFit/>
+          </a:bodyPr>
+          <a:lstStyle/>
+          <a:p>
+            <a:r>
+              <a:rPr lang="en-US" sz="900" dirty="0" err="1">
+                <a:latin typeface="Times New Roman" panose="02020603050405020304" pitchFamily="18" charset="0"/>
+                <a:cs typeface="Times New Roman" panose="02020603050405020304" pitchFamily="18" charset="0"/>
+              </a:rPr>
+              <a:t>Gallamine</a:t>
+            </a:r>
+            <a:r>
+              <a:rPr lang="en-US" sz="900" dirty="0">
+                <a:latin typeface="Times New Roman" panose="02020603050405020304" pitchFamily="18" charset="0"/>
+                <a:cs typeface="Times New Roman" panose="02020603050405020304" pitchFamily="18" charset="0"/>
+              </a:rPr>
+              <a:t> </a:t>
+            </a:r>
+            <a:r>
+              <a:rPr lang="en-US" sz="900" dirty="0" err="1">
+                <a:latin typeface="Times New Roman" panose="02020603050405020304" pitchFamily="18" charset="0"/>
+                <a:cs typeface="Times New Roman" panose="02020603050405020304" pitchFamily="18" charset="0"/>
+              </a:rPr>
+              <a:t>Triethiodide</a:t>
+            </a:r>
+            <a:endParaRPr lang="en-US" sz="900" dirty="0">
+              <a:latin typeface="Times New Roman" panose="02020603050405020304" pitchFamily="18" charset="0"/>
+              <a:cs typeface="Times New Roman" panose="02020603050405020304" pitchFamily="18" charset="0"/>
+            </a:endParaRPr>
+          </a:p>
+        </p:txBody>
+      </p:sp>
+      <p:sp>
+        <p:nvSpPr>
+          <p:cNvPr id="46" name="Rounded Rectangle 45"/>
+          <p:cNvSpPr/>
+          <p:nvPr/>
+        </p:nvSpPr>
+        <p:spPr>
+          <a:xfrm>
+            <a:off x="2080910" y="3161389"/>
+            <a:ext cx="1090066" cy="946319"/>
+          </a:xfrm>
+          <a:prstGeom prst="roundRect">
+            <a:avLst>
+              <a:gd name="adj" fmla="val 8538"/>
+            </a:avLst>
+          </a:prstGeom>
+          <a:solidFill>
+            <a:schemeClr val="bg1">
+              <a:lumMod val="85000"/>
+            </a:schemeClr>
+          </a:solidFill>
+          <a:ln w="6350">
+            <a:solidFill>
+              <a:schemeClr val="tx1"/>
+            </a:solidFill>
+          </a:ln>
+        </p:spPr>
+        <p:style>
+          <a:lnRef idx="2">
+            <a:schemeClr val="accent1">
+              <a:shade val="50000"/>
+            </a:schemeClr>
+          </a:lnRef>
+          <a:fillRef idx="1">
+            <a:schemeClr val="accent1"/>
+          </a:fillRef>
+          <a:effectRef idx="0">
+            <a:schemeClr val="accent1"/>
+          </a:effectRef>
+          <a:fontRef idx="minor">
+            <a:schemeClr val="lt1"/>
+          </a:fontRef>
+        </p:style>
+        <p:txBody>
+          <a:bodyPr rtlCol="0" anchor="ctr"/>
+          <a:lstStyle/>
+          <a:p>
+            <a:pPr algn="ctr"/>
+            <a:endParaRPr lang="en-US" sz="900">
+              <a:latin typeface="Times New Roman" panose="02020603050405020304" pitchFamily="18" charset="0"/>
+              <a:cs typeface="Times New Roman" panose="02020603050405020304" pitchFamily="18" charset="0"/>
+            </a:endParaRPr>
+          </a:p>
+        </p:txBody>
+      </p:sp>
+      <p:sp>
+        <p:nvSpPr>
+          <p:cNvPr id="47" name="Rectangle 46"/>
+          <p:cNvSpPr/>
+          <p:nvPr/>
+        </p:nvSpPr>
+        <p:spPr>
+          <a:xfrm>
+            <a:off x="2119174" y="3124200"/>
+            <a:ext cx="1081226" cy="646331"/>
+          </a:xfrm>
+          <a:prstGeom prst="rect">
+            <a:avLst/>
+          </a:prstGeom>
+        </p:spPr>
+        <p:txBody>
+          <a:bodyPr wrap="square">
+            <a:spAutoFit/>
+          </a:bodyPr>
+          <a:lstStyle/>
+          <a:p>
+            <a:pPr algn="ctr"/>
+            <a:r>
               <a:rPr lang="en-US" sz="900" b="1" dirty="0">
                 <a:latin typeface="Times New Roman" panose="02020603050405020304" pitchFamily="18" charset="0"/>
                 <a:cs typeface="Times New Roman" panose="02020603050405020304" pitchFamily="18" charset="0"/>
               </a:rPr>
-              <a:t>Anti-beta-amyloid binding agent</a:t>
-            </a:r>
+              <a:t>Anti-amyloid precursor protein biosynthetic process agent</a:t>
+            </a:r>
+          </a:p>
+        </p:txBody>
+      </p:sp>
+      <p:sp>
+        <p:nvSpPr>
+          <p:cNvPr id="3" name="Rectangle 2"/>
+          <p:cNvSpPr/>
+          <p:nvPr/>
+        </p:nvSpPr>
+        <p:spPr>
+          <a:xfrm>
+            <a:off x="2317885" y="3897802"/>
+            <a:ext cx="652743" cy="230832"/>
+          </a:xfrm>
+          <a:prstGeom prst="rect">
+            <a:avLst/>
+          </a:prstGeom>
+        </p:spPr>
+        <p:txBody>
+          <a:bodyPr wrap="none">
+            <a:spAutoFit/>
+          </a:bodyPr>
+          <a:lstStyle/>
+          <a:p>
+            <a:r>
+              <a:rPr lang="en-US" sz="900" dirty="0" err="1">
+                <a:latin typeface="Times New Roman" panose="02020603050405020304" pitchFamily="18" charset="0"/>
+                <a:cs typeface="Times New Roman" panose="02020603050405020304" pitchFamily="18" charset="0"/>
+              </a:rPr>
+              <a:t>Ezetimibe</a:t>
+            </a:r>
+            <a:endParaRPr lang="en-US" sz="900" dirty="0">
+              <a:latin typeface="Times New Roman" panose="02020603050405020304" pitchFamily="18" charset="0"/>
+              <a:cs typeface="Times New Roman" panose="02020603050405020304" pitchFamily="18" charset="0"/>
+            </a:endParaRPr>
+          </a:p>
+        </p:txBody>
+      </p:sp>
+      <p:sp>
+        <p:nvSpPr>
+          <p:cNvPr id="9" name="Rectangle 8"/>
+          <p:cNvSpPr/>
+          <p:nvPr/>
+        </p:nvSpPr>
+        <p:spPr>
+          <a:xfrm>
+            <a:off x="2295858" y="3733800"/>
+            <a:ext cx="684803" cy="230832"/>
+          </a:xfrm>
+          <a:prstGeom prst="rect">
+            <a:avLst/>
+          </a:prstGeom>
+        </p:spPr>
+        <p:txBody>
+          <a:bodyPr wrap="none">
+            <a:spAutoFit/>
+          </a:bodyPr>
+          <a:lstStyle/>
+          <a:p>
+            <a:r>
+              <a:rPr lang="en-US" sz="900" dirty="0" err="1">
+                <a:latin typeface="Times New Roman" panose="02020603050405020304" pitchFamily="18" charset="0"/>
+                <a:cs typeface="Times New Roman" panose="02020603050405020304" pitchFamily="18" charset="0"/>
+              </a:rPr>
+              <a:t>Hesperetin</a:t>
+            </a:r>
+            <a:endParaRPr lang="en-US" sz="900" dirty="0">
+              <a:latin typeface="Times New Roman" panose="02020603050405020304" pitchFamily="18" charset="0"/>
+              <a:cs typeface="Times New Roman" panose="02020603050405020304" pitchFamily="18" charset="0"/>
+            </a:endParaRPr>
+          </a:p>
+        </p:txBody>
+      </p:sp>
+      <p:sp>
+        <p:nvSpPr>
+          <p:cNvPr id="49" name="Rectangle 48"/>
+          <p:cNvSpPr/>
+          <p:nvPr/>
+        </p:nvSpPr>
+        <p:spPr>
+          <a:xfrm>
+            <a:off x="2193903" y="286917"/>
+            <a:ext cx="1006497" cy="507831"/>
+          </a:xfrm>
+          <a:prstGeom prst="rect">
+            <a:avLst/>
+          </a:prstGeom>
+        </p:spPr>
+        <p:txBody>
+          <a:bodyPr wrap="square">
+            <a:spAutoFit/>
+          </a:bodyPr>
+          <a:lstStyle/>
+          <a:p>
+            <a:pPr algn="ctr"/>
+            <a:r>
+              <a:rPr lang="en-US" sz="900" b="1" dirty="0">
+                <a:latin typeface="Times New Roman" panose="02020603050405020304" pitchFamily="18" charset="0"/>
+                <a:cs typeface="Times New Roman" panose="02020603050405020304" pitchFamily="18" charset="0"/>
+              </a:rPr>
+              <a:t>Pro-beta-amyloid binding agent</a:t>
+            </a:r>
+          </a:p>
+        </p:txBody>
+      </p:sp>
+      <p:sp>
+        <p:nvSpPr>
+          <p:cNvPr id="11" name="Rectangle 10"/>
+          <p:cNvSpPr/>
+          <p:nvPr/>
+        </p:nvSpPr>
+        <p:spPr>
+          <a:xfrm>
+            <a:off x="2259803" y="890564"/>
+            <a:ext cx="665567" cy="230832"/>
+          </a:xfrm>
+          <a:prstGeom prst="rect">
+            <a:avLst/>
+          </a:prstGeom>
+        </p:spPr>
+        <p:txBody>
+          <a:bodyPr wrap="none">
+            <a:spAutoFit/>
+          </a:bodyPr>
+          <a:lstStyle/>
+          <a:p>
+            <a:r>
+              <a:rPr lang="en-US" sz="900" dirty="0" err="1">
+                <a:latin typeface="Times New Roman" panose="02020603050405020304" pitchFamily="18" charset="0"/>
+                <a:cs typeface="Times New Roman" panose="02020603050405020304" pitchFamily="18" charset="0"/>
+              </a:rPr>
+              <a:t>Dipivefrin</a:t>
+            </a:r>
+            <a:endParaRPr lang="en-US" sz="900" dirty="0">
+              <a:latin typeface="Times New Roman" panose="02020603050405020304" pitchFamily="18" charset="0"/>
+              <a:cs typeface="Times New Roman" panose="02020603050405020304" pitchFamily="18" charset="0"/>
+            </a:endParaRPr>
+          </a:p>
+        </p:txBody>
+      </p:sp>
+      <p:sp>
+        <p:nvSpPr>
+          <p:cNvPr id="13" name="Rectangle 12"/>
+          <p:cNvSpPr/>
+          <p:nvPr/>
+        </p:nvSpPr>
+        <p:spPr>
+          <a:xfrm>
+            <a:off x="2236614" y="744304"/>
+            <a:ext cx="748923" cy="230832"/>
+          </a:xfrm>
+          <a:prstGeom prst="rect">
+            <a:avLst/>
+          </a:prstGeom>
+        </p:spPr>
+        <p:txBody>
+          <a:bodyPr wrap="none">
+            <a:spAutoFit/>
+          </a:bodyPr>
+          <a:lstStyle/>
+          <a:p>
+            <a:r>
+              <a:rPr lang="en-US" sz="900" dirty="0" err="1">
+                <a:latin typeface="Times New Roman" panose="02020603050405020304" pitchFamily="18" charset="0"/>
+                <a:cs typeface="Times New Roman" panose="02020603050405020304" pitchFamily="18" charset="0"/>
+              </a:rPr>
+              <a:t>Pralidoxime</a:t>
+            </a:r>
+            <a:endParaRPr lang="en-US" sz="900" dirty="0">
+              <a:latin typeface="Times New Roman" panose="02020603050405020304" pitchFamily="18" charset="0"/>
+              <a:cs typeface="Times New Roman" panose="02020603050405020304" pitchFamily="18" charset="0"/>
+            </a:endParaRPr>
+          </a:p>
+        </p:txBody>
+      </p:sp>
+      <p:sp>
+        <p:nvSpPr>
+          <p:cNvPr id="54" name="Rounded Rectangle 53"/>
+          <p:cNvSpPr/>
+          <p:nvPr/>
+        </p:nvSpPr>
+        <p:spPr>
+          <a:xfrm>
+            <a:off x="2085051" y="1571463"/>
+            <a:ext cx="1085925" cy="703854"/>
+          </a:xfrm>
+          <a:prstGeom prst="roundRect">
+            <a:avLst>
+              <a:gd name="adj" fmla="val 8538"/>
+            </a:avLst>
+          </a:prstGeom>
+          <a:solidFill>
+            <a:schemeClr val="bg1">
+              <a:lumMod val="85000"/>
+            </a:schemeClr>
+          </a:solidFill>
+          <a:ln w="6350">
+            <a:solidFill>
+              <a:schemeClr val="tx1"/>
+            </a:solidFill>
+          </a:ln>
+        </p:spPr>
+        <p:style>
+          <a:lnRef idx="2">
+            <a:schemeClr val="accent1">
+              <a:shade val="50000"/>
+            </a:schemeClr>
+          </a:lnRef>
+          <a:fillRef idx="1">
+            <a:schemeClr val="accent1"/>
+          </a:fillRef>
+          <a:effectRef idx="0">
+            <a:schemeClr val="accent1"/>
+          </a:effectRef>
+          <a:fontRef idx="minor">
+            <a:schemeClr val="lt1"/>
+          </a:fontRef>
+        </p:style>
+        <p:txBody>
+          <a:bodyPr rtlCol="0" anchor="ctr"/>
+          <a:lstStyle/>
+          <a:p>
+            <a:pPr algn="ctr"/>
+            <a:endParaRPr lang="en-US" sz="900">
+              <a:latin typeface="Times New Roman" panose="02020603050405020304" pitchFamily="18" charset="0"/>
+              <a:cs typeface="Times New Roman" panose="02020603050405020304" pitchFamily="18" charset="0"/>
+            </a:endParaRPr>
+          </a:p>
+        </p:txBody>
+      </p:sp>
+      <p:sp>
+        <p:nvSpPr>
+          <p:cNvPr id="55" name="Rectangle 54"/>
+          <p:cNvSpPr/>
+          <p:nvPr/>
+        </p:nvSpPr>
+        <p:spPr>
+          <a:xfrm>
+            <a:off x="2136027" y="1611868"/>
+            <a:ext cx="1182357" cy="369332"/>
+          </a:xfrm>
+          <a:prstGeom prst="rect">
+            <a:avLst/>
+          </a:prstGeom>
+        </p:spPr>
+        <p:txBody>
+          <a:bodyPr wrap="square">
+            <a:spAutoFit/>
+          </a:bodyPr>
+          <a:lstStyle/>
+          <a:p>
+            <a:pPr algn="ctr"/>
+            <a:r>
+              <a:rPr lang="en-US" sz="900" b="1" dirty="0">
+                <a:latin typeface="Times New Roman" panose="02020603050405020304" pitchFamily="18" charset="0"/>
+                <a:cs typeface="Times New Roman" panose="02020603050405020304" pitchFamily="18" charset="0"/>
+              </a:rPr>
+              <a:t>Anti-tau protein binding agent</a:t>
+            </a:r>
+          </a:p>
+        </p:txBody>
+      </p:sp>
+      <p:sp>
+        <p:nvSpPr>
+          <p:cNvPr id="56" name="Rectangle 55"/>
+          <p:cNvSpPr/>
+          <p:nvPr/>
+        </p:nvSpPr>
+        <p:spPr>
+          <a:xfrm>
+            <a:off x="2308269" y="1971803"/>
+            <a:ext cx="671979" cy="230832"/>
+          </a:xfrm>
+          <a:prstGeom prst="rect">
+            <a:avLst/>
+          </a:prstGeom>
+        </p:spPr>
+        <p:txBody>
+          <a:bodyPr wrap="none">
+            <a:spAutoFit/>
+          </a:bodyPr>
+          <a:lstStyle/>
+          <a:p>
+            <a:r>
+              <a:rPr lang="en-US" sz="900" dirty="0" err="1">
+                <a:latin typeface="Times New Roman" panose="02020603050405020304" pitchFamily="18" charset="0"/>
+                <a:cs typeface="Times New Roman" panose="02020603050405020304" pitchFamily="18" charset="0"/>
+              </a:rPr>
+              <a:t>Vorinostat</a:t>
+            </a:r>
+            <a:endParaRPr lang="en-US" sz="900" dirty="0">
+              <a:latin typeface="Times New Roman" panose="02020603050405020304" pitchFamily="18" charset="0"/>
+              <a:cs typeface="Times New Roman" panose="02020603050405020304" pitchFamily="18" charset="0"/>
+            </a:endParaRPr>
+          </a:p>
+        </p:txBody>
+      </p:sp>
+      <p:sp>
+        <p:nvSpPr>
+          <p:cNvPr id="58" name="Rounded Rectangle 57"/>
+          <p:cNvSpPr/>
+          <p:nvPr/>
+        </p:nvSpPr>
+        <p:spPr>
+          <a:xfrm>
+            <a:off x="2085051" y="2333337"/>
+            <a:ext cx="1085925" cy="767461"/>
+          </a:xfrm>
+          <a:prstGeom prst="roundRect">
+            <a:avLst>
+              <a:gd name="adj" fmla="val 8538"/>
+            </a:avLst>
+          </a:prstGeom>
+          <a:solidFill>
+            <a:schemeClr val="bg1">
+              <a:lumMod val="85000"/>
+            </a:schemeClr>
+          </a:solidFill>
+          <a:ln w="6350">
+            <a:solidFill>
+              <a:schemeClr val="tx1"/>
+            </a:solidFill>
+          </a:ln>
+        </p:spPr>
+        <p:style>
+          <a:lnRef idx="2">
+            <a:schemeClr val="accent1">
+              <a:shade val="50000"/>
+            </a:schemeClr>
+          </a:lnRef>
+          <a:fillRef idx="1">
+            <a:schemeClr val="accent1"/>
+          </a:fillRef>
+          <a:effectRef idx="0">
+            <a:schemeClr val="accent1"/>
+          </a:effectRef>
+          <a:fontRef idx="minor">
+            <a:schemeClr val="lt1"/>
+          </a:fontRef>
+        </p:style>
+        <p:txBody>
+          <a:bodyPr rtlCol="0" anchor="ctr"/>
+          <a:lstStyle/>
+          <a:p>
+            <a:pPr algn="ctr"/>
+            <a:endParaRPr lang="en-US" sz="900">
+              <a:latin typeface="Times New Roman" panose="02020603050405020304" pitchFamily="18" charset="0"/>
+              <a:cs typeface="Times New Roman" panose="02020603050405020304" pitchFamily="18" charset="0"/>
+            </a:endParaRPr>
+          </a:p>
+        </p:txBody>
+      </p:sp>
+      <p:sp>
+        <p:nvSpPr>
+          <p:cNvPr id="59" name="Rectangle 58"/>
+          <p:cNvSpPr/>
+          <p:nvPr/>
+        </p:nvSpPr>
+        <p:spPr>
+          <a:xfrm>
+            <a:off x="2236614" y="2317379"/>
+            <a:ext cx="993911" cy="507831"/>
+          </a:xfrm>
+          <a:prstGeom prst="rect">
+            <a:avLst/>
+          </a:prstGeom>
+        </p:spPr>
+        <p:txBody>
+          <a:bodyPr wrap="square">
+            <a:spAutoFit/>
+          </a:bodyPr>
+          <a:lstStyle/>
+          <a:p>
+            <a:pPr algn="ctr"/>
+            <a:r>
+              <a:rPr lang="en-US" sz="900" b="1" dirty="0">
+                <a:latin typeface="Times New Roman" panose="02020603050405020304" pitchFamily="18" charset="0"/>
+                <a:cs typeface="Times New Roman" panose="02020603050405020304" pitchFamily="18" charset="0"/>
+              </a:rPr>
+              <a:t>Anti-tau-protein kinase activity agent</a:t>
+            </a:r>
+          </a:p>
+        </p:txBody>
+      </p:sp>
+      <p:sp>
+        <p:nvSpPr>
+          <p:cNvPr id="62" name="Rectangle 61"/>
+          <p:cNvSpPr/>
+          <p:nvPr/>
+        </p:nvSpPr>
+        <p:spPr>
+          <a:xfrm>
+            <a:off x="2338438" y="2844633"/>
+            <a:ext cx="556563" cy="230832"/>
+          </a:xfrm>
+          <a:prstGeom prst="rect">
+            <a:avLst/>
+          </a:prstGeom>
+        </p:spPr>
+        <p:txBody>
+          <a:bodyPr wrap="none">
+            <a:spAutoFit/>
+          </a:bodyPr>
+          <a:lstStyle/>
+          <a:p>
+            <a:r>
+              <a:rPr lang="en-US" sz="900" dirty="0">
+                <a:latin typeface="Times New Roman" panose="02020603050405020304" pitchFamily="18" charset="0"/>
+                <a:cs typeface="Times New Roman" panose="02020603050405020304" pitchFamily="18" charset="0"/>
+              </a:rPr>
+              <a:t>Lithium</a:t>
+            </a:r>
+          </a:p>
+        </p:txBody>
+      </p:sp>
+      <p:sp>
+        <p:nvSpPr>
+          <p:cNvPr id="57" name="Rectangle 56"/>
+          <p:cNvSpPr/>
+          <p:nvPr/>
+        </p:nvSpPr>
+        <p:spPr>
+          <a:xfrm>
+            <a:off x="237890" y="265056"/>
+            <a:ext cx="344966" cy="230832"/>
+          </a:xfrm>
+          <a:prstGeom prst="rect">
+            <a:avLst/>
+          </a:prstGeom>
+        </p:spPr>
+        <p:txBody>
+          <a:bodyPr wrap="none">
+            <a:spAutoFit/>
+          </a:bodyPr>
+          <a:lstStyle/>
+          <a:p>
+            <a:r>
+              <a:rPr lang="en-US" sz="900" b="1" dirty="0" smtClean="0">
+                <a:latin typeface="Times New Roman" panose="02020603050405020304" pitchFamily="18" charset="0"/>
+                <a:cs typeface="Times New Roman" panose="02020603050405020304" pitchFamily="18" charset="0"/>
+              </a:rPr>
+              <a:t>(A)</a:t>
+            </a:r>
+            <a:endParaRPr lang="en-US" sz="900" b="1" dirty="0">
+              <a:latin typeface="Times New Roman" panose="02020603050405020304" pitchFamily="18" charset="0"/>
+              <a:cs typeface="Times New Roman" panose="02020603050405020304" pitchFamily="18" charset="0"/>
+            </a:endParaRPr>
+          </a:p>
+        </p:txBody>
+      </p:sp>
+      <p:sp>
+        <p:nvSpPr>
+          <p:cNvPr id="60" name="Rectangle 59"/>
+          <p:cNvSpPr/>
+          <p:nvPr/>
+        </p:nvSpPr>
+        <p:spPr>
+          <a:xfrm>
+            <a:off x="269697" y="1128606"/>
+            <a:ext cx="319318" cy="230832"/>
+          </a:xfrm>
+          <a:prstGeom prst="rect">
+            <a:avLst/>
+          </a:prstGeom>
+        </p:spPr>
+        <p:txBody>
+          <a:bodyPr wrap="none">
+            <a:spAutoFit/>
+          </a:bodyPr>
+          <a:lstStyle/>
+          <a:p>
+            <a:r>
+              <a:rPr lang="en-US" sz="900" b="1" dirty="0" smtClean="0">
+                <a:latin typeface="Times New Roman" panose="02020603050405020304" pitchFamily="18" charset="0"/>
+                <a:cs typeface="Times New Roman" panose="02020603050405020304" pitchFamily="18" charset="0"/>
+              </a:rPr>
+              <a:t>(2)</a:t>
+            </a:r>
+            <a:endParaRPr lang="en-US" sz="900" b="1" dirty="0">
+              <a:latin typeface="Times New Roman" panose="02020603050405020304" pitchFamily="18" charset="0"/>
+              <a:cs typeface="Times New Roman" panose="02020603050405020304" pitchFamily="18" charset="0"/>
+            </a:endParaRPr>
           </a:p>
         </p:txBody>
       </p:sp>
       <p:grpSp>
         <p:nvGrpSpPr>
-          <p:cNvPr id="2" name="Group 1"/>
+          <p:cNvPr id="72" name="Group 71"/>
           <p:cNvGrpSpPr/>
           <p:nvPr/>
         </p:nvGrpSpPr>
         <p:grpSpPr>
           <a:xfrm>
-            <a:off x="1551589" y="713187"/>
-            <a:ext cx="1303918" cy="382084"/>
-            <a:chOff x="1476222" y="634483"/>
-            <a:chExt cx="1303918" cy="382084"/>
+            <a:off x="278124" y="1554412"/>
+            <a:ext cx="1523503" cy="1036388"/>
+            <a:chOff x="265095" y="1675013"/>
+            <a:chExt cx="1523503" cy="1036388"/>
           </a:xfrm>
         </p:grpSpPr>
         <p:sp>
           <p:nvSpPr>
-            <p:cNvPr id="17" name="Rounded Rectangle 16"/>
+            <p:cNvPr id="29" name="Rounded Rectangle 28"/>
             <p:cNvSpPr/>
             <p:nvPr/>
           </p:nvSpPr>
           <p:spPr>
             <a:xfrm>
-              <a:off x="1476222" y="647702"/>
-              <a:ext cx="1288364" cy="361114"/>
+              <a:off x="291924" y="1692064"/>
+              <a:ext cx="1446457" cy="1019337"/>
             </a:xfrm>
             <a:prstGeom prst="roundRect">
-              <a:avLst/>
+              <a:avLst>
+                <a:gd name="adj" fmla="val 11252"/>
+              </a:avLst>
             </a:prstGeom>
             <a:solidFill>
               <a:schemeClr val="bg1">
                 <a:lumMod val="95000"/>
               </a:schemeClr>
             </a:solidFill>
-            <a:ln w="12700">
+            <a:ln w="6350">
               <a:solidFill>
                 <a:schemeClr val="tx1"/>
               </a:solidFill>
@@ -3365,796 +4020,7 @@
             <a:lstStyle/>
             <a:p>
               <a:pPr algn="ctr"/>
-              <a:endParaRPr lang="en-US" sz="1350">
-                <a:latin typeface="Times New Roman" panose="02020603050405020304" pitchFamily="18" charset="0"/>
-                <a:cs typeface="Times New Roman" panose="02020603050405020304" pitchFamily="18" charset="0"/>
-              </a:endParaRPr>
-            </a:p>
-          </p:txBody>
-        </p:sp>
-        <p:sp>
-          <p:nvSpPr>
-            <p:cNvPr id="15" name="Rectangle 14"/>
-            <p:cNvSpPr/>
-            <p:nvPr/>
-          </p:nvSpPr>
-          <p:spPr>
-            <a:xfrm>
-              <a:off x="1682554" y="634483"/>
-              <a:ext cx="806631" cy="230832"/>
-            </a:xfrm>
-            <a:prstGeom prst="rect">
-              <a:avLst/>
-            </a:prstGeom>
-          </p:spPr>
-          <p:txBody>
-            <a:bodyPr wrap="none">
-              <a:spAutoFit/>
-            </a:bodyPr>
-            <a:lstStyle/>
-            <a:p>
-              <a:r>
-                <a:rPr lang="en-US" sz="900" dirty="0" err="1">
-                  <a:latin typeface="Times New Roman" panose="02020603050405020304" pitchFamily="18" charset="0"/>
-                  <a:cs typeface="Times New Roman" panose="02020603050405020304" pitchFamily="18" charset="0"/>
-                </a:rPr>
-                <a:t>Tubocurarine</a:t>
-              </a:r>
-              <a:endParaRPr lang="en-US" sz="900" dirty="0">
-                <a:latin typeface="Times New Roman" panose="02020603050405020304" pitchFamily="18" charset="0"/>
-                <a:cs typeface="Times New Roman" panose="02020603050405020304" pitchFamily="18" charset="0"/>
-              </a:endParaRPr>
-            </a:p>
-          </p:txBody>
-        </p:sp>
-        <p:sp>
-          <p:nvSpPr>
-            <p:cNvPr id="16" name="Rectangle 15"/>
-            <p:cNvSpPr/>
-            <p:nvPr/>
-          </p:nvSpPr>
-          <p:spPr>
-            <a:xfrm>
-              <a:off x="1515050" y="785735"/>
-              <a:ext cx="1265090" cy="230832"/>
-            </a:xfrm>
-            <a:prstGeom prst="rect">
-              <a:avLst/>
-            </a:prstGeom>
-          </p:spPr>
-          <p:txBody>
-            <a:bodyPr wrap="none">
-              <a:spAutoFit/>
-            </a:bodyPr>
-            <a:lstStyle/>
-            <a:p>
-              <a:r>
-                <a:rPr lang="en-US" sz="900" dirty="0" err="1">
-                  <a:latin typeface="Times New Roman" panose="02020603050405020304" pitchFamily="18" charset="0"/>
-                  <a:cs typeface="Times New Roman" panose="02020603050405020304" pitchFamily="18" charset="0"/>
-                </a:rPr>
-                <a:t>Gallamine</a:t>
-              </a:r>
-              <a:r>
-                <a:rPr lang="en-US" sz="900" dirty="0">
-                  <a:latin typeface="Times New Roman" panose="02020603050405020304" pitchFamily="18" charset="0"/>
-                  <a:cs typeface="Times New Roman" panose="02020603050405020304" pitchFamily="18" charset="0"/>
-                </a:rPr>
-                <a:t> </a:t>
-              </a:r>
-              <a:r>
-                <a:rPr lang="en-US" sz="900" dirty="0" err="1">
-                  <a:latin typeface="Times New Roman" panose="02020603050405020304" pitchFamily="18" charset="0"/>
-                  <a:cs typeface="Times New Roman" panose="02020603050405020304" pitchFamily="18" charset="0"/>
-                </a:rPr>
-                <a:t>Triethiodide</a:t>
-              </a:r>
-              <a:endParaRPr lang="en-US" sz="900" dirty="0">
-                <a:latin typeface="Times New Roman" panose="02020603050405020304" pitchFamily="18" charset="0"/>
-                <a:cs typeface="Times New Roman" panose="02020603050405020304" pitchFamily="18" charset="0"/>
-              </a:endParaRPr>
-            </a:p>
-          </p:txBody>
-        </p:sp>
-      </p:grpSp>
-      <p:sp>
-        <p:nvSpPr>
-          <p:cNvPr id="46" name="Rounded Rectangle 45"/>
-          <p:cNvSpPr/>
-          <p:nvPr/>
-        </p:nvSpPr>
-        <p:spPr>
-          <a:xfrm>
-            <a:off x="3041160" y="2758781"/>
-            <a:ext cx="1892174" cy="600049"/>
-          </a:xfrm>
-          <a:prstGeom prst="roundRect">
-            <a:avLst>
-              <a:gd name="adj" fmla="val 8538"/>
-            </a:avLst>
-          </a:prstGeom>
-          <a:solidFill>
-            <a:schemeClr val="bg1">
-              <a:lumMod val="85000"/>
-            </a:schemeClr>
-          </a:solidFill>
-          <a:ln w="12700">
-            <a:solidFill>
-              <a:schemeClr val="tx1"/>
-            </a:solidFill>
-          </a:ln>
-        </p:spPr>
-        <p:style>
-          <a:lnRef idx="2">
-            <a:schemeClr val="accent1">
-              <a:shade val="50000"/>
-            </a:schemeClr>
-          </a:lnRef>
-          <a:fillRef idx="1">
-            <a:schemeClr val="accent1"/>
-          </a:fillRef>
-          <a:effectRef idx="0">
-            <a:schemeClr val="accent1"/>
-          </a:effectRef>
-          <a:fontRef idx="minor">
-            <a:schemeClr val="lt1"/>
-          </a:fontRef>
-        </p:style>
-        <p:txBody>
-          <a:bodyPr rtlCol="0" anchor="ctr"/>
-          <a:lstStyle/>
-          <a:p>
-            <a:pPr algn="ctr"/>
-            <a:endParaRPr lang="en-US" sz="1350">
-              <a:latin typeface="Times New Roman" panose="02020603050405020304" pitchFamily="18" charset="0"/>
-              <a:cs typeface="Times New Roman" panose="02020603050405020304" pitchFamily="18" charset="0"/>
-            </a:endParaRPr>
-          </a:p>
-        </p:txBody>
-      </p:sp>
-      <p:sp>
-        <p:nvSpPr>
-          <p:cNvPr id="47" name="Rectangle 46"/>
-          <p:cNvSpPr/>
-          <p:nvPr/>
-        </p:nvSpPr>
-        <p:spPr>
-          <a:xfrm>
-            <a:off x="3170976" y="2746042"/>
-            <a:ext cx="1789318" cy="369332"/>
-          </a:xfrm>
-          <a:prstGeom prst="rect">
-            <a:avLst/>
-          </a:prstGeom>
-        </p:spPr>
-        <p:txBody>
-          <a:bodyPr wrap="square">
-            <a:spAutoFit/>
-          </a:bodyPr>
-          <a:lstStyle/>
-          <a:p>
-            <a:pPr algn="ctr"/>
-            <a:r>
-              <a:rPr lang="en-US" sz="900" b="1" dirty="0">
-                <a:latin typeface="Times New Roman" panose="02020603050405020304" pitchFamily="18" charset="0"/>
-                <a:cs typeface="Times New Roman" panose="02020603050405020304" pitchFamily="18" charset="0"/>
-              </a:rPr>
-              <a:t>Anti-amyloid precursor protein biosynthetic process agent</a:t>
-            </a:r>
-          </a:p>
-        </p:txBody>
-      </p:sp>
-      <p:sp>
-        <p:nvSpPr>
-          <p:cNvPr id="3" name="Rectangle 2"/>
-          <p:cNvSpPr/>
-          <p:nvPr/>
-        </p:nvSpPr>
-        <p:spPr>
-          <a:xfrm>
-            <a:off x="3292963" y="3118497"/>
-            <a:ext cx="652743" cy="230832"/>
-          </a:xfrm>
-          <a:prstGeom prst="rect">
-            <a:avLst/>
-          </a:prstGeom>
-        </p:spPr>
-        <p:txBody>
-          <a:bodyPr wrap="none">
-            <a:spAutoFit/>
-          </a:bodyPr>
-          <a:lstStyle/>
-          <a:p>
-            <a:r>
-              <a:rPr lang="en-US" sz="900" dirty="0" err="1">
-                <a:latin typeface="Times New Roman" panose="02020603050405020304" pitchFamily="18" charset="0"/>
-                <a:cs typeface="Times New Roman" panose="02020603050405020304" pitchFamily="18" charset="0"/>
-              </a:rPr>
-              <a:t>Ezetimibe</a:t>
-            </a:r>
-            <a:endParaRPr lang="en-US" sz="900" dirty="0">
-              <a:latin typeface="Times New Roman" panose="02020603050405020304" pitchFamily="18" charset="0"/>
-              <a:cs typeface="Times New Roman" panose="02020603050405020304" pitchFamily="18" charset="0"/>
-            </a:endParaRPr>
-          </a:p>
-        </p:txBody>
-      </p:sp>
-      <p:sp>
-        <p:nvSpPr>
-          <p:cNvPr id="9" name="Rectangle 8"/>
-          <p:cNvSpPr/>
-          <p:nvPr/>
-        </p:nvSpPr>
-        <p:spPr>
-          <a:xfrm>
-            <a:off x="4012362" y="3111488"/>
-            <a:ext cx="684803" cy="230832"/>
-          </a:xfrm>
-          <a:prstGeom prst="rect">
-            <a:avLst/>
-          </a:prstGeom>
-        </p:spPr>
-        <p:txBody>
-          <a:bodyPr wrap="none">
-            <a:spAutoFit/>
-          </a:bodyPr>
-          <a:lstStyle/>
-          <a:p>
-            <a:r>
-              <a:rPr lang="en-US" sz="900" dirty="0" err="1">
-                <a:latin typeface="Times New Roman" panose="02020603050405020304" pitchFamily="18" charset="0"/>
-                <a:cs typeface="Times New Roman" panose="02020603050405020304" pitchFamily="18" charset="0"/>
-              </a:rPr>
-              <a:t>Hesperetin</a:t>
-            </a:r>
-            <a:endParaRPr lang="en-US" sz="900" dirty="0">
-              <a:latin typeface="Times New Roman" panose="02020603050405020304" pitchFamily="18" charset="0"/>
-              <a:cs typeface="Times New Roman" panose="02020603050405020304" pitchFamily="18" charset="0"/>
-            </a:endParaRPr>
-          </a:p>
-        </p:txBody>
-      </p:sp>
-      <p:sp>
-        <p:nvSpPr>
-          <p:cNvPr id="49" name="Rectangle 48"/>
-          <p:cNvSpPr/>
-          <p:nvPr/>
-        </p:nvSpPr>
-        <p:spPr>
-          <a:xfrm>
-            <a:off x="3189467" y="304670"/>
-            <a:ext cx="1789694" cy="230832"/>
-          </a:xfrm>
-          <a:prstGeom prst="rect">
-            <a:avLst/>
-          </a:prstGeom>
-        </p:spPr>
-        <p:txBody>
-          <a:bodyPr wrap="square">
-            <a:spAutoFit/>
-          </a:bodyPr>
-          <a:lstStyle/>
-          <a:p>
-            <a:pPr algn="ctr"/>
-            <a:r>
-              <a:rPr lang="en-US" sz="900" b="1" dirty="0">
-                <a:latin typeface="Times New Roman" panose="02020603050405020304" pitchFamily="18" charset="0"/>
-                <a:cs typeface="Times New Roman" panose="02020603050405020304" pitchFamily="18" charset="0"/>
-              </a:rPr>
-              <a:t>Pro-beta-amyloid binding agent</a:t>
-            </a:r>
-          </a:p>
-        </p:txBody>
-      </p:sp>
-      <p:sp>
-        <p:nvSpPr>
-          <p:cNvPr id="10" name="Rectangle 9"/>
-          <p:cNvSpPr/>
-          <p:nvPr/>
-        </p:nvSpPr>
-        <p:spPr>
-          <a:xfrm>
-            <a:off x="4184915" y="681358"/>
-            <a:ext cx="601447" cy="230832"/>
-          </a:xfrm>
-          <a:prstGeom prst="rect">
-            <a:avLst/>
-          </a:prstGeom>
-        </p:spPr>
-        <p:txBody>
-          <a:bodyPr wrap="none">
-            <a:spAutoFit/>
-          </a:bodyPr>
-          <a:lstStyle/>
-          <a:p>
-            <a:r>
-              <a:rPr lang="en-US" sz="900" dirty="0">
-                <a:latin typeface="Times New Roman" panose="02020603050405020304" pitchFamily="18" charset="0"/>
-                <a:cs typeface="Times New Roman" panose="02020603050405020304" pitchFamily="18" charset="0"/>
-              </a:rPr>
-              <a:t>Nicotine</a:t>
-            </a:r>
-          </a:p>
-        </p:txBody>
-      </p:sp>
-      <p:sp>
-        <p:nvSpPr>
-          <p:cNvPr id="11" name="Rectangle 10"/>
-          <p:cNvSpPr/>
-          <p:nvPr/>
-        </p:nvSpPr>
-        <p:spPr>
-          <a:xfrm>
-            <a:off x="3181124" y="703936"/>
-            <a:ext cx="665567" cy="230832"/>
-          </a:xfrm>
-          <a:prstGeom prst="rect">
-            <a:avLst/>
-          </a:prstGeom>
-        </p:spPr>
-        <p:txBody>
-          <a:bodyPr wrap="none">
-            <a:spAutoFit/>
-          </a:bodyPr>
-          <a:lstStyle/>
-          <a:p>
-            <a:r>
-              <a:rPr lang="en-US" sz="900" dirty="0" err="1">
-                <a:latin typeface="Times New Roman" panose="02020603050405020304" pitchFamily="18" charset="0"/>
-                <a:cs typeface="Times New Roman" panose="02020603050405020304" pitchFamily="18" charset="0"/>
-              </a:rPr>
-              <a:t>Dipivefrin</a:t>
-            </a:r>
-            <a:endParaRPr lang="en-US" sz="900" dirty="0">
-              <a:latin typeface="Times New Roman" panose="02020603050405020304" pitchFamily="18" charset="0"/>
-              <a:cs typeface="Times New Roman" panose="02020603050405020304" pitchFamily="18" charset="0"/>
-            </a:endParaRPr>
-          </a:p>
-        </p:txBody>
-      </p:sp>
-      <p:sp>
-        <p:nvSpPr>
-          <p:cNvPr id="13" name="Rectangle 12"/>
-          <p:cNvSpPr/>
-          <p:nvPr/>
-        </p:nvSpPr>
-        <p:spPr>
-          <a:xfrm>
-            <a:off x="3145810" y="515840"/>
-            <a:ext cx="748923" cy="230832"/>
-          </a:xfrm>
-          <a:prstGeom prst="rect">
-            <a:avLst/>
-          </a:prstGeom>
-        </p:spPr>
-        <p:txBody>
-          <a:bodyPr wrap="none">
-            <a:spAutoFit/>
-          </a:bodyPr>
-          <a:lstStyle/>
-          <a:p>
-            <a:r>
-              <a:rPr lang="en-US" sz="900" dirty="0" err="1">
-                <a:latin typeface="Times New Roman" panose="02020603050405020304" pitchFamily="18" charset="0"/>
-                <a:cs typeface="Times New Roman" panose="02020603050405020304" pitchFamily="18" charset="0"/>
-              </a:rPr>
-              <a:t>Pralidoxime</a:t>
-            </a:r>
-            <a:endParaRPr lang="en-US" sz="900" dirty="0">
-              <a:latin typeface="Times New Roman" panose="02020603050405020304" pitchFamily="18" charset="0"/>
-              <a:cs typeface="Times New Roman" panose="02020603050405020304" pitchFamily="18" charset="0"/>
-            </a:endParaRPr>
-          </a:p>
-        </p:txBody>
-      </p:sp>
-      <p:sp>
-        <p:nvSpPr>
-          <p:cNvPr id="52" name="Rectangle 51"/>
-          <p:cNvSpPr/>
-          <p:nvPr/>
-        </p:nvSpPr>
-        <p:spPr>
-          <a:xfrm>
-            <a:off x="4115757" y="550824"/>
-            <a:ext cx="723275" cy="230832"/>
-          </a:xfrm>
-          <a:prstGeom prst="rect">
-            <a:avLst/>
-          </a:prstGeom>
-        </p:spPr>
-        <p:txBody>
-          <a:bodyPr wrap="none">
-            <a:spAutoFit/>
-          </a:bodyPr>
-          <a:lstStyle/>
-          <a:p>
-            <a:r>
-              <a:rPr lang="en-US" sz="900" dirty="0" err="1">
-                <a:latin typeface="Times New Roman" panose="02020603050405020304" pitchFamily="18" charset="0"/>
-                <a:cs typeface="Times New Roman" panose="02020603050405020304" pitchFamily="18" charset="0"/>
-              </a:rPr>
-              <a:t>Varenicline</a:t>
-            </a:r>
-            <a:endParaRPr lang="en-US" sz="900" dirty="0">
-              <a:latin typeface="Times New Roman" panose="02020603050405020304" pitchFamily="18" charset="0"/>
-              <a:cs typeface="Times New Roman" panose="02020603050405020304" pitchFamily="18" charset="0"/>
-            </a:endParaRPr>
-          </a:p>
-        </p:txBody>
-      </p:sp>
-      <p:sp>
-        <p:nvSpPr>
-          <p:cNvPr id="54" name="Rounded Rectangle 53"/>
-          <p:cNvSpPr/>
-          <p:nvPr/>
-        </p:nvSpPr>
-        <p:spPr>
-          <a:xfrm>
-            <a:off x="3054346" y="1243202"/>
-            <a:ext cx="1892174" cy="404631"/>
-          </a:xfrm>
-          <a:prstGeom prst="roundRect">
-            <a:avLst>
-              <a:gd name="adj" fmla="val 8538"/>
-            </a:avLst>
-          </a:prstGeom>
-          <a:solidFill>
-            <a:schemeClr val="bg1">
-              <a:lumMod val="85000"/>
-            </a:schemeClr>
-          </a:solidFill>
-          <a:ln w="12700">
-            <a:solidFill>
-              <a:schemeClr val="tx1"/>
-            </a:solidFill>
-          </a:ln>
-        </p:spPr>
-        <p:style>
-          <a:lnRef idx="2">
-            <a:schemeClr val="accent1">
-              <a:shade val="50000"/>
-            </a:schemeClr>
-          </a:lnRef>
-          <a:fillRef idx="1">
-            <a:schemeClr val="accent1"/>
-          </a:fillRef>
-          <a:effectRef idx="0">
-            <a:schemeClr val="accent1"/>
-          </a:effectRef>
-          <a:fontRef idx="minor">
-            <a:schemeClr val="lt1"/>
-          </a:fontRef>
-        </p:style>
-        <p:txBody>
-          <a:bodyPr rtlCol="0" anchor="ctr"/>
-          <a:lstStyle/>
-          <a:p>
-            <a:pPr algn="ctr"/>
-            <a:endParaRPr lang="en-US" sz="1350">
-              <a:latin typeface="Times New Roman" panose="02020603050405020304" pitchFamily="18" charset="0"/>
-              <a:cs typeface="Times New Roman" panose="02020603050405020304" pitchFamily="18" charset="0"/>
-            </a:endParaRPr>
-          </a:p>
-        </p:txBody>
-      </p:sp>
-      <p:sp>
-        <p:nvSpPr>
-          <p:cNvPr id="55" name="Rectangle 54"/>
-          <p:cNvSpPr/>
-          <p:nvPr/>
-        </p:nvSpPr>
-        <p:spPr>
-          <a:xfrm>
-            <a:off x="3156016" y="1246741"/>
-            <a:ext cx="1828800" cy="230832"/>
-          </a:xfrm>
-          <a:prstGeom prst="rect">
-            <a:avLst/>
-          </a:prstGeom>
-        </p:spPr>
-        <p:txBody>
-          <a:bodyPr wrap="square">
-            <a:spAutoFit/>
-          </a:bodyPr>
-          <a:lstStyle/>
-          <a:p>
-            <a:pPr algn="ctr"/>
-            <a:r>
-              <a:rPr lang="en-US" sz="900" b="1" dirty="0">
-                <a:latin typeface="Times New Roman" panose="02020603050405020304" pitchFamily="18" charset="0"/>
-                <a:cs typeface="Times New Roman" panose="02020603050405020304" pitchFamily="18" charset="0"/>
-              </a:rPr>
-              <a:t>Anti-tau protein binding agent</a:t>
-            </a:r>
-          </a:p>
-        </p:txBody>
-      </p:sp>
-      <p:sp>
-        <p:nvSpPr>
-          <p:cNvPr id="56" name="Rectangle 55"/>
-          <p:cNvSpPr/>
-          <p:nvPr/>
-        </p:nvSpPr>
-        <p:spPr>
-          <a:xfrm>
-            <a:off x="3669876" y="1411063"/>
-            <a:ext cx="671979" cy="230832"/>
-          </a:xfrm>
-          <a:prstGeom prst="rect">
-            <a:avLst/>
-          </a:prstGeom>
-        </p:spPr>
-        <p:txBody>
-          <a:bodyPr wrap="none">
-            <a:spAutoFit/>
-          </a:bodyPr>
-          <a:lstStyle/>
-          <a:p>
-            <a:r>
-              <a:rPr lang="en-US" sz="900" dirty="0" err="1">
-                <a:latin typeface="Times New Roman" panose="02020603050405020304" pitchFamily="18" charset="0"/>
-                <a:cs typeface="Times New Roman" panose="02020603050405020304" pitchFamily="18" charset="0"/>
-              </a:rPr>
-              <a:t>Vorinostat</a:t>
-            </a:r>
-            <a:endParaRPr lang="en-US" sz="900" dirty="0">
-              <a:latin typeface="Times New Roman" panose="02020603050405020304" pitchFamily="18" charset="0"/>
-              <a:cs typeface="Times New Roman" panose="02020603050405020304" pitchFamily="18" charset="0"/>
-            </a:endParaRPr>
-          </a:p>
-        </p:txBody>
-      </p:sp>
-      <p:sp>
-        <p:nvSpPr>
-          <p:cNvPr id="58" name="Rounded Rectangle 57"/>
-          <p:cNvSpPr/>
-          <p:nvPr/>
-        </p:nvSpPr>
-        <p:spPr>
-          <a:xfrm>
-            <a:off x="3049715" y="1924509"/>
-            <a:ext cx="1892174" cy="533309"/>
-          </a:xfrm>
-          <a:prstGeom prst="roundRect">
-            <a:avLst>
-              <a:gd name="adj" fmla="val 8538"/>
-            </a:avLst>
-          </a:prstGeom>
-          <a:solidFill>
-            <a:schemeClr val="bg1">
-              <a:lumMod val="85000"/>
-            </a:schemeClr>
-          </a:solidFill>
-          <a:ln w="12700">
-            <a:solidFill>
-              <a:schemeClr val="tx1"/>
-            </a:solidFill>
-          </a:ln>
-        </p:spPr>
-        <p:style>
-          <a:lnRef idx="2">
-            <a:schemeClr val="accent1">
-              <a:shade val="50000"/>
-            </a:schemeClr>
-          </a:lnRef>
-          <a:fillRef idx="1">
-            <a:schemeClr val="accent1"/>
-          </a:fillRef>
-          <a:effectRef idx="0">
-            <a:schemeClr val="accent1"/>
-          </a:effectRef>
-          <a:fontRef idx="minor">
-            <a:schemeClr val="lt1"/>
-          </a:fontRef>
-        </p:style>
-        <p:txBody>
-          <a:bodyPr rtlCol="0" anchor="ctr"/>
-          <a:lstStyle/>
-          <a:p>
-            <a:pPr algn="ctr"/>
-            <a:endParaRPr lang="en-US" sz="1350">
-              <a:latin typeface="Times New Roman" panose="02020603050405020304" pitchFamily="18" charset="0"/>
-              <a:cs typeface="Times New Roman" panose="02020603050405020304" pitchFamily="18" charset="0"/>
-            </a:endParaRPr>
-          </a:p>
-        </p:txBody>
-      </p:sp>
-      <p:sp>
-        <p:nvSpPr>
-          <p:cNvPr id="59" name="Rectangle 58"/>
-          <p:cNvSpPr/>
-          <p:nvPr/>
-        </p:nvSpPr>
-        <p:spPr>
-          <a:xfrm>
-            <a:off x="3255437" y="1908697"/>
-            <a:ext cx="1443576" cy="369332"/>
-          </a:xfrm>
-          <a:prstGeom prst="rect">
-            <a:avLst/>
-          </a:prstGeom>
-        </p:spPr>
-        <p:txBody>
-          <a:bodyPr wrap="square">
-            <a:spAutoFit/>
-          </a:bodyPr>
-          <a:lstStyle/>
-          <a:p>
-            <a:pPr algn="ctr"/>
-            <a:r>
-              <a:rPr lang="en-US" sz="900" b="1" dirty="0">
-                <a:latin typeface="Times New Roman" panose="02020603050405020304" pitchFamily="18" charset="0"/>
-                <a:cs typeface="Times New Roman" panose="02020603050405020304" pitchFamily="18" charset="0"/>
-              </a:rPr>
-              <a:t>Anti-tau-protein kinase activity agent</a:t>
-            </a:r>
-          </a:p>
-        </p:txBody>
-      </p:sp>
-      <p:sp>
-        <p:nvSpPr>
-          <p:cNvPr id="62" name="Rectangle 61"/>
-          <p:cNvSpPr/>
-          <p:nvPr/>
-        </p:nvSpPr>
-        <p:spPr>
-          <a:xfrm>
-            <a:off x="3698944" y="2254244"/>
-            <a:ext cx="556563" cy="230832"/>
-          </a:xfrm>
-          <a:prstGeom prst="rect">
-            <a:avLst/>
-          </a:prstGeom>
-        </p:spPr>
-        <p:txBody>
-          <a:bodyPr wrap="none">
-            <a:spAutoFit/>
-          </a:bodyPr>
-          <a:lstStyle/>
-          <a:p>
-            <a:r>
-              <a:rPr lang="en-US" sz="900" dirty="0">
-                <a:latin typeface="Times New Roman" panose="02020603050405020304" pitchFamily="18" charset="0"/>
-                <a:cs typeface="Times New Roman" panose="02020603050405020304" pitchFamily="18" charset="0"/>
-              </a:rPr>
-              <a:t>Lithium</a:t>
-            </a:r>
-          </a:p>
-        </p:txBody>
-      </p:sp>
-      <p:sp>
-        <p:nvSpPr>
-          <p:cNvPr id="57" name="Rectangle 56"/>
-          <p:cNvSpPr/>
-          <p:nvPr/>
-        </p:nvSpPr>
-        <p:spPr>
-          <a:xfrm>
-            <a:off x="221800" y="288794"/>
-            <a:ext cx="344966" cy="230832"/>
-          </a:xfrm>
-          <a:prstGeom prst="rect">
-            <a:avLst/>
-          </a:prstGeom>
-        </p:spPr>
-        <p:txBody>
-          <a:bodyPr wrap="none">
-            <a:spAutoFit/>
-          </a:bodyPr>
-          <a:lstStyle/>
-          <a:p>
-            <a:r>
-              <a:rPr lang="en-US" sz="900" b="1" dirty="0" smtClean="0">
-                <a:latin typeface="Times New Roman" panose="02020603050405020304" pitchFamily="18" charset="0"/>
-                <a:cs typeface="Times New Roman" panose="02020603050405020304" pitchFamily="18" charset="0"/>
-              </a:rPr>
-              <a:t>(A)</a:t>
-            </a:r>
-            <a:endParaRPr lang="en-US" sz="900" b="1" dirty="0">
-              <a:latin typeface="Times New Roman" panose="02020603050405020304" pitchFamily="18" charset="0"/>
-              <a:cs typeface="Times New Roman" panose="02020603050405020304" pitchFamily="18" charset="0"/>
-            </a:endParaRPr>
-          </a:p>
-        </p:txBody>
-      </p:sp>
-      <p:sp>
-        <p:nvSpPr>
-          <p:cNvPr id="60" name="Rectangle 59"/>
-          <p:cNvSpPr/>
-          <p:nvPr/>
-        </p:nvSpPr>
-        <p:spPr>
-          <a:xfrm>
-            <a:off x="1537922" y="696774"/>
-            <a:ext cx="319318" cy="230832"/>
-          </a:xfrm>
-          <a:prstGeom prst="rect">
-            <a:avLst/>
-          </a:prstGeom>
-        </p:spPr>
-        <p:txBody>
-          <a:bodyPr wrap="none">
-            <a:spAutoFit/>
-          </a:bodyPr>
-          <a:lstStyle/>
-          <a:p>
-            <a:r>
-              <a:rPr lang="en-US" sz="900" b="1" dirty="0" smtClean="0">
-                <a:latin typeface="Times New Roman" panose="02020603050405020304" pitchFamily="18" charset="0"/>
-                <a:cs typeface="Times New Roman" panose="02020603050405020304" pitchFamily="18" charset="0"/>
-              </a:rPr>
-              <a:t>(1)</a:t>
-            </a:r>
-            <a:endParaRPr lang="en-US" sz="900" b="1" dirty="0">
-              <a:latin typeface="Times New Roman" panose="02020603050405020304" pitchFamily="18" charset="0"/>
-              <a:cs typeface="Times New Roman" panose="02020603050405020304" pitchFamily="18" charset="0"/>
-            </a:endParaRPr>
-          </a:p>
-        </p:txBody>
-      </p:sp>
-      <p:grpSp>
-        <p:nvGrpSpPr>
-          <p:cNvPr id="50" name="Group 49"/>
-          <p:cNvGrpSpPr/>
-          <p:nvPr/>
-        </p:nvGrpSpPr>
-        <p:grpSpPr>
-          <a:xfrm>
-            <a:off x="257269" y="1260742"/>
-            <a:ext cx="2592473" cy="838659"/>
-            <a:chOff x="357615" y="1375359"/>
-            <a:chExt cx="2592473" cy="838659"/>
-          </a:xfrm>
-        </p:grpSpPr>
-        <p:sp>
-          <p:nvSpPr>
-            <p:cNvPr id="29" name="Rounded Rectangle 28"/>
-            <p:cNvSpPr/>
-            <p:nvPr/>
-          </p:nvSpPr>
-          <p:spPr>
-            <a:xfrm>
-              <a:off x="368896" y="1392410"/>
-              <a:ext cx="2581192" cy="821608"/>
-            </a:xfrm>
-            <a:prstGeom prst="roundRect">
-              <a:avLst>
-                <a:gd name="adj" fmla="val 11252"/>
-              </a:avLst>
-            </a:prstGeom>
-            <a:solidFill>
-              <a:schemeClr val="bg1">
-                <a:lumMod val="95000"/>
-              </a:schemeClr>
-            </a:solidFill>
-            <a:ln w="12700">
-              <a:solidFill>
-                <a:schemeClr val="tx1"/>
-              </a:solidFill>
-            </a:ln>
-          </p:spPr>
-          <p:style>
-            <a:lnRef idx="2">
-              <a:schemeClr val="accent1">
-                <a:shade val="50000"/>
-              </a:schemeClr>
-            </a:lnRef>
-            <a:fillRef idx="1">
-              <a:schemeClr val="accent1"/>
-            </a:fillRef>
-            <a:effectRef idx="0">
-              <a:schemeClr val="accent1"/>
-            </a:effectRef>
-            <a:fontRef idx="minor">
-              <a:schemeClr val="lt1"/>
-            </a:fontRef>
-          </p:style>
-          <p:txBody>
-            <a:bodyPr rtlCol="0" anchor="ctr"/>
-            <a:lstStyle/>
-            <a:p>
-              <a:pPr algn="ctr"/>
-              <a:endParaRPr lang="en-US" sz="1350">
+              <a:endParaRPr lang="en-US" sz="900">
                 <a:latin typeface="Times New Roman" panose="02020603050405020304" pitchFamily="18" charset="0"/>
                 <a:cs typeface="Times New Roman" panose="02020603050405020304" pitchFamily="18" charset="0"/>
               </a:endParaRPr>
@@ -4169,7 +4035,7 @@
           </p:nvSpPr>
           <p:spPr>
             <a:xfrm>
-              <a:off x="1389846" y="1779747"/>
+              <a:off x="982568" y="1992859"/>
               <a:ext cx="537327" cy="230832"/>
             </a:xfrm>
             <a:prstGeom prst="rect">
@@ -4204,7 +4070,7 @@
           </p:nvSpPr>
           <p:spPr>
             <a:xfrm>
-              <a:off x="1658509" y="1973661"/>
+              <a:off x="273868" y="2320963"/>
               <a:ext cx="659155" cy="230832"/>
             </a:xfrm>
             <a:prstGeom prst="rect">
@@ -4235,7 +4101,7 @@
           </p:nvSpPr>
           <p:spPr>
             <a:xfrm>
-              <a:off x="1287062" y="1397966"/>
+              <a:off x="265617" y="2165086"/>
               <a:ext cx="889987" cy="230832"/>
             </a:xfrm>
             <a:prstGeom prst="rect">
@@ -4270,7 +4136,7 @@
           </p:nvSpPr>
           <p:spPr>
             <a:xfrm>
-              <a:off x="593958" y="1389461"/>
+              <a:off x="447675" y="1678181"/>
               <a:ext cx="800219" cy="230832"/>
             </a:xfrm>
             <a:prstGeom prst="rect">
@@ -4305,7 +4171,7 @@
           </p:nvSpPr>
           <p:spPr>
             <a:xfrm>
-              <a:off x="577431" y="1586312"/>
+              <a:off x="287851" y="1844597"/>
               <a:ext cx="819455" cy="230832"/>
             </a:xfrm>
             <a:prstGeom prst="rect">
@@ -4340,7 +4206,7 @@
           </p:nvSpPr>
           <p:spPr>
             <a:xfrm>
-              <a:off x="2113098" y="1600963"/>
+              <a:off x="265095" y="2464599"/>
               <a:ext cx="774571" cy="230832"/>
             </a:xfrm>
             <a:prstGeom prst="rect">
@@ -4371,7 +4237,7 @@
           </p:nvSpPr>
           <p:spPr>
             <a:xfrm>
-              <a:off x="584339" y="1784390"/>
+              <a:off x="269697" y="1991569"/>
               <a:ext cx="819455" cy="230832"/>
             </a:xfrm>
             <a:prstGeom prst="rect">
@@ -4406,7 +4272,7 @@
           </p:nvSpPr>
           <p:spPr>
             <a:xfrm>
-              <a:off x="2095530" y="1784390"/>
+              <a:off x="804377" y="2316550"/>
               <a:ext cx="800219" cy="230832"/>
             </a:xfrm>
             <a:prstGeom prst="rect">
@@ -4441,7 +4307,7 @@
           </p:nvSpPr>
           <p:spPr>
             <a:xfrm>
-              <a:off x="2085749" y="1397176"/>
+              <a:off x="883034" y="2459134"/>
               <a:ext cx="864339" cy="230832"/>
             </a:xfrm>
             <a:prstGeom prst="rect">
@@ -4476,7 +4342,7 @@
           </p:nvSpPr>
           <p:spPr>
             <a:xfrm>
-              <a:off x="1311178" y="1578067"/>
+              <a:off x="974194" y="1847105"/>
               <a:ext cx="774571" cy="230832"/>
             </a:xfrm>
             <a:prstGeom prst="rect">
@@ -4511,7 +4377,7 @@
           </p:nvSpPr>
           <p:spPr>
             <a:xfrm>
-              <a:off x="907231" y="1983185"/>
+              <a:off x="1007615" y="2150218"/>
               <a:ext cx="780983" cy="230832"/>
             </a:xfrm>
             <a:prstGeom prst="rect">
@@ -4546,7 +4412,7 @@
           </p:nvSpPr>
           <p:spPr>
             <a:xfrm>
-              <a:off x="357615" y="1375359"/>
+              <a:off x="280643" y="1675013"/>
               <a:ext cx="319318" cy="230832"/>
             </a:xfrm>
             <a:prstGeom prst="rect">
@@ -4564,14 +4430,7 @@
                   <a:latin typeface="Times New Roman" panose="02020603050405020304" pitchFamily="18" charset="0"/>
                   <a:cs typeface="Times New Roman" panose="02020603050405020304" pitchFamily="18" charset="0"/>
                 </a:rPr>
-                <a:t>(3</a:t>
-              </a:r>
-              <a:r>
-                <a:rPr lang="en-US" sz="900" b="1" dirty="0" smtClean="0">
-                  <a:latin typeface="Times New Roman" panose="02020603050405020304" pitchFamily="18" charset="0"/>
-                  <a:cs typeface="Times New Roman" panose="02020603050405020304" pitchFamily="18" charset="0"/>
-                </a:rPr>
-                <a:t>)</a:t>
+                <a:t>(3)</a:t>
               </a:r>
               <a:endParaRPr lang="en-US" sz="900" b="1" dirty="0">
                 <a:latin typeface="Times New Roman" panose="02020603050405020304" pitchFamily="18" charset="0"/>
@@ -4583,16 +4442,16 @@
       </p:grpSp>
       <p:grpSp>
         <p:nvGrpSpPr>
-          <p:cNvPr id="51" name="Group 50"/>
+          <p:cNvPr id="73" name="Group 72"/>
           <p:cNvGrpSpPr/>
           <p:nvPr/>
         </p:nvGrpSpPr>
         <p:grpSpPr>
           <a:xfrm>
-            <a:off x="268550" y="2176060"/>
-            <a:ext cx="2615654" cy="1089091"/>
-            <a:chOff x="334434" y="2601403"/>
-            <a:chExt cx="2615654" cy="1089091"/>
+            <a:off x="279926" y="2624986"/>
+            <a:ext cx="1626291" cy="1409649"/>
+            <a:chOff x="312580" y="2933751"/>
+            <a:chExt cx="1626291" cy="1409649"/>
           </a:xfrm>
         </p:grpSpPr>
         <p:sp>
@@ -4603,8 +4462,8 @@
           </p:nvSpPr>
           <p:spPr>
             <a:xfrm>
-              <a:off x="334434" y="2601403"/>
-              <a:ext cx="2572671" cy="1079286"/>
+              <a:off x="357304" y="2946167"/>
+              <a:ext cx="1579448" cy="1397233"/>
             </a:xfrm>
             <a:prstGeom prst="roundRect">
               <a:avLst>
@@ -4616,7 +4475,7 @@
                 <a:lumMod val="95000"/>
               </a:schemeClr>
             </a:solidFill>
-            <a:ln w="12700">
+            <a:ln w="6350">
               <a:solidFill>
                 <a:schemeClr val="tx1"/>
               </a:solidFill>
@@ -4643,7 +4502,7 @@
             <a:lstStyle/>
             <a:p>
               <a:pPr algn="ctr"/>
-              <a:endParaRPr lang="en-US" sz="1350">
+              <a:endParaRPr lang="en-US" sz="900">
                 <a:latin typeface="Times New Roman" panose="02020603050405020304" pitchFamily="18" charset="0"/>
                 <a:cs typeface="Times New Roman" panose="02020603050405020304" pitchFamily="18" charset="0"/>
               </a:endParaRPr>
@@ -4658,7 +4517,7 @@
           </p:nvSpPr>
           <p:spPr>
             <a:xfrm>
-              <a:off x="509799" y="2798008"/>
+              <a:off x="354176" y="3112408"/>
               <a:ext cx="825867" cy="230832"/>
             </a:xfrm>
             <a:prstGeom prst="rect">
@@ -4689,7 +4548,7 @@
           </p:nvSpPr>
           <p:spPr>
             <a:xfrm>
-              <a:off x="541393" y="3000525"/>
+              <a:off x="348817" y="3253074"/>
               <a:ext cx="755335" cy="230832"/>
             </a:xfrm>
             <a:prstGeom prst="rect">
@@ -4724,7 +4583,7 @@
           </p:nvSpPr>
           <p:spPr>
             <a:xfrm>
-              <a:off x="1289822" y="2993882"/>
+              <a:off x="995606" y="3257281"/>
               <a:ext cx="569387" cy="230832"/>
             </a:xfrm>
             <a:prstGeom prst="rect">
@@ -4759,8 +4618,8 @@
           </p:nvSpPr>
           <p:spPr>
             <a:xfrm>
-              <a:off x="2038859" y="3449856"/>
-              <a:ext cx="659155" cy="230832"/>
+              <a:off x="352488" y="4046045"/>
+              <a:ext cx="639919" cy="230832"/>
             </a:xfrm>
             <a:prstGeom prst="rect">
               <a:avLst/>
@@ -4794,7 +4653,7 @@
           </p:nvSpPr>
           <p:spPr>
             <a:xfrm>
-              <a:off x="1200844" y="2623260"/>
+              <a:off x="1138652" y="2947943"/>
               <a:ext cx="800219" cy="230832"/>
             </a:xfrm>
             <a:prstGeom prst="rect">
@@ -4825,7 +4684,7 @@
           </p:nvSpPr>
           <p:spPr>
             <a:xfrm>
-              <a:off x="1254519" y="2802421"/>
+              <a:off x="1051503" y="3111488"/>
               <a:ext cx="684803" cy="230832"/>
             </a:xfrm>
             <a:prstGeom prst="rect">
@@ -4856,7 +4715,7 @@
           </p:nvSpPr>
           <p:spPr>
             <a:xfrm>
-              <a:off x="1923966" y="2612330"/>
+              <a:off x="338600" y="3736853"/>
               <a:ext cx="787395" cy="230832"/>
             </a:xfrm>
             <a:prstGeom prst="rect">
@@ -4891,7 +4750,7 @@
           </p:nvSpPr>
           <p:spPr>
             <a:xfrm>
-              <a:off x="509799" y="3238027"/>
+              <a:off x="340669" y="3415685"/>
               <a:ext cx="813043" cy="230832"/>
             </a:xfrm>
             <a:prstGeom prst="rect">
@@ -4926,7 +4785,7 @@
           </p:nvSpPr>
           <p:spPr>
             <a:xfrm>
-              <a:off x="1992774" y="3228595"/>
+              <a:off x="993938" y="3732568"/>
               <a:ext cx="761747" cy="230832"/>
             </a:xfrm>
             <a:prstGeom prst="rect">
@@ -4961,7 +4820,7 @@
           </p:nvSpPr>
           <p:spPr>
             <a:xfrm>
-              <a:off x="2029763" y="2805747"/>
+              <a:off x="348817" y="3896529"/>
               <a:ext cx="575799" cy="230832"/>
             </a:xfrm>
             <a:prstGeom prst="rect">
@@ -4996,7 +4855,7 @@
           </p:nvSpPr>
           <p:spPr>
             <a:xfrm>
-              <a:off x="1797208" y="2999503"/>
+              <a:off x="767109" y="3908354"/>
               <a:ext cx="1152880" cy="230832"/>
             </a:xfrm>
             <a:prstGeom prst="rect">
@@ -5031,7 +4890,7 @@
           </p:nvSpPr>
           <p:spPr>
             <a:xfrm>
-              <a:off x="510974" y="3455771"/>
+              <a:off x="338600" y="3578527"/>
               <a:ext cx="774571" cy="230832"/>
             </a:xfrm>
             <a:prstGeom prst="rect">
@@ -5066,7 +4925,7 @@
           </p:nvSpPr>
           <p:spPr>
             <a:xfrm>
-              <a:off x="1236892" y="3459662"/>
+              <a:off x="982744" y="3574242"/>
               <a:ext cx="665567" cy="230832"/>
             </a:xfrm>
             <a:prstGeom prst="rect">
@@ -5101,7 +4960,7 @@
           </p:nvSpPr>
           <p:spPr>
             <a:xfrm>
-              <a:off x="529563" y="2617639"/>
+              <a:off x="504753" y="2942163"/>
               <a:ext cx="768159" cy="230832"/>
             </a:xfrm>
             <a:prstGeom prst="rect">
@@ -5136,7 +4995,7 @@
           </p:nvSpPr>
           <p:spPr>
             <a:xfrm>
-              <a:off x="1226991" y="3228830"/>
+              <a:off x="1004097" y="3411768"/>
               <a:ext cx="723275" cy="230832"/>
             </a:xfrm>
             <a:prstGeom prst="rect">
@@ -5171,7 +5030,7 @@
           </p:nvSpPr>
           <p:spPr>
             <a:xfrm>
-              <a:off x="337390" y="2609227"/>
+              <a:off x="312580" y="2933751"/>
               <a:ext cx="319318" cy="230832"/>
             </a:xfrm>
             <a:prstGeom prst="rect">
@@ -5207,7 +5066,7 @@
         </p:nvSpPr>
         <p:spPr>
           <a:xfrm>
-            <a:off x="3014200" y="2748342"/>
+            <a:off x="2047369" y="3124200"/>
             <a:ext cx="338554" cy="230832"/>
           </a:xfrm>
           <a:prstGeom prst="rect">
@@ -5225,14 +5084,7 @@
                 <a:latin typeface="Times New Roman" panose="02020603050405020304" pitchFamily="18" charset="0"/>
                 <a:cs typeface="Times New Roman" panose="02020603050405020304" pitchFamily="18" charset="0"/>
               </a:rPr>
-              <a:t>(E</a:t>
-            </a:r>
-            <a:r>
-              <a:rPr lang="en-US" sz="900" b="1" dirty="0" smtClean="0">
-                <a:latin typeface="Times New Roman" panose="02020603050405020304" pitchFamily="18" charset="0"/>
-                <a:cs typeface="Times New Roman" panose="02020603050405020304" pitchFamily="18" charset="0"/>
-              </a:rPr>
-              <a:t>)</a:t>
+              <a:t>(E)</a:t>
             </a:r>
             <a:endParaRPr lang="en-US" sz="900" b="1" dirty="0">
               <a:latin typeface="Times New Roman" panose="02020603050405020304" pitchFamily="18" charset="0"/>
@@ -5249,7 +5101,7 @@
         </p:nvSpPr>
         <p:spPr>
           <a:xfrm>
-            <a:off x="3025654" y="296755"/>
+            <a:off x="2030090" y="279002"/>
             <a:ext cx="338554" cy="230832"/>
           </a:xfrm>
           <a:prstGeom prst="rect">
@@ -5267,14 +5119,7 @@
                 <a:latin typeface="Times New Roman" panose="02020603050405020304" pitchFamily="18" charset="0"/>
                 <a:cs typeface="Times New Roman" panose="02020603050405020304" pitchFamily="18" charset="0"/>
               </a:rPr>
-              <a:t>(B</a:t>
-            </a:r>
-            <a:r>
-              <a:rPr lang="en-US" sz="900" b="1" dirty="0" smtClean="0">
-                <a:latin typeface="Times New Roman" panose="02020603050405020304" pitchFamily="18" charset="0"/>
-                <a:cs typeface="Times New Roman" panose="02020603050405020304" pitchFamily="18" charset="0"/>
-              </a:rPr>
-              <a:t>)</a:t>
+              <a:t>(B)</a:t>
             </a:r>
             <a:endParaRPr lang="en-US" sz="900" b="1" dirty="0">
               <a:latin typeface="Times New Roman" panose="02020603050405020304" pitchFamily="18" charset="0"/>
@@ -5283,149 +5128,30 @@
           </a:p>
         </p:txBody>
       </p:sp>
-      <p:sp>
-        <p:nvSpPr>
-          <p:cNvPr id="66" name="Rectangle 65"/>
-          <p:cNvSpPr/>
-          <p:nvPr/>
-        </p:nvSpPr>
-        <p:spPr>
-          <a:xfrm>
-            <a:off x="3890565" y="541361"/>
-            <a:ext cx="319318" cy="230832"/>
-          </a:xfrm>
-          <a:prstGeom prst="rect">
-            <a:avLst/>
-          </a:prstGeom>
-        </p:spPr>
-        <p:txBody>
-          <a:bodyPr wrap="none">
-            <a:spAutoFit/>
-          </a:bodyPr>
-          <a:lstStyle/>
-          <a:p>
-            <a:r>
-              <a:rPr lang="en-US" sz="900" b="1" dirty="0" smtClean="0">
-                <a:latin typeface="Times New Roman" panose="02020603050405020304" pitchFamily="18" charset="0"/>
-                <a:cs typeface="Times New Roman" panose="02020603050405020304" pitchFamily="18" charset="0"/>
-              </a:rPr>
-              <a:t>(5</a:t>
-            </a:r>
-            <a:r>
-              <a:rPr lang="en-US" sz="900" b="1" dirty="0" smtClean="0">
-                <a:latin typeface="Times New Roman" panose="02020603050405020304" pitchFamily="18" charset="0"/>
-                <a:cs typeface="Times New Roman" panose="02020603050405020304" pitchFamily="18" charset="0"/>
-              </a:rPr>
-              <a:t>)</a:t>
-            </a:r>
-            <a:endParaRPr lang="en-US" sz="900" b="1" dirty="0">
-              <a:latin typeface="Times New Roman" panose="02020603050405020304" pitchFamily="18" charset="0"/>
-              <a:cs typeface="Times New Roman" panose="02020603050405020304" pitchFamily="18" charset="0"/>
-            </a:endParaRPr>
-          </a:p>
-        </p:txBody>
-      </p:sp>
-      <p:sp>
-        <p:nvSpPr>
-          <p:cNvPr id="67" name="Rectangle 66"/>
-          <p:cNvSpPr/>
-          <p:nvPr/>
-        </p:nvSpPr>
-        <p:spPr>
-          <a:xfrm>
-            <a:off x="3039872" y="1244215"/>
-            <a:ext cx="344966" cy="230832"/>
-          </a:xfrm>
-          <a:prstGeom prst="rect">
-            <a:avLst/>
-          </a:prstGeom>
-        </p:spPr>
-        <p:txBody>
-          <a:bodyPr wrap="none">
-            <a:spAutoFit/>
-          </a:bodyPr>
-          <a:lstStyle/>
-          <a:p>
-            <a:r>
-              <a:rPr lang="en-US" sz="900" b="1" dirty="0" smtClean="0">
-                <a:latin typeface="Times New Roman" panose="02020603050405020304" pitchFamily="18" charset="0"/>
-                <a:cs typeface="Times New Roman" panose="02020603050405020304" pitchFamily="18" charset="0"/>
-              </a:rPr>
-              <a:t>(C)</a:t>
-            </a:r>
-            <a:endParaRPr lang="en-US" sz="900" b="1" dirty="0">
-              <a:latin typeface="Times New Roman" panose="02020603050405020304" pitchFamily="18" charset="0"/>
-              <a:cs typeface="Times New Roman" panose="02020603050405020304" pitchFamily="18" charset="0"/>
-            </a:endParaRPr>
-          </a:p>
-        </p:txBody>
-      </p:sp>
-      <p:sp>
-        <p:nvSpPr>
-          <p:cNvPr id="68" name="Rectangle 67"/>
-          <p:cNvSpPr/>
-          <p:nvPr/>
-        </p:nvSpPr>
-        <p:spPr>
-          <a:xfrm>
-            <a:off x="3040677" y="1916310"/>
-            <a:ext cx="344966" cy="230832"/>
-          </a:xfrm>
-          <a:prstGeom prst="rect">
-            <a:avLst/>
-          </a:prstGeom>
-        </p:spPr>
-        <p:txBody>
-          <a:bodyPr wrap="none">
-            <a:spAutoFit/>
-          </a:bodyPr>
-          <a:lstStyle/>
-          <a:p>
-            <a:r>
-              <a:rPr lang="en-US" sz="900" b="1" dirty="0" smtClean="0">
-                <a:latin typeface="Times New Roman" panose="02020603050405020304" pitchFamily="18" charset="0"/>
-                <a:cs typeface="Times New Roman" panose="02020603050405020304" pitchFamily="18" charset="0"/>
-              </a:rPr>
-              <a:t>(D</a:t>
-            </a:r>
-            <a:r>
-              <a:rPr lang="en-US" sz="900" b="1" dirty="0" smtClean="0">
-                <a:latin typeface="Times New Roman" panose="02020603050405020304" pitchFamily="18" charset="0"/>
-                <a:cs typeface="Times New Roman" panose="02020603050405020304" pitchFamily="18" charset="0"/>
-              </a:rPr>
-              <a:t>)</a:t>
-            </a:r>
-            <a:endParaRPr lang="en-US" sz="900" b="1" dirty="0">
-              <a:latin typeface="Times New Roman" panose="02020603050405020304" pitchFamily="18" charset="0"/>
-              <a:cs typeface="Times New Roman" panose="02020603050405020304" pitchFamily="18" charset="0"/>
-            </a:endParaRPr>
-          </a:p>
-        </p:txBody>
-      </p:sp>
       <p:grpSp>
         <p:nvGrpSpPr>
-          <p:cNvPr id="7" name="Group 6"/>
+          <p:cNvPr id="74" name="Group 73"/>
           <p:cNvGrpSpPr/>
           <p:nvPr/>
         </p:nvGrpSpPr>
         <p:grpSpPr>
           <a:xfrm>
-            <a:off x="421503" y="605467"/>
-            <a:ext cx="1076060" cy="574537"/>
-            <a:chOff x="373279" y="542100"/>
-            <a:chExt cx="1076060" cy="574537"/>
+            <a:off x="2119174" y="1153171"/>
+            <a:ext cx="968186" cy="370829"/>
+            <a:chOff x="2895001" y="779818"/>
+            <a:chExt cx="968186" cy="370829"/>
           </a:xfrm>
         </p:grpSpPr>
         <p:sp>
           <p:nvSpPr>
-            <p:cNvPr id="6" name="Rounded Rectangle 5"/>
+            <p:cNvPr id="53" name="Rounded Rectangle 52"/>
             <p:cNvSpPr/>
             <p:nvPr/>
           </p:nvSpPr>
           <p:spPr>
             <a:xfrm>
-              <a:off x="375780" y="553245"/>
-              <a:ext cx="1056568" cy="563392"/>
+              <a:off x="2940352" y="796666"/>
+              <a:ext cx="922835" cy="318252"/>
             </a:xfrm>
             <a:prstGeom prst="roundRect">
               <a:avLst/>
@@ -5435,7 +5161,7 @@
                 <a:lumMod val="95000"/>
               </a:schemeClr>
             </a:solidFill>
-            <a:ln w="12700">
+            <a:ln w="6350">
               <a:solidFill>
                 <a:schemeClr val="tx1"/>
               </a:solidFill>
@@ -5462,7 +5188,7 @@
             <a:lstStyle/>
             <a:p>
               <a:pPr algn="ctr"/>
-              <a:endParaRPr lang="en-US" sz="1350">
+              <a:endParaRPr lang="en-US" sz="900">
                 <a:latin typeface="Times New Roman" panose="02020603050405020304" pitchFamily="18" charset="0"/>
                 <a:cs typeface="Times New Roman" panose="02020603050405020304" pitchFamily="18" charset="0"/>
               </a:endParaRPr>
@@ -5471,14 +5197,45 @@
         </p:sp>
         <p:sp>
           <p:nvSpPr>
-            <p:cNvPr id="8" name="Rectangle 7"/>
+            <p:cNvPr id="10" name="Rectangle 9"/>
             <p:cNvSpPr/>
             <p:nvPr/>
           </p:nvSpPr>
           <p:spPr>
             <a:xfrm>
-              <a:off x="593958" y="708678"/>
-              <a:ext cx="684803" cy="230832"/>
+              <a:off x="3189351" y="919815"/>
+              <a:ext cx="582211" cy="230832"/>
+            </a:xfrm>
+            <a:prstGeom prst="rect">
+              <a:avLst/>
+            </a:prstGeom>
+          </p:spPr>
+          <p:txBody>
+            <a:bodyPr wrap="none">
+              <a:spAutoFit/>
+            </a:bodyPr>
+            <a:lstStyle/>
+            <a:p>
+              <a:r>
+                <a:rPr lang="en-US" sz="900" dirty="0">
+                  <a:latin typeface="Times New Roman" panose="02020603050405020304" pitchFamily="18" charset="0"/>
+                  <a:cs typeface="Times New Roman" panose="02020603050405020304" pitchFamily="18" charset="0"/>
+                </a:rPr>
+                <a:t>Nicotine</a:t>
+              </a:r>
+            </a:p>
+          </p:txBody>
+        </p:sp>
+        <p:sp>
+          <p:nvSpPr>
+            <p:cNvPr id="52" name="Rectangle 51"/>
+            <p:cNvSpPr/>
+            <p:nvPr/>
+          </p:nvSpPr>
+          <p:spPr>
+            <a:xfrm>
+              <a:off x="3120193" y="789281"/>
+              <a:ext cx="723275" cy="230832"/>
             </a:xfrm>
             <a:prstGeom prst="rect">
               <a:avLst/>
@@ -5495,7 +5252,7 @@
                   <a:latin typeface="Times New Roman" panose="02020603050405020304" pitchFamily="18" charset="0"/>
                   <a:cs typeface="Times New Roman" panose="02020603050405020304" pitchFamily="18" charset="0"/>
                 </a:rPr>
-                <a:t>Malathion</a:t>
+                <a:t>Varenicline</a:t>
               </a:r>
               <a:endParaRPr lang="en-US" sz="900" dirty="0">
                 <a:latin typeface="Times New Roman" panose="02020603050405020304" pitchFamily="18" charset="0"/>
@@ -5506,83 +5263,13 @@
         </p:sp>
         <p:sp>
           <p:nvSpPr>
-            <p:cNvPr id="12" name="Rectangle 11"/>
+            <p:cNvPr id="66" name="Rectangle 65"/>
             <p:cNvSpPr/>
             <p:nvPr/>
           </p:nvSpPr>
           <p:spPr>
             <a:xfrm>
-              <a:off x="559352" y="545989"/>
-              <a:ext cx="889987" cy="230832"/>
-            </a:xfrm>
-            <a:prstGeom prst="rect">
-              <a:avLst/>
-            </a:prstGeom>
-          </p:spPr>
-          <p:txBody>
-            <a:bodyPr wrap="none">
-              <a:spAutoFit/>
-            </a:bodyPr>
-            <a:lstStyle/>
-            <a:p>
-              <a:r>
-                <a:rPr lang="en-US" sz="900" dirty="0" err="1">
-                  <a:latin typeface="Times New Roman" panose="02020603050405020304" pitchFamily="18" charset="0"/>
-                  <a:cs typeface="Times New Roman" panose="02020603050405020304" pitchFamily="18" charset="0"/>
-                </a:rPr>
-                <a:t>Hexafluronium</a:t>
-              </a:r>
-              <a:endParaRPr lang="en-US" sz="900" dirty="0">
-                <a:latin typeface="Times New Roman" panose="02020603050405020304" pitchFamily="18" charset="0"/>
-                <a:cs typeface="Times New Roman" panose="02020603050405020304" pitchFamily="18" charset="0"/>
-              </a:endParaRPr>
-            </a:p>
-          </p:txBody>
-        </p:sp>
-        <p:sp>
-          <p:nvSpPr>
-            <p:cNvPr id="14" name="Rectangle 13"/>
-            <p:cNvSpPr/>
-            <p:nvPr/>
-          </p:nvSpPr>
-          <p:spPr>
-            <a:xfrm>
-              <a:off x="509799" y="871622"/>
-              <a:ext cx="851515" cy="230832"/>
-            </a:xfrm>
-            <a:prstGeom prst="rect">
-              <a:avLst/>
-            </a:prstGeom>
-          </p:spPr>
-          <p:txBody>
-            <a:bodyPr wrap="none">
-              <a:spAutoFit/>
-            </a:bodyPr>
-            <a:lstStyle/>
-            <a:p>
-              <a:r>
-                <a:rPr lang="en-US" sz="900" dirty="0" err="1">
-                  <a:latin typeface="Times New Roman" panose="02020603050405020304" pitchFamily="18" charset="0"/>
-                  <a:cs typeface="Times New Roman" panose="02020603050405020304" pitchFamily="18" charset="0"/>
-                </a:rPr>
-                <a:t>Echothiophate</a:t>
-              </a:r>
-              <a:endParaRPr lang="en-US" sz="900" dirty="0">
-                <a:latin typeface="Times New Roman" panose="02020603050405020304" pitchFamily="18" charset="0"/>
-                <a:cs typeface="Times New Roman" panose="02020603050405020304" pitchFamily="18" charset="0"/>
-              </a:endParaRPr>
-            </a:p>
-          </p:txBody>
-        </p:sp>
-        <p:sp>
-          <p:nvSpPr>
-            <p:cNvPr id="69" name="Rectangle 68"/>
-            <p:cNvSpPr/>
-            <p:nvPr/>
-          </p:nvSpPr>
-          <p:spPr>
-            <a:xfrm>
-              <a:off x="373279" y="542100"/>
+              <a:off x="2895001" y="779818"/>
               <a:ext cx="319318" cy="230832"/>
             </a:xfrm>
             <a:prstGeom prst="rect">
@@ -5600,7 +5287,7 @@
                   <a:latin typeface="Times New Roman" panose="02020603050405020304" pitchFamily="18" charset="0"/>
                   <a:cs typeface="Times New Roman" panose="02020603050405020304" pitchFamily="18" charset="0"/>
                 </a:rPr>
-                <a:t>(2)</a:t>
+                <a:t>(5)</a:t>
               </a:r>
               <a:endParaRPr lang="en-US" sz="900" b="1" dirty="0">
                 <a:latin typeface="Times New Roman" panose="02020603050405020304" pitchFamily="18" charset="0"/>
@@ -5610,6 +5297,311 @@
           </p:txBody>
         </p:sp>
       </p:grpSp>
+      <p:sp>
+        <p:nvSpPr>
+          <p:cNvPr id="67" name="Rectangle 66"/>
+          <p:cNvSpPr/>
+          <p:nvPr/>
+        </p:nvSpPr>
+        <p:spPr>
+          <a:xfrm>
+            <a:off x="2044163" y="1608493"/>
+            <a:ext cx="344966" cy="230832"/>
+          </a:xfrm>
+          <a:prstGeom prst="rect">
+            <a:avLst/>
+          </a:prstGeom>
+        </p:spPr>
+        <p:txBody>
+          <a:bodyPr wrap="none">
+            <a:spAutoFit/>
+          </a:bodyPr>
+          <a:lstStyle/>
+          <a:p>
+            <a:r>
+              <a:rPr lang="en-US" sz="900" b="1" dirty="0" smtClean="0">
+                <a:latin typeface="Times New Roman" panose="02020603050405020304" pitchFamily="18" charset="0"/>
+                <a:cs typeface="Times New Roman" panose="02020603050405020304" pitchFamily="18" charset="0"/>
+              </a:rPr>
+              <a:t>(C)</a:t>
+            </a:r>
+            <a:endParaRPr lang="en-US" sz="900" b="1" dirty="0">
+              <a:latin typeface="Times New Roman" panose="02020603050405020304" pitchFamily="18" charset="0"/>
+              <a:cs typeface="Times New Roman" panose="02020603050405020304" pitchFamily="18" charset="0"/>
+            </a:endParaRPr>
+          </a:p>
+        </p:txBody>
+      </p:sp>
+      <p:sp>
+        <p:nvSpPr>
+          <p:cNvPr id="68" name="Rectangle 67"/>
+          <p:cNvSpPr/>
+          <p:nvPr/>
+        </p:nvSpPr>
+        <p:spPr>
+          <a:xfrm>
+            <a:off x="2054077" y="2311365"/>
+            <a:ext cx="344966" cy="230832"/>
+          </a:xfrm>
+          <a:prstGeom prst="rect">
+            <a:avLst/>
+          </a:prstGeom>
+        </p:spPr>
+        <p:txBody>
+          <a:bodyPr wrap="none">
+            <a:spAutoFit/>
+          </a:bodyPr>
+          <a:lstStyle/>
+          <a:p>
+            <a:r>
+              <a:rPr lang="en-US" sz="900" b="1" dirty="0" smtClean="0">
+                <a:latin typeface="Times New Roman" panose="02020603050405020304" pitchFamily="18" charset="0"/>
+                <a:cs typeface="Times New Roman" panose="02020603050405020304" pitchFamily="18" charset="0"/>
+              </a:rPr>
+              <a:t>(D)</a:t>
+            </a:r>
+            <a:endParaRPr lang="en-US" sz="900" b="1" dirty="0">
+              <a:latin typeface="Times New Roman" panose="02020603050405020304" pitchFamily="18" charset="0"/>
+              <a:cs typeface="Times New Roman" panose="02020603050405020304" pitchFamily="18" charset="0"/>
+            </a:endParaRPr>
+          </a:p>
+        </p:txBody>
+      </p:sp>
+      <p:sp>
+        <p:nvSpPr>
+          <p:cNvPr id="6" name="Rounded Rectangle 5"/>
+          <p:cNvSpPr/>
+          <p:nvPr/>
+        </p:nvSpPr>
+        <p:spPr>
+          <a:xfrm>
+            <a:off x="324460" y="610081"/>
+            <a:ext cx="1025122" cy="523028"/>
+          </a:xfrm>
+          <a:prstGeom prst="roundRect">
+            <a:avLst/>
+          </a:prstGeom>
+          <a:solidFill>
+            <a:schemeClr val="bg1">
+              <a:lumMod val="95000"/>
+            </a:schemeClr>
+          </a:solidFill>
+          <a:ln w="6350">
+            <a:solidFill>
+              <a:schemeClr val="tx1"/>
+            </a:solidFill>
+          </a:ln>
+        </p:spPr>
+        <p:style>
+          <a:lnRef idx="2">
+            <a:schemeClr val="accent1">
+              <a:shade val="50000"/>
+            </a:schemeClr>
+          </a:lnRef>
+          <a:fillRef idx="1">
+            <a:schemeClr val="accent1"/>
+          </a:fillRef>
+          <a:effectRef idx="0">
+            <a:schemeClr val="accent1"/>
+          </a:effectRef>
+          <a:fontRef idx="minor">
+            <a:schemeClr val="lt1"/>
+          </a:fontRef>
+        </p:style>
+        <p:txBody>
+          <a:bodyPr rtlCol="0" anchor="ctr"/>
+          <a:lstStyle/>
+          <a:p>
+            <a:pPr algn="ctr"/>
+            <a:endParaRPr lang="en-US" sz="900">
+              <a:latin typeface="Times New Roman" panose="02020603050405020304" pitchFamily="18" charset="0"/>
+              <a:cs typeface="Times New Roman" panose="02020603050405020304" pitchFamily="18" charset="0"/>
+            </a:endParaRPr>
+          </a:p>
+        </p:txBody>
+      </p:sp>
+      <p:sp>
+        <p:nvSpPr>
+          <p:cNvPr id="8" name="Rectangle 7"/>
+          <p:cNvSpPr/>
+          <p:nvPr/>
+        </p:nvSpPr>
+        <p:spPr>
+          <a:xfrm>
+            <a:off x="506187" y="749224"/>
+            <a:ext cx="659155" cy="230832"/>
+          </a:xfrm>
+          <a:prstGeom prst="rect">
+            <a:avLst/>
+          </a:prstGeom>
+        </p:spPr>
+        <p:txBody>
+          <a:bodyPr wrap="none">
+            <a:spAutoFit/>
+          </a:bodyPr>
+          <a:lstStyle/>
+          <a:p>
+            <a:r>
+              <a:rPr lang="en-US" sz="900" dirty="0" err="1">
+                <a:latin typeface="Times New Roman" panose="02020603050405020304" pitchFamily="18" charset="0"/>
+                <a:cs typeface="Times New Roman" panose="02020603050405020304" pitchFamily="18" charset="0"/>
+              </a:rPr>
+              <a:t>Malathion</a:t>
+            </a:r>
+            <a:endParaRPr lang="en-US" sz="900" dirty="0">
+              <a:latin typeface="Times New Roman" panose="02020603050405020304" pitchFamily="18" charset="0"/>
+              <a:cs typeface="Times New Roman" panose="02020603050405020304" pitchFamily="18" charset="0"/>
+            </a:endParaRPr>
+          </a:p>
+        </p:txBody>
+      </p:sp>
+      <p:sp>
+        <p:nvSpPr>
+          <p:cNvPr id="12" name="Rectangle 11"/>
+          <p:cNvSpPr/>
+          <p:nvPr/>
+        </p:nvSpPr>
+        <p:spPr>
+          <a:xfrm>
+            <a:off x="471581" y="586535"/>
+            <a:ext cx="889987" cy="230832"/>
+          </a:xfrm>
+          <a:prstGeom prst="rect">
+            <a:avLst/>
+          </a:prstGeom>
+        </p:spPr>
+        <p:txBody>
+          <a:bodyPr wrap="none">
+            <a:spAutoFit/>
+          </a:bodyPr>
+          <a:lstStyle/>
+          <a:p>
+            <a:r>
+              <a:rPr lang="en-US" sz="900" dirty="0" err="1">
+                <a:latin typeface="Times New Roman" panose="02020603050405020304" pitchFamily="18" charset="0"/>
+                <a:cs typeface="Times New Roman" panose="02020603050405020304" pitchFamily="18" charset="0"/>
+              </a:rPr>
+              <a:t>Hexafluronium</a:t>
+            </a:r>
+            <a:endParaRPr lang="en-US" sz="900" dirty="0">
+              <a:latin typeface="Times New Roman" panose="02020603050405020304" pitchFamily="18" charset="0"/>
+              <a:cs typeface="Times New Roman" panose="02020603050405020304" pitchFamily="18" charset="0"/>
+            </a:endParaRPr>
+          </a:p>
+        </p:txBody>
+      </p:sp>
+      <p:sp>
+        <p:nvSpPr>
+          <p:cNvPr id="14" name="Rectangle 13"/>
+          <p:cNvSpPr/>
+          <p:nvPr/>
+        </p:nvSpPr>
+        <p:spPr>
+          <a:xfrm>
+            <a:off x="422028" y="912168"/>
+            <a:ext cx="851515" cy="230832"/>
+          </a:xfrm>
+          <a:prstGeom prst="rect">
+            <a:avLst/>
+          </a:prstGeom>
+        </p:spPr>
+        <p:txBody>
+          <a:bodyPr wrap="none">
+            <a:spAutoFit/>
+          </a:bodyPr>
+          <a:lstStyle/>
+          <a:p>
+            <a:r>
+              <a:rPr lang="en-US" sz="900" dirty="0" err="1">
+                <a:latin typeface="Times New Roman" panose="02020603050405020304" pitchFamily="18" charset="0"/>
+                <a:cs typeface="Times New Roman" panose="02020603050405020304" pitchFamily="18" charset="0"/>
+              </a:rPr>
+              <a:t>Echothiophate</a:t>
+            </a:r>
+            <a:endParaRPr lang="en-US" sz="900" dirty="0">
+              <a:latin typeface="Times New Roman" panose="02020603050405020304" pitchFamily="18" charset="0"/>
+              <a:cs typeface="Times New Roman" panose="02020603050405020304" pitchFamily="18" charset="0"/>
+            </a:endParaRPr>
+          </a:p>
+        </p:txBody>
+      </p:sp>
+      <p:sp>
+        <p:nvSpPr>
+          <p:cNvPr id="69" name="Rectangle 68"/>
+          <p:cNvSpPr/>
+          <p:nvPr/>
+        </p:nvSpPr>
+        <p:spPr>
+          <a:xfrm>
+            <a:off x="285508" y="582646"/>
+            <a:ext cx="319318" cy="230832"/>
+          </a:xfrm>
+          <a:prstGeom prst="rect">
+            <a:avLst/>
+          </a:prstGeom>
+        </p:spPr>
+        <p:txBody>
+          <a:bodyPr wrap="none">
+            <a:spAutoFit/>
+          </a:bodyPr>
+          <a:lstStyle/>
+          <a:p>
+            <a:r>
+              <a:rPr lang="en-US" sz="900" b="1" dirty="0" smtClean="0">
+                <a:latin typeface="Times New Roman" panose="02020603050405020304" pitchFamily="18" charset="0"/>
+                <a:cs typeface="Times New Roman" panose="02020603050405020304" pitchFamily="18" charset="0"/>
+              </a:rPr>
+              <a:t>(1)</a:t>
+            </a:r>
+            <a:endParaRPr lang="en-US" sz="900" b="1" dirty="0">
+              <a:latin typeface="Times New Roman" panose="02020603050405020304" pitchFamily="18" charset="0"/>
+              <a:cs typeface="Times New Roman" panose="02020603050405020304" pitchFamily="18" charset="0"/>
+            </a:endParaRPr>
+          </a:p>
+        </p:txBody>
+      </p:sp>
+      <p:sp>
+        <p:nvSpPr>
+          <p:cNvPr id="70" name="Rectangle 69"/>
+          <p:cNvSpPr>
+            <a:spLocks/>
+          </p:cNvSpPr>
+          <p:nvPr/>
+        </p:nvSpPr>
+        <p:spPr>
+          <a:xfrm rot="5400000">
+            <a:off x="1300095" y="3896102"/>
+            <a:ext cx="876462" cy="3096000"/>
+          </a:xfrm>
+          <a:prstGeom prst="rect">
+            <a:avLst/>
+          </a:prstGeom>
+        </p:spPr>
+        <p:style>
+          <a:lnRef idx="2">
+            <a:schemeClr val="accent1">
+              <a:shade val="50000"/>
+            </a:schemeClr>
+          </a:lnRef>
+          <a:fillRef idx="1">
+            <a:schemeClr val="accent1"/>
+          </a:fillRef>
+          <a:effectRef idx="0">
+            <a:schemeClr val="accent1"/>
+          </a:effectRef>
+          <a:fontRef idx="minor">
+            <a:schemeClr val="lt1"/>
+          </a:fontRef>
+        </p:style>
+        <p:txBody>
+          <a:bodyPr rtlCol="0" anchor="ctr"/>
+          <a:lstStyle/>
+          <a:p>
+            <a:pPr algn="ctr"/>
+            <a:endParaRPr lang="en-US" sz="900"/>
+          </a:p>
+        </p:txBody>
+      </p:sp>
     </p:spTree>
     <p:extLst>
       <p:ext uri="{BB962C8B-B14F-4D97-AF65-F5344CB8AC3E}">

--- a/data/analysis/figures-paper/Figure_6.pptx
+++ b/data/analysis/figures-paper/Figure_6.pptx
@@ -3119,8 +3119,8 @@
         </p:nvSpPr>
         <p:spPr>
           <a:xfrm>
-            <a:off x="2085051" y="301040"/>
-            <a:ext cx="1085926" cy="1219357"/>
+            <a:off x="2074636" y="434723"/>
+            <a:ext cx="1085926" cy="790797"/>
           </a:xfrm>
           <a:prstGeom prst="roundRect">
             <a:avLst>
@@ -3159,7 +3159,7 @@
           <a:lstStyle/>
           <a:p>
             <a:pPr algn="ctr"/>
-            <a:endParaRPr lang="en-US" sz="900">
+            <a:endParaRPr lang="en-US" sz="800">
               <a:latin typeface="Times New Roman" panose="02020603050405020304" pitchFamily="18" charset="0"/>
               <a:cs typeface="Times New Roman" panose="02020603050405020304" pitchFamily="18" charset="0"/>
             </a:endParaRPr>
@@ -3174,8 +3174,8 @@
         </p:nvSpPr>
         <p:spPr>
           <a:xfrm>
-            <a:off x="256929" y="288794"/>
-            <a:ext cx="1728171" cy="3826007"/>
+            <a:off x="256929" y="423791"/>
+            <a:ext cx="1728171" cy="2591780"/>
           </a:xfrm>
           <a:prstGeom prst="roundRect">
             <a:avLst>
@@ -3214,7 +3214,7 @@
           <a:lstStyle/>
           <a:p>
             <a:pPr algn="ctr"/>
-            <a:endParaRPr lang="en-US" sz="900" dirty="0">
+            <a:endParaRPr lang="en-US" sz="800" dirty="0">
               <a:latin typeface="Times New Roman" panose="02020603050405020304" pitchFamily="18" charset="0"/>
               <a:cs typeface="Times New Roman" panose="02020603050405020304" pitchFamily="18" charset="0"/>
             </a:endParaRPr>
@@ -3229,8 +3229,8 @@
         </p:nvSpPr>
         <p:spPr>
           <a:xfrm>
-            <a:off x="433201" y="266904"/>
-            <a:ext cx="1448709" cy="369332"/>
+            <a:off x="441179" y="423792"/>
+            <a:ext cx="1649488" cy="215444"/>
           </a:xfrm>
           <a:prstGeom prst="rect">
             <a:avLst/>
@@ -3243,7 +3243,7 @@
           <a:lstStyle/>
           <a:p>
             <a:r>
-              <a:rPr lang="en-US" sz="900" b="1" dirty="0">
+              <a:rPr lang="en-US" sz="800" b="1" dirty="0">
                 <a:latin typeface="Times New Roman" panose="02020603050405020304" pitchFamily="18" charset="0"/>
                 <a:cs typeface="Times New Roman" panose="02020603050405020304" pitchFamily="18" charset="0"/>
               </a:rPr>
@@ -3254,151 +3254,14 @@
       </p:sp>
       <p:sp>
         <p:nvSpPr>
-          <p:cNvPr id="17" name="Rounded Rectangle 16"/>
-          <p:cNvSpPr/>
-          <p:nvPr/>
-        </p:nvSpPr>
-        <p:spPr>
-          <a:xfrm>
-            <a:off x="315992" y="1176406"/>
-            <a:ext cx="1235814" cy="347594"/>
-          </a:xfrm>
-          <a:prstGeom prst="roundRect">
-            <a:avLst/>
-          </a:prstGeom>
-          <a:solidFill>
-            <a:schemeClr val="bg1">
-              <a:lumMod val="95000"/>
-            </a:schemeClr>
-          </a:solidFill>
-          <a:ln w="6350">
-            <a:solidFill>
-              <a:schemeClr val="tx1"/>
-            </a:solidFill>
-          </a:ln>
-        </p:spPr>
-        <p:style>
-          <a:lnRef idx="2">
-            <a:schemeClr val="accent1">
-              <a:shade val="50000"/>
-            </a:schemeClr>
-          </a:lnRef>
-          <a:fillRef idx="1">
-            <a:schemeClr val="accent1"/>
-          </a:fillRef>
-          <a:effectRef idx="0">
-            <a:schemeClr val="accent1"/>
-          </a:effectRef>
-          <a:fontRef idx="minor">
-            <a:schemeClr val="lt1"/>
-          </a:fontRef>
-        </p:style>
-        <p:txBody>
-          <a:bodyPr rtlCol="0" anchor="ctr"/>
-          <a:lstStyle/>
-          <a:p>
-            <a:pPr algn="ctr"/>
-            <a:endParaRPr lang="en-US" sz="900">
-              <a:latin typeface="Times New Roman" panose="02020603050405020304" pitchFamily="18" charset="0"/>
-              <a:cs typeface="Times New Roman" panose="02020603050405020304" pitchFamily="18" charset="0"/>
-            </a:endParaRPr>
-          </a:p>
-        </p:txBody>
-      </p:sp>
-      <p:sp>
-        <p:nvSpPr>
-          <p:cNvPr id="15" name="Rectangle 14"/>
-          <p:cNvSpPr/>
-          <p:nvPr/>
-        </p:nvSpPr>
-        <p:spPr>
-          <a:xfrm>
-            <a:off x="483496" y="1138313"/>
-            <a:ext cx="806631" cy="230832"/>
-          </a:xfrm>
-          <a:prstGeom prst="rect">
-            <a:avLst/>
-          </a:prstGeom>
-        </p:spPr>
-        <p:txBody>
-          <a:bodyPr wrap="none">
-            <a:spAutoFit/>
-          </a:bodyPr>
-          <a:lstStyle/>
-          <a:p>
-            <a:r>
-              <a:rPr lang="en-US" sz="900" dirty="0" err="1">
-                <a:latin typeface="Times New Roman" panose="02020603050405020304" pitchFamily="18" charset="0"/>
-                <a:cs typeface="Times New Roman" panose="02020603050405020304" pitchFamily="18" charset="0"/>
-              </a:rPr>
-              <a:t>Tubocurarine</a:t>
-            </a:r>
-            <a:endParaRPr lang="en-US" sz="900" dirty="0">
-              <a:latin typeface="Times New Roman" panose="02020603050405020304" pitchFamily="18" charset="0"/>
-              <a:cs typeface="Times New Roman" panose="02020603050405020304" pitchFamily="18" charset="0"/>
-            </a:endParaRPr>
-          </a:p>
-        </p:txBody>
-      </p:sp>
-      <p:sp>
-        <p:nvSpPr>
-          <p:cNvPr id="16" name="Rectangle 15"/>
-          <p:cNvSpPr/>
-          <p:nvPr/>
-        </p:nvSpPr>
-        <p:spPr>
-          <a:xfrm>
-            <a:off x="315992" y="1289565"/>
-            <a:ext cx="1265090" cy="230832"/>
-          </a:xfrm>
-          <a:prstGeom prst="rect">
-            <a:avLst/>
-          </a:prstGeom>
-        </p:spPr>
-        <p:txBody>
-          <a:bodyPr wrap="none">
-            <a:spAutoFit/>
-          </a:bodyPr>
-          <a:lstStyle/>
-          <a:p>
-            <a:r>
-              <a:rPr lang="en-US" sz="900" dirty="0" err="1">
-                <a:latin typeface="Times New Roman" panose="02020603050405020304" pitchFamily="18" charset="0"/>
-                <a:cs typeface="Times New Roman" panose="02020603050405020304" pitchFamily="18" charset="0"/>
-              </a:rPr>
-              <a:t>Gallamine</a:t>
-            </a:r>
-            <a:r>
-              <a:rPr lang="en-US" sz="900" dirty="0">
-                <a:latin typeface="Times New Roman" panose="02020603050405020304" pitchFamily="18" charset="0"/>
-                <a:cs typeface="Times New Roman" panose="02020603050405020304" pitchFamily="18" charset="0"/>
-              </a:rPr>
-              <a:t> </a:t>
-            </a:r>
-            <a:r>
-              <a:rPr lang="en-US" sz="900" dirty="0" err="1">
-                <a:latin typeface="Times New Roman" panose="02020603050405020304" pitchFamily="18" charset="0"/>
-                <a:cs typeface="Times New Roman" panose="02020603050405020304" pitchFamily="18" charset="0"/>
-              </a:rPr>
-              <a:t>Triethiodide</a:t>
-            </a:r>
-            <a:endParaRPr lang="en-US" sz="900" dirty="0">
-              <a:latin typeface="Times New Roman" panose="02020603050405020304" pitchFamily="18" charset="0"/>
-              <a:cs typeface="Times New Roman" panose="02020603050405020304" pitchFamily="18" charset="0"/>
-            </a:endParaRPr>
-          </a:p>
-        </p:txBody>
-      </p:sp>
-      <p:sp>
-        <p:nvSpPr>
           <p:cNvPr id="46" name="Rounded Rectangle 45"/>
           <p:cNvSpPr/>
           <p:nvPr/>
         </p:nvSpPr>
         <p:spPr>
           <a:xfrm>
-            <a:off x="2080910" y="3161389"/>
-            <a:ext cx="1090066" cy="946319"/>
+            <a:off x="2085051" y="2224952"/>
+            <a:ext cx="1090066" cy="790619"/>
           </a:xfrm>
           <a:prstGeom prst="roundRect">
             <a:avLst>
@@ -3437,7 +3300,7 @@
           <a:lstStyle/>
           <a:p>
             <a:pPr algn="ctr"/>
-            <a:endParaRPr lang="en-US" sz="900">
+            <a:endParaRPr lang="en-US" sz="800">
               <a:latin typeface="Times New Roman" panose="02020603050405020304" pitchFamily="18" charset="0"/>
               <a:cs typeface="Times New Roman" panose="02020603050405020304" pitchFamily="18" charset="0"/>
             </a:endParaRPr>
@@ -3452,8 +3315,8 @@
         </p:nvSpPr>
         <p:spPr>
           <a:xfrm>
-            <a:off x="2119174" y="3124200"/>
-            <a:ext cx="1081226" cy="646331"/>
+            <a:off x="2044918" y="2187763"/>
+            <a:ext cx="1185769" cy="584775"/>
           </a:xfrm>
           <a:prstGeom prst="rect">
             <a:avLst/>
@@ -3467,7 +3330,7 @@
           <a:p>
             <a:pPr algn="ctr"/>
             <a:r>
-              <a:rPr lang="en-US" sz="900" b="1" dirty="0">
+              <a:rPr lang="en-US" sz="800" b="1" dirty="0">
                 <a:latin typeface="Times New Roman" panose="02020603050405020304" pitchFamily="18" charset="0"/>
                 <a:cs typeface="Times New Roman" panose="02020603050405020304" pitchFamily="18" charset="0"/>
               </a:rPr>
@@ -3484,8 +3347,8 @@
         </p:nvSpPr>
         <p:spPr>
           <a:xfrm>
-            <a:off x="2317885" y="3897802"/>
-            <a:ext cx="652743" cy="230832"/>
+            <a:off x="2315295" y="2805031"/>
+            <a:ext cx="599844" cy="215444"/>
           </a:xfrm>
           <a:prstGeom prst="rect">
             <a:avLst/>
@@ -3498,13 +3361,13 @@
           <a:lstStyle/>
           <a:p>
             <a:r>
-              <a:rPr lang="en-US" sz="900" dirty="0" err="1">
+              <a:rPr lang="en-US" sz="800" dirty="0" err="1">
                 <a:latin typeface="Times New Roman" panose="02020603050405020304" pitchFamily="18" charset="0"/>
                 <a:cs typeface="Times New Roman" panose="02020603050405020304" pitchFamily="18" charset="0"/>
               </a:rPr>
               <a:t>Ezetimibe</a:t>
             </a:r>
-            <a:endParaRPr lang="en-US" sz="900" dirty="0">
+            <a:endParaRPr lang="en-US" sz="800" dirty="0">
               <a:latin typeface="Times New Roman" panose="02020603050405020304" pitchFamily="18" charset="0"/>
               <a:cs typeface="Times New Roman" panose="02020603050405020304" pitchFamily="18" charset="0"/>
             </a:endParaRPr>
@@ -3519,8 +3382,8 @@
         </p:nvSpPr>
         <p:spPr>
           <a:xfrm>
-            <a:off x="2295858" y="3733800"/>
-            <a:ext cx="684803" cy="230832"/>
+            <a:off x="2316536" y="2675396"/>
+            <a:ext cx="627095" cy="215444"/>
           </a:xfrm>
           <a:prstGeom prst="rect">
             <a:avLst/>
@@ -3533,13 +3396,13 @@
           <a:lstStyle/>
           <a:p>
             <a:r>
-              <a:rPr lang="en-US" sz="900" dirty="0" err="1">
+              <a:rPr lang="en-US" sz="800" dirty="0" err="1">
                 <a:latin typeface="Times New Roman" panose="02020603050405020304" pitchFamily="18" charset="0"/>
                 <a:cs typeface="Times New Roman" panose="02020603050405020304" pitchFamily="18" charset="0"/>
               </a:rPr>
               <a:t>Hesperetin</a:t>
             </a:r>
-            <a:endParaRPr lang="en-US" sz="900" dirty="0">
+            <a:endParaRPr lang="en-US" sz="800" dirty="0">
               <a:latin typeface="Times New Roman" panose="02020603050405020304" pitchFamily="18" charset="0"/>
               <a:cs typeface="Times New Roman" panose="02020603050405020304" pitchFamily="18" charset="0"/>
             </a:endParaRPr>
@@ -3554,8 +3417,8 @@
         </p:nvSpPr>
         <p:spPr>
           <a:xfrm>
-            <a:off x="2193903" y="286917"/>
-            <a:ext cx="1006497" cy="507831"/>
+            <a:off x="2183488" y="420600"/>
+            <a:ext cx="1006497" cy="338554"/>
           </a:xfrm>
           <a:prstGeom prst="rect">
             <a:avLst/>
@@ -3569,7 +3432,7 @@
           <a:p>
             <a:pPr algn="ctr"/>
             <a:r>
-              <a:rPr lang="en-US" sz="900" b="1" dirty="0">
+              <a:rPr lang="en-US" sz="800" b="1" dirty="0">
                 <a:latin typeface="Times New Roman" panose="02020603050405020304" pitchFamily="18" charset="0"/>
                 <a:cs typeface="Times New Roman" panose="02020603050405020304" pitchFamily="18" charset="0"/>
               </a:rPr>
@@ -3586,8 +3449,8 @@
         </p:nvSpPr>
         <p:spPr>
           <a:xfrm>
-            <a:off x="2259803" y="890564"/>
-            <a:ext cx="665567" cy="230832"/>
+            <a:off x="2593405" y="672813"/>
+            <a:ext cx="611065" cy="215444"/>
           </a:xfrm>
           <a:prstGeom prst="rect">
             <a:avLst/>
@@ -3600,13 +3463,13 @@
           <a:lstStyle/>
           <a:p>
             <a:r>
-              <a:rPr lang="en-US" sz="900" dirty="0" err="1">
+              <a:rPr lang="en-US" sz="800" dirty="0" err="1">
                 <a:latin typeface="Times New Roman" panose="02020603050405020304" pitchFamily="18" charset="0"/>
                 <a:cs typeface="Times New Roman" panose="02020603050405020304" pitchFamily="18" charset="0"/>
               </a:rPr>
               <a:t>Dipivefrin</a:t>
             </a:r>
-            <a:endParaRPr lang="en-US" sz="900" dirty="0">
+            <a:endParaRPr lang="en-US" sz="800" dirty="0">
               <a:latin typeface="Times New Roman" panose="02020603050405020304" pitchFamily="18" charset="0"/>
               <a:cs typeface="Times New Roman" panose="02020603050405020304" pitchFamily="18" charset="0"/>
             </a:endParaRPr>
@@ -3621,8 +3484,8 @@
         </p:nvSpPr>
         <p:spPr>
           <a:xfrm>
-            <a:off x="2236614" y="744304"/>
-            <a:ext cx="748923" cy="230832"/>
+            <a:off x="2038535" y="676256"/>
+            <a:ext cx="686406" cy="215444"/>
           </a:xfrm>
           <a:prstGeom prst="rect">
             <a:avLst/>
@@ -3635,13 +3498,13 @@
           <a:lstStyle/>
           <a:p>
             <a:r>
-              <a:rPr lang="en-US" sz="900" dirty="0" err="1">
+              <a:rPr lang="en-US" sz="800" dirty="0" err="1">
                 <a:latin typeface="Times New Roman" panose="02020603050405020304" pitchFamily="18" charset="0"/>
                 <a:cs typeface="Times New Roman" panose="02020603050405020304" pitchFamily="18" charset="0"/>
               </a:rPr>
               <a:t>Pralidoxime</a:t>
             </a:r>
-            <a:endParaRPr lang="en-US" sz="900" dirty="0">
+            <a:endParaRPr lang="en-US" sz="800" dirty="0">
               <a:latin typeface="Times New Roman" panose="02020603050405020304" pitchFamily="18" charset="0"/>
               <a:cs typeface="Times New Roman" panose="02020603050405020304" pitchFamily="18" charset="0"/>
             </a:endParaRPr>
@@ -3656,8 +3519,8 @@
         </p:nvSpPr>
         <p:spPr>
           <a:xfrm>
-            <a:off x="2085051" y="1571463"/>
-            <a:ext cx="1085925" cy="703854"/>
+            <a:off x="2085051" y="1260821"/>
+            <a:ext cx="1085925" cy="428874"/>
           </a:xfrm>
           <a:prstGeom prst="roundRect">
             <a:avLst>
@@ -3696,7 +3559,7 @@
           <a:lstStyle/>
           <a:p>
             <a:pPr algn="ctr"/>
-            <a:endParaRPr lang="en-US" sz="900">
+            <a:endParaRPr lang="en-US" sz="800">
               <a:latin typeface="Times New Roman" panose="02020603050405020304" pitchFamily="18" charset="0"/>
               <a:cs typeface="Times New Roman" panose="02020603050405020304" pitchFamily="18" charset="0"/>
             </a:endParaRPr>
@@ -3711,8 +3574,8 @@
         </p:nvSpPr>
         <p:spPr>
           <a:xfrm>
-            <a:off x="2136027" y="1611868"/>
-            <a:ext cx="1182357" cy="369332"/>
+            <a:off x="2136027" y="1225490"/>
+            <a:ext cx="1182357" cy="338554"/>
           </a:xfrm>
           <a:prstGeom prst="rect">
             <a:avLst/>
@@ -3726,7 +3589,7 @@
           <a:p>
             <a:pPr algn="ctr"/>
             <a:r>
-              <a:rPr lang="en-US" sz="900" b="1" dirty="0">
+              <a:rPr lang="en-US" sz="800" b="1" dirty="0">
                 <a:latin typeface="Times New Roman" panose="02020603050405020304" pitchFamily="18" charset="0"/>
                 <a:cs typeface="Times New Roman" panose="02020603050405020304" pitchFamily="18" charset="0"/>
               </a:rPr>
@@ -3743,8 +3606,8 @@
         </p:nvSpPr>
         <p:spPr>
           <a:xfrm>
-            <a:off x="2308269" y="1971803"/>
-            <a:ext cx="671979" cy="230832"/>
+            <a:off x="2340106" y="1483950"/>
+            <a:ext cx="617477" cy="215444"/>
           </a:xfrm>
           <a:prstGeom prst="rect">
             <a:avLst/>
@@ -3757,13 +3620,13 @@
           <a:lstStyle/>
           <a:p>
             <a:r>
-              <a:rPr lang="en-US" sz="900" dirty="0" err="1">
+              <a:rPr lang="en-US" sz="800" dirty="0" err="1">
                 <a:latin typeface="Times New Roman" panose="02020603050405020304" pitchFamily="18" charset="0"/>
                 <a:cs typeface="Times New Roman" panose="02020603050405020304" pitchFamily="18" charset="0"/>
               </a:rPr>
               <a:t>Vorinostat</a:t>
             </a:r>
-            <a:endParaRPr lang="en-US" sz="900" dirty="0">
+            <a:endParaRPr lang="en-US" sz="800" dirty="0">
               <a:latin typeface="Times New Roman" panose="02020603050405020304" pitchFamily="18" charset="0"/>
               <a:cs typeface="Times New Roman" panose="02020603050405020304" pitchFamily="18" charset="0"/>
             </a:endParaRPr>
@@ -3778,8 +3641,8 @@
         </p:nvSpPr>
         <p:spPr>
           <a:xfrm>
-            <a:off x="2085051" y="2333337"/>
-            <a:ext cx="1085925" cy="767461"/>
+            <a:off x="2081149" y="1738527"/>
+            <a:ext cx="1085925" cy="448698"/>
           </a:xfrm>
           <a:prstGeom prst="roundRect">
             <a:avLst>
@@ -3818,7 +3681,7 @@
           <a:lstStyle/>
           <a:p>
             <a:pPr algn="ctr"/>
-            <a:endParaRPr lang="en-US" sz="900">
+            <a:endParaRPr lang="en-US" sz="800">
               <a:latin typeface="Times New Roman" panose="02020603050405020304" pitchFamily="18" charset="0"/>
               <a:cs typeface="Times New Roman" panose="02020603050405020304" pitchFamily="18" charset="0"/>
             </a:endParaRPr>
@@ -3833,8 +3696,8 @@
         </p:nvSpPr>
         <p:spPr>
           <a:xfrm>
-            <a:off x="2236614" y="2317379"/>
-            <a:ext cx="993911" cy="507831"/>
+            <a:off x="2061570" y="1722568"/>
+            <a:ext cx="1165053" cy="338554"/>
           </a:xfrm>
           <a:prstGeom prst="rect">
             <a:avLst/>
@@ -3848,7 +3711,7 @@
           <a:p>
             <a:pPr algn="ctr"/>
             <a:r>
-              <a:rPr lang="en-US" sz="900" b="1" dirty="0">
+              <a:rPr lang="en-US" sz="800" b="1" dirty="0">
                 <a:latin typeface="Times New Roman" panose="02020603050405020304" pitchFamily="18" charset="0"/>
                 <a:cs typeface="Times New Roman" panose="02020603050405020304" pitchFamily="18" charset="0"/>
               </a:rPr>
@@ -3865,8 +3728,8 @@
         </p:nvSpPr>
         <p:spPr>
           <a:xfrm>
-            <a:off x="2338438" y="2844633"/>
-            <a:ext cx="556563" cy="230832"/>
+            <a:off x="2333131" y="2000908"/>
+            <a:ext cx="516488" cy="215444"/>
           </a:xfrm>
           <a:prstGeom prst="rect">
             <a:avLst/>
@@ -3879,7 +3742,7 @@
           <a:lstStyle/>
           <a:p>
             <a:r>
-              <a:rPr lang="en-US" sz="900" dirty="0">
+              <a:rPr lang="en-US" sz="800" dirty="0">
                 <a:latin typeface="Times New Roman" panose="02020603050405020304" pitchFamily="18" charset="0"/>
                 <a:cs typeface="Times New Roman" panose="02020603050405020304" pitchFamily="18" charset="0"/>
               </a:rPr>
@@ -3896,8 +3759,8 @@
         </p:nvSpPr>
         <p:spPr>
           <a:xfrm>
-            <a:off x="237890" y="265056"/>
-            <a:ext cx="344966" cy="230832"/>
+            <a:off x="232510" y="399277"/>
+            <a:ext cx="325730" cy="215444"/>
           </a:xfrm>
           <a:prstGeom prst="rect">
             <a:avLst/>
@@ -3910,13 +3773,13 @@
           <a:lstStyle/>
           <a:p>
             <a:r>
-              <a:rPr lang="en-US" sz="900" b="1" dirty="0" smtClean="0">
+              <a:rPr lang="en-US" sz="800" b="1" dirty="0" smtClean="0">
                 <a:latin typeface="Times New Roman" panose="02020603050405020304" pitchFamily="18" charset="0"/>
                 <a:cs typeface="Times New Roman" panose="02020603050405020304" pitchFamily="18" charset="0"/>
               </a:rPr>
               <a:t>(A)</a:t>
             </a:r>
-            <a:endParaRPr lang="en-US" sz="900" b="1" dirty="0">
+            <a:endParaRPr lang="en-US" sz="800" b="1" dirty="0">
               <a:latin typeface="Times New Roman" panose="02020603050405020304" pitchFamily="18" charset="0"/>
               <a:cs typeface="Times New Roman" panose="02020603050405020304" pitchFamily="18" charset="0"/>
             </a:endParaRPr>
@@ -3925,14 +3788,67 @@
       </p:sp>
       <p:sp>
         <p:nvSpPr>
-          <p:cNvPr id="60" name="Rectangle 59"/>
+          <p:cNvPr id="17" name="Rounded Rectangle 16"/>
           <p:cNvSpPr/>
           <p:nvPr/>
         </p:nvSpPr>
         <p:spPr>
           <a:xfrm>
-            <a:off x="269697" y="1128606"/>
-            <a:ext cx="319318" cy="230832"/>
+            <a:off x="1267590" y="621721"/>
+            <a:ext cx="678356" cy="445079"/>
+          </a:xfrm>
+          <a:prstGeom prst="roundRect">
+            <a:avLst/>
+          </a:prstGeom>
+          <a:solidFill>
+            <a:schemeClr val="bg1">
+              <a:lumMod val="95000"/>
+            </a:schemeClr>
+          </a:solidFill>
+          <a:ln w="6350">
+            <a:solidFill>
+              <a:schemeClr val="tx1"/>
+            </a:solidFill>
+          </a:ln>
+        </p:spPr>
+        <p:style>
+          <a:lnRef idx="2">
+            <a:schemeClr val="accent1">
+              <a:shade val="50000"/>
+            </a:schemeClr>
+          </a:lnRef>
+          <a:fillRef idx="1">
+            <a:schemeClr val="accent1"/>
+          </a:fillRef>
+          <a:effectRef idx="0">
+            <a:schemeClr val="accent1"/>
+          </a:effectRef>
+          <a:fontRef idx="minor">
+            <a:schemeClr val="lt1"/>
+          </a:fontRef>
+        </p:style>
+        <p:txBody>
+          <a:bodyPr rtlCol="0" anchor="ctr"/>
+          <a:lstStyle/>
+          <a:p>
+            <a:pPr algn="ctr"/>
+            <a:endParaRPr lang="en-US" sz="800">
+              <a:latin typeface="Times New Roman" panose="02020603050405020304" pitchFamily="18" charset="0"/>
+              <a:cs typeface="Times New Roman" panose="02020603050405020304" pitchFamily="18" charset="0"/>
+            </a:endParaRPr>
+          </a:p>
+        </p:txBody>
+      </p:sp>
+      <p:sp>
+        <p:nvSpPr>
+          <p:cNvPr id="15" name="Rectangle 14"/>
+          <p:cNvSpPr/>
+          <p:nvPr/>
+        </p:nvSpPr>
+        <p:spPr>
+          <a:xfrm>
+            <a:off x="1260546" y="852026"/>
+            <a:ext cx="734496" cy="215444"/>
           </a:xfrm>
           <a:prstGeom prst="rect">
             <a:avLst/>
@@ -3945,13 +3861,83 @@
           <a:lstStyle/>
           <a:p>
             <a:r>
-              <a:rPr lang="en-US" sz="900" b="1" dirty="0" smtClean="0">
+              <a:rPr lang="en-US" sz="800" dirty="0" err="1">
+                <a:latin typeface="Times New Roman" panose="02020603050405020304" pitchFamily="18" charset="0"/>
+                <a:cs typeface="Times New Roman" panose="02020603050405020304" pitchFamily="18" charset="0"/>
+              </a:rPr>
+              <a:t>Tubocurarine</a:t>
+            </a:r>
+            <a:endParaRPr lang="en-US" sz="800" dirty="0">
+              <a:latin typeface="Times New Roman" panose="02020603050405020304" pitchFamily="18" charset="0"/>
+              <a:cs typeface="Times New Roman" panose="02020603050405020304" pitchFamily="18" charset="0"/>
+            </a:endParaRPr>
+          </a:p>
+        </p:txBody>
+      </p:sp>
+      <p:sp>
+        <p:nvSpPr>
+          <p:cNvPr id="16" name="Rectangle 15"/>
+          <p:cNvSpPr/>
+          <p:nvPr/>
+        </p:nvSpPr>
+        <p:spPr>
+          <a:xfrm>
+            <a:off x="1367868" y="583781"/>
+            <a:ext cx="646763" cy="215444"/>
+          </a:xfrm>
+          <a:prstGeom prst="rect">
+            <a:avLst/>
+          </a:prstGeom>
+        </p:spPr>
+        <p:txBody>
+          <a:bodyPr wrap="square">
+            <a:spAutoFit/>
+          </a:bodyPr>
+          <a:lstStyle/>
+          <a:p>
+            <a:r>
+              <a:rPr lang="en-US" sz="800" dirty="0" err="1" smtClean="0">
+                <a:latin typeface="Times New Roman" panose="02020603050405020304" pitchFamily="18" charset="0"/>
+                <a:cs typeface="Times New Roman" panose="02020603050405020304" pitchFamily="18" charset="0"/>
+              </a:rPr>
+              <a:t>Gallamine</a:t>
+            </a:r>
+            <a:endParaRPr lang="en-US" sz="800" dirty="0">
+              <a:latin typeface="Times New Roman" panose="02020603050405020304" pitchFamily="18" charset="0"/>
+              <a:cs typeface="Times New Roman" panose="02020603050405020304" pitchFamily="18" charset="0"/>
+            </a:endParaRPr>
+          </a:p>
+        </p:txBody>
+      </p:sp>
+      <p:sp>
+        <p:nvSpPr>
+          <p:cNvPr id="60" name="Rectangle 59"/>
+          <p:cNvSpPr/>
+          <p:nvPr/>
+        </p:nvSpPr>
+        <p:spPr>
+          <a:xfrm>
+            <a:off x="1221295" y="573921"/>
+            <a:ext cx="303288" cy="215444"/>
+          </a:xfrm>
+          <a:prstGeom prst="rect">
+            <a:avLst/>
+          </a:prstGeom>
+        </p:spPr>
+        <p:txBody>
+          <a:bodyPr wrap="none">
+            <a:spAutoFit/>
+          </a:bodyPr>
+          <a:lstStyle/>
+          <a:p>
+            <a:r>
+              <a:rPr lang="en-US" sz="800" b="1" dirty="0" smtClean="0">
                 <a:latin typeface="Times New Roman" panose="02020603050405020304" pitchFamily="18" charset="0"/>
                 <a:cs typeface="Times New Roman" panose="02020603050405020304" pitchFamily="18" charset="0"/>
               </a:rPr>
               <a:t>(2)</a:t>
             </a:r>
-            <a:endParaRPr lang="en-US" sz="900" b="1" dirty="0">
+            <a:endParaRPr lang="en-US" sz="800" b="1" dirty="0">
               <a:latin typeface="Times New Roman" panose="02020603050405020304" pitchFamily="18" charset="0"/>
               <a:cs typeface="Times New Roman" panose="02020603050405020304" pitchFamily="18" charset="0"/>
             </a:endParaRPr>
@@ -3966,10 +3952,10 @@
         </p:nvGrpSpPr>
         <p:grpSpPr>
           <a:xfrm>
-            <a:off x="278124" y="1554412"/>
-            <a:ext cx="1523503" cy="1036388"/>
-            <a:chOff x="265095" y="1675013"/>
-            <a:chExt cx="1523503" cy="1036388"/>
+            <a:off x="437152" y="1116730"/>
+            <a:ext cx="1385552" cy="926641"/>
+            <a:chOff x="268439" y="1675013"/>
+            <a:chExt cx="1385552" cy="926641"/>
           </a:xfrm>
         </p:grpSpPr>
         <p:sp>
@@ -3981,7 +3967,7 @@
           <p:spPr>
             <a:xfrm>
               <a:off x="291924" y="1692064"/>
-              <a:ext cx="1446457" cy="1019337"/>
+              <a:ext cx="1305491" cy="895367"/>
             </a:xfrm>
             <a:prstGeom prst="roundRect">
               <a:avLst>
@@ -4020,7 +4006,7 @@
             <a:lstStyle/>
             <a:p>
               <a:pPr algn="ctr"/>
-              <a:endParaRPr lang="en-US" sz="900">
+              <a:endParaRPr lang="en-US" sz="800">
                 <a:latin typeface="Times New Roman" panose="02020603050405020304" pitchFamily="18" charset="0"/>
                 <a:cs typeface="Times New Roman" panose="02020603050405020304" pitchFamily="18" charset="0"/>
               </a:endParaRPr>
@@ -4035,8 +4021,8 @@
           </p:nvSpPr>
           <p:spPr>
             <a:xfrm>
-              <a:off x="982568" y="1992859"/>
-              <a:ext cx="537327" cy="230832"/>
+              <a:off x="1048029" y="1681498"/>
+              <a:ext cx="495649" cy="215444"/>
             </a:xfrm>
             <a:prstGeom prst="rect">
               <a:avLst/>
@@ -4049,13 +4035,13 @@
             <a:lstStyle/>
             <a:p>
               <a:r>
-                <a:rPr lang="en-US" sz="900" dirty="0" err="1">
+                <a:rPr lang="en-US" sz="800" dirty="0" err="1">
                   <a:latin typeface="Times New Roman" panose="02020603050405020304" pitchFamily="18" charset="0"/>
                   <a:cs typeface="Times New Roman" panose="02020603050405020304" pitchFamily="18" charset="0"/>
                 </a:rPr>
                 <a:t>Tacrine</a:t>
               </a:r>
-              <a:endParaRPr lang="en-US" sz="900" dirty="0">
+              <a:endParaRPr lang="en-US" sz="800" dirty="0">
                 <a:latin typeface="Times New Roman" panose="02020603050405020304" pitchFamily="18" charset="0"/>
                 <a:cs typeface="Times New Roman" panose="02020603050405020304" pitchFamily="18" charset="0"/>
               </a:endParaRPr>
@@ -4070,8 +4056,8 @@
           </p:nvSpPr>
           <p:spPr>
             <a:xfrm>
-              <a:off x="273868" y="2320963"/>
-              <a:ext cx="659155" cy="230832"/>
+              <a:off x="268439" y="2251613"/>
+              <a:ext cx="604653" cy="215444"/>
             </a:xfrm>
             <a:prstGeom prst="rect">
               <a:avLst/>
@@ -4084,7 +4070,7 @@
             <a:lstStyle/>
             <a:p>
               <a:r>
-                <a:rPr lang="en-US" sz="900" dirty="0">
+                <a:rPr lang="en-US" sz="800" dirty="0">
                   <a:latin typeface="Times New Roman" panose="02020603050405020304" pitchFamily="18" charset="0"/>
                   <a:cs typeface="Times New Roman" panose="02020603050405020304" pitchFamily="18" charset="0"/>
                 </a:rPr>
@@ -4101,8 +4087,8 @@
           </p:nvSpPr>
           <p:spPr>
             <a:xfrm>
-              <a:off x="265617" y="2165086"/>
-              <a:ext cx="889987" cy="230832"/>
+              <a:off x="269697" y="2128212"/>
+              <a:ext cx="813043" cy="215444"/>
             </a:xfrm>
             <a:prstGeom prst="rect">
               <a:avLst/>
@@ -4115,13 +4101,13 @@
             <a:lstStyle/>
             <a:p>
               <a:r>
-                <a:rPr lang="en-US" sz="900" dirty="0" err="1">
+                <a:rPr lang="en-US" sz="800" dirty="0" err="1">
                   <a:latin typeface="Times New Roman" panose="02020603050405020304" pitchFamily="18" charset="0"/>
                   <a:cs typeface="Times New Roman" panose="02020603050405020304" pitchFamily="18" charset="0"/>
                 </a:rPr>
                 <a:t>Pyridostigmine</a:t>
               </a:r>
-              <a:endParaRPr lang="en-US" sz="900" dirty="0">
+              <a:endParaRPr lang="en-US" sz="800" dirty="0">
                 <a:latin typeface="Times New Roman" panose="02020603050405020304" pitchFamily="18" charset="0"/>
                 <a:cs typeface="Times New Roman" panose="02020603050405020304" pitchFamily="18" charset="0"/>
               </a:endParaRPr>
@@ -4137,7 +4123,7 @@
           <p:spPr>
             <a:xfrm>
               <a:off x="447675" y="1678181"/>
-              <a:ext cx="800219" cy="230832"/>
+              <a:ext cx="729687" cy="215444"/>
             </a:xfrm>
             <a:prstGeom prst="rect">
               <a:avLst/>
@@ -4150,13 +4136,13 @@
             <a:lstStyle/>
             <a:p>
               <a:r>
-                <a:rPr lang="en-US" sz="900" dirty="0" err="1">
+                <a:rPr lang="en-US" sz="800" dirty="0" err="1">
                   <a:latin typeface="Times New Roman" panose="02020603050405020304" pitchFamily="18" charset="0"/>
                   <a:cs typeface="Times New Roman" panose="02020603050405020304" pitchFamily="18" charset="0"/>
                 </a:rPr>
                 <a:t>Isoflurophate</a:t>
               </a:r>
-              <a:endParaRPr lang="en-US" sz="900" dirty="0">
+              <a:endParaRPr lang="en-US" sz="800" dirty="0">
                 <a:latin typeface="Times New Roman" panose="02020603050405020304" pitchFamily="18" charset="0"/>
                 <a:cs typeface="Times New Roman" panose="02020603050405020304" pitchFamily="18" charset="0"/>
               </a:endParaRPr>
@@ -4172,7 +4158,7 @@
           <p:spPr>
             <a:xfrm>
               <a:off x="287851" y="1844597"/>
-              <a:ext cx="819455" cy="230832"/>
+              <a:ext cx="748923" cy="215444"/>
             </a:xfrm>
             <a:prstGeom prst="rect">
               <a:avLst/>
@@ -4185,13 +4171,13 @@
             <a:lstStyle/>
             <a:p>
               <a:r>
-                <a:rPr lang="en-US" sz="900" dirty="0" err="1">
+                <a:rPr lang="en-US" sz="800" dirty="0" err="1">
                   <a:latin typeface="Times New Roman" panose="02020603050405020304" pitchFamily="18" charset="0"/>
                   <a:cs typeface="Times New Roman" panose="02020603050405020304" pitchFamily="18" charset="0"/>
                 </a:rPr>
                 <a:t>Edrophonium</a:t>
               </a:r>
-              <a:endParaRPr lang="en-US" sz="900" dirty="0">
+              <a:endParaRPr lang="en-US" sz="800" dirty="0">
                 <a:latin typeface="Times New Roman" panose="02020603050405020304" pitchFamily="18" charset="0"/>
                 <a:cs typeface="Times New Roman" panose="02020603050405020304" pitchFamily="18" charset="0"/>
               </a:endParaRPr>
@@ -4206,8 +4192,8 @@
           </p:nvSpPr>
           <p:spPr>
             <a:xfrm>
-              <a:off x="265095" y="2464599"/>
-              <a:ext cx="774571" cy="230832"/>
+              <a:off x="500884" y="2386210"/>
+              <a:ext cx="708848" cy="215444"/>
             </a:xfrm>
             <a:prstGeom prst="rect">
               <a:avLst/>
@@ -4220,7 +4206,7 @@
             <a:lstStyle/>
             <a:p>
               <a:r>
-                <a:rPr lang="en-US" sz="900" dirty="0">
+                <a:rPr lang="en-US" sz="800" dirty="0">
                   <a:latin typeface="Times New Roman" panose="02020603050405020304" pitchFamily="18" charset="0"/>
                   <a:cs typeface="Times New Roman" panose="02020603050405020304" pitchFamily="18" charset="0"/>
                 </a:rPr>
@@ -4238,7 +4224,7 @@
           <p:spPr>
             <a:xfrm>
               <a:off x="269697" y="1991569"/>
-              <a:ext cx="819455" cy="230832"/>
+              <a:ext cx="748923" cy="215444"/>
             </a:xfrm>
             <a:prstGeom prst="rect">
               <a:avLst/>
@@ -4251,13 +4237,13 @@
             <a:lstStyle/>
             <a:p>
               <a:r>
-                <a:rPr lang="en-US" sz="900" dirty="0" err="1">
+                <a:rPr lang="en-US" sz="800" dirty="0" err="1">
                   <a:latin typeface="Times New Roman" panose="02020603050405020304" pitchFamily="18" charset="0"/>
                   <a:cs typeface="Times New Roman" panose="02020603050405020304" pitchFamily="18" charset="0"/>
                 </a:rPr>
                 <a:t>Ambenonium</a:t>
               </a:r>
-              <a:endParaRPr lang="en-US" sz="900" dirty="0">
+              <a:endParaRPr lang="en-US" sz="800" dirty="0">
                 <a:latin typeface="Times New Roman" panose="02020603050405020304" pitchFamily="18" charset="0"/>
                 <a:cs typeface="Times New Roman" panose="02020603050405020304" pitchFamily="18" charset="0"/>
               </a:endParaRPr>
@@ -4272,8 +4258,8 @@
           </p:nvSpPr>
           <p:spPr>
             <a:xfrm>
-              <a:off x="804377" y="2316550"/>
-              <a:ext cx="800219" cy="230832"/>
+              <a:off x="921098" y="2128105"/>
+              <a:ext cx="732893" cy="215444"/>
             </a:xfrm>
             <a:prstGeom prst="rect">
               <a:avLst/>
@@ -4286,13 +4272,13 @@
             <a:lstStyle/>
             <a:p>
               <a:r>
-                <a:rPr lang="en-US" sz="900" dirty="0" err="1">
+                <a:rPr lang="en-US" sz="800" dirty="0" err="1">
                   <a:latin typeface="Times New Roman" panose="02020603050405020304" pitchFamily="18" charset="0"/>
                   <a:cs typeface="Times New Roman" panose="02020603050405020304" pitchFamily="18" charset="0"/>
                 </a:rPr>
                 <a:t>Rivastigmine</a:t>
               </a:r>
-              <a:endParaRPr lang="en-US" sz="900" dirty="0">
+              <a:endParaRPr lang="en-US" sz="800" dirty="0">
                 <a:latin typeface="Times New Roman" panose="02020603050405020304" pitchFamily="18" charset="0"/>
                 <a:cs typeface="Times New Roman" panose="02020603050405020304" pitchFamily="18" charset="0"/>
               </a:endParaRPr>
@@ -4307,8 +4293,8 @@
           </p:nvSpPr>
           <p:spPr>
             <a:xfrm>
-              <a:off x="883034" y="2459134"/>
-              <a:ext cx="864339" cy="230832"/>
+              <a:off x="746502" y="2251613"/>
+              <a:ext cx="790601" cy="215444"/>
             </a:xfrm>
             <a:prstGeom prst="rect">
               <a:avLst/>
@@ -4321,13 +4307,13 @@
             <a:lstStyle/>
             <a:p>
               <a:r>
-                <a:rPr lang="en-US" sz="900" dirty="0" err="1">
+                <a:rPr lang="en-US" sz="800" dirty="0" err="1">
                   <a:latin typeface="Times New Roman" panose="02020603050405020304" pitchFamily="18" charset="0"/>
                   <a:cs typeface="Times New Roman" panose="02020603050405020304" pitchFamily="18" charset="0"/>
                 </a:rPr>
                 <a:t>Physostigmine</a:t>
               </a:r>
-              <a:endParaRPr lang="en-US" sz="900" dirty="0">
+              <a:endParaRPr lang="en-US" sz="800" dirty="0">
                 <a:latin typeface="Times New Roman" panose="02020603050405020304" pitchFamily="18" charset="0"/>
                 <a:cs typeface="Times New Roman" panose="02020603050405020304" pitchFamily="18" charset="0"/>
               </a:endParaRPr>
@@ -4342,8 +4328,8 @@
           </p:nvSpPr>
           <p:spPr>
             <a:xfrm>
-              <a:off x="974194" y="1847105"/>
-              <a:ext cx="774571" cy="230832"/>
+              <a:off x="897047" y="1847659"/>
+              <a:ext cx="707245" cy="215444"/>
             </a:xfrm>
             <a:prstGeom prst="rect">
               <a:avLst/>
@@ -4356,13 +4342,13 @@
             <a:lstStyle/>
             <a:p>
               <a:r>
-                <a:rPr lang="en-US" sz="900" dirty="0" err="1">
+                <a:rPr lang="en-US" sz="800" dirty="0" err="1">
                   <a:latin typeface="Times New Roman" panose="02020603050405020304" pitchFamily="18" charset="0"/>
                   <a:cs typeface="Times New Roman" panose="02020603050405020304" pitchFamily="18" charset="0"/>
                 </a:rPr>
                 <a:t>Galantamine</a:t>
               </a:r>
-              <a:endParaRPr lang="en-US" sz="900" dirty="0">
+              <a:endParaRPr lang="en-US" sz="800" dirty="0">
                 <a:latin typeface="Times New Roman" panose="02020603050405020304" pitchFamily="18" charset="0"/>
                 <a:cs typeface="Times New Roman" panose="02020603050405020304" pitchFamily="18" charset="0"/>
               </a:endParaRPr>
@@ -4377,8 +4363,8 @@
           </p:nvSpPr>
           <p:spPr>
             <a:xfrm>
-              <a:off x="1007615" y="2150218"/>
-              <a:ext cx="780983" cy="230832"/>
+              <a:off x="874900" y="1992489"/>
+              <a:ext cx="712054" cy="215444"/>
             </a:xfrm>
             <a:prstGeom prst="rect">
               <a:avLst/>
@@ -4391,13 +4377,13 @@
             <a:lstStyle/>
             <a:p>
               <a:r>
-                <a:rPr lang="en-US" sz="900" dirty="0" err="1">
+                <a:rPr lang="en-US" sz="800" dirty="0" err="1">
                   <a:latin typeface="Times New Roman" panose="02020603050405020304" pitchFamily="18" charset="0"/>
                   <a:cs typeface="Times New Roman" panose="02020603050405020304" pitchFamily="18" charset="0"/>
                 </a:rPr>
                 <a:t>Demecarium</a:t>
               </a:r>
-              <a:endParaRPr lang="en-US" sz="900" dirty="0">
+              <a:endParaRPr lang="en-US" sz="800" dirty="0">
                 <a:latin typeface="Times New Roman" panose="02020603050405020304" pitchFamily="18" charset="0"/>
                 <a:cs typeface="Times New Roman" panose="02020603050405020304" pitchFamily="18" charset="0"/>
               </a:endParaRPr>
@@ -4413,7 +4399,7 @@
           <p:spPr>
             <a:xfrm>
               <a:off x="280643" y="1675013"/>
-              <a:ext cx="319318" cy="230832"/>
+              <a:ext cx="303288" cy="215444"/>
             </a:xfrm>
             <a:prstGeom prst="rect">
               <a:avLst/>
@@ -4426,13 +4412,13 @@
             <a:lstStyle/>
             <a:p>
               <a:r>
-                <a:rPr lang="en-US" sz="900" b="1" dirty="0" smtClean="0">
+                <a:rPr lang="en-US" sz="800" b="1" dirty="0" smtClean="0">
                   <a:latin typeface="Times New Roman" panose="02020603050405020304" pitchFamily="18" charset="0"/>
                   <a:cs typeface="Times New Roman" panose="02020603050405020304" pitchFamily="18" charset="0"/>
                 </a:rPr>
                 <a:t>(3)</a:t>
               </a:r>
-              <a:endParaRPr lang="en-US" sz="900" b="1" dirty="0">
+              <a:endParaRPr lang="en-US" sz="800" b="1" dirty="0">
                 <a:latin typeface="Times New Roman" panose="02020603050405020304" pitchFamily="18" charset="0"/>
                 <a:cs typeface="Times New Roman" panose="02020603050405020304" pitchFamily="18" charset="0"/>
               </a:endParaRPr>
@@ -4448,10 +4434,10 @@
         </p:nvGrpSpPr>
         <p:grpSpPr>
           <a:xfrm>
-            <a:off x="279926" y="2624986"/>
-            <a:ext cx="1626291" cy="1409649"/>
-            <a:chOff x="312580" y="2933751"/>
-            <a:chExt cx="1626291" cy="1409649"/>
+            <a:off x="265472" y="2059862"/>
+            <a:ext cx="1711083" cy="918198"/>
+            <a:chOff x="285475" y="2929957"/>
+            <a:chExt cx="1711083" cy="918198"/>
           </a:xfrm>
         </p:grpSpPr>
         <p:sp>
@@ -4462,8 +4448,8 @@
           </p:nvSpPr>
           <p:spPr>
             <a:xfrm>
-              <a:off x="357304" y="2946167"/>
-              <a:ext cx="1579448" cy="1397233"/>
+              <a:off x="357304" y="2946168"/>
+              <a:ext cx="1579448" cy="876638"/>
             </a:xfrm>
             <a:prstGeom prst="roundRect">
               <a:avLst>
@@ -4502,7 +4488,7 @@
             <a:lstStyle/>
             <a:p>
               <a:pPr algn="ctr"/>
-              <a:endParaRPr lang="en-US" sz="900">
+              <a:endParaRPr lang="en-US" sz="800">
                 <a:latin typeface="Times New Roman" panose="02020603050405020304" pitchFamily="18" charset="0"/>
                 <a:cs typeface="Times New Roman" panose="02020603050405020304" pitchFamily="18" charset="0"/>
               </a:endParaRPr>
@@ -4517,8 +4503,8 @@
           </p:nvSpPr>
           <p:spPr>
             <a:xfrm>
-              <a:off x="354176" y="3112408"/>
-              <a:ext cx="825867" cy="230832"/>
+              <a:off x="334055" y="3072612"/>
+              <a:ext cx="753732" cy="215444"/>
             </a:xfrm>
             <a:prstGeom prst="rect">
               <a:avLst/>
@@ -4531,7 +4517,7 @@
             <a:lstStyle/>
             <a:p>
               <a:r>
-                <a:rPr lang="en-US" sz="900" dirty="0">
+                <a:rPr lang="en-US" sz="800" dirty="0">
                   <a:latin typeface="Times New Roman" panose="02020603050405020304" pitchFamily="18" charset="0"/>
                   <a:cs typeface="Times New Roman" panose="02020603050405020304" pitchFamily="18" charset="0"/>
                 </a:rPr>
@@ -4548,8 +4534,8 @@
           </p:nvSpPr>
           <p:spPr>
             <a:xfrm>
-              <a:off x="348817" y="3253074"/>
-              <a:ext cx="755335" cy="230832"/>
+              <a:off x="306858" y="3217235"/>
+              <a:ext cx="691215" cy="215444"/>
             </a:xfrm>
             <a:prstGeom prst="rect">
               <a:avLst/>
@@ -4562,13 +4548,13 @@
             <a:lstStyle/>
             <a:p>
               <a:r>
-                <a:rPr lang="en-US" sz="900" dirty="0" err="1">
+                <a:rPr lang="en-US" sz="800" dirty="0" err="1">
                   <a:latin typeface="Times New Roman" panose="02020603050405020304" pitchFamily="18" charset="0"/>
                   <a:cs typeface="Times New Roman" panose="02020603050405020304" pitchFamily="18" charset="0"/>
                 </a:rPr>
                 <a:t>Butabarbital</a:t>
               </a:r>
-              <a:endParaRPr lang="en-US" sz="900" dirty="0">
+              <a:endParaRPr lang="en-US" sz="800" dirty="0">
                 <a:latin typeface="Times New Roman" panose="02020603050405020304" pitchFamily="18" charset="0"/>
                 <a:cs typeface="Times New Roman" panose="02020603050405020304" pitchFamily="18" charset="0"/>
               </a:endParaRPr>
@@ -4583,8 +4569,8 @@
           </p:nvSpPr>
           <p:spPr>
             <a:xfrm>
-              <a:off x="995606" y="3257281"/>
-              <a:ext cx="569387" cy="230832"/>
+              <a:off x="1433141" y="3079454"/>
+              <a:ext cx="526106" cy="215444"/>
             </a:xfrm>
             <a:prstGeom prst="rect">
               <a:avLst/>
@@ -4597,13 +4583,13 @@
             <a:lstStyle/>
             <a:p>
               <a:r>
-                <a:rPr lang="en-US" sz="900" dirty="0" err="1">
+                <a:rPr lang="en-US" sz="800" dirty="0" err="1">
                   <a:latin typeface="Times New Roman" panose="02020603050405020304" pitchFamily="18" charset="0"/>
                   <a:cs typeface="Times New Roman" panose="02020603050405020304" pitchFamily="18" charset="0"/>
                 </a:rPr>
                 <a:t>Talbutal</a:t>
               </a:r>
-              <a:endParaRPr lang="en-US" sz="900" dirty="0">
+              <a:endParaRPr lang="en-US" sz="800" dirty="0">
                 <a:latin typeface="Times New Roman" panose="02020603050405020304" pitchFamily="18" charset="0"/>
                 <a:cs typeface="Times New Roman" panose="02020603050405020304" pitchFamily="18" charset="0"/>
               </a:endParaRPr>
@@ -4618,8 +4604,8 @@
           </p:nvSpPr>
           <p:spPr>
             <a:xfrm>
-              <a:off x="352488" y="4046045"/>
-              <a:ext cx="639919" cy="230832"/>
+              <a:off x="317526" y="3627781"/>
+              <a:ext cx="590226" cy="215444"/>
             </a:xfrm>
             <a:prstGeom prst="rect">
               <a:avLst/>
@@ -4632,13 +4618,13 @@
             <a:lstStyle/>
             <a:p>
               <a:r>
-                <a:rPr lang="en-US" sz="900" dirty="0" err="1">
+                <a:rPr lang="en-US" sz="800" dirty="0" err="1">
                   <a:latin typeface="Times New Roman" panose="02020603050405020304" pitchFamily="18" charset="0"/>
                   <a:cs typeface="Times New Roman" panose="02020603050405020304" pitchFamily="18" charset="0"/>
                 </a:rPr>
                 <a:t>Butalbital</a:t>
               </a:r>
-              <a:endParaRPr lang="en-US" sz="900" dirty="0">
+              <a:endParaRPr lang="en-US" sz="800" dirty="0">
                 <a:latin typeface="Times New Roman" panose="02020603050405020304" pitchFamily="18" charset="0"/>
                 <a:cs typeface="Times New Roman" panose="02020603050405020304" pitchFamily="18" charset="0"/>
               </a:endParaRPr>
@@ -4653,8 +4639,8 @@
           </p:nvSpPr>
           <p:spPr>
             <a:xfrm>
-              <a:off x="1138652" y="2947943"/>
-              <a:ext cx="800219" cy="230832"/>
+              <a:off x="1034877" y="2929957"/>
+              <a:ext cx="731290" cy="215444"/>
             </a:xfrm>
             <a:prstGeom prst="rect">
               <a:avLst/>
@@ -4667,7 +4653,7 @@
             <a:lstStyle/>
             <a:p>
               <a:r>
-                <a:rPr lang="en-US" sz="900" dirty="0">
+                <a:rPr lang="en-US" sz="800" dirty="0">
                   <a:latin typeface="Times New Roman" panose="02020603050405020304" pitchFamily="18" charset="0"/>
                   <a:cs typeface="Times New Roman" panose="02020603050405020304" pitchFamily="18" charset="0"/>
                 </a:rPr>
@@ -4684,8 +4670,8 @@
           </p:nvSpPr>
           <p:spPr>
             <a:xfrm>
-              <a:off x="1051503" y="3111488"/>
-              <a:ext cx="684803" cy="230832"/>
+              <a:off x="947869" y="3079454"/>
+              <a:ext cx="628698" cy="215444"/>
             </a:xfrm>
             <a:prstGeom prst="rect">
               <a:avLst/>
@@ -4698,7 +4684,7 @@
             <a:lstStyle/>
             <a:p>
               <a:r>
-                <a:rPr lang="en-US" sz="900" dirty="0">
+                <a:rPr lang="en-US" sz="800" dirty="0">
                   <a:latin typeface="Times New Roman" panose="02020603050405020304" pitchFamily="18" charset="0"/>
                   <a:cs typeface="Times New Roman" panose="02020603050405020304" pitchFamily="18" charset="0"/>
                 </a:rPr>
@@ -4715,8 +4701,8 @@
           </p:nvSpPr>
           <p:spPr>
             <a:xfrm>
-              <a:off x="338600" y="3736853"/>
-              <a:ext cx="787395" cy="230832"/>
+              <a:off x="488292" y="3498306"/>
+              <a:ext cx="718466" cy="215444"/>
             </a:xfrm>
             <a:prstGeom prst="rect">
               <a:avLst/>
@@ -4729,13 +4715,13 @@
             <a:lstStyle/>
             <a:p>
               <a:r>
-                <a:rPr lang="en-US" sz="900" dirty="0" err="1">
+                <a:rPr lang="en-US" sz="800" dirty="0" err="1">
                   <a:latin typeface="Times New Roman" panose="02020603050405020304" pitchFamily="18" charset="0"/>
                   <a:cs typeface="Times New Roman" panose="02020603050405020304" pitchFamily="18" charset="0"/>
                 </a:rPr>
                 <a:t>Hexobarbital</a:t>
               </a:r>
-              <a:endParaRPr lang="en-US" sz="900" dirty="0">
+              <a:endParaRPr lang="en-US" sz="800" dirty="0">
                 <a:latin typeface="Times New Roman" panose="02020603050405020304" pitchFamily="18" charset="0"/>
                 <a:cs typeface="Times New Roman" panose="02020603050405020304" pitchFamily="18" charset="0"/>
               </a:endParaRPr>
@@ -4750,8 +4736,8 @@
           </p:nvSpPr>
           <p:spPr>
             <a:xfrm>
-              <a:off x="340669" y="3415685"/>
-              <a:ext cx="813043" cy="230832"/>
+              <a:off x="672343" y="3368950"/>
+              <a:ext cx="740908" cy="215444"/>
             </a:xfrm>
             <a:prstGeom prst="rect">
               <a:avLst/>
@@ -4764,13 +4750,13 @@
             <a:lstStyle/>
             <a:p>
               <a:r>
-                <a:rPr lang="en-US" sz="900" dirty="0" err="1">
+                <a:rPr lang="en-US" sz="800" dirty="0" err="1">
                   <a:latin typeface="Times New Roman" panose="02020603050405020304" pitchFamily="18" charset="0"/>
                   <a:cs typeface="Times New Roman" panose="02020603050405020304" pitchFamily="18" charset="0"/>
                 </a:rPr>
                 <a:t>Heptabarbital</a:t>
               </a:r>
-              <a:endParaRPr lang="en-US" sz="900" dirty="0">
+              <a:endParaRPr lang="en-US" sz="800" dirty="0">
                 <a:latin typeface="Times New Roman" panose="02020603050405020304" pitchFamily="18" charset="0"/>
                 <a:cs typeface="Times New Roman" panose="02020603050405020304" pitchFamily="18" charset="0"/>
               </a:endParaRPr>
@@ -4785,8 +4771,8 @@
           </p:nvSpPr>
           <p:spPr>
             <a:xfrm>
-              <a:off x="993938" y="3732568"/>
-              <a:ext cx="761747" cy="230832"/>
+              <a:off x="1069565" y="3500465"/>
+              <a:ext cx="696024" cy="215444"/>
             </a:xfrm>
             <a:prstGeom prst="rect">
               <a:avLst/>
@@ -4799,13 +4785,13 @@
             <a:lstStyle/>
             <a:p>
               <a:r>
-                <a:rPr lang="en-US" sz="900" dirty="0" err="1">
+                <a:rPr lang="en-US" sz="800" dirty="0" err="1">
                   <a:latin typeface="Times New Roman" panose="02020603050405020304" pitchFamily="18" charset="0"/>
                   <a:cs typeface="Times New Roman" panose="02020603050405020304" pitchFamily="18" charset="0"/>
                 </a:rPr>
                 <a:t>Secobarbital</a:t>
               </a:r>
-              <a:endParaRPr lang="en-US" sz="900" dirty="0">
+              <a:endParaRPr lang="en-US" sz="800" dirty="0">
                 <a:latin typeface="Times New Roman" panose="02020603050405020304" pitchFamily="18" charset="0"/>
                 <a:cs typeface="Times New Roman" panose="02020603050405020304" pitchFamily="18" charset="0"/>
               </a:endParaRPr>
@@ -4820,8 +4806,8 @@
           </p:nvSpPr>
           <p:spPr>
             <a:xfrm>
-              <a:off x="348817" y="3896529"/>
-              <a:ext cx="575799" cy="230832"/>
+              <a:off x="285475" y="3370418"/>
+              <a:ext cx="532518" cy="215444"/>
             </a:xfrm>
             <a:prstGeom prst="rect">
               <a:avLst/>
@@ -4834,13 +4820,13 @@
             <a:lstStyle/>
             <a:p>
               <a:r>
-                <a:rPr lang="en-US" sz="900" dirty="0" err="1">
+                <a:rPr lang="en-US" sz="800" dirty="0" err="1">
                   <a:latin typeface="Times New Roman" panose="02020603050405020304" pitchFamily="18" charset="0"/>
                   <a:cs typeface="Times New Roman" panose="02020603050405020304" pitchFamily="18" charset="0"/>
                 </a:rPr>
                 <a:t>Butethal</a:t>
               </a:r>
-              <a:endParaRPr lang="en-US" sz="900" dirty="0">
+              <a:endParaRPr lang="en-US" sz="800" dirty="0">
                 <a:latin typeface="Times New Roman" panose="02020603050405020304" pitchFamily="18" charset="0"/>
                 <a:cs typeface="Times New Roman" panose="02020603050405020304" pitchFamily="18" charset="0"/>
               </a:endParaRPr>
@@ -4855,8 +4841,8 @@
           </p:nvSpPr>
           <p:spPr>
             <a:xfrm>
-              <a:off x="767109" y="3908354"/>
-              <a:ext cx="1152880" cy="230832"/>
+              <a:off x="771262" y="3632711"/>
+              <a:ext cx="1043876" cy="215444"/>
             </a:xfrm>
             <a:prstGeom prst="rect">
               <a:avLst/>
@@ -4869,13 +4855,13 @@
             <a:lstStyle/>
             <a:p>
               <a:r>
-                <a:rPr lang="en-US" sz="900" dirty="0" err="1">
+                <a:rPr lang="en-US" sz="800" dirty="0" err="1">
                   <a:latin typeface="Times New Roman" panose="02020603050405020304" pitchFamily="18" charset="0"/>
                   <a:cs typeface="Times New Roman" panose="02020603050405020304" pitchFamily="18" charset="0"/>
                 </a:rPr>
                 <a:t>Methylphenobarbital</a:t>
               </a:r>
-              <a:endParaRPr lang="en-US" sz="900" dirty="0">
+              <a:endParaRPr lang="en-US" sz="800" dirty="0">
                 <a:latin typeface="Times New Roman" panose="02020603050405020304" pitchFamily="18" charset="0"/>
                 <a:cs typeface="Times New Roman" panose="02020603050405020304" pitchFamily="18" charset="0"/>
               </a:endParaRPr>
@@ -4890,8 +4876,8 @@
           </p:nvSpPr>
           <p:spPr>
             <a:xfrm>
-              <a:off x="338600" y="3578527"/>
-              <a:ext cx="774571" cy="230832"/>
+              <a:off x="1289313" y="3364767"/>
+              <a:ext cx="707245" cy="215444"/>
             </a:xfrm>
             <a:prstGeom prst="rect">
               <a:avLst/>
@@ -4904,13 +4890,13 @@
             <a:lstStyle/>
             <a:p>
               <a:r>
-                <a:rPr lang="en-US" sz="900" dirty="0" err="1">
+                <a:rPr lang="en-US" sz="800" dirty="0" err="1">
                   <a:latin typeface="Times New Roman" panose="02020603050405020304" pitchFamily="18" charset="0"/>
                   <a:cs typeface="Times New Roman" panose="02020603050405020304" pitchFamily="18" charset="0"/>
                 </a:rPr>
                 <a:t>Aprobarbital</a:t>
               </a:r>
-              <a:endParaRPr lang="en-US" sz="900" dirty="0">
+              <a:endParaRPr lang="en-US" sz="800" dirty="0">
                 <a:latin typeface="Times New Roman" panose="02020603050405020304" pitchFamily="18" charset="0"/>
                 <a:cs typeface="Times New Roman" panose="02020603050405020304" pitchFamily="18" charset="0"/>
               </a:endParaRPr>
@@ -4925,8 +4911,8 @@
           </p:nvSpPr>
           <p:spPr>
             <a:xfrm>
-              <a:off x="982744" y="3574242"/>
-              <a:ext cx="665567" cy="230832"/>
+              <a:off x="862983" y="3216962"/>
+              <a:ext cx="612668" cy="215444"/>
             </a:xfrm>
             <a:prstGeom prst="rect">
               <a:avLst/>
@@ -4939,13 +4925,13 @@
             <a:lstStyle/>
             <a:p>
               <a:r>
-                <a:rPr lang="en-US" sz="900" dirty="0" err="1">
+                <a:rPr lang="en-US" sz="800" dirty="0" err="1">
                   <a:latin typeface="Times New Roman" panose="02020603050405020304" pitchFamily="18" charset="0"/>
                   <a:cs typeface="Times New Roman" panose="02020603050405020304" pitchFamily="18" charset="0"/>
                 </a:rPr>
                 <a:t>Primidone</a:t>
               </a:r>
-              <a:endParaRPr lang="en-US" sz="900" dirty="0">
+              <a:endParaRPr lang="en-US" sz="800" dirty="0">
                 <a:latin typeface="Times New Roman" panose="02020603050405020304" pitchFamily="18" charset="0"/>
                 <a:cs typeface="Times New Roman" panose="02020603050405020304" pitchFamily="18" charset="0"/>
               </a:endParaRPr>
@@ -4960,8 +4946,8 @@
           </p:nvSpPr>
           <p:spPr>
             <a:xfrm>
-              <a:off x="504753" y="2942163"/>
-              <a:ext cx="768159" cy="230832"/>
+              <a:off x="476913" y="2930879"/>
+              <a:ext cx="702436" cy="215444"/>
             </a:xfrm>
             <a:prstGeom prst="rect">
               <a:avLst/>
@@ -4974,13 +4960,13 @@
             <a:lstStyle/>
             <a:p>
               <a:r>
-                <a:rPr lang="en-US" sz="900" dirty="0" err="1">
+                <a:rPr lang="en-US" sz="800" dirty="0" err="1">
                   <a:latin typeface="Times New Roman" panose="02020603050405020304" pitchFamily="18" charset="0"/>
                   <a:cs typeface="Times New Roman" panose="02020603050405020304" pitchFamily="18" charset="0"/>
                 </a:rPr>
                 <a:t>Amobarbital</a:t>
               </a:r>
-              <a:endParaRPr lang="en-US" sz="900" dirty="0">
+              <a:endParaRPr lang="en-US" sz="800" dirty="0">
                 <a:latin typeface="Times New Roman" panose="02020603050405020304" pitchFamily="18" charset="0"/>
                 <a:cs typeface="Times New Roman" panose="02020603050405020304" pitchFamily="18" charset="0"/>
               </a:endParaRPr>
@@ -4995,8 +4981,8 @@
           </p:nvSpPr>
           <p:spPr>
             <a:xfrm>
-              <a:off x="1004097" y="3411768"/>
-              <a:ext cx="723275" cy="230832"/>
+              <a:off x="1334197" y="3217235"/>
+              <a:ext cx="662361" cy="215444"/>
             </a:xfrm>
             <a:prstGeom prst="rect">
               <a:avLst/>
@@ -5009,13 +4995,13 @@
             <a:lstStyle/>
             <a:p>
               <a:r>
-                <a:rPr lang="en-US" sz="900" dirty="0" err="1">
+                <a:rPr lang="en-US" sz="800" dirty="0" err="1">
                   <a:latin typeface="Times New Roman" panose="02020603050405020304" pitchFamily="18" charset="0"/>
                   <a:cs typeface="Times New Roman" panose="02020603050405020304" pitchFamily="18" charset="0"/>
                 </a:rPr>
                 <a:t>Metharbital</a:t>
               </a:r>
-              <a:endParaRPr lang="en-US" sz="900" dirty="0">
+              <a:endParaRPr lang="en-US" sz="800" dirty="0">
                 <a:latin typeface="Times New Roman" panose="02020603050405020304" pitchFamily="18" charset="0"/>
                 <a:cs typeface="Times New Roman" panose="02020603050405020304" pitchFamily="18" charset="0"/>
               </a:endParaRPr>
@@ -5031,7 +5017,7 @@
           <p:spPr>
             <a:xfrm>
               <a:off x="312580" y="2933751"/>
-              <a:ext cx="319318" cy="230832"/>
+              <a:ext cx="303288" cy="215444"/>
             </a:xfrm>
             <a:prstGeom prst="rect">
               <a:avLst/>
@@ -5044,13 +5030,13 @@
             <a:lstStyle/>
             <a:p>
               <a:r>
-                <a:rPr lang="en-US" sz="900" b="1" dirty="0" smtClean="0">
+                <a:rPr lang="en-US" sz="800" b="1" dirty="0" smtClean="0">
                   <a:latin typeface="Times New Roman" panose="02020603050405020304" pitchFamily="18" charset="0"/>
                   <a:cs typeface="Times New Roman" panose="02020603050405020304" pitchFamily="18" charset="0"/>
                 </a:rPr>
                 <a:t>(4)</a:t>
               </a:r>
-              <a:endParaRPr lang="en-US" sz="900" b="1" dirty="0">
+              <a:endParaRPr lang="en-US" sz="800" b="1" dirty="0">
                 <a:latin typeface="Times New Roman" panose="02020603050405020304" pitchFamily="18" charset="0"/>
                 <a:cs typeface="Times New Roman" panose="02020603050405020304" pitchFamily="18" charset="0"/>
               </a:endParaRPr>
@@ -5066,8 +5052,8 @@
         </p:nvSpPr>
         <p:spPr>
           <a:xfrm>
-            <a:off x="2047369" y="3124200"/>
-            <a:ext cx="338554" cy="230832"/>
+            <a:off x="2051510" y="2187763"/>
+            <a:ext cx="320922" cy="215444"/>
           </a:xfrm>
           <a:prstGeom prst="rect">
             <a:avLst/>
@@ -5080,13 +5066,13 @@
           <a:lstStyle/>
           <a:p>
             <a:r>
-              <a:rPr lang="en-US" sz="900" b="1" dirty="0" smtClean="0">
+              <a:rPr lang="en-US" sz="800" b="1" dirty="0" smtClean="0">
                 <a:latin typeface="Times New Roman" panose="02020603050405020304" pitchFamily="18" charset="0"/>
                 <a:cs typeface="Times New Roman" panose="02020603050405020304" pitchFamily="18" charset="0"/>
               </a:rPr>
               <a:t>(E)</a:t>
             </a:r>
-            <a:endParaRPr lang="en-US" sz="900" b="1" dirty="0">
+            <a:endParaRPr lang="en-US" sz="800" b="1" dirty="0">
               <a:latin typeface="Times New Roman" panose="02020603050405020304" pitchFamily="18" charset="0"/>
               <a:cs typeface="Times New Roman" panose="02020603050405020304" pitchFamily="18" charset="0"/>
             </a:endParaRPr>
@@ -5101,8 +5087,8 @@
         </p:nvSpPr>
         <p:spPr>
           <a:xfrm>
-            <a:off x="2030090" y="279002"/>
-            <a:ext cx="338554" cy="230832"/>
+            <a:off x="2030728" y="412248"/>
+            <a:ext cx="320922" cy="215444"/>
           </a:xfrm>
           <a:prstGeom prst="rect">
             <a:avLst/>
@@ -5115,13 +5101,13 @@
           <a:lstStyle/>
           <a:p>
             <a:r>
-              <a:rPr lang="en-US" sz="900" b="1" dirty="0" smtClean="0">
+              <a:rPr lang="en-US" sz="800" b="1" dirty="0" smtClean="0">
                 <a:latin typeface="Times New Roman" panose="02020603050405020304" pitchFamily="18" charset="0"/>
                 <a:cs typeface="Times New Roman" panose="02020603050405020304" pitchFamily="18" charset="0"/>
               </a:rPr>
               <a:t>(B)</a:t>
             </a:r>
-            <a:endParaRPr lang="en-US" sz="900" b="1" dirty="0">
+            <a:endParaRPr lang="en-US" sz="800" b="1" dirty="0">
               <a:latin typeface="Times New Roman" panose="02020603050405020304" pitchFamily="18" charset="0"/>
               <a:cs typeface="Times New Roman" panose="02020603050405020304" pitchFamily="18" charset="0"/>
             </a:endParaRPr>
@@ -5136,10 +5122,10 @@
         </p:nvGrpSpPr>
         <p:grpSpPr>
           <a:xfrm>
-            <a:off x="2119174" y="1153171"/>
-            <a:ext cx="968186" cy="370829"/>
+            <a:off x="2153785" y="861030"/>
+            <a:ext cx="831678" cy="347644"/>
             <a:chOff x="2895001" y="779818"/>
-            <a:chExt cx="968186" cy="370829"/>
+            <a:chExt cx="831678" cy="347644"/>
           </a:xfrm>
         </p:grpSpPr>
         <p:sp>
@@ -5150,8 +5136,8 @@
           </p:nvSpPr>
           <p:spPr>
             <a:xfrm>
-              <a:off x="2940352" y="796666"/>
-              <a:ext cx="922835" cy="318252"/>
+              <a:off x="2940353" y="821936"/>
+              <a:ext cx="786326" cy="282190"/>
             </a:xfrm>
             <a:prstGeom prst="roundRect">
               <a:avLst/>
@@ -5188,7 +5174,7 @@
             <a:lstStyle/>
             <a:p>
               <a:pPr algn="ctr"/>
-              <a:endParaRPr lang="en-US" sz="900">
+              <a:endParaRPr lang="en-US" sz="800">
                 <a:latin typeface="Times New Roman" panose="02020603050405020304" pitchFamily="18" charset="0"/>
                 <a:cs typeface="Times New Roman" panose="02020603050405020304" pitchFamily="18" charset="0"/>
               </a:endParaRPr>
@@ -5203,8 +5189,8 @@
           </p:nvSpPr>
           <p:spPr>
             <a:xfrm>
-              <a:off x="3189351" y="919815"/>
-              <a:ext cx="582211" cy="230832"/>
+              <a:off x="3110983" y="912018"/>
+              <a:ext cx="537327" cy="215444"/>
             </a:xfrm>
             <a:prstGeom prst="rect">
               <a:avLst/>
@@ -5217,7 +5203,7 @@
             <a:lstStyle/>
             <a:p>
               <a:r>
-                <a:rPr lang="en-US" sz="900" dirty="0">
+                <a:rPr lang="en-US" sz="800" dirty="0">
                   <a:latin typeface="Times New Roman" panose="02020603050405020304" pitchFamily="18" charset="0"/>
                   <a:cs typeface="Times New Roman" panose="02020603050405020304" pitchFamily="18" charset="0"/>
                 </a:rPr>
@@ -5234,8 +5220,8 @@
           </p:nvSpPr>
           <p:spPr>
             <a:xfrm>
-              <a:off x="3120193" y="789281"/>
-              <a:ext cx="723275" cy="230832"/>
+              <a:off x="3065730" y="789134"/>
+              <a:ext cx="660758" cy="215444"/>
             </a:xfrm>
             <a:prstGeom prst="rect">
               <a:avLst/>
@@ -5248,13 +5234,13 @@
             <a:lstStyle/>
             <a:p>
               <a:r>
-                <a:rPr lang="en-US" sz="900" dirty="0" err="1">
+                <a:rPr lang="en-US" sz="800" dirty="0" err="1">
                   <a:latin typeface="Times New Roman" panose="02020603050405020304" pitchFamily="18" charset="0"/>
                   <a:cs typeface="Times New Roman" panose="02020603050405020304" pitchFamily="18" charset="0"/>
                 </a:rPr>
                 <a:t>Varenicline</a:t>
               </a:r>
-              <a:endParaRPr lang="en-US" sz="900" dirty="0">
+              <a:endParaRPr lang="en-US" sz="800" dirty="0">
                 <a:latin typeface="Times New Roman" panose="02020603050405020304" pitchFamily="18" charset="0"/>
                 <a:cs typeface="Times New Roman" panose="02020603050405020304" pitchFamily="18" charset="0"/>
               </a:endParaRPr>
@@ -5270,7 +5256,7 @@
           <p:spPr>
             <a:xfrm>
               <a:off x="2895001" y="779818"/>
-              <a:ext cx="319318" cy="230832"/>
+              <a:ext cx="303288" cy="215444"/>
             </a:xfrm>
             <a:prstGeom prst="rect">
               <a:avLst/>
@@ -5283,13 +5269,13 @@
             <a:lstStyle/>
             <a:p>
               <a:r>
-                <a:rPr lang="en-US" sz="900" b="1" dirty="0" smtClean="0">
+                <a:rPr lang="en-US" sz="800" b="1" dirty="0" smtClean="0">
                   <a:latin typeface="Times New Roman" panose="02020603050405020304" pitchFamily="18" charset="0"/>
                   <a:cs typeface="Times New Roman" panose="02020603050405020304" pitchFamily="18" charset="0"/>
                 </a:rPr>
                 <a:t>(5)</a:t>
               </a:r>
-              <a:endParaRPr lang="en-US" sz="900" b="1" dirty="0">
+              <a:endParaRPr lang="en-US" sz="800" b="1" dirty="0">
                 <a:latin typeface="Times New Roman" panose="02020603050405020304" pitchFamily="18" charset="0"/>
                 <a:cs typeface="Times New Roman" panose="02020603050405020304" pitchFamily="18" charset="0"/>
               </a:endParaRPr>
@@ -5305,8 +5291,8 @@
         </p:nvSpPr>
         <p:spPr>
           <a:xfrm>
-            <a:off x="2044163" y="1608493"/>
-            <a:ext cx="344966" cy="230832"/>
+            <a:off x="2044163" y="1222115"/>
+            <a:ext cx="325730" cy="215444"/>
           </a:xfrm>
           <a:prstGeom prst="rect">
             <a:avLst/>
@@ -5319,13 +5305,13 @@
           <a:lstStyle/>
           <a:p>
             <a:r>
-              <a:rPr lang="en-US" sz="900" b="1" dirty="0" smtClean="0">
+              <a:rPr lang="en-US" sz="800" b="1" dirty="0" smtClean="0">
                 <a:latin typeface="Times New Roman" panose="02020603050405020304" pitchFamily="18" charset="0"/>
                 <a:cs typeface="Times New Roman" panose="02020603050405020304" pitchFamily="18" charset="0"/>
               </a:rPr>
               <a:t>(C)</a:t>
             </a:r>
-            <a:endParaRPr lang="en-US" sz="900" b="1" dirty="0">
+            <a:endParaRPr lang="en-US" sz="800" b="1" dirty="0">
               <a:latin typeface="Times New Roman" panose="02020603050405020304" pitchFamily="18" charset="0"/>
               <a:cs typeface="Times New Roman" panose="02020603050405020304" pitchFamily="18" charset="0"/>
             </a:endParaRPr>
@@ -5340,8 +5326,8 @@
         </p:nvSpPr>
         <p:spPr>
           <a:xfrm>
-            <a:off x="2054077" y="2311365"/>
-            <a:ext cx="344966" cy="230832"/>
+            <a:off x="2030261" y="1701581"/>
+            <a:ext cx="325730" cy="215444"/>
           </a:xfrm>
           <a:prstGeom prst="rect">
             <a:avLst/>
@@ -5354,13 +5340,13 @@
           <a:lstStyle/>
           <a:p>
             <a:r>
-              <a:rPr lang="en-US" sz="900" b="1" dirty="0" smtClean="0">
+              <a:rPr lang="en-US" sz="800" b="1" dirty="0" smtClean="0">
                 <a:latin typeface="Times New Roman" panose="02020603050405020304" pitchFamily="18" charset="0"/>
                 <a:cs typeface="Times New Roman" panose="02020603050405020304" pitchFamily="18" charset="0"/>
               </a:rPr>
               <a:t>(D)</a:t>
             </a:r>
-            <a:endParaRPr lang="en-US" sz="900" b="1" dirty="0">
+            <a:endParaRPr lang="en-US" sz="800" b="1" dirty="0">
               <a:latin typeface="Times New Roman" panose="02020603050405020304" pitchFamily="18" charset="0"/>
               <a:cs typeface="Times New Roman" panose="02020603050405020304" pitchFamily="18" charset="0"/>
             </a:endParaRPr>
@@ -5376,7 +5362,7 @@
         <p:spPr>
           <a:xfrm>
             <a:off x="324460" y="610081"/>
-            <a:ext cx="1025122" cy="523028"/>
+            <a:ext cx="745387" cy="473062"/>
           </a:xfrm>
           <a:prstGeom prst="roundRect">
             <a:avLst/>
@@ -5413,7 +5399,7 @@
           <a:lstStyle/>
           <a:p>
             <a:pPr algn="ctr"/>
-            <a:endParaRPr lang="en-US" sz="900">
+            <a:endParaRPr lang="en-US" sz="800">
               <a:latin typeface="Times New Roman" panose="02020603050405020304" pitchFamily="18" charset="0"/>
               <a:cs typeface="Times New Roman" panose="02020603050405020304" pitchFamily="18" charset="0"/>
             </a:endParaRPr>
@@ -5428,8 +5414,8 @@
         </p:nvSpPr>
         <p:spPr>
           <a:xfrm>
-            <a:off x="506187" y="749224"/>
-            <a:ext cx="659155" cy="230832"/>
+            <a:off x="427412" y="589361"/>
+            <a:ext cx="606256" cy="215444"/>
           </a:xfrm>
           <a:prstGeom prst="rect">
             <a:avLst/>
@@ -5442,13 +5428,13 @@
           <a:lstStyle/>
           <a:p>
             <a:r>
-              <a:rPr lang="en-US" sz="900" dirty="0" err="1">
+              <a:rPr lang="en-US" sz="800" dirty="0" err="1">
                 <a:latin typeface="Times New Roman" panose="02020603050405020304" pitchFamily="18" charset="0"/>
                 <a:cs typeface="Times New Roman" panose="02020603050405020304" pitchFamily="18" charset="0"/>
               </a:rPr>
               <a:t>Malathion</a:t>
             </a:r>
-            <a:endParaRPr lang="en-US" sz="900" dirty="0">
+            <a:endParaRPr lang="en-US" sz="800" dirty="0">
               <a:latin typeface="Times New Roman" panose="02020603050405020304" pitchFamily="18" charset="0"/>
               <a:cs typeface="Times New Roman" panose="02020603050405020304" pitchFamily="18" charset="0"/>
             </a:endParaRPr>
@@ -5463,8 +5449,8 @@
         </p:nvSpPr>
         <p:spPr>
           <a:xfrm>
-            <a:off x="471581" y="586535"/>
-            <a:ext cx="889987" cy="230832"/>
+            <a:off x="294035" y="848165"/>
+            <a:ext cx="809837" cy="215444"/>
           </a:xfrm>
           <a:prstGeom prst="rect">
             <a:avLst/>
@@ -5477,13 +5463,13 @@
           <a:lstStyle/>
           <a:p>
             <a:r>
-              <a:rPr lang="en-US" sz="900" dirty="0" err="1">
+              <a:rPr lang="en-US" sz="800" dirty="0" err="1">
                 <a:latin typeface="Times New Roman" panose="02020603050405020304" pitchFamily="18" charset="0"/>
                 <a:cs typeface="Times New Roman" panose="02020603050405020304" pitchFamily="18" charset="0"/>
               </a:rPr>
               <a:t>Hexafluronium</a:t>
             </a:r>
-            <a:endParaRPr lang="en-US" sz="900" dirty="0">
+            <a:endParaRPr lang="en-US" sz="800" dirty="0">
               <a:latin typeface="Times New Roman" panose="02020603050405020304" pitchFamily="18" charset="0"/>
               <a:cs typeface="Times New Roman" panose="02020603050405020304" pitchFamily="18" charset="0"/>
             </a:endParaRPr>
@@ -5498,8 +5484,8 @@
         </p:nvSpPr>
         <p:spPr>
           <a:xfrm>
-            <a:off x="422028" y="912168"/>
-            <a:ext cx="851515" cy="230832"/>
+            <a:off x="293672" y="722251"/>
+            <a:ext cx="776175" cy="215444"/>
           </a:xfrm>
           <a:prstGeom prst="rect">
             <a:avLst/>
@@ -5512,13 +5498,13 @@
           <a:lstStyle/>
           <a:p>
             <a:r>
-              <a:rPr lang="en-US" sz="900" dirty="0" err="1">
+              <a:rPr lang="en-US" sz="800" dirty="0" err="1">
                 <a:latin typeface="Times New Roman" panose="02020603050405020304" pitchFamily="18" charset="0"/>
                 <a:cs typeface="Times New Roman" panose="02020603050405020304" pitchFamily="18" charset="0"/>
               </a:rPr>
               <a:t>Echothiophate</a:t>
             </a:r>
-            <a:endParaRPr lang="en-US" sz="900" dirty="0">
+            <a:endParaRPr lang="en-US" sz="800" dirty="0">
               <a:latin typeface="Times New Roman" panose="02020603050405020304" pitchFamily="18" charset="0"/>
               <a:cs typeface="Times New Roman" panose="02020603050405020304" pitchFamily="18" charset="0"/>
             </a:endParaRPr>
@@ -5534,7 +5520,7 @@
         <p:spPr>
           <a:xfrm>
             <a:off x="285508" y="582646"/>
-            <a:ext cx="319318" cy="230832"/>
+            <a:ext cx="303288" cy="215444"/>
           </a:xfrm>
           <a:prstGeom prst="rect">
             <a:avLst/>
@@ -5547,13 +5533,13 @@
           <a:lstStyle/>
           <a:p>
             <a:r>
-              <a:rPr lang="en-US" sz="900" b="1" dirty="0" smtClean="0">
+              <a:rPr lang="en-US" sz="800" b="1" dirty="0" smtClean="0">
                 <a:latin typeface="Times New Roman" panose="02020603050405020304" pitchFamily="18" charset="0"/>
                 <a:cs typeface="Times New Roman" panose="02020603050405020304" pitchFamily="18" charset="0"/>
               </a:rPr>
               <a:t>(1)</a:t>
             </a:r>
-            <a:endParaRPr lang="en-US" sz="900" b="1" dirty="0">
+            <a:endParaRPr lang="en-US" sz="800" b="1" dirty="0">
               <a:latin typeface="Times New Roman" panose="02020603050405020304" pitchFamily="18" charset="0"/>
               <a:cs typeface="Times New Roman" panose="02020603050405020304" pitchFamily="18" charset="0"/>
             </a:endParaRPr>
@@ -5570,7 +5556,7 @@
         </p:nvSpPr>
         <p:spPr>
           <a:xfrm rot="5400000">
-            <a:off x="1300095" y="3896102"/>
+            <a:off x="1327897" y="2418434"/>
             <a:ext cx="876462" cy="3096000"/>
           </a:xfrm>
           <a:prstGeom prst="rect">
@@ -5599,6 +5585,41 @@
           <a:p>
             <a:pPr algn="ctr"/>
             <a:endParaRPr lang="en-US" sz="900"/>
+          </a:p>
+        </p:txBody>
+      </p:sp>
+      <p:sp>
+        <p:nvSpPr>
+          <p:cNvPr id="71" name="Rectangle 70"/>
+          <p:cNvSpPr/>
+          <p:nvPr/>
+        </p:nvSpPr>
+        <p:spPr>
+          <a:xfrm>
+            <a:off x="1275727" y="715241"/>
+            <a:ext cx="726746" cy="215444"/>
+          </a:xfrm>
+          <a:prstGeom prst="rect">
+            <a:avLst/>
+          </a:prstGeom>
+        </p:spPr>
+        <p:txBody>
+          <a:bodyPr wrap="square">
+            <a:spAutoFit/>
+          </a:bodyPr>
+          <a:lstStyle/>
+          <a:p>
+            <a:r>
+              <a:rPr lang="en-US" sz="800" dirty="0" err="1" smtClean="0">
+                <a:latin typeface="Times New Roman" panose="02020603050405020304" pitchFamily="18" charset="0"/>
+                <a:cs typeface="Times New Roman" panose="02020603050405020304" pitchFamily="18" charset="0"/>
+              </a:rPr>
+              <a:t>Triethiodide</a:t>
+            </a:r>
+            <a:endParaRPr lang="en-US" sz="800" dirty="0">
+              <a:latin typeface="Times New Roman" panose="02020603050405020304" pitchFamily="18" charset="0"/>
+              <a:cs typeface="Times New Roman" panose="02020603050405020304" pitchFamily="18" charset="0"/>
+            </a:endParaRPr>
           </a:p>
         </p:txBody>
       </p:sp>
